--- a/Draft_Presentation.pptx
+++ b/Draft_Presentation.pptx
@@ -4,18 +4,28 @@
   <p:sldMasterIdLst>
     <p:sldMasterId id="2147483648" r:id="rId1"/>
   </p:sldMasterIdLst>
+  <p:notesMasterIdLst>
+    <p:notesMasterId r:id="rId20"/>
+  </p:notesMasterIdLst>
   <p:sldIdLst>
     <p:sldId id="256" r:id="rId2"/>
     <p:sldId id="257" r:id="rId3"/>
-    <p:sldId id="258" r:id="rId4"/>
-    <p:sldId id="259" r:id="rId5"/>
-    <p:sldId id="260" r:id="rId6"/>
-    <p:sldId id="261" r:id="rId7"/>
-    <p:sldId id="262" r:id="rId8"/>
-    <p:sldId id="263" r:id="rId9"/>
-    <p:sldId id="264" r:id="rId10"/>
-    <p:sldId id="265" r:id="rId11"/>
-    <p:sldId id="266" r:id="rId12"/>
+    <p:sldId id="267" r:id="rId4"/>
+    <p:sldId id="268" r:id="rId5"/>
+    <p:sldId id="269" r:id="rId6"/>
+    <p:sldId id="270" r:id="rId7"/>
+    <p:sldId id="271" r:id="rId8"/>
+    <p:sldId id="272" r:id="rId9"/>
+    <p:sldId id="259" r:id="rId10"/>
+    <p:sldId id="273" r:id="rId11"/>
+    <p:sldId id="274" r:id="rId12"/>
+    <p:sldId id="275" r:id="rId13"/>
+    <p:sldId id="260" r:id="rId14"/>
+    <p:sldId id="262" r:id="rId15"/>
+    <p:sldId id="263" r:id="rId16"/>
+    <p:sldId id="264" r:id="rId17"/>
+    <p:sldId id="265" r:id="rId18"/>
+    <p:sldId id="266" r:id="rId19"/>
   </p:sldIdLst>
   <p:sldSz cx="12192000" cy="6858000"/>
   <p:notesSz cx="6858000" cy="9144000"/>
@@ -114,7 +124,529 @@
       </a:defRPr>
     </a:lvl9pPr>
   </p:defaultTextStyle>
+  <p:extLst>
+    <p:ext uri="{EFAFB233-063F-42B5-8137-9DF3F51BA10A}">
+      <p15:sldGuideLst xmlns:p15="http://schemas.microsoft.com/office/powerpoint/2012/main"/>
+    </p:ext>
+  </p:extLst>
 </p:presentation>
+</file>
+
+<file path=ppt/notesMasters/notesMaster1.xml><?xml version="1.0" encoding="utf-8"?>
+<p:notesMaster xmlns:a="http://schemas.openxmlformats.org/drawingml/2006/main" xmlns:r="http://schemas.openxmlformats.org/officeDocument/2006/relationships" xmlns:p="http://schemas.openxmlformats.org/presentationml/2006/main">
+  <p:cSld>
+    <p:bg>
+      <p:bgRef idx="1001">
+        <a:schemeClr val="bg1"/>
+      </p:bgRef>
+    </p:bg>
+    <p:spTree>
+      <p:nvGrpSpPr>
+        <p:cNvPr id="1" name=""/>
+        <p:cNvGrpSpPr/>
+        <p:nvPr/>
+      </p:nvGrpSpPr>
+      <p:grpSpPr>
+        <a:xfrm>
+          <a:off x="0" y="0"/>
+          <a:ext cx="0" cy="0"/>
+          <a:chOff x="0" y="0"/>
+          <a:chExt cx="0" cy="0"/>
+        </a:xfrm>
+      </p:grpSpPr>
+      <p:sp>
+        <p:nvSpPr>
+          <p:cNvPr id="2" name="Header Placeholder 1"/>
+          <p:cNvSpPr>
+            <a:spLocks noGrp="1"/>
+          </p:cNvSpPr>
+          <p:nvPr>
+            <p:ph type="hdr" sz="quarter"/>
+          </p:nvPr>
+        </p:nvSpPr>
+        <p:spPr>
+          <a:xfrm>
+            <a:off x="0" y="0"/>
+            <a:ext cx="2971800" cy="458788"/>
+          </a:xfrm>
+          <a:prstGeom prst="rect">
+            <a:avLst/>
+          </a:prstGeom>
+        </p:spPr>
+        <p:txBody>
+          <a:bodyPr vert="horz" lIns="91440" tIns="45720" rIns="91440" bIns="45720" rtlCol="0"/>
+          <a:lstStyle>
+            <a:lvl1pPr algn="l">
+              <a:defRPr sz="1200"/>
+            </a:lvl1pPr>
+          </a:lstStyle>
+          <a:p>
+            <a:endParaRPr lang="en-US"/>
+          </a:p>
+        </p:txBody>
+      </p:sp>
+      <p:sp>
+        <p:nvSpPr>
+          <p:cNvPr id="3" name="Date Placeholder 2"/>
+          <p:cNvSpPr>
+            <a:spLocks noGrp="1"/>
+          </p:cNvSpPr>
+          <p:nvPr>
+            <p:ph type="dt" idx="1"/>
+          </p:nvPr>
+        </p:nvSpPr>
+        <p:spPr>
+          <a:xfrm>
+            <a:off x="3884613" y="0"/>
+            <a:ext cx="2971800" cy="458788"/>
+          </a:xfrm>
+          <a:prstGeom prst="rect">
+            <a:avLst/>
+          </a:prstGeom>
+        </p:spPr>
+        <p:txBody>
+          <a:bodyPr vert="horz" lIns="91440" tIns="45720" rIns="91440" bIns="45720" rtlCol="0"/>
+          <a:lstStyle>
+            <a:lvl1pPr algn="r">
+              <a:defRPr sz="1200"/>
+            </a:lvl1pPr>
+          </a:lstStyle>
+          <a:p>
+            <a:fld id="{F64E31FB-9623-2746-A1DE-58E6A3A258CE}" type="datetimeFigureOut">
+              <a:rPr lang="en-US" smtClean="0"/>
+              <a:t>11/27/21</a:t>
+            </a:fld>
+            <a:endParaRPr lang="en-US"/>
+          </a:p>
+        </p:txBody>
+      </p:sp>
+      <p:sp>
+        <p:nvSpPr>
+          <p:cNvPr id="4" name="Slide Image Placeholder 3"/>
+          <p:cNvSpPr>
+            <a:spLocks noGrp="1" noRot="1" noChangeAspect="1"/>
+          </p:cNvSpPr>
+          <p:nvPr>
+            <p:ph type="sldImg" idx="2"/>
+          </p:nvPr>
+        </p:nvSpPr>
+        <p:spPr>
+          <a:xfrm>
+            <a:off x="685800" y="1143000"/>
+            <a:ext cx="5486400" cy="3086100"/>
+          </a:xfrm>
+          <a:prstGeom prst="rect">
+            <a:avLst/>
+          </a:prstGeom>
+          <a:noFill/>
+          <a:ln w="12700">
+            <a:solidFill>
+              <a:prstClr val="black"/>
+            </a:solidFill>
+          </a:ln>
+        </p:spPr>
+        <p:txBody>
+          <a:bodyPr vert="horz" lIns="91440" tIns="45720" rIns="91440" bIns="45720" rtlCol="0" anchor="ctr"/>
+          <a:lstStyle/>
+          <a:p>
+            <a:endParaRPr lang="en-US"/>
+          </a:p>
+        </p:txBody>
+      </p:sp>
+      <p:sp>
+        <p:nvSpPr>
+          <p:cNvPr id="5" name="Notes Placeholder 4"/>
+          <p:cNvSpPr>
+            <a:spLocks noGrp="1"/>
+          </p:cNvSpPr>
+          <p:nvPr>
+            <p:ph type="body" sz="quarter" idx="3"/>
+          </p:nvPr>
+        </p:nvSpPr>
+        <p:spPr>
+          <a:xfrm>
+            <a:off x="685800" y="4400550"/>
+            <a:ext cx="5486400" cy="3600450"/>
+          </a:xfrm>
+          <a:prstGeom prst="rect">
+            <a:avLst/>
+          </a:prstGeom>
+        </p:spPr>
+        <p:txBody>
+          <a:bodyPr vert="horz" lIns="91440" tIns="45720" rIns="91440" bIns="45720" rtlCol="0"/>
+          <a:lstStyle/>
+          <a:p>
+            <a:pPr lvl="0"/>
+            <a:r>
+              <a:rPr lang="en-US"/>
+              <a:t>Click to edit Master text styles</a:t>
+            </a:r>
+          </a:p>
+          <a:p>
+            <a:pPr lvl="1"/>
+            <a:r>
+              <a:rPr lang="en-US"/>
+              <a:t>Second level</a:t>
+            </a:r>
+          </a:p>
+          <a:p>
+            <a:pPr lvl="2"/>
+            <a:r>
+              <a:rPr lang="en-US"/>
+              <a:t>Third level</a:t>
+            </a:r>
+          </a:p>
+          <a:p>
+            <a:pPr lvl="3"/>
+            <a:r>
+              <a:rPr lang="en-US"/>
+              <a:t>Fourth level</a:t>
+            </a:r>
+          </a:p>
+          <a:p>
+            <a:pPr lvl="4"/>
+            <a:r>
+              <a:rPr lang="en-US"/>
+              <a:t>Fifth level</a:t>
+            </a:r>
+          </a:p>
+        </p:txBody>
+      </p:sp>
+      <p:sp>
+        <p:nvSpPr>
+          <p:cNvPr id="6" name="Footer Placeholder 5"/>
+          <p:cNvSpPr>
+            <a:spLocks noGrp="1"/>
+          </p:cNvSpPr>
+          <p:nvPr>
+            <p:ph type="ftr" sz="quarter" idx="4"/>
+          </p:nvPr>
+        </p:nvSpPr>
+        <p:spPr>
+          <a:xfrm>
+            <a:off x="0" y="8685213"/>
+            <a:ext cx="2971800" cy="458787"/>
+          </a:xfrm>
+          <a:prstGeom prst="rect">
+            <a:avLst/>
+          </a:prstGeom>
+        </p:spPr>
+        <p:txBody>
+          <a:bodyPr vert="horz" lIns="91440" tIns="45720" rIns="91440" bIns="45720" rtlCol="0" anchor="b"/>
+          <a:lstStyle>
+            <a:lvl1pPr algn="l">
+              <a:defRPr sz="1200"/>
+            </a:lvl1pPr>
+          </a:lstStyle>
+          <a:p>
+            <a:endParaRPr lang="en-US"/>
+          </a:p>
+        </p:txBody>
+      </p:sp>
+      <p:sp>
+        <p:nvSpPr>
+          <p:cNvPr id="7" name="Slide Number Placeholder 6"/>
+          <p:cNvSpPr>
+            <a:spLocks noGrp="1"/>
+          </p:cNvSpPr>
+          <p:nvPr>
+            <p:ph type="sldNum" sz="quarter" idx="5"/>
+          </p:nvPr>
+        </p:nvSpPr>
+        <p:spPr>
+          <a:xfrm>
+            <a:off x="3884613" y="8685213"/>
+            <a:ext cx="2971800" cy="458787"/>
+          </a:xfrm>
+          <a:prstGeom prst="rect">
+            <a:avLst/>
+          </a:prstGeom>
+        </p:spPr>
+        <p:txBody>
+          <a:bodyPr vert="horz" lIns="91440" tIns="45720" rIns="91440" bIns="45720" rtlCol="0" anchor="b"/>
+          <a:lstStyle>
+            <a:lvl1pPr algn="r">
+              <a:defRPr sz="1200"/>
+            </a:lvl1pPr>
+          </a:lstStyle>
+          <a:p>
+            <a:fld id="{225A3874-4845-C24D-84D6-E516C0B9F954}" type="slidenum">
+              <a:rPr lang="en-US" smtClean="0"/>
+              <a:t>‹#›</a:t>
+            </a:fld>
+            <a:endParaRPr lang="en-US"/>
+          </a:p>
+        </p:txBody>
+      </p:sp>
+    </p:spTree>
+    <p:extLst>
+      <p:ext uri="{BB962C8B-B14F-4D97-AF65-F5344CB8AC3E}">
+        <p14:creationId xmlns:p14="http://schemas.microsoft.com/office/powerpoint/2010/main" val="3559436375"/>
+      </p:ext>
+    </p:extLst>
+  </p:cSld>
+  <p:clrMap bg1="lt1" tx1="dk1" bg2="lt2" tx2="dk2" accent1="accent1" accent2="accent2" accent3="accent3" accent4="accent4" accent5="accent5" accent6="accent6" hlink="hlink" folHlink="folHlink"/>
+  <p:notesStyle>
+    <a:lvl1pPr marL="0" algn="l" defTabSz="914400" rtl="0" eaLnBrk="1" latinLnBrk="0" hangingPunct="1">
+      <a:defRPr sz="1200" kern="1200">
+        <a:solidFill>
+          <a:schemeClr val="tx1"/>
+        </a:solidFill>
+        <a:latin typeface="+mn-lt"/>
+        <a:ea typeface="+mn-ea"/>
+        <a:cs typeface="+mn-cs"/>
+      </a:defRPr>
+    </a:lvl1pPr>
+    <a:lvl2pPr marL="457200" algn="l" defTabSz="914400" rtl="0" eaLnBrk="1" latinLnBrk="0" hangingPunct="1">
+      <a:defRPr sz="1200" kern="1200">
+        <a:solidFill>
+          <a:schemeClr val="tx1"/>
+        </a:solidFill>
+        <a:latin typeface="+mn-lt"/>
+        <a:ea typeface="+mn-ea"/>
+        <a:cs typeface="+mn-cs"/>
+      </a:defRPr>
+    </a:lvl2pPr>
+    <a:lvl3pPr marL="914400" algn="l" defTabSz="914400" rtl="0" eaLnBrk="1" latinLnBrk="0" hangingPunct="1">
+      <a:defRPr sz="1200" kern="1200">
+        <a:solidFill>
+          <a:schemeClr val="tx1"/>
+        </a:solidFill>
+        <a:latin typeface="+mn-lt"/>
+        <a:ea typeface="+mn-ea"/>
+        <a:cs typeface="+mn-cs"/>
+      </a:defRPr>
+    </a:lvl3pPr>
+    <a:lvl4pPr marL="1371600" algn="l" defTabSz="914400" rtl="0" eaLnBrk="1" latinLnBrk="0" hangingPunct="1">
+      <a:defRPr sz="1200" kern="1200">
+        <a:solidFill>
+          <a:schemeClr val="tx1"/>
+        </a:solidFill>
+        <a:latin typeface="+mn-lt"/>
+        <a:ea typeface="+mn-ea"/>
+        <a:cs typeface="+mn-cs"/>
+      </a:defRPr>
+    </a:lvl4pPr>
+    <a:lvl5pPr marL="1828800" algn="l" defTabSz="914400" rtl="0" eaLnBrk="1" latinLnBrk="0" hangingPunct="1">
+      <a:defRPr sz="1200" kern="1200">
+        <a:solidFill>
+          <a:schemeClr val="tx1"/>
+        </a:solidFill>
+        <a:latin typeface="+mn-lt"/>
+        <a:ea typeface="+mn-ea"/>
+        <a:cs typeface="+mn-cs"/>
+      </a:defRPr>
+    </a:lvl5pPr>
+    <a:lvl6pPr marL="2286000" algn="l" defTabSz="914400" rtl="0" eaLnBrk="1" latinLnBrk="0" hangingPunct="1">
+      <a:defRPr sz="1200" kern="1200">
+        <a:solidFill>
+          <a:schemeClr val="tx1"/>
+        </a:solidFill>
+        <a:latin typeface="+mn-lt"/>
+        <a:ea typeface="+mn-ea"/>
+        <a:cs typeface="+mn-cs"/>
+      </a:defRPr>
+    </a:lvl6pPr>
+    <a:lvl7pPr marL="2743200" algn="l" defTabSz="914400" rtl="0" eaLnBrk="1" latinLnBrk="0" hangingPunct="1">
+      <a:defRPr sz="1200" kern="1200">
+        <a:solidFill>
+          <a:schemeClr val="tx1"/>
+        </a:solidFill>
+        <a:latin typeface="+mn-lt"/>
+        <a:ea typeface="+mn-ea"/>
+        <a:cs typeface="+mn-cs"/>
+      </a:defRPr>
+    </a:lvl7pPr>
+    <a:lvl8pPr marL="3200400" algn="l" defTabSz="914400" rtl="0" eaLnBrk="1" latinLnBrk="0" hangingPunct="1">
+      <a:defRPr sz="1200" kern="1200">
+        <a:solidFill>
+          <a:schemeClr val="tx1"/>
+        </a:solidFill>
+        <a:latin typeface="+mn-lt"/>
+        <a:ea typeface="+mn-ea"/>
+        <a:cs typeface="+mn-cs"/>
+      </a:defRPr>
+    </a:lvl8pPr>
+    <a:lvl9pPr marL="3657600" algn="l" defTabSz="914400" rtl="0" eaLnBrk="1" latinLnBrk="0" hangingPunct="1">
+      <a:defRPr sz="1200" kern="1200">
+        <a:solidFill>
+          <a:schemeClr val="tx1"/>
+        </a:solidFill>
+        <a:latin typeface="+mn-lt"/>
+        <a:ea typeface="+mn-ea"/>
+        <a:cs typeface="+mn-cs"/>
+      </a:defRPr>
+    </a:lvl9pPr>
+  </p:notesStyle>
+</p:notesMaster>
+</file>
+
+<file path=ppt/notesSlides/notesSlide1.xml><?xml version="1.0" encoding="utf-8"?>
+<p:notes xmlns:a="http://schemas.openxmlformats.org/drawingml/2006/main" xmlns:r="http://schemas.openxmlformats.org/officeDocument/2006/relationships" xmlns:p="http://schemas.openxmlformats.org/presentationml/2006/main">
+  <p:cSld>
+    <p:spTree>
+      <p:nvGrpSpPr>
+        <p:cNvPr id="1" name=""/>
+        <p:cNvGrpSpPr/>
+        <p:nvPr/>
+      </p:nvGrpSpPr>
+      <p:grpSpPr>
+        <a:xfrm>
+          <a:off x="0" y="0"/>
+          <a:ext cx="0" cy="0"/>
+          <a:chOff x="0" y="0"/>
+          <a:chExt cx="0" cy="0"/>
+        </a:xfrm>
+      </p:grpSpPr>
+      <p:sp>
+        <p:nvSpPr>
+          <p:cNvPr id="2" name="Slide Image Placeholder 1"/>
+          <p:cNvSpPr>
+            <a:spLocks noGrp="1" noRot="1" noChangeAspect="1"/>
+          </p:cNvSpPr>
+          <p:nvPr>
+            <p:ph type="sldImg"/>
+          </p:nvPr>
+        </p:nvSpPr>
+        <p:spPr/>
+      </p:sp>
+      <p:sp>
+        <p:nvSpPr>
+          <p:cNvPr id="3" name="Notes Placeholder 2"/>
+          <p:cNvSpPr>
+            <a:spLocks noGrp="1"/>
+          </p:cNvSpPr>
+          <p:nvPr>
+            <p:ph type="body" idx="1"/>
+          </p:nvPr>
+        </p:nvSpPr>
+        <p:spPr/>
+        <p:txBody>
+          <a:bodyPr/>
+          <a:lstStyle/>
+          <a:p>
+            <a:endParaRPr lang="en-US" dirty="0"/>
+          </a:p>
+        </p:txBody>
+      </p:sp>
+      <p:sp>
+        <p:nvSpPr>
+          <p:cNvPr id="4" name="Slide Number Placeholder 3"/>
+          <p:cNvSpPr>
+            <a:spLocks noGrp="1"/>
+          </p:cNvSpPr>
+          <p:nvPr>
+            <p:ph type="sldNum" sz="quarter" idx="5"/>
+          </p:nvPr>
+        </p:nvSpPr>
+        <p:spPr/>
+        <p:txBody>
+          <a:bodyPr/>
+          <a:lstStyle/>
+          <a:p>
+            <a:fld id="{225A3874-4845-C24D-84D6-E516C0B9F954}" type="slidenum">
+              <a:rPr lang="en-US" smtClean="0"/>
+              <a:t>9</a:t>
+            </a:fld>
+            <a:endParaRPr lang="en-US"/>
+          </a:p>
+        </p:txBody>
+      </p:sp>
+    </p:spTree>
+    <p:extLst>
+      <p:ext uri="{BB962C8B-B14F-4D97-AF65-F5344CB8AC3E}">
+        <p14:creationId xmlns:p14="http://schemas.microsoft.com/office/powerpoint/2010/main" val="1527627191"/>
+      </p:ext>
+    </p:extLst>
+  </p:cSld>
+  <p:clrMapOvr>
+    <a:masterClrMapping/>
+  </p:clrMapOvr>
+</p:notes>
+</file>
+
+<file path=ppt/notesSlides/notesSlide2.xml><?xml version="1.0" encoding="utf-8"?>
+<p:notes xmlns:a="http://schemas.openxmlformats.org/drawingml/2006/main" xmlns:r="http://schemas.openxmlformats.org/officeDocument/2006/relationships" xmlns:p="http://schemas.openxmlformats.org/presentationml/2006/main">
+  <p:cSld>
+    <p:spTree>
+      <p:nvGrpSpPr>
+        <p:cNvPr id="1" name=""/>
+        <p:cNvGrpSpPr/>
+        <p:nvPr/>
+      </p:nvGrpSpPr>
+      <p:grpSpPr>
+        <a:xfrm>
+          <a:off x="0" y="0"/>
+          <a:ext cx="0" cy="0"/>
+          <a:chOff x="0" y="0"/>
+          <a:chExt cx="0" cy="0"/>
+        </a:xfrm>
+      </p:grpSpPr>
+      <p:sp>
+        <p:nvSpPr>
+          <p:cNvPr id="2" name="Slide Image Placeholder 1"/>
+          <p:cNvSpPr>
+            <a:spLocks noGrp="1" noRot="1" noChangeAspect="1"/>
+          </p:cNvSpPr>
+          <p:nvPr>
+            <p:ph type="sldImg"/>
+          </p:nvPr>
+        </p:nvSpPr>
+        <p:spPr/>
+      </p:sp>
+      <p:sp>
+        <p:nvSpPr>
+          <p:cNvPr id="3" name="Notes Placeholder 2"/>
+          <p:cNvSpPr>
+            <a:spLocks noGrp="1"/>
+          </p:cNvSpPr>
+          <p:nvPr>
+            <p:ph type="body" idx="1"/>
+          </p:nvPr>
+        </p:nvSpPr>
+        <p:spPr/>
+        <p:txBody>
+          <a:bodyPr/>
+          <a:lstStyle/>
+          <a:p>
+            <a:endParaRPr lang="en-US" dirty="0"/>
+          </a:p>
+        </p:txBody>
+      </p:sp>
+      <p:sp>
+        <p:nvSpPr>
+          <p:cNvPr id="4" name="Slide Number Placeholder 3"/>
+          <p:cNvSpPr>
+            <a:spLocks noGrp="1"/>
+          </p:cNvSpPr>
+          <p:nvPr>
+            <p:ph type="sldNum" sz="quarter" idx="5"/>
+          </p:nvPr>
+        </p:nvSpPr>
+        <p:spPr/>
+        <p:txBody>
+          <a:bodyPr/>
+          <a:lstStyle/>
+          <a:p>
+            <a:fld id="{225A3874-4845-C24D-84D6-E516C0B9F954}" type="slidenum">
+              <a:rPr lang="en-US" smtClean="0"/>
+              <a:t>11</a:t>
+            </a:fld>
+            <a:endParaRPr lang="en-US"/>
+          </a:p>
+        </p:txBody>
+      </p:sp>
+    </p:spTree>
+    <p:extLst>
+      <p:ext uri="{BB962C8B-B14F-4D97-AF65-F5344CB8AC3E}">
+        <p14:creationId xmlns:p14="http://schemas.microsoft.com/office/powerpoint/2010/main" val="3643289336"/>
+      </p:ext>
+    </p:extLst>
+  </p:cSld>
+  <p:clrMapOvr>
+    <a:masterClrMapping/>
+  </p:clrMapOvr>
+</p:notes>
 </file>
 
 <file path=ppt/slideLayouts/slideLayout1.xml><?xml version="1.0" encoding="utf-8"?>
@@ -264,7 +796,7 @@
           <a:p>
             <a:fld id="{26D4E336-D89A-0C41-8F05-8FA973B848A8}" type="datetimeFigureOut">
               <a:rPr lang="en-US" smtClean="0"/>
-              <a:t>11/23/21</a:t>
+              <a:t>11/27/21</a:t>
             </a:fld>
             <a:endParaRPr lang="en-US"/>
           </a:p>
@@ -462,7 +994,7 @@
           <a:p>
             <a:fld id="{26D4E336-D89A-0C41-8F05-8FA973B848A8}" type="datetimeFigureOut">
               <a:rPr lang="en-US" smtClean="0"/>
-              <a:t>11/23/21</a:t>
+              <a:t>11/27/21</a:t>
             </a:fld>
             <a:endParaRPr lang="en-US"/>
           </a:p>
@@ -670,7 +1202,7 @@
           <a:p>
             <a:fld id="{26D4E336-D89A-0C41-8F05-8FA973B848A8}" type="datetimeFigureOut">
               <a:rPr lang="en-US" smtClean="0"/>
-              <a:t>11/23/21</a:t>
+              <a:t>11/27/21</a:t>
             </a:fld>
             <a:endParaRPr lang="en-US"/>
           </a:p>
@@ -868,7 +1400,7 @@
           <a:p>
             <a:fld id="{26D4E336-D89A-0C41-8F05-8FA973B848A8}" type="datetimeFigureOut">
               <a:rPr lang="en-US" smtClean="0"/>
-              <a:t>11/23/21</a:t>
+              <a:t>11/27/21</a:t>
             </a:fld>
             <a:endParaRPr lang="en-US"/>
           </a:p>
@@ -1143,7 +1675,7 @@
           <a:p>
             <a:fld id="{26D4E336-D89A-0C41-8F05-8FA973B848A8}" type="datetimeFigureOut">
               <a:rPr lang="en-US" smtClean="0"/>
-              <a:t>11/23/21</a:t>
+              <a:t>11/27/21</a:t>
             </a:fld>
             <a:endParaRPr lang="en-US"/>
           </a:p>
@@ -1408,7 +1940,7 @@
           <a:p>
             <a:fld id="{26D4E336-D89A-0C41-8F05-8FA973B848A8}" type="datetimeFigureOut">
               <a:rPr lang="en-US" smtClean="0"/>
-              <a:t>11/23/21</a:t>
+              <a:t>11/27/21</a:t>
             </a:fld>
             <a:endParaRPr lang="en-US"/>
           </a:p>
@@ -1820,7 +2352,7 @@
           <a:p>
             <a:fld id="{26D4E336-D89A-0C41-8F05-8FA973B848A8}" type="datetimeFigureOut">
               <a:rPr lang="en-US" smtClean="0"/>
-              <a:t>11/23/21</a:t>
+              <a:t>11/27/21</a:t>
             </a:fld>
             <a:endParaRPr lang="en-US"/>
           </a:p>
@@ -1961,7 +2493,7 @@
           <a:p>
             <a:fld id="{26D4E336-D89A-0C41-8F05-8FA973B848A8}" type="datetimeFigureOut">
               <a:rPr lang="en-US" smtClean="0"/>
-              <a:t>11/23/21</a:t>
+              <a:t>11/27/21</a:t>
             </a:fld>
             <a:endParaRPr lang="en-US"/>
           </a:p>
@@ -2074,7 +2606,7 @@
           <a:p>
             <a:fld id="{26D4E336-D89A-0C41-8F05-8FA973B848A8}" type="datetimeFigureOut">
               <a:rPr lang="en-US" smtClean="0"/>
-              <a:t>11/23/21</a:t>
+              <a:t>11/27/21</a:t>
             </a:fld>
             <a:endParaRPr lang="en-US"/>
           </a:p>
@@ -2385,7 +2917,7 @@
           <a:p>
             <a:fld id="{26D4E336-D89A-0C41-8F05-8FA973B848A8}" type="datetimeFigureOut">
               <a:rPr lang="en-US" smtClean="0"/>
-              <a:t>11/23/21</a:t>
+              <a:t>11/27/21</a:t>
             </a:fld>
             <a:endParaRPr lang="en-US"/>
           </a:p>
@@ -2673,7 +3205,7 @@
           <a:p>
             <a:fld id="{26D4E336-D89A-0C41-8F05-8FA973B848A8}" type="datetimeFigureOut">
               <a:rPr lang="en-US" smtClean="0"/>
-              <a:t>11/23/21</a:t>
+              <a:t>11/27/21</a:t>
             </a:fld>
             <a:endParaRPr lang="en-US"/>
           </a:p>
@@ -2914,7 +3446,7 @@
           <a:p>
             <a:fld id="{26D4E336-D89A-0C41-8F05-8FA973B848A8}" type="datetimeFigureOut">
               <a:rPr lang="en-US" smtClean="0"/>
-              <a:t>11/23/21</a:t>
+              <a:t>11/27/21</a:t>
             </a:fld>
             <a:endParaRPr lang="en-US"/>
           </a:p>
@@ -3438,6 +3970,1374 @@
           <p:cNvPr id="2" name="Title 1">
             <a:extLst>
               <a:ext uri="{FF2B5EF4-FFF2-40B4-BE49-F238E27FC236}">
+                <a16:creationId xmlns:a16="http://schemas.microsoft.com/office/drawing/2014/main" id="{E6C40FF1-9CBD-9F40-8ECE-42983C5940F6}"/>
+              </a:ext>
+            </a:extLst>
+          </p:cNvPr>
+          <p:cNvSpPr>
+            <a:spLocks noGrp="1"/>
+          </p:cNvSpPr>
+          <p:nvPr>
+            <p:ph type="title"/>
+          </p:nvPr>
+        </p:nvSpPr>
+        <p:spPr/>
+        <p:txBody>
+          <a:bodyPr/>
+          <a:lstStyle/>
+          <a:p>
+            <a:r>
+              <a:rPr lang="en-US" dirty="0"/>
+              <a:t>Data Cleaning – New Features</a:t>
+            </a:r>
+          </a:p>
+        </p:txBody>
+      </p:sp>
+      <p:sp>
+        <p:nvSpPr>
+          <p:cNvPr id="3" name="Content Placeholder 2">
+            <a:extLst>
+              <a:ext uri="{FF2B5EF4-FFF2-40B4-BE49-F238E27FC236}">
+                <a16:creationId xmlns:a16="http://schemas.microsoft.com/office/drawing/2014/main" id="{96162A04-20CF-A64E-AD98-FBC1092BAF9D}"/>
+              </a:ext>
+            </a:extLst>
+          </p:cNvPr>
+          <p:cNvSpPr>
+            <a:spLocks noGrp="1"/>
+          </p:cNvSpPr>
+          <p:nvPr>
+            <p:ph idx="1"/>
+          </p:nvPr>
+        </p:nvSpPr>
+        <p:spPr/>
+        <p:txBody>
+          <a:bodyPr/>
+          <a:lstStyle/>
+          <a:p>
+            <a:r>
+              <a:rPr lang="en-US" dirty="0" err="1"/>
+              <a:t>TotalBath</a:t>
+            </a:r>
+            <a:r>
+              <a:rPr lang="en-US" dirty="0"/>
+              <a:t> = </a:t>
+            </a:r>
+            <a:r>
+              <a:rPr lang="en-US" dirty="0" err="1"/>
+              <a:t>FullBath</a:t>
+            </a:r>
+            <a:r>
+              <a:rPr lang="en-US" dirty="0"/>
+              <a:t> + </a:t>
+            </a:r>
+            <a:r>
+              <a:rPr lang="en-US" dirty="0" err="1"/>
+              <a:t>HalfBath</a:t>
+            </a:r>
+            <a:r>
+              <a:rPr lang="en-US" dirty="0"/>
+              <a:t> + </a:t>
+            </a:r>
+            <a:r>
+              <a:rPr lang="en-US" dirty="0" err="1"/>
+              <a:t>BsmtFullBath</a:t>
+            </a:r>
+            <a:r>
+              <a:rPr lang="en-US" dirty="0"/>
+              <a:t> + </a:t>
+            </a:r>
+            <a:r>
+              <a:rPr lang="en-US" dirty="0" err="1"/>
+              <a:t>BsmtHalfBath</a:t>
+            </a:r>
+            <a:endParaRPr lang="en-US" dirty="0"/>
+          </a:p>
+          <a:p>
+            <a:r>
+              <a:rPr lang="en-US" dirty="0" err="1"/>
+              <a:t>TotalLivArea</a:t>
+            </a:r>
+            <a:r>
+              <a:rPr lang="en-US" dirty="0"/>
+              <a:t> = </a:t>
+            </a:r>
+            <a:r>
+              <a:rPr lang="en-US" dirty="0" err="1"/>
+              <a:t>GrLivArea</a:t>
+            </a:r>
+            <a:r>
+              <a:rPr lang="en-US" dirty="0"/>
+              <a:t> + </a:t>
+            </a:r>
+            <a:r>
+              <a:rPr lang="en-US" dirty="0" err="1"/>
+              <a:t>TotalBsmtSF</a:t>
+            </a:r>
+            <a:endParaRPr lang="en-US" dirty="0"/>
+          </a:p>
+          <a:p>
+            <a:r>
+              <a:rPr lang="en-US" dirty="0" err="1"/>
+              <a:t>Bsmt_unfin_ratio</a:t>
+            </a:r>
+            <a:r>
+              <a:rPr lang="en-US" dirty="0"/>
+              <a:t> = </a:t>
+            </a:r>
+            <a:r>
+              <a:rPr lang="en-US" dirty="0" err="1"/>
+              <a:t>BsmtUnfSF</a:t>
+            </a:r>
+            <a:r>
+              <a:rPr lang="en-US" dirty="0"/>
+              <a:t> / </a:t>
+            </a:r>
+            <a:r>
+              <a:rPr lang="en-US" dirty="0" err="1"/>
+              <a:t>TotalBsmtSF</a:t>
+            </a:r>
+            <a:endParaRPr lang="en-US" dirty="0"/>
+          </a:p>
+          <a:p>
+            <a:r>
+              <a:rPr lang="en-US" dirty="0" err="1"/>
+              <a:t>TotRmsAbvGrd</a:t>
+            </a:r>
+            <a:r>
+              <a:rPr lang="en-US" dirty="0"/>
+              <a:t> = </a:t>
+            </a:r>
+            <a:r>
+              <a:rPr lang="en-US" dirty="0" err="1"/>
+              <a:t>TotRmsAbvGrd</a:t>
+            </a:r>
+            <a:r>
+              <a:rPr lang="en-US" dirty="0"/>
+              <a:t> - Bedroom (we already included bedroom but removed kitchen)</a:t>
+            </a:r>
+          </a:p>
+        </p:txBody>
+      </p:sp>
+    </p:spTree>
+    <p:extLst>
+      <p:ext uri="{BB962C8B-B14F-4D97-AF65-F5344CB8AC3E}">
+        <p14:creationId xmlns:p14="http://schemas.microsoft.com/office/powerpoint/2010/main" val="2701167726"/>
+      </p:ext>
+    </p:extLst>
+  </p:cSld>
+  <p:clrMapOvr>
+    <a:masterClrMapping/>
+  </p:clrMapOvr>
+</p:sld>
+</file>
+
+<file path=ppt/slides/slide11.xml><?xml version="1.0" encoding="utf-8"?>
+<p:sld xmlns:a="http://schemas.openxmlformats.org/drawingml/2006/main" xmlns:r="http://schemas.openxmlformats.org/officeDocument/2006/relationships" xmlns:p="http://schemas.openxmlformats.org/presentationml/2006/main">
+  <p:cSld>
+    <p:spTree>
+      <p:nvGrpSpPr>
+        <p:cNvPr id="1" name=""/>
+        <p:cNvGrpSpPr/>
+        <p:nvPr/>
+      </p:nvGrpSpPr>
+      <p:grpSpPr>
+        <a:xfrm>
+          <a:off x="0" y="0"/>
+          <a:ext cx="0" cy="0"/>
+          <a:chOff x="0" y="0"/>
+          <a:chExt cx="0" cy="0"/>
+        </a:xfrm>
+      </p:grpSpPr>
+      <p:sp>
+        <p:nvSpPr>
+          <p:cNvPr id="2" name="Title 1">
+            <a:extLst>
+              <a:ext uri="{FF2B5EF4-FFF2-40B4-BE49-F238E27FC236}">
+                <a16:creationId xmlns:a16="http://schemas.microsoft.com/office/drawing/2014/main" id="{A6228C8F-DC05-B74D-BD50-4B7CFF92F7FD}"/>
+              </a:ext>
+            </a:extLst>
+          </p:cNvPr>
+          <p:cNvSpPr>
+            <a:spLocks noGrp="1"/>
+          </p:cNvSpPr>
+          <p:nvPr>
+            <p:ph type="title"/>
+          </p:nvPr>
+        </p:nvSpPr>
+        <p:spPr/>
+        <p:txBody>
+          <a:bodyPr/>
+          <a:lstStyle/>
+          <a:p>
+            <a:r>
+              <a:rPr lang="en-US" dirty="0"/>
+              <a:t>Data Cleaning – Remove Features</a:t>
+            </a:r>
+          </a:p>
+        </p:txBody>
+      </p:sp>
+      <p:pic>
+        <p:nvPicPr>
+          <p:cNvPr id="7" name="Content Placeholder 6" descr="Chart&#10;&#10;Description automatically generated">
+            <a:extLst>
+              <a:ext uri="{FF2B5EF4-FFF2-40B4-BE49-F238E27FC236}">
+                <a16:creationId xmlns:a16="http://schemas.microsoft.com/office/drawing/2014/main" id="{C2FF9E2C-A781-4B40-8989-679F8B38B433}"/>
+              </a:ext>
+            </a:extLst>
+          </p:cNvPr>
+          <p:cNvPicPr>
+            <a:picLocks noGrp="1" noChangeAspect="1"/>
+          </p:cNvPicPr>
+          <p:nvPr>
+            <p:ph idx="1"/>
+          </p:nvPr>
+        </p:nvPicPr>
+        <p:blipFill>
+          <a:blip r:embed="rId3"/>
+          <a:stretch>
+            <a:fillRect/>
+          </a:stretch>
+        </p:blipFill>
+        <p:spPr>
+          <a:xfrm>
+            <a:off x="4994002" y="517634"/>
+            <a:ext cx="6172200" cy="3076748"/>
+          </a:xfrm>
+        </p:spPr>
+      </p:pic>
+      <p:sp>
+        <p:nvSpPr>
+          <p:cNvPr id="5" name="Text Placeholder 4">
+            <a:extLst>
+              <a:ext uri="{FF2B5EF4-FFF2-40B4-BE49-F238E27FC236}">
+                <a16:creationId xmlns:a16="http://schemas.microsoft.com/office/drawing/2014/main" id="{2DEA27CA-3025-334E-A55E-66F1F0A2B415}"/>
+              </a:ext>
+            </a:extLst>
+          </p:cNvPr>
+          <p:cNvSpPr>
+            <a:spLocks noGrp="1"/>
+          </p:cNvSpPr>
+          <p:nvPr>
+            <p:ph type="body" sz="half" idx="2"/>
+          </p:nvPr>
+        </p:nvSpPr>
+        <p:spPr/>
+        <p:txBody>
+          <a:bodyPr>
+            <a:noAutofit/>
+          </a:bodyPr>
+          <a:lstStyle/>
+          <a:p>
+            <a:pPr marL="285750" indent="-285750">
+              <a:lnSpc>
+                <a:spcPct val="100000"/>
+              </a:lnSpc>
+              <a:spcBef>
+                <a:spcPts val="0"/>
+              </a:spcBef>
+              <a:buFont typeface="Arial" panose="020B0604020202020204" pitchFamily="34" charset="0"/>
+              <a:buChar char="•"/>
+            </a:pPr>
+            <a:r>
+              <a:rPr lang="en-US" sz="1100" dirty="0" err="1"/>
+              <a:t>GrLivArea</a:t>
+            </a:r>
+            <a:endParaRPr lang="en-US" sz="1100" dirty="0"/>
+          </a:p>
+          <a:p>
+            <a:pPr marL="285750" indent="-285750">
+              <a:lnSpc>
+                <a:spcPct val="100000"/>
+              </a:lnSpc>
+              <a:spcBef>
+                <a:spcPts val="0"/>
+              </a:spcBef>
+              <a:buFont typeface="Arial" panose="020B0604020202020204" pitchFamily="34" charset="0"/>
+              <a:buChar char="•"/>
+            </a:pPr>
+            <a:r>
+              <a:rPr lang="en-US" sz="1100" dirty="0"/>
+              <a:t>1stFlrSf</a:t>
+            </a:r>
+          </a:p>
+          <a:p>
+            <a:pPr marL="285750" indent="-285750">
+              <a:lnSpc>
+                <a:spcPct val="100000"/>
+              </a:lnSpc>
+              <a:spcBef>
+                <a:spcPts val="0"/>
+              </a:spcBef>
+              <a:buFont typeface="Arial" panose="020B0604020202020204" pitchFamily="34" charset="0"/>
+              <a:buChar char="•"/>
+            </a:pPr>
+            <a:r>
+              <a:rPr lang="en-US" sz="1100" dirty="0"/>
+              <a:t>2ndFlrSf</a:t>
+            </a:r>
+          </a:p>
+          <a:p>
+            <a:pPr marL="285750" indent="-285750">
+              <a:lnSpc>
+                <a:spcPct val="100000"/>
+              </a:lnSpc>
+              <a:spcBef>
+                <a:spcPts val="0"/>
+              </a:spcBef>
+              <a:buFont typeface="Arial" panose="020B0604020202020204" pitchFamily="34" charset="0"/>
+              <a:buChar char="•"/>
+            </a:pPr>
+            <a:r>
+              <a:rPr lang="en-US" sz="1100" dirty="0"/>
+              <a:t>BsmfFinSF1</a:t>
+            </a:r>
+          </a:p>
+          <a:p>
+            <a:pPr marL="285750" indent="-285750">
+              <a:lnSpc>
+                <a:spcPct val="100000"/>
+              </a:lnSpc>
+              <a:spcBef>
+                <a:spcPts val="0"/>
+              </a:spcBef>
+              <a:buFont typeface="Arial" panose="020B0604020202020204" pitchFamily="34" charset="0"/>
+              <a:buChar char="•"/>
+            </a:pPr>
+            <a:r>
+              <a:rPr lang="en-US" sz="1100" dirty="0"/>
+              <a:t>BsmtFinSF2</a:t>
+            </a:r>
+          </a:p>
+          <a:p>
+            <a:pPr marL="285750" indent="-285750">
+              <a:lnSpc>
+                <a:spcPct val="100000"/>
+              </a:lnSpc>
+              <a:spcBef>
+                <a:spcPts val="0"/>
+              </a:spcBef>
+              <a:buFont typeface="Arial" panose="020B0604020202020204" pitchFamily="34" charset="0"/>
+              <a:buChar char="•"/>
+            </a:pPr>
+            <a:r>
+              <a:rPr lang="en-US" sz="1100" dirty="0" err="1"/>
+              <a:t>BsmtUnfSF</a:t>
+            </a:r>
+            <a:endParaRPr lang="en-US" sz="1100" dirty="0"/>
+          </a:p>
+          <a:p>
+            <a:pPr marL="285750" indent="-285750">
+              <a:lnSpc>
+                <a:spcPct val="100000"/>
+              </a:lnSpc>
+              <a:spcBef>
+                <a:spcPts val="0"/>
+              </a:spcBef>
+              <a:buFont typeface="Arial" panose="020B0604020202020204" pitchFamily="34" charset="0"/>
+              <a:buChar char="•"/>
+            </a:pPr>
+            <a:r>
+              <a:rPr lang="en-US" sz="1100" dirty="0" err="1"/>
+              <a:t>FullBath</a:t>
+            </a:r>
+            <a:endParaRPr lang="en-US" sz="1100" dirty="0"/>
+          </a:p>
+          <a:p>
+            <a:pPr marL="285750" indent="-285750">
+              <a:lnSpc>
+                <a:spcPct val="100000"/>
+              </a:lnSpc>
+              <a:spcBef>
+                <a:spcPts val="0"/>
+              </a:spcBef>
+              <a:buFont typeface="Arial" panose="020B0604020202020204" pitchFamily="34" charset="0"/>
+              <a:buChar char="•"/>
+            </a:pPr>
+            <a:r>
+              <a:rPr lang="en-US" sz="1100" dirty="0" err="1"/>
+              <a:t>HalfBath</a:t>
+            </a:r>
+            <a:endParaRPr lang="en-US" sz="1100" dirty="0"/>
+          </a:p>
+          <a:p>
+            <a:pPr marL="285750" indent="-285750">
+              <a:lnSpc>
+                <a:spcPct val="100000"/>
+              </a:lnSpc>
+              <a:spcBef>
+                <a:spcPts val="0"/>
+              </a:spcBef>
+              <a:buFont typeface="Arial" panose="020B0604020202020204" pitchFamily="34" charset="0"/>
+              <a:buChar char="•"/>
+            </a:pPr>
+            <a:r>
+              <a:rPr lang="en-US" sz="1100" dirty="0"/>
+              <a:t>Street</a:t>
+            </a:r>
+          </a:p>
+          <a:p>
+            <a:pPr marL="285750" indent="-285750">
+              <a:lnSpc>
+                <a:spcPct val="100000"/>
+              </a:lnSpc>
+              <a:spcBef>
+                <a:spcPts val="0"/>
+              </a:spcBef>
+              <a:buFont typeface="Arial" panose="020B0604020202020204" pitchFamily="34" charset="0"/>
+              <a:buChar char="•"/>
+            </a:pPr>
+            <a:r>
+              <a:rPr lang="en-US" sz="1100" dirty="0"/>
+              <a:t>Alley</a:t>
+            </a:r>
+          </a:p>
+          <a:p>
+            <a:pPr marL="285750" indent="-285750">
+              <a:lnSpc>
+                <a:spcPct val="100000"/>
+              </a:lnSpc>
+              <a:spcBef>
+                <a:spcPts val="0"/>
+              </a:spcBef>
+              <a:buFont typeface="Arial" panose="020B0604020202020204" pitchFamily="34" charset="0"/>
+              <a:buChar char="•"/>
+            </a:pPr>
+            <a:r>
+              <a:rPr lang="en-US" sz="1100" dirty="0"/>
+              <a:t>Utilities</a:t>
+            </a:r>
+          </a:p>
+          <a:p>
+            <a:pPr marL="285750" indent="-285750">
+              <a:lnSpc>
+                <a:spcPct val="100000"/>
+              </a:lnSpc>
+              <a:spcBef>
+                <a:spcPts val="0"/>
+              </a:spcBef>
+              <a:buFont typeface="Arial" panose="020B0604020202020204" pitchFamily="34" charset="0"/>
+              <a:buChar char="•"/>
+            </a:pPr>
+            <a:r>
+              <a:rPr lang="en-US" sz="1100" dirty="0"/>
+              <a:t>Condition2</a:t>
+            </a:r>
+          </a:p>
+          <a:p>
+            <a:pPr marL="285750" indent="-285750">
+              <a:lnSpc>
+                <a:spcPct val="100000"/>
+              </a:lnSpc>
+              <a:spcBef>
+                <a:spcPts val="0"/>
+              </a:spcBef>
+              <a:buFont typeface="Arial" panose="020B0604020202020204" pitchFamily="34" charset="0"/>
+              <a:buChar char="•"/>
+            </a:pPr>
+            <a:r>
+              <a:rPr lang="en-US" sz="1100" dirty="0" err="1"/>
+              <a:t>RoofMatl</a:t>
+            </a:r>
+            <a:endParaRPr lang="en-US" sz="1100" dirty="0"/>
+          </a:p>
+          <a:p>
+            <a:pPr marL="285750" indent="-285750">
+              <a:lnSpc>
+                <a:spcPct val="100000"/>
+              </a:lnSpc>
+              <a:spcBef>
+                <a:spcPts val="0"/>
+              </a:spcBef>
+              <a:buFont typeface="Arial" panose="020B0604020202020204" pitchFamily="34" charset="0"/>
+              <a:buChar char="•"/>
+            </a:pPr>
+            <a:r>
+              <a:rPr lang="en-US" sz="1100" dirty="0"/>
+              <a:t>Heating</a:t>
+            </a:r>
+          </a:p>
+          <a:p>
+            <a:pPr marL="285750" indent="-285750">
+              <a:lnSpc>
+                <a:spcPct val="100000"/>
+              </a:lnSpc>
+              <a:spcBef>
+                <a:spcPts val="0"/>
+              </a:spcBef>
+              <a:buFont typeface="Arial" panose="020B0604020202020204" pitchFamily="34" charset="0"/>
+              <a:buChar char="•"/>
+            </a:pPr>
+            <a:r>
+              <a:rPr lang="en-US" sz="1100" dirty="0"/>
+              <a:t>Electrical</a:t>
+            </a:r>
+          </a:p>
+          <a:p>
+            <a:pPr marL="285750" indent="-285750">
+              <a:lnSpc>
+                <a:spcPct val="100000"/>
+              </a:lnSpc>
+              <a:spcBef>
+                <a:spcPts val="0"/>
+              </a:spcBef>
+              <a:buFont typeface="Arial" panose="020B0604020202020204" pitchFamily="34" charset="0"/>
+              <a:buChar char="•"/>
+            </a:pPr>
+            <a:r>
+              <a:rPr lang="en-US" sz="1100" dirty="0" err="1"/>
+              <a:t>LowQualFinSF</a:t>
+            </a:r>
+            <a:endParaRPr lang="en-US" sz="1100" dirty="0"/>
+          </a:p>
+          <a:p>
+            <a:pPr marL="285750" indent="-285750">
+              <a:lnSpc>
+                <a:spcPct val="100000"/>
+              </a:lnSpc>
+              <a:spcBef>
+                <a:spcPts val="0"/>
+              </a:spcBef>
+              <a:buFont typeface="Arial" panose="020B0604020202020204" pitchFamily="34" charset="0"/>
+              <a:buChar char="•"/>
+            </a:pPr>
+            <a:r>
+              <a:rPr lang="en-US" sz="1100" dirty="0"/>
+              <a:t>Kitchen</a:t>
+            </a:r>
+          </a:p>
+          <a:p>
+            <a:pPr marL="285750" indent="-285750">
+              <a:lnSpc>
+                <a:spcPct val="100000"/>
+              </a:lnSpc>
+              <a:spcBef>
+                <a:spcPts val="0"/>
+              </a:spcBef>
+              <a:buFont typeface="Arial" panose="020B0604020202020204" pitchFamily="34" charset="0"/>
+              <a:buChar char="•"/>
+            </a:pPr>
+            <a:r>
+              <a:rPr lang="en-US" sz="1100" dirty="0" err="1"/>
+              <a:t>GarageCars</a:t>
+            </a:r>
+            <a:endParaRPr lang="en-US" sz="1100" dirty="0"/>
+          </a:p>
+          <a:p>
+            <a:pPr marL="285750" indent="-285750">
+              <a:lnSpc>
+                <a:spcPct val="100000"/>
+              </a:lnSpc>
+              <a:spcBef>
+                <a:spcPts val="0"/>
+              </a:spcBef>
+              <a:buFont typeface="Arial" panose="020B0604020202020204" pitchFamily="34" charset="0"/>
+              <a:buChar char="•"/>
+            </a:pPr>
+            <a:r>
+              <a:rPr lang="en-US" sz="1100" dirty="0" err="1"/>
+              <a:t>GarageCond</a:t>
+            </a:r>
+            <a:endParaRPr lang="en-US" sz="1100" dirty="0"/>
+          </a:p>
+          <a:p>
+            <a:pPr marL="285750" indent="-285750">
+              <a:lnSpc>
+                <a:spcPct val="100000"/>
+              </a:lnSpc>
+              <a:spcBef>
+                <a:spcPts val="0"/>
+              </a:spcBef>
+              <a:buFont typeface="Arial" panose="020B0604020202020204" pitchFamily="34" charset="0"/>
+              <a:buChar char="•"/>
+            </a:pPr>
+            <a:r>
+              <a:rPr lang="en-US" sz="1100" dirty="0" err="1"/>
+              <a:t>PoolArea</a:t>
+            </a:r>
+            <a:endParaRPr lang="en-US" sz="1100" dirty="0"/>
+          </a:p>
+          <a:p>
+            <a:pPr marL="285750" indent="-285750">
+              <a:lnSpc>
+                <a:spcPct val="100000"/>
+              </a:lnSpc>
+              <a:spcBef>
+                <a:spcPts val="0"/>
+              </a:spcBef>
+              <a:buFont typeface="Arial" panose="020B0604020202020204" pitchFamily="34" charset="0"/>
+              <a:buChar char="•"/>
+            </a:pPr>
+            <a:r>
+              <a:rPr lang="en-US" sz="1100" dirty="0" err="1"/>
+              <a:t>PoolQC</a:t>
+            </a:r>
+            <a:endParaRPr lang="en-US" sz="1100" dirty="0"/>
+          </a:p>
+          <a:p>
+            <a:pPr marL="285750" indent="-285750">
+              <a:lnSpc>
+                <a:spcPct val="100000"/>
+              </a:lnSpc>
+              <a:spcBef>
+                <a:spcPts val="0"/>
+              </a:spcBef>
+              <a:buFont typeface="Arial" panose="020B0604020202020204" pitchFamily="34" charset="0"/>
+              <a:buChar char="•"/>
+            </a:pPr>
+            <a:r>
+              <a:rPr lang="en-US" sz="1100" dirty="0" err="1"/>
+              <a:t>MiscFeature</a:t>
+            </a:r>
+            <a:endParaRPr lang="en-US" sz="1100" dirty="0"/>
+          </a:p>
+          <a:p>
+            <a:pPr marL="285750" indent="-285750">
+              <a:lnSpc>
+                <a:spcPct val="100000"/>
+              </a:lnSpc>
+              <a:spcBef>
+                <a:spcPts val="0"/>
+              </a:spcBef>
+              <a:buFont typeface="Arial" panose="020B0604020202020204" pitchFamily="34" charset="0"/>
+              <a:buChar char="•"/>
+            </a:pPr>
+            <a:r>
+              <a:rPr lang="en-US" sz="1100" dirty="0" err="1"/>
+              <a:t>MiscValue</a:t>
+            </a:r>
+            <a:endParaRPr lang="en-US" sz="1100" dirty="0"/>
+          </a:p>
+          <a:p>
+            <a:pPr marL="285750" indent="-285750">
+              <a:lnSpc>
+                <a:spcPct val="100000"/>
+              </a:lnSpc>
+              <a:spcBef>
+                <a:spcPts val="0"/>
+              </a:spcBef>
+              <a:buFont typeface="Arial" panose="020B0604020202020204" pitchFamily="34" charset="0"/>
+              <a:buChar char="•"/>
+            </a:pPr>
+            <a:r>
+              <a:rPr lang="en-US" sz="1100" dirty="0" err="1"/>
+              <a:t>SaleType</a:t>
+            </a:r>
+            <a:endParaRPr lang="en-US" sz="1100" dirty="0"/>
+          </a:p>
+        </p:txBody>
+      </p:sp>
+      <p:pic>
+        <p:nvPicPr>
+          <p:cNvPr id="9" name="Picture 8" descr="Chart&#10;&#10;Description automatically generated">
+            <a:extLst>
+              <a:ext uri="{FF2B5EF4-FFF2-40B4-BE49-F238E27FC236}">
+                <a16:creationId xmlns:a16="http://schemas.microsoft.com/office/drawing/2014/main" id="{6FE18D9A-D019-694F-9820-350AFD70186D}"/>
+              </a:ext>
+            </a:extLst>
+          </p:cNvPr>
+          <p:cNvPicPr>
+            <a:picLocks noChangeAspect="1"/>
+          </p:cNvPicPr>
+          <p:nvPr/>
+        </p:nvPicPr>
+        <p:blipFill>
+          <a:blip r:embed="rId4"/>
+          <a:stretch>
+            <a:fillRect/>
+          </a:stretch>
+        </p:blipFill>
+        <p:spPr>
+          <a:xfrm>
+            <a:off x="5171417" y="3594382"/>
+            <a:ext cx="5994785" cy="3086239"/>
+          </a:xfrm>
+          <a:prstGeom prst="rect">
+            <a:avLst/>
+          </a:prstGeom>
+        </p:spPr>
+      </p:pic>
+    </p:spTree>
+    <p:extLst>
+      <p:ext uri="{BB962C8B-B14F-4D97-AF65-F5344CB8AC3E}">
+        <p14:creationId xmlns:p14="http://schemas.microsoft.com/office/powerpoint/2010/main" val="1733406807"/>
+      </p:ext>
+    </p:extLst>
+  </p:cSld>
+  <p:clrMapOvr>
+    <a:masterClrMapping/>
+  </p:clrMapOvr>
+</p:sld>
+</file>
+
+<file path=ppt/slides/slide12.xml><?xml version="1.0" encoding="utf-8"?>
+<p:sld xmlns:a="http://schemas.openxmlformats.org/drawingml/2006/main" xmlns:r="http://schemas.openxmlformats.org/officeDocument/2006/relationships" xmlns:p="http://schemas.openxmlformats.org/presentationml/2006/main">
+  <p:cSld>
+    <p:spTree>
+      <p:nvGrpSpPr>
+        <p:cNvPr id="1" name=""/>
+        <p:cNvGrpSpPr/>
+        <p:nvPr/>
+      </p:nvGrpSpPr>
+      <p:grpSpPr>
+        <a:xfrm>
+          <a:off x="0" y="0"/>
+          <a:ext cx="0" cy="0"/>
+          <a:chOff x="0" y="0"/>
+          <a:chExt cx="0" cy="0"/>
+        </a:xfrm>
+      </p:grpSpPr>
+      <p:sp>
+        <p:nvSpPr>
+          <p:cNvPr id="2" name="Title 1">
+            <a:extLst>
+              <a:ext uri="{FF2B5EF4-FFF2-40B4-BE49-F238E27FC236}">
+                <a16:creationId xmlns:a16="http://schemas.microsoft.com/office/drawing/2014/main" id="{BA1AD8AE-D524-E147-8826-92A7A9BDEAD9}"/>
+              </a:ext>
+            </a:extLst>
+          </p:cNvPr>
+          <p:cNvSpPr>
+            <a:spLocks noGrp="1"/>
+          </p:cNvSpPr>
+          <p:nvPr>
+            <p:ph type="title"/>
+          </p:nvPr>
+        </p:nvSpPr>
+        <p:spPr/>
+        <p:txBody>
+          <a:bodyPr/>
+          <a:lstStyle/>
+          <a:p>
+            <a:r>
+              <a:rPr lang="en-US" dirty="0"/>
+              <a:t>Revised Feature Categories</a:t>
+            </a:r>
+          </a:p>
+        </p:txBody>
+      </p:sp>
+      <p:pic>
+        <p:nvPicPr>
+          <p:cNvPr id="6" name="Content Placeholder 5" descr="Chart, bar chart&#10;&#10;Description automatically generated">
+            <a:extLst>
+              <a:ext uri="{FF2B5EF4-FFF2-40B4-BE49-F238E27FC236}">
+                <a16:creationId xmlns:a16="http://schemas.microsoft.com/office/drawing/2014/main" id="{C123D718-B552-A548-B523-B399041EE563}"/>
+              </a:ext>
+            </a:extLst>
+          </p:cNvPr>
+          <p:cNvPicPr>
+            <a:picLocks noGrp="1" noChangeAspect="1"/>
+          </p:cNvPicPr>
+          <p:nvPr>
+            <p:ph idx="1"/>
+          </p:nvPr>
+        </p:nvPicPr>
+        <p:blipFill>
+          <a:blip r:embed="rId2"/>
+          <a:stretch>
+            <a:fillRect/>
+          </a:stretch>
+        </p:blipFill>
+        <p:spPr>
+          <a:xfrm>
+            <a:off x="5183188" y="1857152"/>
+            <a:ext cx="6172200" cy="3134170"/>
+          </a:xfrm>
+        </p:spPr>
+      </p:pic>
+      <p:sp>
+        <p:nvSpPr>
+          <p:cNvPr id="4" name="Text Placeholder 3">
+            <a:extLst>
+              <a:ext uri="{FF2B5EF4-FFF2-40B4-BE49-F238E27FC236}">
+                <a16:creationId xmlns:a16="http://schemas.microsoft.com/office/drawing/2014/main" id="{7D8978F2-1864-F14B-926E-5B8F6F10C016}"/>
+              </a:ext>
+            </a:extLst>
+          </p:cNvPr>
+          <p:cNvSpPr>
+            <a:spLocks noGrp="1"/>
+          </p:cNvSpPr>
+          <p:nvPr>
+            <p:ph type="body" sz="half" idx="2"/>
+          </p:nvPr>
+        </p:nvSpPr>
+        <p:spPr/>
+        <p:txBody>
+          <a:bodyPr/>
+          <a:lstStyle/>
+          <a:p>
+            <a:r>
+              <a:rPr lang="en-US" dirty="0" err="1"/>
+              <a:t>LotShape</a:t>
+            </a:r>
+            <a:r>
+              <a:rPr lang="en-US" dirty="0"/>
+              <a:t> = split into Regular Irregular</a:t>
+            </a:r>
+          </a:p>
+          <a:p>
+            <a:r>
+              <a:rPr lang="en-US" dirty="0" err="1"/>
+              <a:t>RoofStyle</a:t>
+            </a:r>
+            <a:r>
+              <a:rPr lang="en-US" dirty="0"/>
+              <a:t> = Keep Flat/Gable, everything else "other"</a:t>
+            </a:r>
+          </a:p>
+        </p:txBody>
+      </p:sp>
+    </p:spTree>
+    <p:extLst>
+      <p:ext uri="{BB962C8B-B14F-4D97-AF65-F5344CB8AC3E}">
+        <p14:creationId xmlns:p14="http://schemas.microsoft.com/office/powerpoint/2010/main" val="3331935997"/>
+      </p:ext>
+    </p:extLst>
+  </p:cSld>
+  <p:clrMapOvr>
+    <a:masterClrMapping/>
+  </p:clrMapOvr>
+</p:sld>
+</file>
+
+<file path=ppt/slides/slide13.xml><?xml version="1.0" encoding="utf-8"?>
+<p:sld xmlns:a="http://schemas.openxmlformats.org/drawingml/2006/main" xmlns:r="http://schemas.openxmlformats.org/officeDocument/2006/relationships" xmlns:p="http://schemas.openxmlformats.org/presentationml/2006/main">
+  <p:cSld>
+    <p:spTree>
+      <p:nvGrpSpPr>
+        <p:cNvPr id="1" name=""/>
+        <p:cNvGrpSpPr/>
+        <p:nvPr/>
+      </p:nvGrpSpPr>
+      <p:grpSpPr>
+        <a:xfrm>
+          <a:off x="0" y="0"/>
+          <a:ext cx="0" cy="0"/>
+          <a:chOff x="0" y="0"/>
+          <a:chExt cx="0" cy="0"/>
+        </a:xfrm>
+      </p:grpSpPr>
+      <p:sp>
+        <p:nvSpPr>
+          <p:cNvPr id="2" name="Title 1">
+            <a:extLst>
+              <a:ext uri="{FF2B5EF4-FFF2-40B4-BE49-F238E27FC236}">
+                <a16:creationId xmlns:a16="http://schemas.microsoft.com/office/drawing/2014/main" id="{CBFA4A8F-90DC-3E4C-A8C4-6B8F6B6C7120}"/>
+              </a:ext>
+            </a:extLst>
+          </p:cNvPr>
+          <p:cNvSpPr>
+            <a:spLocks noGrp="1"/>
+          </p:cNvSpPr>
+          <p:nvPr>
+            <p:ph type="title"/>
+          </p:nvPr>
+        </p:nvSpPr>
+        <p:spPr/>
+        <p:txBody>
+          <a:bodyPr/>
+          <a:lstStyle/>
+          <a:p>
+            <a:r>
+              <a:rPr lang="en-US" dirty="0"/>
+              <a:t>Data Cleaning</a:t>
+            </a:r>
+          </a:p>
+        </p:txBody>
+      </p:sp>
+      <p:sp>
+        <p:nvSpPr>
+          <p:cNvPr id="3" name="Content Placeholder 2">
+            <a:extLst>
+              <a:ext uri="{FF2B5EF4-FFF2-40B4-BE49-F238E27FC236}">
+                <a16:creationId xmlns:a16="http://schemas.microsoft.com/office/drawing/2014/main" id="{4FE01583-772A-C04E-810B-91048F4D6339}"/>
+              </a:ext>
+            </a:extLst>
+          </p:cNvPr>
+          <p:cNvSpPr>
+            <a:spLocks noGrp="1"/>
+          </p:cNvSpPr>
+          <p:nvPr>
+            <p:ph idx="1"/>
+          </p:nvPr>
+        </p:nvSpPr>
+        <p:spPr/>
+        <p:txBody>
+          <a:bodyPr>
+            <a:normAutofit/>
+          </a:bodyPr>
+          <a:lstStyle/>
+          <a:p>
+            <a:r>
+              <a:rPr lang="en-US" dirty="0"/>
+              <a:t>Cook’s Distance to remove 4 observation with P-values &gt; 0.05</a:t>
+            </a:r>
+          </a:p>
+          <a:p>
+            <a:r>
+              <a:rPr lang="en-US" dirty="0" err="1"/>
+              <a:t>MinMax</a:t>
+            </a:r>
+            <a:r>
+              <a:rPr lang="en-US" dirty="0"/>
+              <a:t> Scaler for numeric values (non-normal distribution)</a:t>
+            </a:r>
+          </a:p>
+          <a:p>
+            <a:r>
+              <a:rPr lang="en-US" dirty="0" err="1"/>
+              <a:t>Dummify</a:t>
+            </a:r>
+            <a:r>
+              <a:rPr lang="en-US" dirty="0"/>
+              <a:t> for Linear Models/Label Encoding Category</a:t>
+            </a:r>
+          </a:p>
+          <a:p>
+            <a:r>
+              <a:rPr lang="en-US" dirty="0"/>
+              <a:t>Log Price for Linear Models</a:t>
+            </a:r>
+          </a:p>
+          <a:p>
+            <a:r>
+              <a:rPr lang="en-US" dirty="0"/>
+              <a:t>Train Test Split with Random State</a:t>
+            </a:r>
+          </a:p>
+          <a:p>
+            <a:r>
+              <a:rPr lang="en-US" dirty="0"/>
+              <a:t>Shared Data Preprocessing Function</a:t>
+            </a:r>
+          </a:p>
+        </p:txBody>
+      </p:sp>
+    </p:spTree>
+    <p:extLst>
+      <p:ext uri="{BB962C8B-B14F-4D97-AF65-F5344CB8AC3E}">
+        <p14:creationId xmlns:p14="http://schemas.microsoft.com/office/powerpoint/2010/main" val="1375418562"/>
+      </p:ext>
+    </p:extLst>
+  </p:cSld>
+  <p:clrMapOvr>
+    <a:masterClrMapping/>
+  </p:clrMapOvr>
+</p:sld>
+</file>
+
+<file path=ppt/slides/slide14.xml><?xml version="1.0" encoding="utf-8"?>
+<p:sld xmlns:a="http://schemas.openxmlformats.org/drawingml/2006/main" xmlns:r="http://schemas.openxmlformats.org/officeDocument/2006/relationships" xmlns:p="http://schemas.openxmlformats.org/presentationml/2006/main">
+  <p:cSld>
+    <p:spTree>
+      <p:nvGrpSpPr>
+        <p:cNvPr id="1" name=""/>
+        <p:cNvGrpSpPr/>
+        <p:nvPr/>
+      </p:nvGrpSpPr>
+      <p:grpSpPr>
+        <a:xfrm>
+          <a:off x="0" y="0"/>
+          <a:ext cx="0" cy="0"/>
+          <a:chOff x="0" y="0"/>
+          <a:chExt cx="0" cy="0"/>
+        </a:xfrm>
+      </p:grpSpPr>
+      <p:sp>
+        <p:nvSpPr>
+          <p:cNvPr id="2" name="Title 1">
+            <a:extLst>
+              <a:ext uri="{FF2B5EF4-FFF2-40B4-BE49-F238E27FC236}">
+                <a16:creationId xmlns:a16="http://schemas.microsoft.com/office/drawing/2014/main" id="{CE1A103A-E5D2-2045-A69A-9632C4EDD17F}"/>
+              </a:ext>
+            </a:extLst>
+          </p:cNvPr>
+          <p:cNvSpPr>
+            <a:spLocks noGrp="1"/>
+          </p:cNvSpPr>
+          <p:nvPr>
+            <p:ph type="title"/>
+          </p:nvPr>
+        </p:nvSpPr>
+        <p:spPr/>
+        <p:txBody>
+          <a:bodyPr/>
+          <a:lstStyle/>
+          <a:p>
+            <a:r>
+              <a:rPr lang="en-US" dirty="0"/>
+              <a:t>Linear Model’s</a:t>
+            </a:r>
+          </a:p>
+        </p:txBody>
+      </p:sp>
+      <p:sp>
+        <p:nvSpPr>
+          <p:cNvPr id="3" name="Content Placeholder 2">
+            <a:extLst>
+              <a:ext uri="{FF2B5EF4-FFF2-40B4-BE49-F238E27FC236}">
+                <a16:creationId xmlns:a16="http://schemas.microsoft.com/office/drawing/2014/main" id="{CBB57F23-8429-4A4D-904A-AA04E128F958}"/>
+              </a:ext>
+            </a:extLst>
+          </p:cNvPr>
+          <p:cNvSpPr>
+            <a:spLocks noGrp="1"/>
+          </p:cNvSpPr>
+          <p:nvPr>
+            <p:ph idx="1"/>
+          </p:nvPr>
+        </p:nvSpPr>
+        <p:spPr/>
+        <p:txBody>
+          <a:bodyPr/>
+          <a:lstStyle/>
+          <a:p>
+            <a:r>
+              <a:rPr lang="en-US" dirty="0"/>
+              <a:t>Ridge – Best Score </a:t>
+            </a:r>
+          </a:p>
+          <a:p>
+            <a:pPr lvl="1"/>
+            <a:r>
+              <a:rPr lang="en-US" dirty="0"/>
+              <a:t>Most Important Features</a:t>
+            </a:r>
+          </a:p>
+          <a:p>
+            <a:pPr lvl="1"/>
+            <a:r>
+              <a:rPr lang="en-US" dirty="0"/>
+              <a:t>Least Important Features</a:t>
+            </a:r>
+          </a:p>
+          <a:p>
+            <a:r>
+              <a:rPr lang="en-US" dirty="0"/>
+              <a:t>Lasso – Best Score</a:t>
+            </a:r>
+          </a:p>
+          <a:p>
+            <a:pPr lvl="1"/>
+            <a:r>
+              <a:rPr lang="en-US" dirty="0"/>
+              <a:t>Features Removes</a:t>
+            </a:r>
+          </a:p>
+          <a:p>
+            <a:pPr lvl="1"/>
+            <a:r>
+              <a:rPr lang="en-US" dirty="0"/>
+              <a:t>Most Important Features</a:t>
+            </a:r>
+          </a:p>
+          <a:p>
+            <a:r>
+              <a:rPr lang="en-US" dirty="0"/>
+              <a:t>Elastic Net – Best Score</a:t>
+            </a:r>
+          </a:p>
+          <a:p>
+            <a:pPr lvl="1"/>
+            <a:r>
+              <a:rPr lang="en-US" dirty="0"/>
+              <a:t>Most Important Features</a:t>
+            </a:r>
+          </a:p>
+          <a:p>
+            <a:pPr lvl="1"/>
+            <a:r>
+              <a:rPr lang="en-US" dirty="0"/>
+              <a:t>Least Important Features</a:t>
+            </a:r>
+          </a:p>
+          <a:p>
+            <a:pPr lvl="1"/>
+            <a:endParaRPr lang="en-US" dirty="0"/>
+          </a:p>
+        </p:txBody>
+      </p:sp>
+    </p:spTree>
+    <p:extLst>
+      <p:ext uri="{BB962C8B-B14F-4D97-AF65-F5344CB8AC3E}">
+        <p14:creationId xmlns:p14="http://schemas.microsoft.com/office/powerpoint/2010/main" val="808023985"/>
+      </p:ext>
+    </p:extLst>
+  </p:cSld>
+  <p:clrMapOvr>
+    <a:masterClrMapping/>
+  </p:clrMapOvr>
+</p:sld>
+</file>
+
+<file path=ppt/slides/slide15.xml><?xml version="1.0" encoding="utf-8"?>
+<p:sld xmlns:a="http://schemas.openxmlformats.org/drawingml/2006/main" xmlns:r="http://schemas.openxmlformats.org/officeDocument/2006/relationships" xmlns:p="http://schemas.openxmlformats.org/presentationml/2006/main">
+  <p:cSld>
+    <p:spTree>
+      <p:nvGrpSpPr>
+        <p:cNvPr id="1" name=""/>
+        <p:cNvGrpSpPr/>
+        <p:nvPr/>
+      </p:nvGrpSpPr>
+      <p:grpSpPr>
+        <a:xfrm>
+          <a:off x="0" y="0"/>
+          <a:ext cx="0" cy="0"/>
+          <a:chOff x="0" y="0"/>
+          <a:chExt cx="0" cy="0"/>
+        </a:xfrm>
+      </p:grpSpPr>
+      <p:sp>
+        <p:nvSpPr>
+          <p:cNvPr id="2" name="Title 1">
+            <a:extLst>
+              <a:ext uri="{FF2B5EF4-FFF2-40B4-BE49-F238E27FC236}">
+                <a16:creationId xmlns:a16="http://schemas.microsoft.com/office/drawing/2014/main" id="{1BBF126A-EFE4-4A4E-BB45-A95535A3A346}"/>
+              </a:ext>
+            </a:extLst>
+          </p:cNvPr>
+          <p:cNvSpPr>
+            <a:spLocks noGrp="1"/>
+          </p:cNvSpPr>
+          <p:nvPr>
+            <p:ph type="title"/>
+          </p:nvPr>
+        </p:nvSpPr>
+        <p:spPr/>
+        <p:txBody>
+          <a:bodyPr/>
+          <a:lstStyle/>
+          <a:p>
+            <a:r>
+              <a:rPr lang="en-US" dirty="0"/>
+              <a:t>Tree Based Models</a:t>
+            </a:r>
+          </a:p>
+        </p:txBody>
+      </p:sp>
+      <p:sp>
+        <p:nvSpPr>
+          <p:cNvPr id="3" name="Content Placeholder 2">
+            <a:extLst>
+              <a:ext uri="{FF2B5EF4-FFF2-40B4-BE49-F238E27FC236}">
+                <a16:creationId xmlns:a16="http://schemas.microsoft.com/office/drawing/2014/main" id="{48C186BA-6037-6048-9C09-57E5F9C59E3C}"/>
+              </a:ext>
+            </a:extLst>
+          </p:cNvPr>
+          <p:cNvSpPr>
+            <a:spLocks noGrp="1"/>
+          </p:cNvSpPr>
+          <p:nvPr>
+            <p:ph idx="1"/>
+          </p:nvPr>
+        </p:nvSpPr>
+        <p:spPr/>
+        <p:txBody>
+          <a:bodyPr/>
+          <a:lstStyle/>
+          <a:p>
+            <a:r>
+              <a:rPr lang="en-US" dirty="0"/>
+              <a:t>Decision Tree Best Score</a:t>
+            </a:r>
+          </a:p>
+          <a:p>
+            <a:pPr lvl="1"/>
+            <a:r>
+              <a:rPr lang="en-US" dirty="0"/>
+              <a:t>Params</a:t>
+            </a:r>
+          </a:p>
+          <a:p>
+            <a:r>
+              <a:rPr lang="en-US" dirty="0"/>
+              <a:t>Random Forest Best Score</a:t>
+            </a:r>
+          </a:p>
+          <a:p>
+            <a:pPr lvl="1"/>
+            <a:r>
+              <a:rPr lang="en-US" dirty="0"/>
+              <a:t>Params</a:t>
+            </a:r>
+          </a:p>
+          <a:p>
+            <a:r>
+              <a:rPr lang="en-US" dirty="0"/>
+              <a:t>Gradient Boost Score</a:t>
+            </a:r>
+          </a:p>
+          <a:p>
+            <a:pPr lvl="1"/>
+            <a:r>
+              <a:rPr lang="en-US" dirty="0"/>
+              <a:t>Params</a:t>
+            </a:r>
+          </a:p>
+          <a:p>
+            <a:r>
+              <a:rPr lang="en-US" dirty="0"/>
+              <a:t>AdaBoost Score</a:t>
+            </a:r>
+          </a:p>
+          <a:p>
+            <a:pPr lvl="1"/>
+            <a:r>
+              <a:rPr lang="en-US" dirty="0"/>
+              <a:t>Params</a:t>
+            </a:r>
+          </a:p>
+          <a:p>
+            <a:r>
+              <a:rPr lang="en-US" dirty="0"/>
+              <a:t>Discuss Feature Importance</a:t>
+            </a:r>
+          </a:p>
+        </p:txBody>
+      </p:sp>
+    </p:spTree>
+    <p:extLst>
+      <p:ext uri="{BB962C8B-B14F-4D97-AF65-F5344CB8AC3E}">
+        <p14:creationId xmlns:p14="http://schemas.microsoft.com/office/powerpoint/2010/main" val="666949538"/>
+      </p:ext>
+    </p:extLst>
+  </p:cSld>
+  <p:clrMapOvr>
+    <a:masterClrMapping/>
+  </p:clrMapOvr>
+</p:sld>
+</file>
+
+<file path=ppt/slides/slide16.xml><?xml version="1.0" encoding="utf-8"?>
+<p:sld xmlns:a="http://schemas.openxmlformats.org/drawingml/2006/main" xmlns:r="http://schemas.openxmlformats.org/officeDocument/2006/relationships" xmlns:p="http://schemas.openxmlformats.org/presentationml/2006/main">
+  <p:cSld>
+    <p:spTree>
+      <p:nvGrpSpPr>
+        <p:cNvPr id="1" name=""/>
+        <p:cNvGrpSpPr/>
+        <p:nvPr/>
+      </p:nvGrpSpPr>
+      <p:grpSpPr>
+        <a:xfrm>
+          <a:off x="0" y="0"/>
+          <a:ext cx="0" cy="0"/>
+          <a:chOff x="0" y="0"/>
+          <a:chExt cx="0" cy="0"/>
+        </a:xfrm>
+      </p:grpSpPr>
+      <p:sp>
+        <p:nvSpPr>
+          <p:cNvPr id="2" name="Title 1">
+            <a:extLst>
+              <a:ext uri="{FF2B5EF4-FFF2-40B4-BE49-F238E27FC236}">
+                <a16:creationId xmlns:a16="http://schemas.microsoft.com/office/drawing/2014/main" id="{BC5EA46F-2E49-164F-BCBD-4CD495BE20C0}"/>
+              </a:ext>
+            </a:extLst>
+          </p:cNvPr>
+          <p:cNvSpPr>
+            <a:spLocks noGrp="1"/>
+          </p:cNvSpPr>
+          <p:nvPr>
+            <p:ph type="title"/>
+          </p:nvPr>
+        </p:nvSpPr>
+        <p:spPr/>
+        <p:txBody>
+          <a:bodyPr/>
+          <a:lstStyle/>
+          <a:p>
+            <a:r>
+              <a:rPr lang="en-US" dirty="0"/>
+              <a:t>Support Vector Machines</a:t>
+            </a:r>
+          </a:p>
+        </p:txBody>
+      </p:sp>
+      <p:sp>
+        <p:nvSpPr>
+          <p:cNvPr id="3" name="Content Placeholder 2">
+            <a:extLst>
+              <a:ext uri="{FF2B5EF4-FFF2-40B4-BE49-F238E27FC236}">
+                <a16:creationId xmlns:a16="http://schemas.microsoft.com/office/drawing/2014/main" id="{E9548468-F768-2446-96E6-E067584969B6}"/>
+              </a:ext>
+            </a:extLst>
+          </p:cNvPr>
+          <p:cNvSpPr>
+            <a:spLocks noGrp="1"/>
+          </p:cNvSpPr>
+          <p:nvPr>
+            <p:ph idx="1"/>
+          </p:nvPr>
+        </p:nvSpPr>
+        <p:spPr/>
+        <p:txBody>
+          <a:bodyPr/>
+          <a:lstStyle/>
+          <a:p>
+            <a:r>
+              <a:rPr lang="en-US" dirty="0"/>
+              <a:t>Linear Best Score</a:t>
+            </a:r>
+          </a:p>
+          <a:p>
+            <a:pPr lvl="1"/>
+            <a:r>
+              <a:rPr lang="en-US" dirty="0"/>
+              <a:t>Params</a:t>
+            </a:r>
+          </a:p>
+          <a:p>
+            <a:r>
+              <a:rPr lang="en-US" dirty="0" err="1"/>
+              <a:t>Rbf</a:t>
+            </a:r>
+            <a:r>
+              <a:rPr lang="en-US" dirty="0"/>
+              <a:t> Best Score</a:t>
+            </a:r>
+          </a:p>
+          <a:p>
+            <a:pPr lvl="1"/>
+            <a:r>
+              <a:rPr lang="en-US" dirty="0"/>
+              <a:t>Params</a:t>
+            </a:r>
+          </a:p>
+        </p:txBody>
+      </p:sp>
+    </p:spTree>
+    <p:extLst>
+      <p:ext uri="{BB962C8B-B14F-4D97-AF65-F5344CB8AC3E}">
+        <p14:creationId xmlns:p14="http://schemas.microsoft.com/office/powerpoint/2010/main" val="773842789"/>
+      </p:ext>
+    </p:extLst>
+  </p:cSld>
+  <p:clrMapOvr>
+    <a:masterClrMapping/>
+  </p:clrMapOvr>
+</p:sld>
+</file>
+
+<file path=ppt/slides/slide17.xml><?xml version="1.0" encoding="utf-8"?>
+<p:sld xmlns:a="http://schemas.openxmlformats.org/drawingml/2006/main" xmlns:r="http://schemas.openxmlformats.org/officeDocument/2006/relationships" xmlns:p="http://schemas.openxmlformats.org/presentationml/2006/main">
+  <p:cSld>
+    <p:spTree>
+      <p:nvGrpSpPr>
+        <p:cNvPr id="1" name=""/>
+        <p:cNvGrpSpPr/>
+        <p:nvPr/>
+      </p:nvGrpSpPr>
+      <p:grpSpPr>
+        <a:xfrm>
+          <a:off x="0" y="0"/>
+          <a:ext cx="0" cy="0"/>
+          <a:chOff x="0" y="0"/>
+          <a:chExt cx="0" cy="0"/>
+        </a:xfrm>
+      </p:grpSpPr>
+      <p:sp>
+        <p:nvSpPr>
+          <p:cNvPr id="2" name="Title 1">
+            <a:extLst>
+              <a:ext uri="{FF2B5EF4-FFF2-40B4-BE49-F238E27FC236}">
                 <a16:creationId xmlns:a16="http://schemas.microsoft.com/office/drawing/2014/main" id="{53EFA03A-1DF9-1B44-9598-40ACA22AB0D8}"/>
               </a:ext>
             </a:extLst>
@@ -3508,7 +5408,7 @@
 </p:sld>
 </file>
 
-<file path=ppt/slides/slide11.xml><?xml version="1.0" encoding="utf-8"?>
+<file path=ppt/slides/slide18.xml><?xml version="1.0" encoding="utf-8"?>
 <p:sld xmlns:a="http://schemas.openxmlformats.org/drawingml/2006/main" xmlns:r="http://schemas.openxmlformats.org/officeDocument/2006/relationships" xmlns:p="http://schemas.openxmlformats.org/presentationml/2006/main">
   <p:cSld>
     <p:spTree>
@@ -3629,42 +5529,51 @@
         </p:nvSpPr>
         <p:spPr/>
         <p:txBody>
-          <a:bodyPr/>
-          <a:lstStyle/>
-          <a:p>
-            <a:r>
-              <a:rPr lang="en-US" dirty="0"/>
-              <a:t>Important Features</a:t>
-            </a:r>
-          </a:p>
-          <a:p>
-            <a:r>
-              <a:rPr lang="en-US" dirty="0"/>
-              <a:t>Number of Observation</a:t>
-            </a:r>
-          </a:p>
-          <a:p>
-            <a:r>
-              <a:rPr lang="en-US" dirty="0"/>
-              <a:t>Numeric, Categorical Features</a:t>
-            </a:r>
-          </a:p>
-          <a:p>
-            <a:r>
-              <a:rPr lang="en-US" dirty="0"/>
-              <a:t>Years of Data</a:t>
-            </a:r>
-          </a:p>
-          <a:p>
-            <a:r>
-              <a:rPr lang="en-US" dirty="0"/>
-              <a:t>Real Estate Data Set for Addresses</a:t>
-            </a:r>
-          </a:p>
-          <a:p>
-            <a:r>
-              <a:rPr lang="en-US" dirty="0"/>
-              <a:t>Assumptions – Predicting for 2011, Normal Sales only, residential houses can be in commercial zone, </a:t>
+          <a:bodyPr>
+            <a:normAutofit/>
+          </a:bodyPr>
+          <a:lstStyle/>
+          <a:p>
+            <a:r>
+              <a:rPr lang="en-US" dirty="0"/>
+              <a:t>80 Features</a:t>
+            </a:r>
+          </a:p>
+          <a:p>
+            <a:r>
+              <a:rPr lang="en-US" dirty="0"/>
+              <a:t>Sale price is target variable</a:t>
+            </a:r>
+          </a:p>
+          <a:p>
+            <a:r>
+              <a:rPr lang="en-US" dirty="0"/>
+              <a:t>2,580 Observations</a:t>
+            </a:r>
+          </a:p>
+          <a:p>
+            <a:r>
+              <a:rPr lang="en-US" dirty="0"/>
+              <a:t>Real Estate Data Set used for Addresses to generate mapping</a:t>
+            </a:r>
+          </a:p>
+          <a:p>
+            <a:r>
+              <a:rPr lang="en-US" dirty="0"/>
+              <a:t>Data from January 2006 – March 2010</a:t>
+            </a:r>
+          </a:p>
+          <a:p>
+            <a:pPr lvl="1"/>
+            <a:r>
+              <a:rPr lang="en-US" dirty="0"/>
+              <a:t>RE address data up to 2020</a:t>
+            </a:r>
+          </a:p>
+          <a:p>
+            <a:r>
+              <a:rPr lang="en-US" dirty="0"/>
+              <a:t>37 numeric data type features and 43 categorical string data type features</a:t>
             </a:r>
           </a:p>
         </p:txBody>
@@ -3704,7 +5613,7 @@
           <p:cNvPr id="2" name="Title 1">
             <a:extLst>
               <a:ext uri="{FF2B5EF4-FFF2-40B4-BE49-F238E27FC236}">
-                <a16:creationId xmlns:a16="http://schemas.microsoft.com/office/drawing/2014/main" id="{56688C43-977F-FE40-9DCB-3F942E01CDAD}"/>
+                <a16:creationId xmlns:a16="http://schemas.microsoft.com/office/drawing/2014/main" id="{A0A7E282-BC60-C546-BD0A-A750F179E74F}"/>
               </a:ext>
             </a:extLst>
           </p:cNvPr>
@@ -3722,59 +5631,137 @@
           <a:p>
             <a:r>
               <a:rPr lang="en-US" dirty="0"/>
-              <a:t>EDA</a:t>
-            </a:r>
-          </a:p>
-        </p:txBody>
-      </p:sp>
-      <p:sp>
-        <p:nvSpPr>
-          <p:cNvPr id="3" name="Content Placeholder 2">
-            <a:extLst>
-              <a:ext uri="{FF2B5EF4-FFF2-40B4-BE49-F238E27FC236}">
-                <a16:creationId xmlns:a16="http://schemas.microsoft.com/office/drawing/2014/main" id="{D7697837-86F3-034C-8312-D7613C2975D0}"/>
-              </a:ext>
-            </a:extLst>
-          </p:cNvPr>
-          <p:cNvSpPr>
-            <a:spLocks noGrp="1"/>
-          </p:cNvSpPr>
-          <p:nvPr>
-            <p:ph idx="1"/>
-          </p:nvPr>
-        </p:nvSpPr>
-        <p:spPr/>
-        <p:txBody>
-          <a:bodyPr/>
-          <a:lstStyle/>
-          <a:p>
-            <a:r>
-              <a:rPr lang="en-US" dirty="0"/>
-              <a:t>Histograms of numeric features</a:t>
-            </a:r>
-          </a:p>
-          <a:p>
-            <a:r>
-              <a:rPr lang="en-US" dirty="0"/>
-              <a:t>Correlation Heatmap</a:t>
-            </a:r>
-          </a:p>
-          <a:p>
-            <a:r>
-              <a:rPr lang="en-US" dirty="0"/>
-              <a:t>Pricing Trend 2006 -2010</a:t>
-            </a:r>
-          </a:p>
-          <a:p>
-            <a:r>
-              <a:rPr lang="en-US" dirty="0"/>
-              <a:t>Seasonal Trend in Sale Price</a:t>
-            </a:r>
-          </a:p>
-          <a:p>
-            <a:r>
-              <a:rPr lang="en-US" dirty="0"/>
-              <a:t>Scatter Plot of Price of SF</a:t>
+              <a:t>EDA - Histograms of Sale price</a:t>
+            </a:r>
+          </a:p>
+        </p:txBody>
+      </p:sp>
+      <p:pic>
+        <p:nvPicPr>
+          <p:cNvPr id="4" name="Picture 3" descr="Chart, histogram&#10;&#10;Description automatically generated">
+            <a:extLst>
+              <a:ext uri="{FF2B5EF4-FFF2-40B4-BE49-F238E27FC236}">
+                <a16:creationId xmlns:a16="http://schemas.microsoft.com/office/drawing/2014/main" id="{A8ACA215-9AA3-CB4D-8894-4D116D085A89}"/>
+              </a:ext>
+            </a:extLst>
+          </p:cNvPr>
+          <p:cNvPicPr>
+            <a:picLocks noChangeAspect="1"/>
+          </p:cNvPicPr>
+          <p:nvPr/>
+        </p:nvPicPr>
+        <p:blipFill>
+          <a:blip r:embed="rId2"/>
+          <a:stretch>
+            <a:fillRect/>
+          </a:stretch>
+        </p:blipFill>
+        <p:spPr>
+          <a:xfrm>
+            <a:off x="672735" y="2129659"/>
+            <a:ext cx="5143500" cy="3327400"/>
+          </a:xfrm>
+          <a:prstGeom prst="rect">
+            <a:avLst/>
+          </a:prstGeom>
+        </p:spPr>
+      </p:pic>
+      <p:pic>
+        <p:nvPicPr>
+          <p:cNvPr id="6" name="Picture 5" descr="Chart, histogram&#10;&#10;Description automatically generated">
+            <a:extLst>
+              <a:ext uri="{FF2B5EF4-FFF2-40B4-BE49-F238E27FC236}">
+                <a16:creationId xmlns:a16="http://schemas.microsoft.com/office/drawing/2014/main" id="{E4D97565-B714-B44F-9563-13598BC9DFFC}"/>
+              </a:ext>
+            </a:extLst>
+          </p:cNvPr>
+          <p:cNvPicPr>
+            <a:picLocks noChangeAspect="1"/>
+          </p:cNvPicPr>
+          <p:nvPr/>
+        </p:nvPicPr>
+        <p:blipFill>
+          <a:blip r:embed="rId3"/>
+          <a:stretch>
+            <a:fillRect/>
+          </a:stretch>
+        </p:blipFill>
+        <p:spPr>
+          <a:xfrm>
+            <a:off x="6096000" y="2129659"/>
+            <a:ext cx="5143500" cy="3251200"/>
+          </a:xfrm>
+          <a:prstGeom prst="rect">
+            <a:avLst/>
+          </a:prstGeom>
+        </p:spPr>
+      </p:pic>
+      <p:sp>
+        <p:nvSpPr>
+          <p:cNvPr id="7" name="TextBox 6">
+            <a:extLst>
+              <a:ext uri="{FF2B5EF4-FFF2-40B4-BE49-F238E27FC236}">
+                <a16:creationId xmlns:a16="http://schemas.microsoft.com/office/drawing/2014/main" id="{EE12E226-4EB7-2F42-B4EF-00495C7C7579}"/>
+              </a:ext>
+            </a:extLst>
+          </p:cNvPr>
+          <p:cNvSpPr txBox="1"/>
+          <p:nvPr/>
+        </p:nvSpPr>
+        <p:spPr>
+          <a:xfrm>
+            <a:off x="1828800" y="5457059"/>
+            <a:ext cx="3058510" cy="369332"/>
+          </a:xfrm>
+          <a:prstGeom prst="rect">
+            <a:avLst/>
+          </a:prstGeom>
+          <a:noFill/>
+        </p:spPr>
+        <p:txBody>
+          <a:bodyPr wrap="square" rtlCol="0">
+            <a:spAutoFit/>
+          </a:bodyPr>
+          <a:lstStyle/>
+          <a:p>
+            <a:r>
+              <a:rPr lang="en-US" dirty="0"/>
+              <a:t>($) Sale price all observations</a:t>
+            </a:r>
+          </a:p>
+        </p:txBody>
+      </p:sp>
+      <p:sp>
+        <p:nvSpPr>
+          <p:cNvPr id="8" name="TextBox 7">
+            <a:extLst>
+              <a:ext uri="{FF2B5EF4-FFF2-40B4-BE49-F238E27FC236}">
+                <a16:creationId xmlns:a16="http://schemas.microsoft.com/office/drawing/2014/main" id="{A0792D12-CBEB-044F-A4AD-7140259E3AEC}"/>
+              </a:ext>
+            </a:extLst>
+          </p:cNvPr>
+          <p:cNvSpPr txBox="1"/>
+          <p:nvPr/>
+        </p:nvSpPr>
+        <p:spPr>
+          <a:xfrm>
+            <a:off x="6858000" y="5482029"/>
+            <a:ext cx="4022834" cy="369332"/>
+          </a:xfrm>
+          <a:prstGeom prst="rect">
+            <a:avLst/>
+          </a:prstGeom>
+          <a:noFill/>
+        </p:spPr>
+        <p:txBody>
+          <a:bodyPr wrap="square" rtlCol="0">
+            <a:spAutoFit/>
+          </a:bodyPr>
+          <a:lstStyle/>
+          <a:p>
+            <a:r>
+              <a:rPr lang="en-US" dirty="0"/>
+              <a:t>($) Sale price all observations &lt;$300,000</a:t>
             </a:r>
           </a:p>
         </p:txBody>
@@ -3782,7 +5769,7 @@
     </p:spTree>
     <p:extLst>
       <p:ext uri="{BB962C8B-B14F-4D97-AF65-F5344CB8AC3E}">
-        <p14:creationId xmlns:p14="http://schemas.microsoft.com/office/powerpoint/2010/main" val="3746162347"/>
+        <p14:creationId xmlns:p14="http://schemas.microsoft.com/office/powerpoint/2010/main" val="1507247266"/>
       </p:ext>
     </p:extLst>
   </p:cSld>
@@ -3814,7 +5801,7 @@
           <p:cNvPr id="2" name="Title 1">
             <a:extLst>
               <a:ext uri="{FF2B5EF4-FFF2-40B4-BE49-F238E27FC236}">
-                <a16:creationId xmlns:a16="http://schemas.microsoft.com/office/drawing/2014/main" id="{4A102B8A-706D-FB41-97C1-1FBD39FBF560}"/>
+                <a16:creationId xmlns:a16="http://schemas.microsoft.com/office/drawing/2014/main" id="{833553F0-6A3A-CA45-A42E-995A809D2A9A}"/>
               </a:ext>
             </a:extLst>
           </p:cNvPr>
@@ -3832,55 +5819,45 @@
           <a:p>
             <a:r>
               <a:rPr lang="en-US" dirty="0"/>
-              <a:t>Data Cleaning</a:t>
-            </a:r>
-          </a:p>
-        </p:txBody>
-      </p:sp>
-      <p:sp>
-        <p:nvSpPr>
-          <p:cNvPr id="3" name="Content Placeholder 2">
-            <a:extLst>
-              <a:ext uri="{FF2B5EF4-FFF2-40B4-BE49-F238E27FC236}">
-                <a16:creationId xmlns:a16="http://schemas.microsoft.com/office/drawing/2014/main" id="{3C83217C-85C4-1645-BF9B-0E3239D077E4}"/>
-              </a:ext>
-            </a:extLst>
-          </p:cNvPr>
-          <p:cNvSpPr>
-            <a:spLocks noGrp="1"/>
-          </p:cNvSpPr>
-          <p:nvPr>
-            <p:ph idx="1"/>
-          </p:nvPr>
-        </p:nvSpPr>
-        <p:spPr/>
-        <p:txBody>
-          <a:bodyPr/>
-          <a:lstStyle/>
-          <a:p>
-            <a:r>
-              <a:rPr lang="en-US" dirty="0"/>
-              <a:t>Filter out non-normal sale-types</a:t>
-            </a:r>
-          </a:p>
-          <a:p>
-            <a:r>
-              <a:rPr lang="en-US" dirty="0"/>
-              <a:t>Remove duplicates</a:t>
-            </a:r>
-          </a:p>
-          <a:p>
-            <a:r>
-              <a:rPr lang="en-US" dirty="0"/>
-              <a:t>Fill NA’s – Mean vs 0s</a:t>
-            </a:r>
-          </a:p>
-        </p:txBody>
-      </p:sp>
+              <a:t>EDA – correlation heat map of numeric features</a:t>
+            </a:r>
+          </a:p>
+        </p:txBody>
+      </p:sp>
+      <p:pic>
+        <p:nvPicPr>
+          <p:cNvPr id="4" name="Picture 3" descr="Graphical user interface, chart&#10;&#10;Description automatically generated">
+            <a:extLst>
+              <a:ext uri="{FF2B5EF4-FFF2-40B4-BE49-F238E27FC236}">
+                <a16:creationId xmlns:a16="http://schemas.microsoft.com/office/drawing/2014/main" id="{83289137-A2B1-FC4A-8792-E1FDD088955F}"/>
+              </a:ext>
+            </a:extLst>
+          </p:cNvPr>
+          <p:cNvPicPr>
+            <a:picLocks noChangeAspect="1"/>
+          </p:cNvPicPr>
+          <p:nvPr/>
+        </p:nvPicPr>
+        <p:blipFill>
+          <a:blip r:embed="rId2"/>
+          <a:stretch>
+            <a:fillRect/>
+          </a:stretch>
+        </p:blipFill>
+        <p:spPr>
+          <a:xfrm>
+            <a:off x="2119772" y="1569159"/>
+            <a:ext cx="7952456" cy="5131185"/>
+          </a:xfrm>
+          <a:prstGeom prst="rect">
+            <a:avLst/>
+          </a:prstGeom>
+        </p:spPr>
+      </p:pic>
     </p:spTree>
     <p:extLst>
       <p:ext uri="{BB962C8B-B14F-4D97-AF65-F5344CB8AC3E}">
-        <p14:creationId xmlns:p14="http://schemas.microsoft.com/office/powerpoint/2010/main" val="1545581382"/>
+        <p14:creationId xmlns:p14="http://schemas.microsoft.com/office/powerpoint/2010/main" val="3074558358"/>
       </p:ext>
     </p:extLst>
   </p:cSld>
@@ -3912,7 +5889,7 @@
           <p:cNvPr id="2" name="Title 1">
             <a:extLst>
               <a:ext uri="{FF2B5EF4-FFF2-40B4-BE49-F238E27FC236}">
-                <a16:creationId xmlns:a16="http://schemas.microsoft.com/office/drawing/2014/main" id="{CBFA4A8F-90DC-3E4C-A8C4-6B8F6B6C7120}"/>
+                <a16:creationId xmlns:a16="http://schemas.microsoft.com/office/drawing/2014/main" id="{41BADC63-5799-C241-8B34-9CEC61C892D3}"/>
               </a:ext>
             </a:extLst>
           </p:cNvPr>
@@ -3930,97 +5907,45 @@
           <a:p>
             <a:r>
               <a:rPr lang="en-US" dirty="0"/>
-              <a:t>Data Cleaning</a:t>
-            </a:r>
-          </a:p>
-        </p:txBody>
-      </p:sp>
-      <p:sp>
-        <p:nvSpPr>
-          <p:cNvPr id="3" name="Content Placeholder 2">
-            <a:extLst>
-              <a:ext uri="{FF2B5EF4-FFF2-40B4-BE49-F238E27FC236}">
-                <a16:creationId xmlns:a16="http://schemas.microsoft.com/office/drawing/2014/main" id="{4FE01583-772A-C04E-810B-91048F4D6339}"/>
-              </a:ext>
-            </a:extLst>
-          </p:cNvPr>
-          <p:cNvSpPr>
-            <a:spLocks noGrp="1"/>
-          </p:cNvSpPr>
-          <p:nvPr>
-            <p:ph idx="1"/>
-          </p:nvPr>
-        </p:nvSpPr>
-        <p:spPr/>
-        <p:txBody>
-          <a:bodyPr>
-            <a:normAutofit lnSpcReduction="10000"/>
-          </a:bodyPr>
-          <a:lstStyle/>
-          <a:p>
-            <a:r>
-              <a:rPr lang="en-US" dirty="0"/>
-              <a:t>Histograms of Categorical Values</a:t>
-            </a:r>
-          </a:p>
-          <a:p>
-            <a:r>
-              <a:rPr lang="en-US" dirty="0"/>
-              <a:t>Feature Category Consolidation</a:t>
-            </a:r>
-          </a:p>
-          <a:p>
-            <a:r>
-              <a:rPr lang="en-US" dirty="0"/>
-              <a:t>New Feature Creation</a:t>
-            </a:r>
-          </a:p>
-          <a:p>
-            <a:r>
-              <a:rPr lang="en-US" dirty="0"/>
-              <a:t>Features to Drop</a:t>
-            </a:r>
-          </a:p>
-          <a:p>
-            <a:r>
-              <a:rPr lang="en-US" dirty="0"/>
-              <a:t>Observation to Drop</a:t>
-            </a:r>
-          </a:p>
-          <a:p>
-            <a:r>
-              <a:rPr lang="en-US" dirty="0"/>
-              <a:t>Scaler Chosen</a:t>
-            </a:r>
-          </a:p>
-          <a:p>
-            <a:r>
-              <a:rPr lang="en-US" dirty="0" err="1"/>
-              <a:t>Dummify</a:t>
-            </a:r>
-            <a:r>
-              <a:rPr lang="en-US" dirty="0"/>
-              <a:t> for Linear Models/Label Encoding Category</a:t>
-            </a:r>
-          </a:p>
-          <a:p>
-            <a:r>
-              <a:rPr lang="en-US" dirty="0"/>
-              <a:t>Log Price for Linear Models</a:t>
-            </a:r>
-          </a:p>
-          <a:p>
-            <a:r>
-              <a:rPr lang="en-US" dirty="0"/>
-              <a:t>Data Preprocessing Function</a:t>
-            </a:r>
-          </a:p>
-        </p:txBody>
-      </p:sp>
+              <a:t>EDA – Average sale price by year</a:t>
+            </a:r>
+          </a:p>
+        </p:txBody>
+      </p:sp>
+      <p:pic>
+        <p:nvPicPr>
+          <p:cNvPr id="4" name="Picture 3" descr="Chart, line chart&#10;&#10;Description automatically generated">
+            <a:extLst>
+              <a:ext uri="{FF2B5EF4-FFF2-40B4-BE49-F238E27FC236}">
+                <a16:creationId xmlns:a16="http://schemas.microsoft.com/office/drawing/2014/main" id="{B4224BC8-7E49-2C4A-AFA6-19A6E8187423}"/>
+              </a:ext>
+            </a:extLst>
+          </p:cNvPr>
+          <p:cNvPicPr>
+            <a:picLocks noChangeAspect="1"/>
+          </p:cNvPicPr>
+          <p:nvPr/>
+        </p:nvPicPr>
+        <p:blipFill>
+          <a:blip r:embed="rId2"/>
+          <a:stretch>
+            <a:fillRect/>
+          </a:stretch>
+        </p:blipFill>
+        <p:spPr>
+          <a:xfrm>
+            <a:off x="1713186" y="1356405"/>
+            <a:ext cx="8188951" cy="5136470"/>
+          </a:xfrm>
+          <a:prstGeom prst="rect">
+            <a:avLst/>
+          </a:prstGeom>
+        </p:spPr>
+      </p:pic>
     </p:spTree>
     <p:extLst>
       <p:ext uri="{BB962C8B-B14F-4D97-AF65-F5344CB8AC3E}">
-        <p14:creationId xmlns:p14="http://schemas.microsoft.com/office/powerpoint/2010/main" val="1375418562"/>
+        <p14:creationId xmlns:p14="http://schemas.microsoft.com/office/powerpoint/2010/main" val="3902009955"/>
       </p:ext>
     </p:extLst>
   </p:cSld>
@@ -4052,7 +5977,7 @@
           <p:cNvPr id="2" name="Title 1">
             <a:extLst>
               <a:ext uri="{FF2B5EF4-FFF2-40B4-BE49-F238E27FC236}">
-                <a16:creationId xmlns:a16="http://schemas.microsoft.com/office/drawing/2014/main" id="{C795903A-9528-D644-B2FD-0AE3E516F7A4}"/>
+                <a16:creationId xmlns:a16="http://schemas.microsoft.com/office/drawing/2014/main" id="{32A3C683-1973-EE4D-B32B-57FB180D48A1}"/>
               </a:ext>
             </a:extLst>
           </p:cNvPr>
@@ -4070,40 +5995,45 @@
           <a:p>
             <a:r>
               <a:rPr lang="en-US" dirty="0"/>
-              <a:t>Cook’s Distance to Remove Outliers</a:t>
-            </a:r>
-          </a:p>
-        </p:txBody>
-      </p:sp>
-      <p:sp>
-        <p:nvSpPr>
-          <p:cNvPr id="3" name="Content Placeholder 2">
-            <a:extLst>
-              <a:ext uri="{FF2B5EF4-FFF2-40B4-BE49-F238E27FC236}">
-                <a16:creationId xmlns:a16="http://schemas.microsoft.com/office/drawing/2014/main" id="{F0228B6E-00C6-F142-AF49-A8B38221D22C}"/>
-              </a:ext>
-            </a:extLst>
-          </p:cNvPr>
-          <p:cNvSpPr>
-            <a:spLocks noGrp="1"/>
-          </p:cNvSpPr>
-          <p:nvPr>
-            <p:ph idx="1"/>
-          </p:nvPr>
-        </p:nvSpPr>
-        <p:spPr/>
-        <p:txBody>
-          <a:bodyPr/>
-          <a:lstStyle/>
-          <a:p>
-            <a:endParaRPr lang="en-US"/>
-          </a:p>
-        </p:txBody>
-      </p:sp>
+              <a:t>EDA – Seasonal trend in sale price</a:t>
+            </a:r>
+          </a:p>
+        </p:txBody>
+      </p:sp>
+      <p:pic>
+        <p:nvPicPr>
+          <p:cNvPr id="4" name="Picture 3" descr="Chart, line chart&#10;&#10;Description automatically generated">
+            <a:extLst>
+              <a:ext uri="{FF2B5EF4-FFF2-40B4-BE49-F238E27FC236}">
+                <a16:creationId xmlns:a16="http://schemas.microsoft.com/office/drawing/2014/main" id="{214B5B8A-1998-FC4A-B573-B93393D0F88F}"/>
+              </a:ext>
+            </a:extLst>
+          </p:cNvPr>
+          <p:cNvPicPr>
+            <a:picLocks noChangeAspect="1"/>
+          </p:cNvPicPr>
+          <p:nvPr/>
+        </p:nvPicPr>
+        <p:blipFill>
+          <a:blip r:embed="rId2"/>
+          <a:stretch>
+            <a:fillRect/>
+          </a:stretch>
+        </p:blipFill>
+        <p:spPr>
+          <a:xfrm>
+            <a:off x="1980384" y="1373759"/>
+            <a:ext cx="8231231" cy="5305565"/>
+          </a:xfrm>
+          <a:prstGeom prst="rect">
+            <a:avLst/>
+          </a:prstGeom>
+        </p:spPr>
+      </p:pic>
     </p:spTree>
     <p:extLst>
       <p:ext uri="{BB962C8B-B14F-4D97-AF65-F5344CB8AC3E}">
-        <p14:creationId xmlns:p14="http://schemas.microsoft.com/office/powerpoint/2010/main" val="2473857621"/>
+        <p14:creationId xmlns:p14="http://schemas.microsoft.com/office/powerpoint/2010/main" val="4025798702"/>
       </p:ext>
     </p:extLst>
   </p:cSld>
@@ -4135,7 +6065,7 @@
           <p:cNvPr id="2" name="Title 1">
             <a:extLst>
               <a:ext uri="{FF2B5EF4-FFF2-40B4-BE49-F238E27FC236}">
-                <a16:creationId xmlns:a16="http://schemas.microsoft.com/office/drawing/2014/main" id="{CE1A103A-E5D2-2045-A69A-9632C4EDD17F}"/>
+                <a16:creationId xmlns:a16="http://schemas.microsoft.com/office/drawing/2014/main" id="{6F3EDB9D-B8EB-2A43-8505-35B5601A1BAD}"/>
               </a:ext>
             </a:extLst>
           </p:cNvPr>
@@ -4153,101 +6083,45 @@
           <a:p>
             <a:r>
               <a:rPr lang="en-US" dirty="0"/>
-              <a:t>Linear Model’s</a:t>
-            </a:r>
-          </a:p>
-        </p:txBody>
-      </p:sp>
-      <p:sp>
-        <p:nvSpPr>
-          <p:cNvPr id="3" name="Content Placeholder 2">
-            <a:extLst>
-              <a:ext uri="{FF2B5EF4-FFF2-40B4-BE49-F238E27FC236}">
-                <a16:creationId xmlns:a16="http://schemas.microsoft.com/office/drawing/2014/main" id="{CBB57F23-8429-4A4D-904A-AA04E128F958}"/>
-              </a:ext>
-            </a:extLst>
-          </p:cNvPr>
-          <p:cNvSpPr>
-            <a:spLocks noGrp="1"/>
-          </p:cNvSpPr>
-          <p:nvPr>
-            <p:ph idx="1"/>
-          </p:nvPr>
-        </p:nvSpPr>
-        <p:spPr/>
-        <p:txBody>
-          <a:bodyPr/>
-          <a:lstStyle/>
-          <a:p>
-            <a:r>
-              <a:rPr lang="en-US" dirty="0"/>
-              <a:t>Ridge – Best Score </a:t>
-            </a:r>
-          </a:p>
-          <a:p>
-            <a:pPr lvl="1"/>
-            <a:r>
-              <a:rPr lang="en-US" dirty="0"/>
-              <a:t>Most Important Features</a:t>
-            </a:r>
-          </a:p>
-          <a:p>
-            <a:pPr lvl="1"/>
-            <a:r>
-              <a:rPr lang="en-US" dirty="0"/>
-              <a:t>Least Important Features</a:t>
-            </a:r>
-          </a:p>
-          <a:p>
-            <a:r>
-              <a:rPr lang="en-US" dirty="0"/>
-              <a:t>Lasso – Best Score</a:t>
-            </a:r>
-          </a:p>
-          <a:p>
-            <a:pPr lvl="1"/>
-            <a:r>
-              <a:rPr lang="en-US" dirty="0"/>
-              <a:t>Features Removes</a:t>
-            </a:r>
-          </a:p>
-          <a:p>
-            <a:pPr lvl="1"/>
-            <a:r>
-              <a:rPr lang="en-US" dirty="0"/>
-              <a:t>Most Important Features</a:t>
-            </a:r>
-          </a:p>
-          <a:p>
-            <a:r>
-              <a:rPr lang="en-US" dirty="0"/>
-              <a:t>Elastic Net – Best Score</a:t>
-            </a:r>
-          </a:p>
-          <a:p>
-            <a:pPr lvl="1"/>
-            <a:r>
-              <a:rPr lang="en-US" dirty="0"/>
-              <a:t>Most Important Features</a:t>
-            </a:r>
-          </a:p>
-          <a:p>
-            <a:pPr lvl="1"/>
-            <a:r>
-              <a:rPr lang="en-US" dirty="0"/>
-              <a:t>Least Important Features</a:t>
-            </a:r>
-          </a:p>
-          <a:p>
-            <a:pPr lvl="1"/>
-            <a:endParaRPr lang="en-US" dirty="0"/>
-          </a:p>
-        </p:txBody>
-      </p:sp>
+              <a:t>EDA – Seasonal trend # houses sold</a:t>
+            </a:r>
+          </a:p>
+        </p:txBody>
+      </p:sp>
+      <p:pic>
+        <p:nvPicPr>
+          <p:cNvPr id="4" name="Picture 3" descr="Chart, histogram&#10;&#10;Description automatically generated">
+            <a:extLst>
+              <a:ext uri="{FF2B5EF4-FFF2-40B4-BE49-F238E27FC236}">
+                <a16:creationId xmlns:a16="http://schemas.microsoft.com/office/drawing/2014/main" id="{9435B353-7822-CD43-BB79-F75CF0509108}"/>
+              </a:ext>
+            </a:extLst>
+          </p:cNvPr>
+          <p:cNvPicPr>
+            <a:picLocks noChangeAspect="1"/>
+          </p:cNvPicPr>
+          <p:nvPr/>
+        </p:nvPicPr>
+        <p:blipFill>
+          <a:blip r:embed="rId2"/>
+          <a:stretch>
+            <a:fillRect/>
+          </a:stretch>
+        </p:blipFill>
+        <p:spPr>
+          <a:xfrm>
+            <a:off x="2157790" y="1470464"/>
+            <a:ext cx="7876420" cy="5135287"/>
+          </a:xfrm>
+          <a:prstGeom prst="rect">
+            <a:avLst/>
+          </a:prstGeom>
+        </p:spPr>
+      </p:pic>
     </p:spTree>
     <p:extLst>
       <p:ext uri="{BB962C8B-B14F-4D97-AF65-F5344CB8AC3E}">
-        <p14:creationId xmlns:p14="http://schemas.microsoft.com/office/powerpoint/2010/main" val="808023985"/>
+        <p14:creationId xmlns:p14="http://schemas.microsoft.com/office/powerpoint/2010/main" val="3117074744"/>
       </p:ext>
     </p:extLst>
   </p:cSld>
@@ -4279,7 +6153,7 @@
           <p:cNvPr id="2" name="Title 1">
             <a:extLst>
               <a:ext uri="{FF2B5EF4-FFF2-40B4-BE49-F238E27FC236}">
-                <a16:creationId xmlns:a16="http://schemas.microsoft.com/office/drawing/2014/main" id="{1BBF126A-EFE4-4A4E-BB45-A95535A3A346}"/>
+                <a16:creationId xmlns:a16="http://schemas.microsoft.com/office/drawing/2014/main" id="{7CDC8C8D-C495-DC4A-9233-1D6AB7DC8754}"/>
               </a:ext>
             </a:extLst>
           </p:cNvPr>
@@ -4297,95 +6171,45 @@
           <a:p>
             <a:r>
               <a:rPr lang="en-US" dirty="0"/>
-              <a:t>Tree Based Models</a:t>
-            </a:r>
-          </a:p>
-        </p:txBody>
-      </p:sp>
-      <p:sp>
-        <p:nvSpPr>
-          <p:cNvPr id="3" name="Content Placeholder 2">
-            <a:extLst>
-              <a:ext uri="{FF2B5EF4-FFF2-40B4-BE49-F238E27FC236}">
-                <a16:creationId xmlns:a16="http://schemas.microsoft.com/office/drawing/2014/main" id="{48C186BA-6037-6048-9C09-57E5F9C59E3C}"/>
-              </a:ext>
-            </a:extLst>
-          </p:cNvPr>
-          <p:cNvSpPr>
-            <a:spLocks noGrp="1"/>
-          </p:cNvSpPr>
-          <p:nvPr>
-            <p:ph idx="1"/>
-          </p:nvPr>
-        </p:nvSpPr>
-        <p:spPr/>
-        <p:txBody>
-          <a:bodyPr/>
-          <a:lstStyle/>
-          <a:p>
-            <a:r>
-              <a:rPr lang="en-US" dirty="0"/>
-              <a:t>Decision Tree Best Score</a:t>
-            </a:r>
-          </a:p>
-          <a:p>
-            <a:pPr lvl="1"/>
-            <a:r>
-              <a:rPr lang="en-US" dirty="0"/>
-              <a:t>Params</a:t>
-            </a:r>
-          </a:p>
-          <a:p>
-            <a:r>
-              <a:rPr lang="en-US" dirty="0"/>
-              <a:t>Random Forest Best Score</a:t>
-            </a:r>
-          </a:p>
-          <a:p>
-            <a:pPr lvl="1"/>
-            <a:r>
-              <a:rPr lang="en-US" dirty="0"/>
-              <a:t>Params</a:t>
-            </a:r>
-          </a:p>
-          <a:p>
-            <a:r>
-              <a:rPr lang="en-US" dirty="0"/>
-              <a:t>Gradient Boost Score</a:t>
-            </a:r>
-          </a:p>
-          <a:p>
-            <a:pPr lvl="1"/>
-            <a:r>
-              <a:rPr lang="en-US" dirty="0"/>
-              <a:t>Params</a:t>
-            </a:r>
-          </a:p>
-          <a:p>
-            <a:r>
-              <a:rPr lang="en-US" dirty="0"/>
-              <a:t>AdaBoost Score</a:t>
-            </a:r>
-          </a:p>
-          <a:p>
-            <a:pPr lvl="1"/>
-            <a:r>
-              <a:rPr lang="en-US" dirty="0"/>
-              <a:t>Params</a:t>
-            </a:r>
-          </a:p>
-          <a:p>
-            <a:r>
-              <a:rPr lang="en-US" dirty="0"/>
-              <a:t>Discuss Feature Importance</a:t>
-            </a:r>
-          </a:p>
-        </p:txBody>
-      </p:sp>
+              <a:t>EDA – Distribution of features</a:t>
+            </a:r>
+          </a:p>
+        </p:txBody>
+      </p:sp>
+      <p:pic>
+        <p:nvPicPr>
+          <p:cNvPr id="4" name="Picture 3" descr="Chart&#10;&#10;Description automatically generated">
+            <a:extLst>
+              <a:ext uri="{FF2B5EF4-FFF2-40B4-BE49-F238E27FC236}">
+                <a16:creationId xmlns:a16="http://schemas.microsoft.com/office/drawing/2014/main" id="{464D568F-61FF-4B4F-9C1E-F120E90C67EC}"/>
+              </a:ext>
+            </a:extLst>
+          </p:cNvPr>
+          <p:cNvPicPr>
+            <a:picLocks noChangeAspect="1"/>
+          </p:cNvPicPr>
+          <p:nvPr/>
+        </p:nvPicPr>
+        <p:blipFill>
+          <a:blip r:embed="rId2"/>
+          <a:stretch>
+            <a:fillRect/>
+          </a:stretch>
+        </p:blipFill>
+        <p:spPr>
+          <a:xfrm>
+            <a:off x="2238703" y="1358755"/>
+            <a:ext cx="8014747" cy="5352100"/>
+          </a:xfrm>
+          <a:prstGeom prst="rect">
+            <a:avLst/>
+          </a:prstGeom>
+        </p:spPr>
+      </p:pic>
     </p:spTree>
     <p:extLst>
       <p:ext uri="{BB962C8B-B14F-4D97-AF65-F5344CB8AC3E}">
-        <p14:creationId xmlns:p14="http://schemas.microsoft.com/office/powerpoint/2010/main" val="666949538"/>
+        <p14:creationId xmlns:p14="http://schemas.microsoft.com/office/powerpoint/2010/main" val="3306532624"/>
       </p:ext>
     </p:extLst>
   </p:cSld>
@@ -4417,7 +6241,7 @@
           <p:cNvPr id="2" name="Title 1">
             <a:extLst>
               <a:ext uri="{FF2B5EF4-FFF2-40B4-BE49-F238E27FC236}">
-                <a16:creationId xmlns:a16="http://schemas.microsoft.com/office/drawing/2014/main" id="{BC5EA46F-2E49-164F-BCBD-4CD495BE20C0}"/>
+                <a16:creationId xmlns:a16="http://schemas.microsoft.com/office/drawing/2014/main" id="{4A102B8A-706D-FB41-97C1-1FBD39FBF560}"/>
               </a:ext>
             </a:extLst>
           </p:cNvPr>
@@ -4435,7 +6259,7 @@
           <a:p>
             <a:r>
               <a:rPr lang="en-US" dirty="0"/>
-              <a:t>Support Vector Machines</a:t>
+              <a:t>Data Cleaning</a:t>
             </a:r>
           </a:p>
         </p:txBody>
@@ -4445,7 +6269,7 @@
           <p:cNvPr id="3" name="Content Placeholder 2">
             <a:extLst>
               <a:ext uri="{FF2B5EF4-FFF2-40B4-BE49-F238E27FC236}">
-                <a16:creationId xmlns:a16="http://schemas.microsoft.com/office/drawing/2014/main" id="{E9548468-F768-2446-96E6-E067584969B6}"/>
+                <a16:creationId xmlns:a16="http://schemas.microsoft.com/office/drawing/2014/main" id="{3C83217C-85C4-1645-BF9B-0E3239D077E4}"/>
               </a:ext>
             </a:extLst>
           </p:cNvPr>
@@ -4463,31 +6287,118 @@
           <a:p>
             <a:r>
               <a:rPr lang="en-US" dirty="0"/>
-              <a:t>Linear Best Score</a:t>
+              <a:t>Assumption – Predicting for 2011 (no inflation adjustment), residential houses can be in commercial zone </a:t>
+            </a:r>
+          </a:p>
+          <a:p>
+            <a:r>
+              <a:rPr lang="en-US" dirty="0"/>
+              <a:t>Filter out non-normal sale-types</a:t>
+            </a:r>
+          </a:p>
+          <a:p>
+            <a:r>
+              <a:rPr lang="en-US" dirty="0"/>
+              <a:t>Remove duplicate PID’s</a:t>
+            </a:r>
+          </a:p>
+          <a:p>
+            <a:r>
+              <a:rPr lang="en-US" dirty="0"/>
+              <a:t>Fill NA’s – Mean vs 0s</a:t>
             </a:r>
           </a:p>
           <a:p>
             <a:pPr lvl="1"/>
             <a:r>
               <a:rPr lang="en-US" dirty="0"/>
-              <a:t>Params</a:t>
-            </a:r>
-          </a:p>
-          <a:p>
-            <a:r>
-              <a:rPr lang="en-US" dirty="0" err="1"/>
-              <a:t>Rbf</a:t>
-            </a:r>
-            <a:r>
-              <a:rPr lang="en-US" dirty="0"/>
-              <a:t> Best Score</a:t>
+              <a:t>Mean : </a:t>
+            </a:r>
+            <a:r>
+              <a:rPr lang="en-US" i="1" dirty="0"/>
+              <a:t>Lot Frontage, </a:t>
+            </a:r>
+            <a:r>
+              <a:rPr lang="en-US" i="1" dirty="0" err="1"/>
+              <a:t>GarageYrBlt</a:t>
+            </a:r>
+            <a:r>
+              <a:rPr lang="en-US" i="1" dirty="0"/>
+              <a:t> </a:t>
             </a:r>
           </a:p>
           <a:p>
             <a:pPr lvl="1"/>
             <a:r>
               <a:rPr lang="en-US" dirty="0"/>
-              <a:t>Params</a:t>
+              <a:t>0: </a:t>
+            </a:r>
+            <a:r>
+              <a:rPr lang="en-US" i="1" dirty="0"/>
+              <a:t>BsmtFinSF1, BsmtFinSF2, BsmtUnfSF1, </a:t>
+            </a:r>
+            <a:r>
+              <a:rPr lang="en-US" i="1" dirty="0" err="1"/>
+              <a:t>MasVnrArea</a:t>
+            </a:r>
+            <a:r>
+              <a:rPr lang="en-US" i="1" dirty="0"/>
+              <a:t>, </a:t>
+            </a:r>
+            <a:r>
+              <a:rPr lang="en-US" i="1" dirty="0" err="1"/>
+              <a:t>BsmtFullBath</a:t>
+            </a:r>
+            <a:r>
+              <a:rPr lang="en-US" i="1" dirty="0"/>
+              <a:t>, </a:t>
+            </a:r>
+            <a:r>
+              <a:rPr lang="en-US" i="1" dirty="0" err="1"/>
+              <a:t>BsmtHalfBath</a:t>
+            </a:r>
+            <a:r>
+              <a:rPr lang="en-US" i="1" dirty="0"/>
+              <a:t>, </a:t>
+            </a:r>
+            <a:r>
+              <a:rPr lang="en-US" i="1" dirty="0" err="1"/>
+              <a:t>GarageCars</a:t>
+            </a:r>
+            <a:r>
+              <a:rPr lang="en-US" i="1" dirty="0"/>
+              <a:t>, </a:t>
+            </a:r>
+            <a:r>
+              <a:rPr lang="en-US" i="1" dirty="0" err="1"/>
+              <a:t>GarageArea</a:t>
+            </a:r>
+            <a:r>
+              <a:rPr lang="en-US" i="1" dirty="0"/>
+              <a:t>,</a:t>
+            </a:r>
+            <a:r>
+              <a:rPr lang="en-US" dirty="0"/>
+              <a:t> </a:t>
+            </a:r>
+          </a:p>
+          <a:p>
+            <a:pPr lvl="1"/>
+            <a:r>
+              <a:rPr lang="en-US" dirty="0"/>
+              <a:t>Categorical: </a:t>
+            </a:r>
+            <a:r>
+              <a:rPr lang="en-US" i="1" dirty="0"/>
+              <a:t>Fill with ”</a:t>
+            </a:r>
+            <a:r>
+              <a:rPr lang="en-US" i="1" dirty="0" err="1"/>
+              <a:t>No_InsertFeature</a:t>
+            </a:r>
+            <a:r>
+              <a:rPr lang="en-US" i="1" dirty="0"/>
+              <a:t>”</a:t>
             </a:r>
           </a:p>
         </p:txBody>
@@ -4495,7 +6406,7 @@
     </p:spTree>
     <p:extLst>
       <p:ext uri="{BB962C8B-B14F-4D97-AF65-F5344CB8AC3E}">
-        <p14:creationId xmlns:p14="http://schemas.microsoft.com/office/powerpoint/2010/main" val="773842789"/>
+        <p14:creationId xmlns:p14="http://schemas.microsoft.com/office/powerpoint/2010/main" val="1545581382"/>
       </p:ext>
     </p:extLst>
   </p:cSld>
@@ -4798,4 +6709,299 @@
     </a:ext>
   </a:extLst>
 </a:theme>
+</file>
+
+<file path=ppt/theme/theme2.xml><?xml version="1.0" encoding="utf-8"?>
+<a:theme xmlns:a="http://schemas.openxmlformats.org/drawingml/2006/main" name="Office Theme">
+  <a:themeElements>
+    <a:clrScheme name="Office">
+      <a:dk1>
+        <a:sysClr val="windowText" lastClr="000000"/>
+      </a:dk1>
+      <a:lt1>
+        <a:sysClr val="window" lastClr="FFFFFF"/>
+      </a:lt1>
+      <a:dk2>
+        <a:srgbClr val="44546A"/>
+      </a:dk2>
+      <a:lt2>
+        <a:srgbClr val="E7E6E6"/>
+      </a:lt2>
+      <a:accent1>
+        <a:srgbClr val="4472C4"/>
+      </a:accent1>
+      <a:accent2>
+        <a:srgbClr val="ED7D31"/>
+      </a:accent2>
+      <a:accent3>
+        <a:srgbClr val="A5A5A5"/>
+      </a:accent3>
+      <a:accent4>
+        <a:srgbClr val="FFC000"/>
+      </a:accent4>
+      <a:accent5>
+        <a:srgbClr val="5B9BD5"/>
+      </a:accent5>
+      <a:accent6>
+        <a:srgbClr val="70AD47"/>
+      </a:accent6>
+      <a:hlink>
+        <a:srgbClr val="0563C1"/>
+      </a:hlink>
+      <a:folHlink>
+        <a:srgbClr val="954F72"/>
+      </a:folHlink>
+    </a:clrScheme>
+    <a:fontScheme name="Office">
+      <a:majorFont>
+        <a:latin typeface="Calibri Light" panose="020F0302020204030204"/>
+        <a:ea typeface=""/>
+        <a:cs typeface=""/>
+        <a:font script="Jpan" typeface="游ゴシック Light"/>
+        <a:font script="Hang" typeface="맑은 고딕"/>
+        <a:font script="Hans" typeface="等线 Light"/>
+        <a:font script="Hant" typeface="新細明體"/>
+        <a:font script="Arab" typeface="Times New Roman"/>
+        <a:font script="Hebr" typeface="Times New Roman"/>
+        <a:font script="Thai" typeface="Angsana New"/>
+        <a:font script="Ethi" typeface="Nyala"/>
+        <a:font script="Beng" typeface="Vrinda"/>
+        <a:font script="Gujr" typeface="Shruti"/>
+        <a:font script="Khmr" typeface="MoolBoran"/>
+        <a:font script="Knda" typeface="Tunga"/>
+        <a:font script="Guru" typeface="Raavi"/>
+        <a:font script="Cans" typeface="Euphemia"/>
+        <a:font script="Cher" typeface="Plantagenet Cherokee"/>
+        <a:font script="Yiii" typeface="Microsoft Yi Baiti"/>
+        <a:font script="Tibt" typeface="Microsoft Himalaya"/>
+        <a:font script="Thaa" typeface="MV Boli"/>
+        <a:font script="Deva" typeface="Mangal"/>
+        <a:font script="Telu" typeface="Gautami"/>
+        <a:font script="Taml" typeface="Latha"/>
+        <a:font script="Syrc" typeface="Estrangelo Edessa"/>
+        <a:font script="Orya" typeface="Kalinga"/>
+        <a:font script="Mlym" typeface="Kartika"/>
+        <a:font script="Laoo" typeface="DokChampa"/>
+        <a:font script="Sinh" typeface="Iskoola Pota"/>
+        <a:font script="Mong" typeface="Mongolian Baiti"/>
+        <a:font script="Viet" typeface="Times New Roman"/>
+        <a:font script="Uigh" typeface="Microsoft Uighur"/>
+        <a:font script="Geor" typeface="Sylfaen"/>
+        <a:font script="Armn" typeface="Arial"/>
+        <a:font script="Bugi" typeface="Leelawadee UI"/>
+        <a:font script="Bopo" typeface="Microsoft JhengHei"/>
+        <a:font script="Java" typeface="Javanese Text"/>
+        <a:font script="Lisu" typeface="Segoe UI"/>
+        <a:font script="Mymr" typeface="Myanmar Text"/>
+        <a:font script="Nkoo" typeface="Ebrima"/>
+        <a:font script="Olck" typeface="Nirmala UI"/>
+        <a:font script="Osma" typeface="Ebrima"/>
+        <a:font script="Phag" typeface="Phagspa"/>
+        <a:font script="Syrn" typeface="Estrangelo Edessa"/>
+        <a:font script="Syrj" typeface="Estrangelo Edessa"/>
+        <a:font script="Syre" typeface="Estrangelo Edessa"/>
+        <a:font script="Sora" typeface="Nirmala UI"/>
+        <a:font script="Tale" typeface="Microsoft Tai Le"/>
+        <a:font script="Talu" typeface="Microsoft New Tai Lue"/>
+        <a:font script="Tfng" typeface="Ebrima"/>
+      </a:majorFont>
+      <a:minorFont>
+        <a:latin typeface="Calibri" panose="020F0502020204030204"/>
+        <a:ea typeface=""/>
+        <a:cs typeface=""/>
+        <a:font script="Jpan" typeface="游ゴシック"/>
+        <a:font script="Hang" typeface="맑은 고딕"/>
+        <a:font script="Hans" typeface="等线"/>
+        <a:font script="Hant" typeface="新細明體"/>
+        <a:font script="Arab" typeface="Arial"/>
+        <a:font script="Hebr" typeface="Arial"/>
+        <a:font script="Thai" typeface="Cordia New"/>
+        <a:font script="Ethi" typeface="Nyala"/>
+        <a:font script="Beng" typeface="Vrinda"/>
+        <a:font script="Gujr" typeface="Shruti"/>
+        <a:font script="Khmr" typeface="DaunPenh"/>
+        <a:font script="Knda" typeface="Tunga"/>
+        <a:font script="Guru" typeface="Raavi"/>
+        <a:font script="Cans" typeface="Euphemia"/>
+        <a:font script="Cher" typeface="Plantagenet Cherokee"/>
+        <a:font script="Yiii" typeface="Microsoft Yi Baiti"/>
+        <a:font script="Tibt" typeface="Microsoft Himalaya"/>
+        <a:font script="Thaa" typeface="MV Boli"/>
+        <a:font script="Deva" typeface="Mangal"/>
+        <a:font script="Telu" typeface="Gautami"/>
+        <a:font script="Taml" typeface="Latha"/>
+        <a:font script="Syrc" typeface="Estrangelo Edessa"/>
+        <a:font script="Orya" typeface="Kalinga"/>
+        <a:font script="Mlym" typeface="Kartika"/>
+        <a:font script="Laoo" typeface="DokChampa"/>
+        <a:font script="Sinh" typeface="Iskoola Pota"/>
+        <a:font script="Mong" typeface="Mongolian Baiti"/>
+        <a:font script="Viet" typeface="Arial"/>
+        <a:font script="Uigh" typeface="Microsoft Uighur"/>
+        <a:font script="Geor" typeface="Sylfaen"/>
+        <a:font script="Armn" typeface="Arial"/>
+        <a:font script="Bugi" typeface="Leelawadee UI"/>
+        <a:font script="Bopo" typeface="Microsoft JhengHei"/>
+        <a:font script="Java" typeface="Javanese Text"/>
+        <a:font script="Lisu" typeface="Segoe UI"/>
+        <a:font script="Mymr" typeface="Myanmar Text"/>
+        <a:font script="Nkoo" typeface="Ebrima"/>
+        <a:font script="Olck" typeface="Nirmala UI"/>
+        <a:font script="Osma" typeface="Ebrima"/>
+        <a:font script="Phag" typeface="Phagspa"/>
+        <a:font script="Syrn" typeface="Estrangelo Edessa"/>
+        <a:font script="Syrj" typeface="Estrangelo Edessa"/>
+        <a:font script="Syre" typeface="Estrangelo Edessa"/>
+        <a:font script="Sora" typeface="Nirmala UI"/>
+        <a:font script="Tale" typeface="Microsoft Tai Le"/>
+        <a:font script="Talu" typeface="Microsoft New Tai Lue"/>
+        <a:font script="Tfng" typeface="Ebrima"/>
+      </a:minorFont>
+    </a:fontScheme>
+    <a:fmtScheme name="Office">
+      <a:fillStyleLst>
+        <a:solidFill>
+          <a:schemeClr val="phClr"/>
+        </a:solidFill>
+        <a:gradFill rotWithShape="1">
+          <a:gsLst>
+            <a:gs pos="0">
+              <a:schemeClr val="phClr">
+                <a:lumMod val="110000"/>
+                <a:satMod val="105000"/>
+                <a:tint val="67000"/>
+              </a:schemeClr>
+            </a:gs>
+            <a:gs pos="50000">
+              <a:schemeClr val="phClr">
+                <a:lumMod val="105000"/>
+                <a:satMod val="103000"/>
+                <a:tint val="73000"/>
+              </a:schemeClr>
+            </a:gs>
+            <a:gs pos="100000">
+              <a:schemeClr val="phClr">
+                <a:lumMod val="105000"/>
+                <a:satMod val="109000"/>
+                <a:tint val="81000"/>
+              </a:schemeClr>
+            </a:gs>
+          </a:gsLst>
+          <a:lin ang="5400000" scaled="0"/>
+        </a:gradFill>
+        <a:gradFill rotWithShape="1">
+          <a:gsLst>
+            <a:gs pos="0">
+              <a:schemeClr val="phClr">
+                <a:satMod val="103000"/>
+                <a:lumMod val="102000"/>
+                <a:tint val="94000"/>
+              </a:schemeClr>
+            </a:gs>
+            <a:gs pos="50000">
+              <a:schemeClr val="phClr">
+                <a:satMod val="110000"/>
+                <a:lumMod val="100000"/>
+                <a:shade val="100000"/>
+              </a:schemeClr>
+            </a:gs>
+            <a:gs pos="100000">
+              <a:schemeClr val="phClr">
+                <a:lumMod val="99000"/>
+                <a:satMod val="120000"/>
+                <a:shade val="78000"/>
+              </a:schemeClr>
+            </a:gs>
+          </a:gsLst>
+          <a:lin ang="5400000" scaled="0"/>
+        </a:gradFill>
+      </a:fillStyleLst>
+      <a:lnStyleLst>
+        <a:ln w="6350" cap="flat" cmpd="sng" algn="ctr">
+          <a:solidFill>
+            <a:schemeClr val="phClr"/>
+          </a:solidFill>
+          <a:prstDash val="solid"/>
+          <a:miter lim="800000"/>
+        </a:ln>
+        <a:ln w="12700" cap="flat" cmpd="sng" algn="ctr">
+          <a:solidFill>
+            <a:schemeClr val="phClr"/>
+          </a:solidFill>
+          <a:prstDash val="solid"/>
+          <a:miter lim="800000"/>
+        </a:ln>
+        <a:ln w="19050" cap="flat" cmpd="sng" algn="ctr">
+          <a:solidFill>
+            <a:schemeClr val="phClr"/>
+          </a:solidFill>
+          <a:prstDash val="solid"/>
+          <a:miter lim="800000"/>
+        </a:ln>
+      </a:lnStyleLst>
+      <a:effectStyleLst>
+        <a:effectStyle>
+          <a:effectLst/>
+        </a:effectStyle>
+        <a:effectStyle>
+          <a:effectLst/>
+        </a:effectStyle>
+        <a:effectStyle>
+          <a:effectLst>
+            <a:outerShdw blurRad="57150" dist="19050" dir="5400000" algn="ctr" rotWithShape="0">
+              <a:srgbClr val="000000">
+                <a:alpha val="63000"/>
+              </a:srgbClr>
+            </a:outerShdw>
+          </a:effectLst>
+        </a:effectStyle>
+      </a:effectStyleLst>
+      <a:bgFillStyleLst>
+        <a:solidFill>
+          <a:schemeClr val="phClr"/>
+        </a:solidFill>
+        <a:solidFill>
+          <a:schemeClr val="phClr">
+            <a:tint val="95000"/>
+            <a:satMod val="170000"/>
+          </a:schemeClr>
+        </a:solidFill>
+        <a:gradFill rotWithShape="1">
+          <a:gsLst>
+            <a:gs pos="0">
+              <a:schemeClr val="phClr">
+                <a:tint val="93000"/>
+                <a:satMod val="150000"/>
+                <a:shade val="98000"/>
+                <a:lumMod val="102000"/>
+              </a:schemeClr>
+            </a:gs>
+            <a:gs pos="50000">
+              <a:schemeClr val="phClr">
+                <a:tint val="98000"/>
+                <a:satMod val="130000"/>
+                <a:shade val="90000"/>
+                <a:lumMod val="103000"/>
+              </a:schemeClr>
+            </a:gs>
+            <a:gs pos="100000">
+              <a:schemeClr val="phClr">
+                <a:shade val="63000"/>
+                <a:satMod val="120000"/>
+              </a:schemeClr>
+            </a:gs>
+          </a:gsLst>
+          <a:lin ang="5400000" scaled="0"/>
+        </a:gradFill>
+      </a:bgFillStyleLst>
+    </a:fmtScheme>
+  </a:themeElements>
+  <a:objectDefaults/>
+  <a:extraClrSchemeLst/>
+  <a:extLst>
+    <a:ext uri="{05A4C25C-085E-4340-85A3-A5531E510DB2}">
+      <thm15:themeFamily xmlns:thm15="http://schemas.microsoft.com/office/thememl/2012/main" name="Office Theme" id="{62F939B6-93AF-4DB8-9C6B-D6C7DFDC589F}" vid="{4A3C46E8-61CC-4603-A589-7422A47A8E4A}"/>
+    </a:ext>
+  </a:extLst>
+</a:theme>
 </file>
--- a/Draft_Presentation.pptx
+++ b/Draft_Presentation.pptx
@@ -2,10 +2,10 @@
 <file path=ppt/presentation.xml><?xml version="1.0" encoding="utf-8"?>
 <p:presentation xmlns:a="http://schemas.openxmlformats.org/drawingml/2006/main" xmlns:r="http://schemas.openxmlformats.org/officeDocument/2006/relationships" xmlns:p="http://schemas.openxmlformats.org/presentationml/2006/main" saveSubsetFonts="1" autoCompressPictures="0">
   <p:sldMasterIdLst>
-    <p:sldMasterId id="2147483648" r:id="rId1"/>
+    <p:sldMasterId id="2147483696" r:id="rId1"/>
   </p:sldMasterIdLst>
   <p:notesMasterIdLst>
-    <p:notesMasterId r:id="rId20"/>
+    <p:notesMasterId r:id="rId22"/>
   </p:notesMasterIdLst>
   <p:sldIdLst>
     <p:sldId id="256" r:id="rId2"/>
@@ -23,9 +23,11 @@
     <p:sldId id="260" r:id="rId14"/>
     <p:sldId id="262" r:id="rId15"/>
     <p:sldId id="263" r:id="rId16"/>
-    <p:sldId id="264" r:id="rId17"/>
-    <p:sldId id="265" r:id="rId18"/>
-    <p:sldId id="266" r:id="rId19"/>
+    <p:sldId id="276" r:id="rId17"/>
+    <p:sldId id="264" r:id="rId18"/>
+    <p:sldId id="265" r:id="rId19"/>
+    <p:sldId id="266" r:id="rId20"/>
+    <p:sldId id="277" r:id="rId21"/>
   </p:sldIdLst>
   <p:sldSz cx="12192000" cy="6858000"/>
   <p:notesSz cx="6858000" cy="9144000"/>
@@ -214,7 +216,7 @@
           <a:p>
             <a:fld id="{F64E31FB-9623-2746-A1DE-58E6A3A258CE}" type="datetimeFigureOut">
               <a:rPr lang="en-US" smtClean="0"/>
-              <a:t>11/27/21</a:t>
+              <a:t>11/28/21</a:t>
             </a:fld>
             <a:endParaRPr lang="en-US"/>
           </a:p>
@@ -649,6 +651,90 @@
 </p:notes>
 </file>
 
+<file path=ppt/notesSlides/notesSlide3.xml><?xml version="1.0" encoding="utf-8"?>
+<p:notes xmlns:a="http://schemas.openxmlformats.org/drawingml/2006/main" xmlns:r="http://schemas.openxmlformats.org/officeDocument/2006/relationships" xmlns:p="http://schemas.openxmlformats.org/presentationml/2006/main">
+  <p:cSld>
+    <p:spTree>
+      <p:nvGrpSpPr>
+        <p:cNvPr id="1" name=""/>
+        <p:cNvGrpSpPr/>
+        <p:nvPr/>
+      </p:nvGrpSpPr>
+      <p:grpSpPr>
+        <a:xfrm>
+          <a:off x="0" y="0"/>
+          <a:ext cx="0" cy="0"/>
+          <a:chOff x="0" y="0"/>
+          <a:chExt cx="0" cy="0"/>
+        </a:xfrm>
+      </p:grpSpPr>
+      <p:sp>
+        <p:nvSpPr>
+          <p:cNvPr id="2" name="Slide Image Placeholder 1"/>
+          <p:cNvSpPr>
+            <a:spLocks noGrp="1" noRot="1" noChangeAspect="1"/>
+          </p:cNvSpPr>
+          <p:nvPr>
+            <p:ph type="sldImg"/>
+          </p:nvPr>
+        </p:nvSpPr>
+        <p:spPr/>
+      </p:sp>
+      <p:sp>
+        <p:nvSpPr>
+          <p:cNvPr id="3" name="Notes Placeholder 2"/>
+          <p:cNvSpPr>
+            <a:spLocks noGrp="1"/>
+          </p:cNvSpPr>
+          <p:nvPr>
+            <p:ph type="body" idx="1"/>
+          </p:nvPr>
+        </p:nvSpPr>
+        <p:spPr/>
+        <p:txBody>
+          <a:bodyPr/>
+          <a:lstStyle/>
+          <a:p>
+            <a:endParaRPr lang="en-US" dirty="0"/>
+          </a:p>
+        </p:txBody>
+      </p:sp>
+      <p:sp>
+        <p:nvSpPr>
+          <p:cNvPr id="4" name="Slide Number Placeholder 3"/>
+          <p:cNvSpPr>
+            <a:spLocks noGrp="1"/>
+          </p:cNvSpPr>
+          <p:nvPr>
+            <p:ph type="sldNum" sz="quarter" idx="5"/>
+          </p:nvPr>
+        </p:nvSpPr>
+        <p:spPr/>
+        <p:txBody>
+          <a:bodyPr/>
+          <a:lstStyle/>
+          <a:p>
+            <a:fld id="{225A3874-4845-C24D-84D6-E516C0B9F954}" type="slidenum">
+              <a:rPr lang="en-US" smtClean="0"/>
+              <a:t>13</a:t>
+            </a:fld>
+            <a:endParaRPr lang="en-US"/>
+          </a:p>
+        </p:txBody>
+      </p:sp>
+    </p:spTree>
+    <p:extLst>
+      <p:ext uri="{BB962C8B-B14F-4D97-AF65-F5344CB8AC3E}">
+        <p14:creationId xmlns:p14="http://schemas.microsoft.com/office/powerpoint/2010/main" val="1342992560"/>
+      </p:ext>
+    </p:extLst>
+  </p:cSld>
+  <p:clrMapOvr>
+    <a:masterClrMapping/>
+  </p:clrMapOvr>
+</p:notes>
+</file>
+
 <file path=ppt/slideLayouts/slideLayout1.xml><?xml version="1.0" encoding="utf-8"?>
 <p:sldLayout xmlns:a="http://schemas.openxmlformats.org/drawingml/2006/main" xmlns:r="http://schemas.openxmlformats.org/officeDocument/2006/relationships" xmlns:p="http://schemas.openxmlformats.org/presentationml/2006/main" type="title" preserve="1">
   <p:cSld name="Title Slide">
@@ -671,7 +757,7 @@
           <p:cNvPr id="2" name="Title 1">
             <a:extLst>
               <a:ext uri="{FF2B5EF4-FFF2-40B4-BE49-F238E27FC236}">
-                <a16:creationId xmlns:a16="http://schemas.microsoft.com/office/drawing/2014/main" id="{4E7F75BD-B6D6-4049-998B-B5126EE029D7}"/>
+                <a16:creationId xmlns:a16="http://schemas.microsoft.com/office/drawing/2014/main" id="{C4E3EC1A-040C-9145-B758-A0865DBC5C6F}"/>
               </a:ext>
             </a:extLst>
           </p:cNvPr>
@@ -708,7 +794,7 @@
           <p:cNvPr id="3" name="Subtitle 2">
             <a:extLst>
               <a:ext uri="{FF2B5EF4-FFF2-40B4-BE49-F238E27FC236}">
-                <a16:creationId xmlns:a16="http://schemas.microsoft.com/office/drawing/2014/main" id="{D28804C7-4F25-DA4A-80A0-E1DC78AF5847}"/>
+                <a16:creationId xmlns:a16="http://schemas.microsoft.com/office/drawing/2014/main" id="{ADDE1797-FED1-7942-8599-9136DA829B8A}"/>
               </a:ext>
             </a:extLst>
           </p:cNvPr>
@@ -778,7 +864,7 @@
           <p:cNvPr id="4" name="Date Placeholder 3">
             <a:extLst>
               <a:ext uri="{FF2B5EF4-FFF2-40B4-BE49-F238E27FC236}">
-                <a16:creationId xmlns:a16="http://schemas.microsoft.com/office/drawing/2014/main" id="{864F8DFA-2A0D-6848-B55A-5379BA83B54A}"/>
+                <a16:creationId xmlns:a16="http://schemas.microsoft.com/office/drawing/2014/main" id="{84EAB3BE-A765-C545-BE28-E8E88042F28A}"/>
               </a:ext>
             </a:extLst>
           </p:cNvPr>
@@ -796,7 +882,7 @@
           <a:p>
             <a:fld id="{26D4E336-D89A-0C41-8F05-8FA973B848A8}" type="datetimeFigureOut">
               <a:rPr lang="en-US" smtClean="0"/>
-              <a:t>11/27/21</a:t>
+              <a:t>11/28/21</a:t>
             </a:fld>
             <a:endParaRPr lang="en-US"/>
           </a:p>
@@ -807,7 +893,7 @@
           <p:cNvPr id="5" name="Footer Placeholder 4">
             <a:extLst>
               <a:ext uri="{FF2B5EF4-FFF2-40B4-BE49-F238E27FC236}">
-                <a16:creationId xmlns:a16="http://schemas.microsoft.com/office/drawing/2014/main" id="{6660DBFF-847D-6F48-8070-823F29B4F6B2}"/>
+                <a16:creationId xmlns:a16="http://schemas.microsoft.com/office/drawing/2014/main" id="{635D9078-8B89-D642-8F19-6177CC0F6A87}"/>
               </a:ext>
             </a:extLst>
           </p:cNvPr>
@@ -832,7 +918,7 @@
           <p:cNvPr id="6" name="Slide Number Placeholder 5">
             <a:extLst>
               <a:ext uri="{FF2B5EF4-FFF2-40B4-BE49-F238E27FC236}">
-                <a16:creationId xmlns:a16="http://schemas.microsoft.com/office/drawing/2014/main" id="{7BAB05B9-E842-D34C-B18C-133C0DF92669}"/>
+                <a16:creationId xmlns:a16="http://schemas.microsoft.com/office/drawing/2014/main" id="{288187BB-A970-0745-8405-AEA6BCC6D8DC}"/>
               </a:ext>
             </a:extLst>
           </p:cNvPr>
@@ -859,7 +945,7 @@
     </p:spTree>
     <p:extLst>
       <p:ext uri="{BB962C8B-B14F-4D97-AF65-F5344CB8AC3E}">
-        <p14:creationId xmlns:p14="http://schemas.microsoft.com/office/powerpoint/2010/main" val="2704296292"/>
+        <p14:creationId xmlns:p14="http://schemas.microsoft.com/office/powerpoint/2010/main" val="746394397"/>
       </p:ext>
     </p:extLst>
   </p:cSld>
@@ -891,7 +977,7 @@
           <p:cNvPr id="2" name="Title 1">
             <a:extLst>
               <a:ext uri="{FF2B5EF4-FFF2-40B4-BE49-F238E27FC236}">
-                <a16:creationId xmlns:a16="http://schemas.microsoft.com/office/drawing/2014/main" id="{2F78AC56-BEA1-064E-9804-D33F08D846BB}"/>
+                <a16:creationId xmlns:a16="http://schemas.microsoft.com/office/drawing/2014/main" id="{4129ED67-81B1-C045-8CAC-D406A1A71B36}"/>
               </a:ext>
             </a:extLst>
           </p:cNvPr>
@@ -919,7 +1005,7 @@
           <p:cNvPr id="3" name="Vertical Text Placeholder 2">
             <a:extLst>
               <a:ext uri="{FF2B5EF4-FFF2-40B4-BE49-F238E27FC236}">
-                <a16:creationId xmlns:a16="http://schemas.microsoft.com/office/drawing/2014/main" id="{BE1087E3-1EC2-1243-B46A-BBF7376B729D}"/>
+                <a16:creationId xmlns:a16="http://schemas.microsoft.com/office/drawing/2014/main" id="{6B54948E-B1E4-1D48-AC99-93B490716814}"/>
               </a:ext>
             </a:extLst>
           </p:cNvPr>
@@ -976,7 +1062,7 @@
           <p:cNvPr id="4" name="Date Placeholder 3">
             <a:extLst>
               <a:ext uri="{FF2B5EF4-FFF2-40B4-BE49-F238E27FC236}">
-                <a16:creationId xmlns:a16="http://schemas.microsoft.com/office/drawing/2014/main" id="{07B0E009-9E47-6141-90DC-80805BD2542F}"/>
+                <a16:creationId xmlns:a16="http://schemas.microsoft.com/office/drawing/2014/main" id="{E14101C2-EC6D-9F4A-84D4-B08E02AF7EA1}"/>
               </a:ext>
             </a:extLst>
           </p:cNvPr>
@@ -994,7 +1080,7 @@
           <a:p>
             <a:fld id="{26D4E336-D89A-0C41-8F05-8FA973B848A8}" type="datetimeFigureOut">
               <a:rPr lang="en-US" smtClean="0"/>
-              <a:t>11/27/21</a:t>
+              <a:t>11/28/21</a:t>
             </a:fld>
             <a:endParaRPr lang="en-US"/>
           </a:p>
@@ -1005,7 +1091,7 @@
           <p:cNvPr id="5" name="Footer Placeholder 4">
             <a:extLst>
               <a:ext uri="{FF2B5EF4-FFF2-40B4-BE49-F238E27FC236}">
-                <a16:creationId xmlns:a16="http://schemas.microsoft.com/office/drawing/2014/main" id="{E7AF5294-0977-214A-8E38-7B7326238028}"/>
+                <a16:creationId xmlns:a16="http://schemas.microsoft.com/office/drawing/2014/main" id="{E9C0FED1-06E1-4A42-A608-047C2BABD819}"/>
               </a:ext>
             </a:extLst>
           </p:cNvPr>
@@ -1030,7 +1116,7 @@
           <p:cNvPr id="6" name="Slide Number Placeholder 5">
             <a:extLst>
               <a:ext uri="{FF2B5EF4-FFF2-40B4-BE49-F238E27FC236}">
-                <a16:creationId xmlns:a16="http://schemas.microsoft.com/office/drawing/2014/main" id="{24C4816D-B949-8D44-ACE0-99D841055F24}"/>
+                <a16:creationId xmlns:a16="http://schemas.microsoft.com/office/drawing/2014/main" id="{2DE8E700-6515-D741-B081-A0D9C98E9CFF}"/>
               </a:ext>
             </a:extLst>
           </p:cNvPr>
@@ -1057,7 +1143,7 @@
     </p:spTree>
     <p:extLst>
       <p:ext uri="{BB962C8B-B14F-4D97-AF65-F5344CB8AC3E}">
-        <p14:creationId xmlns:p14="http://schemas.microsoft.com/office/powerpoint/2010/main" val="1034628578"/>
+        <p14:creationId xmlns:p14="http://schemas.microsoft.com/office/powerpoint/2010/main" val="722438870"/>
       </p:ext>
     </p:extLst>
   </p:cSld>
@@ -1089,7 +1175,7 @@
           <p:cNvPr id="2" name="Vertical Title 1">
             <a:extLst>
               <a:ext uri="{FF2B5EF4-FFF2-40B4-BE49-F238E27FC236}">
-                <a16:creationId xmlns:a16="http://schemas.microsoft.com/office/drawing/2014/main" id="{75DC91AA-FC47-A44D-A6E2-DCEE6BD255C3}"/>
+                <a16:creationId xmlns:a16="http://schemas.microsoft.com/office/drawing/2014/main" id="{D6D82661-4DC5-484E-BE17-66BD0DA5444A}"/>
               </a:ext>
             </a:extLst>
           </p:cNvPr>
@@ -1122,7 +1208,7 @@
           <p:cNvPr id="3" name="Vertical Text Placeholder 2">
             <a:extLst>
               <a:ext uri="{FF2B5EF4-FFF2-40B4-BE49-F238E27FC236}">
-                <a16:creationId xmlns:a16="http://schemas.microsoft.com/office/drawing/2014/main" id="{2A7D68D6-2BEA-AA45-8E88-468F2A5AEA38}"/>
+                <a16:creationId xmlns:a16="http://schemas.microsoft.com/office/drawing/2014/main" id="{CC5F5882-88D4-E443-AE7A-08AFDA404BB9}"/>
               </a:ext>
             </a:extLst>
           </p:cNvPr>
@@ -1184,7 +1270,7 @@
           <p:cNvPr id="4" name="Date Placeholder 3">
             <a:extLst>
               <a:ext uri="{FF2B5EF4-FFF2-40B4-BE49-F238E27FC236}">
-                <a16:creationId xmlns:a16="http://schemas.microsoft.com/office/drawing/2014/main" id="{32496527-CA2A-4E42-AD2B-7D6F9AB901EF}"/>
+                <a16:creationId xmlns:a16="http://schemas.microsoft.com/office/drawing/2014/main" id="{9E72B9AE-50EC-2E4C-BE1B-8BD2B815E47C}"/>
               </a:ext>
             </a:extLst>
           </p:cNvPr>
@@ -1202,7 +1288,7 @@
           <a:p>
             <a:fld id="{26D4E336-D89A-0C41-8F05-8FA973B848A8}" type="datetimeFigureOut">
               <a:rPr lang="en-US" smtClean="0"/>
-              <a:t>11/27/21</a:t>
+              <a:t>11/28/21</a:t>
             </a:fld>
             <a:endParaRPr lang="en-US"/>
           </a:p>
@@ -1213,7 +1299,7 @@
           <p:cNvPr id="5" name="Footer Placeholder 4">
             <a:extLst>
               <a:ext uri="{FF2B5EF4-FFF2-40B4-BE49-F238E27FC236}">
-                <a16:creationId xmlns:a16="http://schemas.microsoft.com/office/drawing/2014/main" id="{A3A3A20D-E75C-E34A-972F-CA41AED0E81B}"/>
+                <a16:creationId xmlns:a16="http://schemas.microsoft.com/office/drawing/2014/main" id="{F5E3ECEA-4789-9047-88F5-3CF33F32090B}"/>
               </a:ext>
             </a:extLst>
           </p:cNvPr>
@@ -1238,7 +1324,7 @@
           <p:cNvPr id="6" name="Slide Number Placeholder 5">
             <a:extLst>
               <a:ext uri="{FF2B5EF4-FFF2-40B4-BE49-F238E27FC236}">
-                <a16:creationId xmlns:a16="http://schemas.microsoft.com/office/drawing/2014/main" id="{17429C45-5A2F-664C-A9DF-EFF97F52A574}"/>
+                <a16:creationId xmlns:a16="http://schemas.microsoft.com/office/drawing/2014/main" id="{7CEE4E8A-4BC2-3043-B7B2-7F52D768DC3F}"/>
               </a:ext>
             </a:extLst>
           </p:cNvPr>
@@ -1265,7 +1351,7 @@
     </p:spTree>
     <p:extLst>
       <p:ext uri="{BB962C8B-B14F-4D97-AF65-F5344CB8AC3E}">
-        <p14:creationId xmlns:p14="http://schemas.microsoft.com/office/powerpoint/2010/main" val="1889218732"/>
+        <p14:creationId xmlns:p14="http://schemas.microsoft.com/office/powerpoint/2010/main" val="3523550418"/>
       </p:ext>
     </p:extLst>
   </p:cSld>
@@ -1297,7 +1383,7 @@
           <p:cNvPr id="2" name="Title 1">
             <a:extLst>
               <a:ext uri="{FF2B5EF4-FFF2-40B4-BE49-F238E27FC236}">
-                <a16:creationId xmlns:a16="http://schemas.microsoft.com/office/drawing/2014/main" id="{8A90B510-950E-0945-B292-EF8F2A46F8CF}"/>
+                <a16:creationId xmlns:a16="http://schemas.microsoft.com/office/drawing/2014/main" id="{E54461BA-4ECD-FB40-AF72-2CCE8D88E884}"/>
               </a:ext>
             </a:extLst>
           </p:cNvPr>
@@ -1325,7 +1411,7 @@
           <p:cNvPr id="3" name="Content Placeholder 2">
             <a:extLst>
               <a:ext uri="{FF2B5EF4-FFF2-40B4-BE49-F238E27FC236}">
-                <a16:creationId xmlns:a16="http://schemas.microsoft.com/office/drawing/2014/main" id="{B7EBB4D4-C898-DD43-B7F4-5DAB6BCDA62A}"/>
+                <a16:creationId xmlns:a16="http://schemas.microsoft.com/office/drawing/2014/main" id="{5F698CB4-7354-8344-986E-1D1AF64E29B3}"/>
               </a:ext>
             </a:extLst>
           </p:cNvPr>
@@ -1382,7 +1468,7 @@
           <p:cNvPr id="4" name="Date Placeholder 3">
             <a:extLst>
               <a:ext uri="{FF2B5EF4-FFF2-40B4-BE49-F238E27FC236}">
-                <a16:creationId xmlns:a16="http://schemas.microsoft.com/office/drawing/2014/main" id="{83081C43-2726-B24E-B19F-52286174534E}"/>
+                <a16:creationId xmlns:a16="http://schemas.microsoft.com/office/drawing/2014/main" id="{5D607702-5567-444F-B1A7-0A5C8C90C7D1}"/>
               </a:ext>
             </a:extLst>
           </p:cNvPr>
@@ -1400,7 +1486,7 @@
           <a:p>
             <a:fld id="{26D4E336-D89A-0C41-8F05-8FA973B848A8}" type="datetimeFigureOut">
               <a:rPr lang="en-US" smtClean="0"/>
-              <a:t>11/27/21</a:t>
+              <a:t>11/28/21</a:t>
             </a:fld>
             <a:endParaRPr lang="en-US"/>
           </a:p>
@@ -1411,7 +1497,7 @@
           <p:cNvPr id="5" name="Footer Placeholder 4">
             <a:extLst>
               <a:ext uri="{FF2B5EF4-FFF2-40B4-BE49-F238E27FC236}">
-                <a16:creationId xmlns:a16="http://schemas.microsoft.com/office/drawing/2014/main" id="{0BB5EC96-8EF6-7F4E-AC28-EA0CB89D6E3B}"/>
+                <a16:creationId xmlns:a16="http://schemas.microsoft.com/office/drawing/2014/main" id="{2FF29A69-C176-2141-9FA4-9A1C993C5029}"/>
               </a:ext>
             </a:extLst>
           </p:cNvPr>
@@ -1436,7 +1522,7 @@
           <p:cNvPr id="6" name="Slide Number Placeholder 5">
             <a:extLst>
               <a:ext uri="{FF2B5EF4-FFF2-40B4-BE49-F238E27FC236}">
-                <a16:creationId xmlns:a16="http://schemas.microsoft.com/office/drawing/2014/main" id="{099C4FE8-D403-2848-A5FD-BD0CD02035C0}"/>
+                <a16:creationId xmlns:a16="http://schemas.microsoft.com/office/drawing/2014/main" id="{ED8CE322-55CB-7841-8CB0-91ACBB1F2FB2}"/>
               </a:ext>
             </a:extLst>
           </p:cNvPr>
@@ -1463,7 +1549,7 @@
     </p:spTree>
     <p:extLst>
       <p:ext uri="{BB962C8B-B14F-4D97-AF65-F5344CB8AC3E}">
-        <p14:creationId xmlns:p14="http://schemas.microsoft.com/office/powerpoint/2010/main" val="2746736424"/>
+        <p14:creationId xmlns:p14="http://schemas.microsoft.com/office/powerpoint/2010/main" val="37678661"/>
       </p:ext>
     </p:extLst>
   </p:cSld>
@@ -1495,7 +1581,7 @@
           <p:cNvPr id="2" name="Title 1">
             <a:extLst>
               <a:ext uri="{FF2B5EF4-FFF2-40B4-BE49-F238E27FC236}">
-                <a16:creationId xmlns:a16="http://schemas.microsoft.com/office/drawing/2014/main" id="{BCEA7C99-7E06-7740-8365-D11B136F09BA}"/>
+                <a16:creationId xmlns:a16="http://schemas.microsoft.com/office/drawing/2014/main" id="{3626984F-6FE9-E944-83CB-A4D7B720798B}"/>
               </a:ext>
             </a:extLst>
           </p:cNvPr>
@@ -1532,7 +1618,7 @@
           <p:cNvPr id="3" name="Text Placeholder 2">
             <a:extLst>
               <a:ext uri="{FF2B5EF4-FFF2-40B4-BE49-F238E27FC236}">
-                <a16:creationId xmlns:a16="http://schemas.microsoft.com/office/drawing/2014/main" id="{8CED33CB-91D0-B84C-807A-F007F4942D15}"/>
+                <a16:creationId xmlns:a16="http://schemas.microsoft.com/office/drawing/2014/main" id="{0D6DA9D3-A2F9-CB4A-9C50-A458CA1D0234}"/>
               </a:ext>
             </a:extLst>
           </p:cNvPr>
@@ -1657,7 +1743,7 @@
           <p:cNvPr id="4" name="Date Placeholder 3">
             <a:extLst>
               <a:ext uri="{FF2B5EF4-FFF2-40B4-BE49-F238E27FC236}">
-                <a16:creationId xmlns:a16="http://schemas.microsoft.com/office/drawing/2014/main" id="{78713C94-50D2-624F-9561-167887208204}"/>
+                <a16:creationId xmlns:a16="http://schemas.microsoft.com/office/drawing/2014/main" id="{B9501CFA-892A-4142-BDE9-046BF508511B}"/>
               </a:ext>
             </a:extLst>
           </p:cNvPr>
@@ -1675,7 +1761,7 @@
           <a:p>
             <a:fld id="{26D4E336-D89A-0C41-8F05-8FA973B848A8}" type="datetimeFigureOut">
               <a:rPr lang="en-US" smtClean="0"/>
-              <a:t>11/27/21</a:t>
+              <a:t>11/28/21</a:t>
             </a:fld>
             <a:endParaRPr lang="en-US"/>
           </a:p>
@@ -1686,7 +1772,7 @@
           <p:cNvPr id="5" name="Footer Placeholder 4">
             <a:extLst>
               <a:ext uri="{FF2B5EF4-FFF2-40B4-BE49-F238E27FC236}">
-                <a16:creationId xmlns:a16="http://schemas.microsoft.com/office/drawing/2014/main" id="{6F98BA2B-CDE2-5549-A1CD-FD86A191CC71}"/>
+                <a16:creationId xmlns:a16="http://schemas.microsoft.com/office/drawing/2014/main" id="{48272E4A-5A90-294D-8E93-8EFF918E239E}"/>
               </a:ext>
             </a:extLst>
           </p:cNvPr>
@@ -1711,7 +1797,7 @@
           <p:cNvPr id="6" name="Slide Number Placeholder 5">
             <a:extLst>
               <a:ext uri="{FF2B5EF4-FFF2-40B4-BE49-F238E27FC236}">
-                <a16:creationId xmlns:a16="http://schemas.microsoft.com/office/drawing/2014/main" id="{61868D79-0B19-EA44-9D55-5A4D4B820A2E}"/>
+                <a16:creationId xmlns:a16="http://schemas.microsoft.com/office/drawing/2014/main" id="{0D02FB8D-700F-BB43-AEDF-B7FD78B55664}"/>
               </a:ext>
             </a:extLst>
           </p:cNvPr>
@@ -1738,7 +1824,7 @@
     </p:spTree>
     <p:extLst>
       <p:ext uri="{BB962C8B-B14F-4D97-AF65-F5344CB8AC3E}">
-        <p14:creationId xmlns:p14="http://schemas.microsoft.com/office/powerpoint/2010/main" val="1364707331"/>
+        <p14:creationId xmlns:p14="http://schemas.microsoft.com/office/powerpoint/2010/main" val="1265754820"/>
       </p:ext>
     </p:extLst>
   </p:cSld>
@@ -1770,7 +1856,7 @@
           <p:cNvPr id="2" name="Title 1">
             <a:extLst>
               <a:ext uri="{FF2B5EF4-FFF2-40B4-BE49-F238E27FC236}">
-                <a16:creationId xmlns:a16="http://schemas.microsoft.com/office/drawing/2014/main" id="{B27F9EA4-AD8C-8D4A-B08E-31BA541085E9}"/>
+                <a16:creationId xmlns:a16="http://schemas.microsoft.com/office/drawing/2014/main" id="{02C7ABDE-9E8A-A14A-A917-0DB74EB35361}"/>
               </a:ext>
             </a:extLst>
           </p:cNvPr>
@@ -1798,7 +1884,7 @@
           <p:cNvPr id="3" name="Content Placeholder 2">
             <a:extLst>
               <a:ext uri="{FF2B5EF4-FFF2-40B4-BE49-F238E27FC236}">
-                <a16:creationId xmlns:a16="http://schemas.microsoft.com/office/drawing/2014/main" id="{12820F1B-08BB-594E-B4A4-908F7644EB25}"/>
+                <a16:creationId xmlns:a16="http://schemas.microsoft.com/office/drawing/2014/main" id="{EF9C01DC-E7AB-4B4B-9F02-CBE69A6DF761}"/>
               </a:ext>
             </a:extLst>
           </p:cNvPr>
@@ -1860,7 +1946,7 @@
           <p:cNvPr id="4" name="Content Placeholder 3">
             <a:extLst>
               <a:ext uri="{FF2B5EF4-FFF2-40B4-BE49-F238E27FC236}">
-                <a16:creationId xmlns:a16="http://schemas.microsoft.com/office/drawing/2014/main" id="{020E49F6-4CAA-274E-B514-2BD9CDD77A25}"/>
+                <a16:creationId xmlns:a16="http://schemas.microsoft.com/office/drawing/2014/main" id="{6C0060A1-E0BF-2841-BDDE-897DC84B2967}"/>
               </a:ext>
             </a:extLst>
           </p:cNvPr>
@@ -1922,7 +2008,7 @@
           <p:cNvPr id="5" name="Date Placeholder 4">
             <a:extLst>
               <a:ext uri="{FF2B5EF4-FFF2-40B4-BE49-F238E27FC236}">
-                <a16:creationId xmlns:a16="http://schemas.microsoft.com/office/drawing/2014/main" id="{6762E630-8DD6-FD46-AAEA-744EA42048F8}"/>
+                <a16:creationId xmlns:a16="http://schemas.microsoft.com/office/drawing/2014/main" id="{0259E581-5E71-454E-A37F-819B50B05ACE}"/>
               </a:ext>
             </a:extLst>
           </p:cNvPr>
@@ -1940,7 +2026,7 @@
           <a:p>
             <a:fld id="{26D4E336-D89A-0C41-8F05-8FA973B848A8}" type="datetimeFigureOut">
               <a:rPr lang="en-US" smtClean="0"/>
-              <a:t>11/27/21</a:t>
+              <a:t>11/28/21</a:t>
             </a:fld>
             <a:endParaRPr lang="en-US"/>
           </a:p>
@@ -1951,7 +2037,7 @@
           <p:cNvPr id="6" name="Footer Placeholder 5">
             <a:extLst>
               <a:ext uri="{FF2B5EF4-FFF2-40B4-BE49-F238E27FC236}">
-                <a16:creationId xmlns:a16="http://schemas.microsoft.com/office/drawing/2014/main" id="{FDB13D61-3718-984C-B625-3E8365008933}"/>
+                <a16:creationId xmlns:a16="http://schemas.microsoft.com/office/drawing/2014/main" id="{84E8F282-CCE9-ED4F-960D-0FA3E734B9F0}"/>
               </a:ext>
             </a:extLst>
           </p:cNvPr>
@@ -1976,7 +2062,7 @@
           <p:cNvPr id="7" name="Slide Number Placeholder 6">
             <a:extLst>
               <a:ext uri="{FF2B5EF4-FFF2-40B4-BE49-F238E27FC236}">
-                <a16:creationId xmlns:a16="http://schemas.microsoft.com/office/drawing/2014/main" id="{85D943E1-B8C7-6947-8809-AA4C2FEAFD6F}"/>
+                <a16:creationId xmlns:a16="http://schemas.microsoft.com/office/drawing/2014/main" id="{805D695E-55CE-5B4F-B828-63460AA1484F}"/>
               </a:ext>
             </a:extLst>
           </p:cNvPr>
@@ -2003,7 +2089,7 @@
     </p:spTree>
     <p:extLst>
       <p:ext uri="{BB962C8B-B14F-4D97-AF65-F5344CB8AC3E}">
-        <p14:creationId xmlns:p14="http://schemas.microsoft.com/office/powerpoint/2010/main" val="2217884284"/>
+        <p14:creationId xmlns:p14="http://schemas.microsoft.com/office/powerpoint/2010/main" val="3248969229"/>
       </p:ext>
     </p:extLst>
   </p:cSld>
@@ -2035,7 +2121,7 @@
           <p:cNvPr id="2" name="Title 1">
             <a:extLst>
               <a:ext uri="{FF2B5EF4-FFF2-40B4-BE49-F238E27FC236}">
-                <a16:creationId xmlns:a16="http://schemas.microsoft.com/office/drawing/2014/main" id="{2942DE23-254A-794C-8794-98CDB97524B2}"/>
+                <a16:creationId xmlns:a16="http://schemas.microsoft.com/office/drawing/2014/main" id="{7787FBFA-20AF-0042-8D2B-FF1F4F792B24}"/>
               </a:ext>
             </a:extLst>
           </p:cNvPr>
@@ -2068,7 +2154,7 @@
           <p:cNvPr id="3" name="Text Placeholder 2">
             <a:extLst>
               <a:ext uri="{FF2B5EF4-FFF2-40B4-BE49-F238E27FC236}">
-                <a16:creationId xmlns:a16="http://schemas.microsoft.com/office/drawing/2014/main" id="{31FFE854-FEEF-9946-8811-5D0B917E5932}"/>
+                <a16:creationId xmlns:a16="http://schemas.microsoft.com/office/drawing/2014/main" id="{6764CE8A-64F7-2E43-BA81-AFDB7F837B56}"/>
               </a:ext>
             </a:extLst>
           </p:cNvPr>
@@ -2139,7 +2225,7 @@
           <p:cNvPr id="4" name="Content Placeholder 3">
             <a:extLst>
               <a:ext uri="{FF2B5EF4-FFF2-40B4-BE49-F238E27FC236}">
-                <a16:creationId xmlns:a16="http://schemas.microsoft.com/office/drawing/2014/main" id="{F82C3E0F-E243-1B49-94B3-6E708E0BCE04}"/>
+                <a16:creationId xmlns:a16="http://schemas.microsoft.com/office/drawing/2014/main" id="{268E8B1C-57C1-8D40-9DDF-DEB3FDABCD8E}"/>
               </a:ext>
             </a:extLst>
           </p:cNvPr>
@@ -2201,7 +2287,7 @@
           <p:cNvPr id="5" name="Text Placeholder 4">
             <a:extLst>
               <a:ext uri="{FF2B5EF4-FFF2-40B4-BE49-F238E27FC236}">
-                <a16:creationId xmlns:a16="http://schemas.microsoft.com/office/drawing/2014/main" id="{332DEA5B-5C55-D14F-BA44-425B576E3584}"/>
+                <a16:creationId xmlns:a16="http://schemas.microsoft.com/office/drawing/2014/main" id="{6FD8AE3B-DBE8-6644-9B7B-7C4F6AD2E9CE}"/>
               </a:ext>
             </a:extLst>
           </p:cNvPr>
@@ -2272,7 +2358,7 @@
           <p:cNvPr id="6" name="Content Placeholder 5">
             <a:extLst>
               <a:ext uri="{FF2B5EF4-FFF2-40B4-BE49-F238E27FC236}">
-                <a16:creationId xmlns:a16="http://schemas.microsoft.com/office/drawing/2014/main" id="{77A9486A-B8C1-D140-B7A0-B9F7FC8D2027}"/>
+                <a16:creationId xmlns:a16="http://schemas.microsoft.com/office/drawing/2014/main" id="{CE78E67B-B119-9A4E-84D3-2AD815D173F9}"/>
               </a:ext>
             </a:extLst>
           </p:cNvPr>
@@ -2334,7 +2420,7 @@
           <p:cNvPr id="7" name="Date Placeholder 6">
             <a:extLst>
               <a:ext uri="{FF2B5EF4-FFF2-40B4-BE49-F238E27FC236}">
-                <a16:creationId xmlns:a16="http://schemas.microsoft.com/office/drawing/2014/main" id="{B57B5BD4-1C51-F847-8064-4E68327C5149}"/>
+                <a16:creationId xmlns:a16="http://schemas.microsoft.com/office/drawing/2014/main" id="{5EFA3A20-1857-5149-A91B-77D4E3A07B4C}"/>
               </a:ext>
             </a:extLst>
           </p:cNvPr>
@@ -2352,7 +2438,7 @@
           <a:p>
             <a:fld id="{26D4E336-D89A-0C41-8F05-8FA973B848A8}" type="datetimeFigureOut">
               <a:rPr lang="en-US" smtClean="0"/>
-              <a:t>11/27/21</a:t>
+              <a:t>11/28/21</a:t>
             </a:fld>
             <a:endParaRPr lang="en-US"/>
           </a:p>
@@ -2363,7 +2449,7 @@
           <p:cNvPr id="8" name="Footer Placeholder 7">
             <a:extLst>
               <a:ext uri="{FF2B5EF4-FFF2-40B4-BE49-F238E27FC236}">
-                <a16:creationId xmlns:a16="http://schemas.microsoft.com/office/drawing/2014/main" id="{B5CFC503-3152-7347-915F-2351B831E0A5}"/>
+                <a16:creationId xmlns:a16="http://schemas.microsoft.com/office/drawing/2014/main" id="{BC1DFB83-F4B9-454B-8033-53AAA80D7C49}"/>
               </a:ext>
             </a:extLst>
           </p:cNvPr>
@@ -2388,7 +2474,7 @@
           <p:cNvPr id="9" name="Slide Number Placeholder 8">
             <a:extLst>
               <a:ext uri="{FF2B5EF4-FFF2-40B4-BE49-F238E27FC236}">
-                <a16:creationId xmlns:a16="http://schemas.microsoft.com/office/drawing/2014/main" id="{2CC6FCB3-67F1-104D-9E84-DFB84E15A17C}"/>
+                <a16:creationId xmlns:a16="http://schemas.microsoft.com/office/drawing/2014/main" id="{5CDB8098-6284-5542-BE4D-13FAE3BE1520}"/>
               </a:ext>
             </a:extLst>
           </p:cNvPr>
@@ -2415,7 +2501,7 @@
     </p:spTree>
     <p:extLst>
       <p:ext uri="{BB962C8B-B14F-4D97-AF65-F5344CB8AC3E}">
-        <p14:creationId xmlns:p14="http://schemas.microsoft.com/office/powerpoint/2010/main" val="2309839540"/>
+        <p14:creationId xmlns:p14="http://schemas.microsoft.com/office/powerpoint/2010/main" val="2532889484"/>
       </p:ext>
     </p:extLst>
   </p:cSld>
@@ -2447,7 +2533,7 @@
           <p:cNvPr id="2" name="Title 1">
             <a:extLst>
               <a:ext uri="{FF2B5EF4-FFF2-40B4-BE49-F238E27FC236}">
-                <a16:creationId xmlns:a16="http://schemas.microsoft.com/office/drawing/2014/main" id="{6771A0AE-A411-054F-A3E1-C1603E21976D}"/>
+                <a16:creationId xmlns:a16="http://schemas.microsoft.com/office/drawing/2014/main" id="{F4E9CA41-ACF9-B64B-9503-0BB7395E5A3B}"/>
               </a:ext>
             </a:extLst>
           </p:cNvPr>
@@ -2475,7 +2561,7 @@
           <p:cNvPr id="3" name="Date Placeholder 2">
             <a:extLst>
               <a:ext uri="{FF2B5EF4-FFF2-40B4-BE49-F238E27FC236}">
-                <a16:creationId xmlns:a16="http://schemas.microsoft.com/office/drawing/2014/main" id="{12BA0A69-74B7-D241-BD46-35551C8EA1C4}"/>
+                <a16:creationId xmlns:a16="http://schemas.microsoft.com/office/drawing/2014/main" id="{906AC2AD-025A-C745-B69E-74F5CA0B0FE4}"/>
               </a:ext>
             </a:extLst>
           </p:cNvPr>
@@ -2493,7 +2579,7 @@
           <a:p>
             <a:fld id="{26D4E336-D89A-0C41-8F05-8FA973B848A8}" type="datetimeFigureOut">
               <a:rPr lang="en-US" smtClean="0"/>
-              <a:t>11/27/21</a:t>
+              <a:t>11/28/21</a:t>
             </a:fld>
             <a:endParaRPr lang="en-US"/>
           </a:p>
@@ -2504,7 +2590,7 @@
           <p:cNvPr id="4" name="Footer Placeholder 3">
             <a:extLst>
               <a:ext uri="{FF2B5EF4-FFF2-40B4-BE49-F238E27FC236}">
-                <a16:creationId xmlns:a16="http://schemas.microsoft.com/office/drawing/2014/main" id="{5880C633-E564-574E-BE65-735591BDB7C1}"/>
+                <a16:creationId xmlns:a16="http://schemas.microsoft.com/office/drawing/2014/main" id="{F282D12B-3827-134F-BBA6-EE81003CE157}"/>
               </a:ext>
             </a:extLst>
           </p:cNvPr>
@@ -2529,7 +2615,7 @@
           <p:cNvPr id="5" name="Slide Number Placeholder 4">
             <a:extLst>
               <a:ext uri="{FF2B5EF4-FFF2-40B4-BE49-F238E27FC236}">
-                <a16:creationId xmlns:a16="http://schemas.microsoft.com/office/drawing/2014/main" id="{41DF32C7-773B-9348-9855-5CB52800B343}"/>
+                <a16:creationId xmlns:a16="http://schemas.microsoft.com/office/drawing/2014/main" id="{471A0E3B-C834-8743-9B16-33E167F44824}"/>
               </a:ext>
             </a:extLst>
           </p:cNvPr>
@@ -2556,7 +2642,7 @@
     </p:spTree>
     <p:extLst>
       <p:ext uri="{BB962C8B-B14F-4D97-AF65-F5344CB8AC3E}">
-        <p14:creationId xmlns:p14="http://schemas.microsoft.com/office/powerpoint/2010/main" val="157700047"/>
+        <p14:creationId xmlns:p14="http://schemas.microsoft.com/office/powerpoint/2010/main" val="2545360952"/>
       </p:ext>
     </p:extLst>
   </p:cSld>
@@ -2588,7 +2674,7 @@
           <p:cNvPr id="2" name="Date Placeholder 1">
             <a:extLst>
               <a:ext uri="{FF2B5EF4-FFF2-40B4-BE49-F238E27FC236}">
-                <a16:creationId xmlns:a16="http://schemas.microsoft.com/office/drawing/2014/main" id="{FBBD311E-E4CE-5E4F-9739-1C6DF588ED0A}"/>
+                <a16:creationId xmlns:a16="http://schemas.microsoft.com/office/drawing/2014/main" id="{BF7351F3-DD0A-F54D-8F18-49DC3FF2A779}"/>
               </a:ext>
             </a:extLst>
           </p:cNvPr>
@@ -2606,7 +2692,7 @@
           <a:p>
             <a:fld id="{26D4E336-D89A-0C41-8F05-8FA973B848A8}" type="datetimeFigureOut">
               <a:rPr lang="en-US" smtClean="0"/>
-              <a:t>11/27/21</a:t>
+              <a:t>11/28/21</a:t>
             </a:fld>
             <a:endParaRPr lang="en-US"/>
           </a:p>
@@ -2617,7 +2703,7 @@
           <p:cNvPr id="3" name="Footer Placeholder 2">
             <a:extLst>
               <a:ext uri="{FF2B5EF4-FFF2-40B4-BE49-F238E27FC236}">
-                <a16:creationId xmlns:a16="http://schemas.microsoft.com/office/drawing/2014/main" id="{0FCC5AA5-15C6-1E40-9F0E-5970411EF3B1}"/>
+                <a16:creationId xmlns:a16="http://schemas.microsoft.com/office/drawing/2014/main" id="{26C8B4E7-4097-F440-9156-7665550B16BE}"/>
               </a:ext>
             </a:extLst>
           </p:cNvPr>
@@ -2642,7 +2728,7 @@
           <p:cNvPr id="4" name="Slide Number Placeholder 3">
             <a:extLst>
               <a:ext uri="{FF2B5EF4-FFF2-40B4-BE49-F238E27FC236}">
-                <a16:creationId xmlns:a16="http://schemas.microsoft.com/office/drawing/2014/main" id="{6592CB6C-F987-8743-A333-7D9A250E6A61}"/>
+                <a16:creationId xmlns:a16="http://schemas.microsoft.com/office/drawing/2014/main" id="{5EDFBD27-DA5B-A24C-9B67-A30D49CBEB7E}"/>
               </a:ext>
             </a:extLst>
           </p:cNvPr>
@@ -2669,7 +2755,7 @@
     </p:spTree>
     <p:extLst>
       <p:ext uri="{BB962C8B-B14F-4D97-AF65-F5344CB8AC3E}">
-        <p14:creationId xmlns:p14="http://schemas.microsoft.com/office/powerpoint/2010/main" val="481650471"/>
+        <p14:creationId xmlns:p14="http://schemas.microsoft.com/office/powerpoint/2010/main" val="3973867508"/>
       </p:ext>
     </p:extLst>
   </p:cSld>
@@ -2701,7 +2787,7 @@
           <p:cNvPr id="2" name="Title 1">
             <a:extLst>
               <a:ext uri="{FF2B5EF4-FFF2-40B4-BE49-F238E27FC236}">
-                <a16:creationId xmlns:a16="http://schemas.microsoft.com/office/drawing/2014/main" id="{0ABEB25F-FEF5-0044-B959-5B2EAA7FC266}"/>
+                <a16:creationId xmlns:a16="http://schemas.microsoft.com/office/drawing/2014/main" id="{4B8A07DD-8462-5F45-83B3-8CA88AAF3B1C}"/>
               </a:ext>
             </a:extLst>
           </p:cNvPr>
@@ -2738,7 +2824,7 @@
           <p:cNvPr id="3" name="Content Placeholder 2">
             <a:extLst>
               <a:ext uri="{FF2B5EF4-FFF2-40B4-BE49-F238E27FC236}">
-                <a16:creationId xmlns:a16="http://schemas.microsoft.com/office/drawing/2014/main" id="{FAF6909B-E132-E94F-81C2-3E92A21AD94F}"/>
+                <a16:creationId xmlns:a16="http://schemas.microsoft.com/office/drawing/2014/main" id="{C90C55FB-144D-7D45-BB87-04AAF6A64381}"/>
               </a:ext>
             </a:extLst>
           </p:cNvPr>
@@ -2828,7 +2914,7 @@
           <p:cNvPr id="4" name="Text Placeholder 3">
             <a:extLst>
               <a:ext uri="{FF2B5EF4-FFF2-40B4-BE49-F238E27FC236}">
-                <a16:creationId xmlns:a16="http://schemas.microsoft.com/office/drawing/2014/main" id="{1FC6AF56-0FF0-4640-BFF8-A65C48630CB8}"/>
+                <a16:creationId xmlns:a16="http://schemas.microsoft.com/office/drawing/2014/main" id="{95001DB1-6019-CD4D-844F-1FFEC16B185E}"/>
               </a:ext>
             </a:extLst>
           </p:cNvPr>
@@ -2899,7 +2985,7 @@
           <p:cNvPr id="5" name="Date Placeholder 4">
             <a:extLst>
               <a:ext uri="{FF2B5EF4-FFF2-40B4-BE49-F238E27FC236}">
-                <a16:creationId xmlns:a16="http://schemas.microsoft.com/office/drawing/2014/main" id="{3DFAF90C-DD58-CF45-9E36-58316FF54EDC}"/>
+                <a16:creationId xmlns:a16="http://schemas.microsoft.com/office/drawing/2014/main" id="{9FAEE563-69CD-FB46-B9C4-5F41A1D8791E}"/>
               </a:ext>
             </a:extLst>
           </p:cNvPr>
@@ -2917,7 +3003,7 @@
           <a:p>
             <a:fld id="{26D4E336-D89A-0C41-8F05-8FA973B848A8}" type="datetimeFigureOut">
               <a:rPr lang="en-US" smtClean="0"/>
-              <a:t>11/27/21</a:t>
+              <a:t>11/28/21</a:t>
             </a:fld>
             <a:endParaRPr lang="en-US"/>
           </a:p>
@@ -2928,7 +3014,7 @@
           <p:cNvPr id="6" name="Footer Placeholder 5">
             <a:extLst>
               <a:ext uri="{FF2B5EF4-FFF2-40B4-BE49-F238E27FC236}">
-                <a16:creationId xmlns:a16="http://schemas.microsoft.com/office/drawing/2014/main" id="{D461A820-A958-2E41-BF80-71E4D174AAC6}"/>
+                <a16:creationId xmlns:a16="http://schemas.microsoft.com/office/drawing/2014/main" id="{D1944E12-B535-1D4C-85E6-D2ECC2B25134}"/>
               </a:ext>
             </a:extLst>
           </p:cNvPr>
@@ -2953,7 +3039,7 @@
           <p:cNvPr id="7" name="Slide Number Placeholder 6">
             <a:extLst>
               <a:ext uri="{FF2B5EF4-FFF2-40B4-BE49-F238E27FC236}">
-                <a16:creationId xmlns:a16="http://schemas.microsoft.com/office/drawing/2014/main" id="{704EB590-EE94-314A-B569-40E8F303EB8E}"/>
+                <a16:creationId xmlns:a16="http://schemas.microsoft.com/office/drawing/2014/main" id="{FB4CC088-1499-AA44-A74B-4BE364E2416B}"/>
               </a:ext>
             </a:extLst>
           </p:cNvPr>
@@ -2980,7 +3066,7 @@
     </p:spTree>
     <p:extLst>
       <p:ext uri="{BB962C8B-B14F-4D97-AF65-F5344CB8AC3E}">
-        <p14:creationId xmlns:p14="http://schemas.microsoft.com/office/powerpoint/2010/main" val="2180943801"/>
+        <p14:creationId xmlns:p14="http://schemas.microsoft.com/office/powerpoint/2010/main" val="42409903"/>
       </p:ext>
     </p:extLst>
   </p:cSld>
@@ -3012,7 +3098,7 @@
           <p:cNvPr id="2" name="Title 1">
             <a:extLst>
               <a:ext uri="{FF2B5EF4-FFF2-40B4-BE49-F238E27FC236}">
-                <a16:creationId xmlns:a16="http://schemas.microsoft.com/office/drawing/2014/main" id="{3A508E25-D539-364B-ADCB-1D0EBB38BE01}"/>
+                <a16:creationId xmlns:a16="http://schemas.microsoft.com/office/drawing/2014/main" id="{BBEDC5FB-60A1-E548-8CFB-B3918D7D073F}"/>
               </a:ext>
             </a:extLst>
           </p:cNvPr>
@@ -3049,7 +3135,7 @@
           <p:cNvPr id="3" name="Picture Placeholder 2">
             <a:extLst>
               <a:ext uri="{FF2B5EF4-FFF2-40B4-BE49-F238E27FC236}">
-                <a16:creationId xmlns:a16="http://schemas.microsoft.com/office/drawing/2014/main" id="{D0CA69A3-6D4F-CE4F-AF89-7671B2AEA3C3}"/>
+                <a16:creationId xmlns:a16="http://schemas.microsoft.com/office/drawing/2014/main" id="{46B580BF-F316-A14A-A1BA-E927F408DE46}"/>
               </a:ext>
             </a:extLst>
           </p:cNvPr>
@@ -3116,7 +3202,7 @@
           <p:cNvPr id="4" name="Text Placeholder 3">
             <a:extLst>
               <a:ext uri="{FF2B5EF4-FFF2-40B4-BE49-F238E27FC236}">
-                <a16:creationId xmlns:a16="http://schemas.microsoft.com/office/drawing/2014/main" id="{F5965AB1-05B3-984E-BF15-78C24DA83FFA}"/>
+                <a16:creationId xmlns:a16="http://schemas.microsoft.com/office/drawing/2014/main" id="{B8A06F39-53E8-2147-BFB7-60387C19246C}"/>
               </a:ext>
             </a:extLst>
           </p:cNvPr>
@@ -3187,7 +3273,7 @@
           <p:cNvPr id="5" name="Date Placeholder 4">
             <a:extLst>
               <a:ext uri="{FF2B5EF4-FFF2-40B4-BE49-F238E27FC236}">
-                <a16:creationId xmlns:a16="http://schemas.microsoft.com/office/drawing/2014/main" id="{455A9219-1EDB-E549-B984-CC376CB63B8C}"/>
+                <a16:creationId xmlns:a16="http://schemas.microsoft.com/office/drawing/2014/main" id="{AC02E1BA-F956-8241-A775-7E3F35A31A07}"/>
               </a:ext>
             </a:extLst>
           </p:cNvPr>
@@ -3205,7 +3291,7 @@
           <a:p>
             <a:fld id="{26D4E336-D89A-0C41-8F05-8FA973B848A8}" type="datetimeFigureOut">
               <a:rPr lang="en-US" smtClean="0"/>
-              <a:t>11/27/21</a:t>
+              <a:t>11/28/21</a:t>
             </a:fld>
             <a:endParaRPr lang="en-US"/>
           </a:p>
@@ -3216,7 +3302,7 @@
           <p:cNvPr id="6" name="Footer Placeholder 5">
             <a:extLst>
               <a:ext uri="{FF2B5EF4-FFF2-40B4-BE49-F238E27FC236}">
-                <a16:creationId xmlns:a16="http://schemas.microsoft.com/office/drawing/2014/main" id="{359786B1-3F1C-9346-80E8-44916ED0C9E0}"/>
+                <a16:creationId xmlns:a16="http://schemas.microsoft.com/office/drawing/2014/main" id="{AEE4BD0B-88FC-FE45-A993-C7DB475A8AC1}"/>
               </a:ext>
             </a:extLst>
           </p:cNvPr>
@@ -3241,7 +3327,7 @@
           <p:cNvPr id="7" name="Slide Number Placeholder 6">
             <a:extLst>
               <a:ext uri="{FF2B5EF4-FFF2-40B4-BE49-F238E27FC236}">
-                <a16:creationId xmlns:a16="http://schemas.microsoft.com/office/drawing/2014/main" id="{491465AF-1754-074C-BA05-6C7A240253E0}"/>
+                <a16:creationId xmlns:a16="http://schemas.microsoft.com/office/drawing/2014/main" id="{2DD92409-20FC-CB4E-BFEA-6613F81CF532}"/>
               </a:ext>
             </a:extLst>
           </p:cNvPr>
@@ -3268,7 +3354,7 @@
     </p:spTree>
     <p:extLst>
       <p:ext uri="{BB962C8B-B14F-4D97-AF65-F5344CB8AC3E}">
-        <p14:creationId xmlns:p14="http://schemas.microsoft.com/office/powerpoint/2010/main" val="4272873664"/>
+        <p14:creationId xmlns:p14="http://schemas.microsoft.com/office/powerpoint/2010/main" val="3574511276"/>
       </p:ext>
     </p:extLst>
   </p:cSld>
@@ -3305,7 +3391,7 @@
           <p:cNvPr id="2" name="Title Placeholder 1">
             <a:extLst>
               <a:ext uri="{FF2B5EF4-FFF2-40B4-BE49-F238E27FC236}">
-                <a16:creationId xmlns:a16="http://schemas.microsoft.com/office/drawing/2014/main" id="{96E7E540-BF9A-F246-B330-F9B169108FA9}"/>
+                <a16:creationId xmlns:a16="http://schemas.microsoft.com/office/drawing/2014/main" id="{2D1ABCA1-EDC1-4341-BBED-4A32673FD589}"/>
               </a:ext>
             </a:extLst>
           </p:cNvPr>
@@ -3343,7 +3429,7 @@
           <p:cNvPr id="3" name="Text Placeholder 2">
             <a:extLst>
               <a:ext uri="{FF2B5EF4-FFF2-40B4-BE49-F238E27FC236}">
-                <a16:creationId xmlns:a16="http://schemas.microsoft.com/office/drawing/2014/main" id="{C0B1B61F-9823-964A-93C7-2A3FC2375ACD}"/>
+                <a16:creationId xmlns:a16="http://schemas.microsoft.com/office/drawing/2014/main" id="{6FAE4895-8D8B-9944-94E2-8CD11806CFFD}"/>
               </a:ext>
             </a:extLst>
           </p:cNvPr>
@@ -3410,7 +3496,7 @@
           <p:cNvPr id="4" name="Date Placeholder 3">
             <a:extLst>
               <a:ext uri="{FF2B5EF4-FFF2-40B4-BE49-F238E27FC236}">
-                <a16:creationId xmlns:a16="http://schemas.microsoft.com/office/drawing/2014/main" id="{37365229-891E-5D47-A857-8B4F3A9BFDD2}"/>
+                <a16:creationId xmlns:a16="http://schemas.microsoft.com/office/drawing/2014/main" id="{B0C348BE-511F-FB40-A9BF-83142FF549E9}"/>
               </a:ext>
             </a:extLst>
           </p:cNvPr>
@@ -3446,7 +3532,7 @@
           <a:p>
             <a:fld id="{26D4E336-D89A-0C41-8F05-8FA973B848A8}" type="datetimeFigureOut">
               <a:rPr lang="en-US" smtClean="0"/>
-              <a:t>11/27/21</a:t>
+              <a:t>11/28/21</a:t>
             </a:fld>
             <a:endParaRPr lang="en-US"/>
           </a:p>
@@ -3457,7 +3543,7 @@
           <p:cNvPr id="5" name="Footer Placeholder 4">
             <a:extLst>
               <a:ext uri="{FF2B5EF4-FFF2-40B4-BE49-F238E27FC236}">
-                <a16:creationId xmlns:a16="http://schemas.microsoft.com/office/drawing/2014/main" id="{2CC856E0-0CC5-F146-A5FD-EC4401991EB3}"/>
+                <a16:creationId xmlns:a16="http://schemas.microsoft.com/office/drawing/2014/main" id="{F7CDF92A-18E1-FA4F-A950-C102595E1A8D}"/>
               </a:ext>
             </a:extLst>
           </p:cNvPr>
@@ -3500,7 +3586,7 @@
           <p:cNvPr id="6" name="Slide Number Placeholder 5">
             <a:extLst>
               <a:ext uri="{FF2B5EF4-FFF2-40B4-BE49-F238E27FC236}">
-                <a16:creationId xmlns:a16="http://schemas.microsoft.com/office/drawing/2014/main" id="{88FA40BE-5ECB-2141-87B4-F9AE059B7995}"/>
+                <a16:creationId xmlns:a16="http://schemas.microsoft.com/office/drawing/2014/main" id="{ED5BBC77-C70A-F640-9B37-1698B8F40175}"/>
               </a:ext>
             </a:extLst>
           </p:cNvPr>
@@ -3545,23 +3631,23 @@
     </p:spTree>
     <p:extLst>
       <p:ext uri="{BB962C8B-B14F-4D97-AF65-F5344CB8AC3E}">
-        <p14:creationId xmlns:p14="http://schemas.microsoft.com/office/powerpoint/2010/main" val="1077621096"/>
+        <p14:creationId xmlns:p14="http://schemas.microsoft.com/office/powerpoint/2010/main" val="3435369129"/>
       </p:ext>
     </p:extLst>
   </p:cSld>
   <p:clrMap bg1="lt1" tx1="dk1" bg2="lt2" tx2="dk2" accent1="accent1" accent2="accent2" accent3="accent3" accent4="accent4" accent5="accent5" accent6="accent6" hlink="hlink" folHlink="folHlink"/>
   <p:sldLayoutIdLst>
-    <p:sldLayoutId id="2147483649" r:id="rId1"/>
-    <p:sldLayoutId id="2147483650" r:id="rId2"/>
-    <p:sldLayoutId id="2147483651" r:id="rId3"/>
-    <p:sldLayoutId id="2147483652" r:id="rId4"/>
-    <p:sldLayoutId id="2147483653" r:id="rId5"/>
-    <p:sldLayoutId id="2147483654" r:id="rId6"/>
-    <p:sldLayoutId id="2147483655" r:id="rId7"/>
-    <p:sldLayoutId id="2147483656" r:id="rId8"/>
-    <p:sldLayoutId id="2147483657" r:id="rId9"/>
-    <p:sldLayoutId id="2147483658" r:id="rId10"/>
-    <p:sldLayoutId id="2147483659" r:id="rId11"/>
+    <p:sldLayoutId id="2147483697" r:id="rId1"/>
+    <p:sldLayoutId id="2147483698" r:id="rId2"/>
+    <p:sldLayoutId id="2147483699" r:id="rId3"/>
+    <p:sldLayoutId id="2147483700" r:id="rId4"/>
+    <p:sldLayoutId id="2147483701" r:id="rId5"/>
+    <p:sldLayoutId id="2147483702" r:id="rId6"/>
+    <p:sldLayoutId id="2147483703" r:id="rId7"/>
+    <p:sldLayoutId id="2147483704" r:id="rId8"/>
+    <p:sldLayoutId id="2147483705" r:id="rId9"/>
+    <p:sldLayoutId id="2147483706" r:id="rId10"/>
+    <p:sldLayoutId id="2147483707" r:id="rId11"/>
   </p:sldLayoutIdLst>
   <p:txStyles>
     <p:titleStyle>
@@ -3849,6 +3935,14 @@
 <file path=ppt/slides/slide1.xml><?xml version="1.0" encoding="utf-8"?>
 <p:sld xmlns:a="http://schemas.openxmlformats.org/drawingml/2006/main" xmlns:r="http://schemas.openxmlformats.org/officeDocument/2006/relationships" xmlns:p="http://schemas.openxmlformats.org/presentationml/2006/main">
   <p:cSld>
+    <p:bg>
+      <p:bgPr>
+        <a:solidFill>
+          <a:schemeClr val="bg1"/>
+        </a:solidFill>
+        <a:effectLst/>
+      </p:bgPr>
+    </p:bg>
     <p:spTree>
       <p:nvGrpSpPr>
         <p:cNvPr id="1" name=""/>
@@ -3863,6 +3957,195 @@
           <a:chExt cx="0" cy="0"/>
         </a:xfrm>
       </p:grpSpPr>
+      <p:sp useBgFill="1">
+        <p:nvSpPr>
+          <p:cNvPr id="11" name="Rectangle 9">
+            <a:extLst>
+              <a:ext uri="{FF2B5EF4-FFF2-40B4-BE49-F238E27FC236}">
+                <a16:creationId xmlns:a16="http://schemas.microsoft.com/office/drawing/2014/main" id="{934F1179-B481-4F9E-BCA3-AFB972070F83}"/>
+              </a:ext>
+              <a:ext uri="{C183D7F6-B498-43B3-948B-1728B52AA6E4}">
+                <adec:decorative xmlns:adec="http://schemas.microsoft.com/office/drawing/2017/decorative" val="1"/>
+              </a:ext>
+            </a:extLst>
+          </p:cNvPr>
+          <p:cNvSpPr>
+            <a:spLocks noGrp="1" noRot="1" noChangeAspect="1" noMove="1" noResize="1" noEditPoints="1" noAdjustHandles="1" noChangeArrowheads="1" noChangeShapeType="1" noTextEdit="1"/>
+          </p:cNvSpPr>
+          <p:nvPr>
+            <p:extLst>
+              <p:ext uri="{386F3935-93C4-4BCD-93E2-E3B085C9AB24}">
+                <p16:designElem xmlns:p16="http://schemas.microsoft.com/office/powerpoint/2015/main" val="1"/>
+              </p:ext>
+            </p:extLst>
+          </p:nvPr>
+        </p:nvSpPr>
+        <p:spPr>
+          <a:xfrm>
+            <a:off x="0" y="0"/>
+            <a:ext cx="12192000" cy="6858000"/>
+          </a:xfrm>
+          <a:prstGeom prst="rect">
+            <a:avLst/>
+          </a:prstGeom>
+          <a:ln>
+            <a:noFill/>
+          </a:ln>
+        </p:spPr>
+        <p:style>
+          <a:lnRef idx="2">
+            <a:schemeClr val="accent1">
+              <a:shade val="50000"/>
+            </a:schemeClr>
+          </a:lnRef>
+          <a:fillRef idx="1">
+            <a:schemeClr val="accent1"/>
+          </a:fillRef>
+          <a:effectRef idx="0">
+            <a:schemeClr val="accent1"/>
+          </a:effectRef>
+          <a:fontRef idx="minor">
+            <a:schemeClr val="lt1"/>
+          </a:fontRef>
+        </p:style>
+        <p:txBody>
+          <a:bodyPr rtlCol="0" anchor="ctr"/>
+          <a:lstStyle/>
+          <a:p>
+            <a:pPr algn="ctr"/>
+            <a:endParaRPr lang="en-US"/>
+          </a:p>
+        </p:txBody>
+      </p:sp>
+      <p:sp>
+        <p:nvSpPr>
+          <p:cNvPr id="13" name="Right Triangle 11">
+            <a:extLst>
+              <a:ext uri="{FF2B5EF4-FFF2-40B4-BE49-F238E27FC236}">
+                <a16:creationId xmlns:a16="http://schemas.microsoft.com/office/drawing/2014/main" id="{827DC2C4-B485-428A-BF4A-472D2967F47F}"/>
+              </a:ext>
+              <a:ext uri="{C183D7F6-B498-43B3-948B-1728B52AA6E4}">
+                <adec:decorative xmlns:adec="http://schemas.microsoft.com/office/drawing/2017/decorative" val="1"/>
+              </a:ext>
+            </a:extLst>
+          </p:cNvPr>
+          <p:cNvSpPr>
+            <a:spLocks noGrp="1" noRot="1" noChangeAspect="1" noMove="1" noResize="1" noEditPoints="1" noAdjustHandles="1" noChangeArrowheads="1" noChangeShapeType="1" noTextEdit="1"/>
+          </p:cNvSpPr>
+          <p:nvPr>
+            <p:extLst>
+              <p:ext uri="{386F3935-93C4-4BCD-93E2-E3B085C9AB24}">
+                <p16:designElem xmlns:p16="http://schemas.microsoft.com/office/powerpoint/2015/main" val="1"/>
+              </p:ext>
+            </p:extLst>
+          </p:nvPr>
+        </p:nvSpPr>
+        <p:spPr>
+          <a:xfrm flipH="1">
+            <a:off x="8576720" y="3335867"/>
+            <a:ext cx="3291840" cy="3200400"/>
+          </a:xfrm>
+          <a:prstGeom prst="rtTriangle">
+            <a:avLst/>
+          </a:prstGeom>
+          <a:solidFill>
+            <a:schemeClr val="accent4"/>
+          </a:solidFill>
+          <a:ln>
+            <a:noFill/>
+          </a:ln>
+        </p:spPr>
+        <p:style>
+          <a:lnRef idx="2">
+            <a:schemeClr val="accent1">
+              <a:shade val="50000"/>
+            </a:schemeClr>
+          </a:lnRef>
+          <a:fillRef idx="1">
+            <a:schemeClr val="accent1"/>
+          </a:fillRef>
+          <a:effectRef idx="0">
+            <a:schemeClr val="accent1"/>
+          </a:effectRef>
+          <a:fontRef idx="minor">
+            <a:schemeClr val="lt1"/>
+          </a:fontRef>
+        </p:style>
+        <p:txBody>
+          <a:bodyPr rtlCol="0" anchor="ctr"/>
+          <a:lstStyle/>
+          <a:p>
+            <a:pPr algn="ctr"/>
+            <a:endParaRPr lang="en-US" dirty="0"/>
+          </a:p>
+        </p:txBody>
+      </p:sp>
+      <p:sp>
+        <p:nvSpPr>
+          <p:cNvPr id="15" name="Rectangle 13">
+            <a:extLst>
+              <a:ext uri="{FF2B5EF4-FFF2-40B4-BE49-F238E27FC236}">
+                <a16:creationId xmlns:a16="http://schemas.microsoft.com/office/drawing/2014/main" id="{EE04B5EB-F158-4507-90DD-BD23620C7CC9}"/>
+              </a:ext>
+              <a:ext uri="{C183D7F6-B498-43B3-948B-1728B52AA6E4}">
+                <adec:decorative xmlns:adec="http://schemas.microsoft.com/office/drawing/2017/decorative" val="1"/>
+              </a:ext>
+            </a:extLst>
+          </p:cNvPr>
+          <p:cNvSpPr>
+            <a:spLocks noGrp="1" noRot="1" noChangeAspect="1" noMove="1" noResize="1" noEditPoints="1" noAdjustHandles="1" noChangeArrowheads="1" noChangeShapeType="1" noTextEdit="1"/>
+          </p:cNvSpPr>
+          <p:nvPr>
+            <p:extLst>
+              <p:ext uri="{386F3935-93C4-4BCD-93E2-E3B085C9AB24}">
+                <p16:designElem xmlns:p16="http://schemas.microsoft.com/office/powerpoint/2015/main" val="1"/>
+              </p:ext>
+            </p:extLst>
+          </p:nvPr>
+        </p:nvSpPr>
+        <p:spPr>
+          <a:xfrm>
+            <a:off x="641774" y="623275"/>
+            <a:ext cx="10905053" cy="5607882"/>
+          </a:xfrm>
+          <a:prstGeom prst="rect">
+            <a:avLst/>
+          </a:prstGeom>
+          <a:noFill/>
+          <a:ln w="19050">
+            <a:solidFill>
+              <a:schemeClr val="tx1">
+                <a:lumMod val="75000"/>
+                <a:lumOff val="25000"/>
+              </a:schemeClr>
+            </a:solidFill>
+          </a:ln>
+        </p:spPr>
+        <p:style>
+          <a:lnRef idx="2">
+            <a:schemeClr val="accent1">
+              <a:shade val="50000"/>
+            </a:schemeClr>
+          </a:lnRef>
+          <a:fillRef idx="1">
+            <a:schemeClr val="accent1"/>
+          </a:fillRef>
+          <a:effectRef idx="0">
+            <a:schemeClr val="accent1"/>
+          </a:effectRef>
+          <a:fontRef idx="minor">
+            <a:schemeClr val="lt1"/>
+          </a:fontRef>
+        </p:style>
+        <p:txBody>
+          <a:bodyPr rtlCol="0" anchor="ctr"/>
+          <a:lstStyle/>
+          <a:p>
+            <a:pPr algn="ctr"/>
+            <a:endParaRPr lang="en-US"/>
+          </a:p>
+        </p:txBody>
+      </p:sp>
       <p:sp>
         <p:nvSpPr>
           <p:cNvPr id="2" name="Title 1">
@@ -3879,13 +4162,21 @@
             <p:ph type="ctrTitle"/>
           </p:nvPr>
         </p:nvSpPr>
-        <p:spPr/>
-        <p:txBody>
-          <a:bodyPr/>
-          <a:lstStyle/>
-          <a:p>
-            <a:r>
-              <a:rPr lang="en-US" dirty="0"/>
+        <p:spPr>
+          <a:xfrm>
+            <a:off x="1285241" y="1008993"/>
+            <a:ext cx="9231410" cy="3542045"/>
+          </a:xfrm>
+        </p:spPr>
+        <p:txBody>
+          <a:bodyPr anchor="b">
+            <a:normAutofit/>
+          </a:bodyPr>
+          <a:lstStyle/>
+          <a:p>
+            <a:pPr algn="l"/>
+            <a:r>
+              <a:rPr lang="en-US" sz="8100"/>
               <a:t>Ames, Iowa Housing Price Prediction</a:t>
             </a:r>
           </a:p>
@@ -3907,11 +4198,19 @@
             <p:ph type="subTitle" idx="1"/>
           </p:nvPr>
         </p:nvSpPr>
-        <p:spPr/>
-        <p:txBody>
-          <a:bodyPr/>
-          <a:lstStyle/>
-          <a:p>
+        <p:spPr>
+          <a:xfrm>
+            <a:off x="1285241" y="4582814"/>
+            <a:ext cx="7132335" cy="1312657"/>
+          </a:xfrm>
+        </p:spPr>
+        <p:txBody>
+          <a:bodyPr anchor="t">
+            <a:normAutofit/>
+          </a:bodyPr>
+          <a:lstStyle/>
+          <a:p>
+            <a:pPr algn="l"/>
             <a:r>
               <a:rPr lang="en-US" dirty="0"/>
               <a:t>Hugh Goode, David </a:t>
@@ -3932,6 +4231,7 @@
               <a:rPr lang="en-US" dirty="0"/>
               <a:t>, Jung Hwan Lim</a:t>
             </a:r>
+            <a:endParaRPr lang="en-US"/>
           </a:p>
         </p:txBody>
       </p:sp>
@@ -3951,6 +4251,14 @@
 <file path=ppt/slides/slide10.xml><?xml version="1.0" encoding="utf-8"?>
 <p:sld xmlns:a="http://schemas.openxmlformats.org/drawingml/2006/main" xmlns:r="http://schemas.openxmlformats.org/officeDocument/2006/relationships" xmlns:p="http://schemas.openxmlformats.org/presentationml/2006/main">
   <p:cSld>
+    <p:bg>
+      <p:bgPr>
+        <a:solidFill>
+          <a:schemeClr val="bg1"/>
+        </a:solidFill>
+        <a:effectLst/>
+      </p:bgPr>
+    </p:bg>
     <p:spTree>
       <p:nvGrpSpPr>
         <p:cNvPr id="1" name=""/>
@@ -3965,6 +4273,195 @@
           <a:chExt cx="0" cy="0"/>
         </a:xfrm>
       </p:grpSpPr>
+      <p:sp useBgFill="1">
+        <p:nvSpPr>
+          <p:cNvPr id="8" name="Rectangle 7">
+            <a:extLst>
+              <a:ext uri="{FF2B5EF4-FFF2-40B4-BE49-F238E27FC236}">
+                <a16:creationId xmlns:a16="http://schemas.microsoft.com/office/drawing/2014/main" id="{081EA652-8C6A-4E69-BEB9-170809474553}"/>
+              </a:ext>
+              <a:ext uri="{C183D7F6-B498-43B3-948B-1728B52AA6E4}">
+                <adec:decorative xmlns:adec="http://schemas.microsoft.com/office/drawing/2017/decorative" val="1"/>
+              </a:ext>
+            </a:extLst>
+          </p:cNvPr>
+          <p:cNvSpPr>
+            <a:spLocks noGrp="1" noRot="1" noChangeAspect="1" noMove="1" noResize="1" noEditPoints="1" noAdjustHandles="1" noChangeArrowheads="1" noChangeShapeType="1" noTextEdit="1"/>
+          </p:cNvSpPr>
+          <p:nvPr>
+            <p:extLst>
+              <p:ext uri="{386F3935-93C4-4BCD-93E2-E3B085C9AB24}">
+                <p16:designElem xmlns:p16="http://schemas.microsoft.com/office/powerpoint/2015/main" val="1"/>
+              </p:ext>
+            </p:extLst>
+          </p:nvPr>
+        </p:nvSpPr>
+        <p:spPr>
+          <a:xfrm>
+            <a:off x="0" y="0"/>
+            <a:ext cx="12192000" cy="6858000"/>
+          </a:xfrm>
+          <a:prstGeom prst="rect">
+            <a:avLst/>
+          </a:prstGeom>
+          <a:ln>
+            <a:noFill/>
+          </a:ln>
+        </p:spPr>
+        <p:style>
+          <a:lnRef idx="2">
+            <a:schemeClr val="accent1">
+              <a:shade val="50000"/>
+            </a:schemeClr>
+          </a:lnRef>
+          <a:fillRef idx="1">
+            <a:schemeClr val="accent1"/>
+          </a:fillRef>
+          <a:effectRef idx="0">
+            <a:schemeClr val="accent1"/>
+          </a:effectRef>
+          <a:fontRef idx="minor">
+            <a:schemeClr val="lt1"/>
+          </a:fontRef>
+        </p:style>
+        <p:txBody>
+          <a:bodyPr rtlCol="0" anchor="ctr"/>
+          <a:lstStyle/>
+          <a:p>
+            <a:pPr algn="ctr"/>
+            <a:endParaRPr lang="en-US"/>
+          </a:p>
+        </p:txBody>
+      </p:sp>
+      <p:sp>
+        <p:nvSpPr>
+          <p:cNvPr id="10" name="Right Triangle 9">
+            <a:extLst>
+              <a:ext uri="{FF2B5EF4-FFF2-40B4-BE49-F238E27FC236}">
+                <a16:creationId xmlns:a16="http://schemas.microsoft.com/office/drawing/2014/main" id="{5298780A-33B9-4EA2-8F67-DE68AD62841B}"/>
+              </a:ext>
+              <a:ext uri="{C183D7F6-B498-43B3-948B-1728B52AA6E4}">
+                <adec:decorative xmlns:adec="http://schemas.microsoft.com/office/drawing/2017/decorative" val="1"/>
+              </a:ext>
+            </a:extLst>
+          </p:cNvPr>
+          <p:cNvSpPr>
+            <a:spLocks noGrp="1" noRot="1" noChangeAspect="1" noMove="1" noResize="1" noEditPoints="1" noAdjustHandles="1" noChangeArrowheads="1" noChangeShapeType="1" noTextEdit="1"/>
+          </p:cNvSpPr>
+          <p:nvPr>
+            <p:extLst>
+              <p:ext uri="{386F3935-93C4-4BCD-93E2-E3B085C9AB24}">
+                <p16:designElem xmlns:p16="http://schemas.microsoft.com/office/powerpoint/2015/main" val="1"/>
+              </p:ext>
+            </p:extLst>
+          </p:nvPr>
+        </p:nvSpPr>
+        <p:spPr>
+          <a:xfrm flipH="1">
+            <a:off x="8576720" y="3335867"/>
+            <a:ext cx="3291840" cy="3200400"/>
+          </a:xfrm>
+          <a:prstGeom prst="rtTriangle">
+            <a:avLst/>
+          </a:prstGeom>
+          <a:solidFill>
+            <a:schemeClr val="accent4"/>
+          </a:solidFill>
+          <a:ln>
+            <a:noFill/>
+          </a:ln>
+        </p:spPr>
+        <p:style>
+          <a:lnRef idx="2">
+            <a:schemeClr val="accent1">
+              <a:shade val="50000"/>
+            </a:schemeClr>
+          </a:lnRef>
+          <a:fillRef idx="1">
+            <a:schemeClr val="accent1"/>
+          </a:fillRef>
+          <a:effectRef idx="0">
+            <a:schemeClr val="accent1"/>
+          </a:effectRef>
+          <a:fontRef idx="minor">
+            <a:schemeClr val="lt1"/>
+          </a:fontRef>
+        </p:style>
+        <p:txBody>
+          <a:bodyPr rtlCol="0" anchor="ctr"/>
+          <a:lstStyle/>
+          <a:p>
+            <a:pPr algn="ctr"/>
+            <a:endParaRPr lang="en-US" dirty="0"/>
+          </a:p>
+        </p:txBody>
+      </p:sp>
+      <p:sp>
+        <p:nvSpPr>
+          <p:cNvPr id="12" name="Rectangle 11">
+            <a:extLst>
+              <a:ext uri="{FF2B5EF4-FFF2-40B4-BE49-F238E27FC236}">
+                <a16:creationId xmlns:a16="http://schemas.microsoft.com/office/drawing/2014/main" id="{7F488E8B-4E1E-4402-8935-D4E6C02615C7}"/>
+              </a:ext>
+              <a:ext uri="{C183D7F6-B498-43B3-948B-1728B52AA6E4}">
+                <adec:decorative xmlns:adec="http://schemas.microsoft.com/office/drawing/2017/decorative" val="1"/>
+              </a:ext>
+            </a:extLst>
+          </p:cNvPr>
+          <p:cNvSpPr>
+            <a:spLocks noGrp="1" noRot="1" noChangeAspect="1" noMove="1" noResize="1" noEditPoints="1" noAdjustHandles="1" noChangeArrowheads="1" noChangeShapeType="1" noTextEdit="1"/>
+          </p:cNvSpPr>
+          <p:nvPr>
+            <p:extLst>
+              <p:ext uri="{386F3935-93C4-4BCD-93E2-E3B085C9AB24}">
+                <p16:designElem xmlns:p16="http://schemas.microsoft.com/office/powerpoint/2015/main" val="1"/>
+              </p:ext>
+            </p:extLst>
+          </p:nvPr>
+        </p:nvSpPr>
+        <p:spPr>
+          <a:xfrm>
+            <a:off x="641774" y="623275"/>
+            <a:ext cx="10905053" cy="5607882"/>
+          </a:xfrm>
+          <a:prstGeom prst="rect">
+            <a:avLst/>
+          </a:prstGeom>
+          <a:noFill/>
+          <a:ln w="19050">
+            <a:solidFill>
+              <a:schemeClr val="tx1">
+                <a:lumMod val="75000"/>
+                <a:lumOff val="25000"/>
+              </a:schemeClr>
+            </a:solidFill>
+          </a:ln>
+        </p:spPr>
+        <p:style>
+          <a:lnRef idx="2">
+            <a:schemeClr val="accent1">
+              <a:shade val="50000"/>
+            </a:schemeClr>
+          </a:lnRef>
+          <a:fillRef idx="1">
+            <a:schemeClr val="accent1"/>
+          </a:fillRef>
+          <a:effectRef idx="0">
+            <a:schemeClr val="accent1"/>
+          </a:effectRef>
+          <a:fontRef idx="minor">
+            <a:schemeClr val="lt1"/>
+          </a:fontRef>
+        </p:style>
+        <p:txBody>
+          <a:bodyPr rtlCol="0" anchor="ctr"/>
+          <a:lstStyle/>
+          <a:p>
+            <a:pPr algn="ctr"/>
+            <a:endParaRPr lang="en-US"/>
+          </a:p>
+        </p:txBody>
+      </p:sp>
       <p:sp>
         <p:nvSpPr>
           <p:cNvPr id="2" name="Title 1">
@@ -3981,13 +4478,20 @@
             <p:ph type="title"/>
           </p:nvPr>
         </p:nvSpPr>
-        <p:spPr/>
-        <p:txBody>
-          <a:bodyPr/>
-          <a:lstStyle/>
-          <a:p>
-            <a:r>
-              <a:rPr lang="en-US" dirty="0"/>
+        <p:spPr>
+          <a:xfrm>
+            <a:off x="1285240" y="1050595"/>
+            <a:ext cx="8074815" cy="1618489"/>
+          </a:xfrm>
+        </p:spPr>
+        <p:txBody>
+          <a:bodyPr anchor="ctr">
+            <a:normAutofit/>
+          </a:bodyPr>
+          <a:lstStyle/>
+          <a:p>
+            <a:r>
+              <a:rPr lang="en-US" sz="5000"/>
               <a:t>Data Cleaning – New Features</a:t>
             </a:r>
           </a:p>
@@ -4009,111 +4513,39 @@
             <p:ph idx="1"/>
           </p:nvPr>
         </p:nvSpPr>
-        <p:spPr/>
-        <p:txBody>
-          <a:bodyPr/>
-          <a:lstStyle/>
-          <a:p>
-            <a:r>
-              <a:rPr lang="en-US" dirty="0" err="1"/>
-              <a:t>TotalBath</a:t>
-            </a:r>
-            <a:r>
-              <a:rPr lang="en-US" dirty="0"/>
-              <a:t> = </a:t>
-            </a:r>
-            <a:r>
-              <a:rPr lang="en-US" dirty="0" err="1"/>
-              <a:t>FullBath</a:t>
-            </a:r>
-            <a:r>
-              <a:rPr lang="en-US" dirty="0"/>
-              <a:t> + </a:t>
-            </a:r>
-            <a:r>
-              <a:rPr lang="en-US" dirty="0" err="1"/>
-              <a:t>HalfBath</a:t>
-            </a:r>
-            <a:r>
-              <a:rPr lang="en-US" dirty="0"/>
-              <a:t> + </a:t>
-            </a:r>
-            <a:r>
-              <a:rPr lang="en-US" dirty="0" err="1"/>
-              <a:t>BsmtFullBath</a:t>
-            </a:r>
-            <a:r>
-              <a:rPr lang="en-US" dirty="0"/>
-              <a:t> + </a:t>
-            </a:r>
-            <a:r>
-              <a:rPr lang="en-US" dirty="0" err="1"/>
-              <a:t>BsmtHalfBath</a:t>
-            </a:r>
-            <a:endParaRPr lang="en-US" dirty="0"/>
-          </a:p>
-          <a:p>
-            <a:r>
-              <a:rPr lang="en-US" dirty="0" err="1"/>
-              <a:t>TotalLivArea</a:t>
-            </a:r>
-            <a:r>
-              <a:rPr lang="en-US" dirty="0"/>
-              <a:t> = </a:t>
-            </a:r>
-            <a:r>
-              <a:rPr lang="en-US" dirty="0" err="1"/>
-              <a:t>GrLivArea</a:t>
-            </a:r>
-            <a:r>
-              <a:rPr lang="en-US" dirty="0"/>
-              <a:t> + </a:t>
-            </a:r>
-            <a:r>
-              <a:rPr lang="en-US" dirty="0" err="1"/>
-              <a:t>TotalBsmtSF</a:t>
-            </a:r>
-            <a:endParaRPr lang="en-US" dirty="0"/>
-          </a:p>
-          <a:p>
-            <a:r>
-              <a:rPr lang="en-US" dirty="0" err="1"/>
-              <a:t>Bsmt_unfin_ratio</a:t>
-            </a:r>
-            <a:r>
-              <a:rPr lang="en-US" dirty="0"/>
-              <a:t> = </a:t>
-            </a:r>
-            <a:r>
-              <a:rPr lang="en-US" dirty="0" err="1"/>
-              <a:t>BsmtUnfSF</a:t>
-            </a:r>
-            <a:r>
-              <a:rPr lang="en-US" dirty="0"/>
-              <a:t> / </a:t>
-            </a:r>
-            <a:r>
-              <a:rPr lang="en-US" dirty="0" err="1"/>
-              <a:t>TotalBsmtSF</a:t>
-            </a:r>
-            <a:endParaRPr lang="en-US" dirty="0"/>
-          </a:p>
-          <a:p>
-            <a:r>
-              <a:rPr lang="en-US" dirty="0" err="1"/>
-              <a:t>TotRmsAbvGrd</a:t>
-            </a:r>
-            <a:r>
-              <a:rPr lang="en-US" dirty="0"/>
-              <a:t> = </a:t>
-            </a:r>
-            <a:r>
-              <a:rPr lang="en-US" dirty="0" err="1"/>
-              <a:t>TotRmsAbvGrd</a:t>
-            </a:r>
-            <a:r>
-              <a:rPr lang="en-US" dirty="0"/>
-              <a:t> - Bedroom (we already included bedroom but removed kitchen)</a:t>
+        <p:spPr>
+          <a:xfrm>
+            <a:off x="1285240" y="2969469"/>
+            <a:ext cx="8074815" cy="2800395"/>
+          </a:xfrm>
+        </p:spPr>
+        <p:txBody>
+          <a:bodyPr anchor="t">
+            <a:normAutofit/>
+          </a:bodyPr>
+          <a:lstStyle/>
+          <a:p>
+            <a:r>
+              <a:rPr lang="en-US" sz="2400"/>
+              <a:t>TotalBath = FullBath + HalfBath + BsmtFullBath + BsmtHalfBath</a:t>
+            </a:r>
+          </a:p>
+          <a:p>
+            <a:r>
+              <a:rPr lang="en-US" sz="2400"/>
+              <a:t>TotalLivArea = GrLivArea + TotalBsmtSF</a:t>
+            </a:r>
+          </a:p>
+          <a:p>
+            <a:r>
+              <a:rPr lang="en-US" sz="2400"/>
+              <a:t>Bsmt_unfin_ratio = BsmtUnfSF / TotalBsmtSF</a:t>
+            </a:r>
+          </a:p>
+          <a:p>
+            <a:r>
+              <a:rPr lang="en-US" sz="2400"/>
+              <a:t>TotRmsAbvGrd = TotRmsAbvGrd - Bedroom (we already included bedroom but removed kitchen)</a:t>
             </a:r>
           </a:p>
         </p:txBody>
@@ -4134,6 +4566,14 @@
 <file path=ppt/slides/slide11.xml><?xml version="1.0" encoding="utf-8"?>
 <p:sld xmlns:a="http://schemas.openxmlformats.org/drawingml/2006/main" xmlns:r="http://schemas.openxmlformats.org/officeDocument/2006/relationships" xmlns:p="http://schemas.openxmlformats.org/presentationml/2006/main">
   <p:cSld>
+    <p:bg>
+      <p:bgPr>
+        <a:solidFill>
+          <a:schemeClr val="bg1"/>
+        </a:solidFill>
+        <a:effectLst/>
+      </p:bgPr>
+    </p:bg>
     <p:spTree>
       <p:nvGrpSpPr>
         <p:cNvPr id="1" name=""/>
@@ -4148,6 +4588,66 @@
           <a:chExt cx="0" cy="0"/>
         </a:xfrm>
       </p:grpSpPr>
+      <p:sp useBgFill="1">
+        <p:nvSpPr>
+          <p:cNvPr id="14" name="Rectangle 13">
+            <a:extLst>
+              <a:ext uri="{FF2B5EF4-FFF2-40B4-BE49-F238E27FC236}">
+                <a16:creationId xmlns:a16="http://schemas.microsoft.com/office/drawing/2014/main" id="{6ECA6DCB-B7E1-40A9-9524-540C6DA40B1B}"/>
+              </a:ext>
+              <a:ext uri="{C183D7F6-B498-43B3-948B-1728B52AA6E4}">
+                <adec:decorative xmlns:adec="http://schemas.microsoft.com/office/drawing/2017/decorative" val="1"/>
+              </a:ext>
+            </a:extLst>
+          </p:cNvPr>
+          <p:cNvSpPr>
+            <a:spLocks noGrp="1" noRot="1" noChangeAspect="1" noMove="1" noResize="1" noEditPoints="1" noAdjustHandles="1" noChangeArrowheads="1" noChangeShapeType="1" noTextEdit="1"/>
+          </p:cNvSpPr>
+          <p:nvPr>
+            <p:extLst>
+              <p:ext uri="{386F3935-93C4-4BCD-93E2-E3B085C9AB24}">
+                <p16:designElem xmlns:p16="http://schemas.microsoft.com/office/powerpoint/2015/main" val="1"/>
+              </p:ext>
+            </p:extLst>
+          </p:nvPr>
+        </p:nvSpPr>
+        <p:spPr>
+          <a:xfrm>
+            <a:off x="0" y="0"/>
+            <a:ext cx="12191999" cy="6857365"/>
+          </a:xfrm>
+          <a:prstGeom prst="rect">
+            <a:avLst/>
+          </a:prstGeom>
+          <a:ln>
+            <a:noFill/>
+          </a:ln>
+        </p:spPr>
+        <p:style>
+          <a:lnRef idx="2">
+            <a:schemeClr val="accent1">
+              <a:shade val="50000"/>
+            </a:schemeClr>
+          </a:lnRef>
+          <a:fillRef idx="1">
+            <a:schemeClr val="accent1"/>
+          </a:fillRef>
+          <a:effectRef idx="0">
+            <a:schemeClr val="accent1"/>
+          </a:effectRef>
+          <a:fontRef idx="minor">
+            <a:schemeClr val="lt1"/>
+          </a:fontRef>
+        </p:style>
+        <p:txBody>
+          <a:bodyPr rtlCol="0" anchor="ctr"/>
+          <a:lstStyle/>
+          <a:p>
+            <a:pPr algn="ctr"/>
+            <a:endParaRPr lang="en-US"/>
+          </a:p>
+        </p:txBody>
+      </p:sp>
       <p:sp>
         <p:nvSpPr>
           <p:cNvPr id="2" name="Title 1">
@@ -4164,15 +4664,632 @@
             <p:ph type="title"/>
           </p:nvPr>
         </p:nvSpPr>
-        <p:spPr/>
-        <p:txBody>
-          <a:bodyPr/>
-          <a:lstStyle/>
-          <a:p>
-            <a:r>
-              <a:rPr lang="en-US" dirty="0"/>
+        <p:spPr>
+          <a:xfrm>
+            <a:off x="589560" y="856180"/>
+            <a:ext cx="5279408" cy="1128068"/>
+          </a:xfrm>
+        </p:spPr>
+        <p:txBody>
+          <a:bodyPr vert="horz" lIns="91440" tIns="45720" rIns="91440" bIns="45720" rtlCol="0" anchor="ctr">
+            <a:normAutofit/>
+          </a:bodyPr>
+          <a:lstStyle/>
+          <a:p>
+            <a:r>
+              <a:rPr lang="en-US" sz="3700" kern="1200">
+                <a:solidFill>
+                  <a:schemeClr val="tx1"/>
+                </a:solidFill>
+                <a:latin typeface="+mj-lt"/>
+                <a:ea typeface="+mj-ea"/>
+                <a:cs typeface="+mj-cs"/>
+              </a:rPr>
               <a:t>Data Cleaning – Remove Features</a:t>
             </a:r>
+          </a:p>
+        </p:txBody>
+      </p:sp>
+      <p:grpSp>
+        <p:nvGrpSpPr>
+          <p:cNvPr id="16" name="Group 15">
+            <a:extLst>
+              <a:ext uri="{FF2B5EF4-FFF2-40B4-BE49-F238E27FC236}">
+                <a16:creationId xmlns:a16="http://schemas.microsoft.com/office/drawing/2014/main" id="{1DE889C7-FAD6-4397-98E2-05D503484459}"/>
+              </a:ext>
+              <a:ext uri="{C183D7F6-B498-43B3-948B-1728B52AA6E4}">
+                <adec:decorative xmlns:adec="http://schemas.microsoft.com/office/drawing/2017/decorative" val="1"/>
+              </a:ext>
+            </a:extLst>
+          </p:cNvPr>
+          <p:cNvGrpSpPr>
+            <a:grpSpLocks noGrp="1" noUngrp="1" noRot="1" noChangeAspect="1" noMove="1" noResize="1"/>
+          </p:cNvGrpSpPr>
+          <p:nvPr>
+            <p:extLst>
+              <p:ext uri="{386F3935-93C4-4BCD-93E2-E3B085C9AB24}">
+                <p16:designElem xmlns:p16="http://schemas.microsoft.com/office/powerpoint/2015/main" val="1"/>
+              </p:ext>
+            </p:extLst>
+          </p:nvPr>
+        </p:nvGrpSpPr>
+        <p:grpSpPr>
+          <a:xfrm>
+            <a:off x="0" y="1083484"/>
+            <a:ext cx="355196" cy="673460"/>
+            <a:chOff x="0" y="823811"/>
+            <a:chExt cx="355196" cy="673460"/>
+          </a:xfrm>
+        </p:grpSpPr>
+        <p:sp>
+          <p:nvSpPr>
+            <p:cNvPr id="17" name="Rectangle 16">
+              <a:extLst>
+                <a:ext uri="{FF2B5EF4-FFF2-40B4-BE49-F238E27FC236}">
+                  <a16:creationId xmlns:a16="http://schemas.microsoft.com/office/drawing/2014/main" id="{F399A70F-F8CD-4992-9EF5-6CF15472E73F}"/>
+                </a:ext>
+                <a:ext uri="{C183D7F6-B498-43B3-948B-1728B52AA6E4}">
+                  <adec:decorative xmlns:adec="http://schemas.microsoft.com/office/drawing/2017/decorative" val="1"/>
+                </a:ext>
+              </a:extLst>
+            </p:cNvPr>
+            <p:cNvSpPr/>
+            <p:nvPr>
+              <p:extLst>
+                <p:ext uri="{386F3935-93C4-4BCD-93E2-E3B085C9AB24}">
+                  <p16:designElem xmlns:p16="http://schemas.microsoft.com/office/powerpoint/2015/main" val="1"/>
+                </p:ext>
+              </p:extLst>
+            </p:nvPr>
+          </p:nvSpPr>
+          <p:spPr>
+            <a:xfrm>
+              <a:off x="0" y="823811"/>
+              <a:ext cx="87363" cy="673460"/>
+            </a:xfrm>
+            <a:prstGeom prst="rect">
+              <a:avLst/>
+            </a:prstGeom>
+            <a:solidFill>
+              <a:schemeClr val="accent4"/>
+            </a:solidFill>
+            <a:ln>
+              <a:noFill/>
+            </a:ln>
+          </p:spPr>
+          <p:style>
+            <a:lnRef idx="2">
+              <a:schemeClr val="accent1">
+                <a:shade val="50000"/>
+              </a:schemeClr>
+            </a:lnRef>
+            <a:fillRef idx="1">
+              <a:schemeClr val="accent1"/>
+            </a:fillRef>
+            <a:effectRef idx="0">
+              <a:schemeClr val="accent1"/>
+            </a:effectRef>
+            <a:fontRef idx="minor">
+              <a:schemeClr val="lt1"/>
+            </a:fontRef>
+          </p:style>
+          <p:txBody>
+            <a:bodyPr rtlCol="0" anchor="ctr"/>
+            <a:lstStyle/>
+            <a:p>
+              <a:pPr algn="ctr"/>
+              <a:endParaRPr lang="en-US"/>
+            </a:p>
+          </p:txBody>
+        </p:sp>
+        <p:sp>
+          <p:nvSpPr>
+            <p:cNvPr id="18" name="Rectangle 17">
+              <a:extLst>
+                <a:ext uri="{FF2B5EF4-FFF2-40B4-BE49-F238E27FC236}">
+                  <a16:creationId xmlns:a16="http://schemas.microsoft.com/office/drawing/2014/main" id="{48F4FEDC-6D80-458C-A665-075D9B9500FD}"/>
+                </a:ext>
+                <a:ext uri="{C183D7F6-B498-43B3-948B-1728B52AA6E4}">
+                  <adec:decorative xmlns:adec="http://schemas.microsoft.com/office/drawing/2017/decorative" val="1"/>
+                </a:ext>
+              </a:extLst>
+            </p:cNvPr>
+            <p:cNvSpPr/>
+            <p:nvPr>
+              <p:extLst>
+                <p:ext uri="{386F3935-93C4-4BCD-93E2-E3B085C9AB24}">
+                  <p16:designElem xmlns:p16="http://schemas.microsoft.com/office/powerpoint/2015/main" val="1"/>
+                </p:ext>
+              </p:extLst>
+            </p:nvPr>
+          </p:nvSpPr>
+          <p:spPr>
+            <a:xfrm>
+              <a:off x="159341" y="823811"/>
+              <a:ext cx="195855" cy="673460"/>
+            </a:xfrm>
+            <a:prstGeom prst="rect">
+              <a:avLst/>
+            </a:prstGeom>
+            <a:solidFill>
+              <a:schemeClr val="accent4"/>
+            </a:solidFill>
+            <a:ln>
+              <a:noFill/>
+            </a:ln>
+          </p:spPr>
+          <p:style>
+            <a:lnRef idx="2">
+              <a:schemeClr val="accent1">
+                <a:shade val="50000"/>
+              </a:schemeClr>
+            </a:lnRef>
+            <a:fillRef idx="1">
+              <a:schemeClr val="accent1"/>
+            </a:fillRef>
+            <a:effectRef idx="0">
+              <a:schemeClr val="accent1"/>
+            </a:effectRef>
+            <a:fontRef idx="minor">
+              <a:schemeClr val="lt1"/>
+            </a:fontRef>
+          </p:style>
+          <p:txBody>
+            <a:bodyPr rtlCol="0" anchor="ctr"/>
+            <a:lstStyle/>
+            <a:p>
+              <a:pPr algn="ctr"/>
+              <a:endParaRPr lang="en-US"/>
+            </a:p>
+          </p:txBody>
+        </p:sp>
+      </p:grpSp>
+      <p:sp>
+        <p:nvSpPr>
+          <p:cNvPr id="20" name="Rectangle 19">
+            <a:extLst>
+              <a:ext uri="{FF2B5EF4-FFF2-40B4-BE49-F238E27FC236}">
+                <a16:creationId xmlns:a16="http://schemas.microsoft.com/office/drawing/2014/main" id="{3873B707-463F-40B0-8227-E8CC6C67EB25}"/>
+              </a:ext>
+              <a:ext uri="{C183D7F6-B498-43B3-948B-1728B52AA6E4}">
+                <adec:decorative xmlns:adec="http://schemas.microsoft.com/office/drawing/2017/decorative" val="1"/>
+              </a:ext>
+            </a:extLst>
+          </p:cNvPr>
+          <p:cNvSpPr>
+            <a:spLocks noGrp="1" noRot="1" noChangeAspect="1" noMove="1" noResize="1" noEditPoints="1" noAdjustHandles="1" noChangeArrowheads="1" noChangeShapeType="1" noTextEdit="1"/>
+          </p:cNvSpPr>
+          <p:nvPr>
+            <p:extLst>
+              <p:ext uri="{386F3935-93C4-4BCD-93E2-E3B085C9AB24}">
+                <p16:designElem xmlns:p16="http://schemas.microsoft.com/office/powerpoint/2015/main" val="1"/>
+              </p:ext>
+            </p:extLst>
+          </p:nvPr>
+        </p:nvSpPr>
+        <p:spPr>
+          <a:xfrm flipH="1">
+            <a:off x="665085" y="2123821"/>
+            <a:ext cx="4975066" cy="27432"/>
+          </a:xfrm>
+          <a:prstGeom prst="rect">
+            <a:avLst/>
+          </a:prstGeom>
+          <a:solidFill>
+            <a:schemeClr val="accent4"/>
+          </a:solidFill>
+          <a:ln>
+            <a:noFill/>
+          </a:ln>
+        </p:spPr>
+        <p:style>
+          <a:lnRef idx="2">
+            <a:schemeClr val="accent1">
+              <a:shade val="50000"/>
+            </a:schemeClr>
+          </a:lnRef>
+          <a:fillRef idx="1">
+            <a:schemeClr val="accent1"/>
+          </a:fillRef>
+          <a:effectRef idx="0">
+            <a:schemeClr val="accent1"/>
+          </a:effectRef>
+          <a:fontRef idx="minor">
+            <a:schemeClr val="lt1"/>
+          </a:fontRef>
+        </p:style>
+        <p:txBody>
+          <a:bodyPr rtlCol="0" anchor="ctr"/>
+          <a:lstStyle/>
+          <a:p>
+            <a:pPr algn="ctr"/>
+            <a:endParaRPr lang="en-US"/>
+          </a:p>
+        </p:txBody>
+      </p:sp>
+      <p:sp>
+        <p:nvSpPr>
+          <p:cNvPr id="5" name="Text Placeholder 4">
+            <a:extLst>
+              <a:ext uri="{FF2B5EF4-FFF2-40B4-BE49-F238E27FC236}">
+                <a16:creationId xmlns:a16="http://schemas.microsoft.com/office/drawing/2014/main" id="{2DEA27CA-3025-334E-A55E-66F1F0A2B415}"/>
+              </a:ext>
+            </a:extLst>
+          </p:cNvPr>
+          <p:cNvSpPr>
+            <a:spLocks noGrp="1"/>
+          </p:cNvSpPr>
+          <p:nvPr>
+            <p:ph type="body" sz="half" idx="2"/>
+          </p:nvPr>
+        </p:nvSpPr>
+        <p:spPr>
+          <a:xfrm>
+            <a:off x="584833" y="2703860"/>
+            <a:ext cx="2299965" cy="3979585"/>
+          </a:xfrm>
+        </p:spPr>
+        <p:txBody>
+          <a:bodyPr vert="horz" lIns="91440" tIns="45720" rIns="91440" bIns="45720" rtlCol="0" anchor="t">
+            <a:noAutofit/>
+          </a:bodyPr>
+          <a:lstStyle/>
+          <a:p>
+            <a:pPr marL="285750" indent="-228600">
+              <a:spcBef>
+                <a:spcPts val="0"/>
+              </a:spcBef>
+              <a:spcAft>
+                <a:spcPts val="600"/>
+              </a:spcAft>
+              <a:buFont typeface="Arial" panose="020B0604020202020204" pitchFamily="34" charset="0"/>
+              <a:buChar char="•"/>
+            </a:pPr>
+            <a:r>
+              <a:rPr lang="en-US" sz="1100" dirty="0" err="1"/>
+              <a:t>GrLivArea</a:t>
+            </a:r>
+            <a:endParaRPr lang="en-US" sz="1100" dirty="0"/>
+          </a:p>
+          <a:p>
+            <a:pPr marL="285750" indent="-228600">
+              <a:spcBef>
+                <a:spcPts val="0"/>
+              </a:spcBef>
+              <a:spcAft>
+                <a:spcPts val="600"/>
+              </a:spcAft>
+              <a:buFont typeface="Arial" panose="020B0604020202020204" pitchFamily="34" charset="0"/>
+              <a:buChar char="•"/>
+            </a:pPr>
+            <a:r>
+              <a:rPr lang="en-US" sz="1100" dirty="0"/>
+              <a:t>1stFlrSf</a:t>
+            </a:r>
+          </a:p>
+          <a:p>
+            <a:pPr marL="285750" indent="-228600">
+              <a:spcBef>
+                <a:spcPts val="0"/>
+              </a:spcBef>
+              <a:spcAft>
+                <a:spcPts val="600"/>
+              </a:spcAft>
+              <a:buFont typeface="Arial" panose="020B0604020202020204" pitchFamily="34" charset="0"/>
+              <a:buChar char="•"/>
+            </a:pPr>
+            <a:r>
+              <a:rPr lang="en-US" sz="1100" dirty="0"/>
+              <a:t>2ndFlrSf</a:t>
+            </a:r>
+          </a:p>
+          <a:p>
+            <a:pPr marL="285750" indent="-228600">
+              <a:spcBef>
+                <a:spcPts val="0"/>
+              </a:spcBef>
+              <a:spcAft>
+                <a:spcPts val="600"/>
+              </a:spcAft>
+              <a:buFont typeface="Arial" panose="020B0604020202020204" pitchFamily="34" charset="0"/>
+              <a:buChar char="•"/>
+            </a:pPr>
+            <a:r>
+              <a:rPr lang="en-US" sz="1100" dirty="0"/>
+              <a:t>BsmfFinSF1</a:t>
+            </a:r>
+          </a:p>
+          <a:p>
+            <a:pPr marL="285750" indent="-228600">
+              <a:spcBef>
+                <a:spcPts val="0"/>
+              </a:spcBef>
+              <a:spcAft>
+                <a:spcPts val="600"/>
+              </a:spcAft>
+              <a:buFont typeface="Arial" panose="020B0604020202020204" pitchFamily="34" charset="0"/>
+              <a:buChar char="•"/>
+            </a:pPr>
+            <a:r>
+              <a:rPr lang="en-US" sz="1100" dirty="0"/>
+              <a:t>BsmtFinSF2</a:t>
+            </a:r>
+          </a:p>
+          <a:p>
+            <a:pPr marL="285750" indent="-228600">
+              <a:spcBef>
+                <a:spcPts val="0"/>
+              </a:spcBef>
+              <a:spcAft>
+                <a:spcPts val="600"/>
+              </a:spcAft>
+              <a:buFont typeface="Arial" panose="020B0604020202020204" pitchFamily="34" charset="0"/>
+              <a:buChar char="•"/>
+            </a:pPr>
+            <a:r>
+              <a:rPr lang="en-US" sz="1100" dirty="0" err="1"/>
+              <a:t>BsmtUnfSF</a:t>
+            </a:r>
+            <a:endParaRPr lang="en-US" sz="1100" dirty="0"/>
+          </a:p>
+          <a:p>
+            <a:pPr marL="285750" indent="-228600">
+              <a:spcBef>
+                <a:spcPts val="0"/>
+              </a:spcBef>
+              <a:spcAft>
+                <a:spcPts val="600"/>
+              </a:spcAft>
+              <a:buFont typeface="Arial" panose="020B0604020202020204" pitchFamily="34" charset="0"/>
+              <a:buChar char="•"/>
+            </a:pPr>
+            <a:r>
+              <a:rPr lang="en-US" sz="1100" dirty="0" err="1"/>
+              <a:t>FullBath</a:t>
+            </a:r>
+            <a:endParaRPr lang="en-US" sz="1100" dirty="0"/>
+          </a:p>
+          <a:p>
+            <a:pPr marL="285750" indent="-228600">
+              <a:spcBef>
+                <a:spcPts val="0"/>
+              </a:spcBef>
+              <a:spcAft>
+                <a:spcPts val="600"/>
+              </a:spcAft>
+              <a:buFont typeface="Arial" panose="020B0604020202020204" pitchFamily="34" charset="0"/>
+              <a:buChar char="•"/>
+            </a:pPr>
+            <a:r>
+              <a:rPr lang="en-US" sz="1100" dirty="0" err="1"/>
+              <a:t>HalfBath</a:t>
+            </a:r>
+            <a:endParaRPr lang="en-US" sz="1100" dirty="0"/>
+          </a:p>
+          <a:p>
+            <a:pPr marL="285750" indent="-228600">
+              <a:spcBef>
+                <a:spcPts val="0"/>
+              </a:spcBef>
+              <a:spcAft>
+                <a:spcPts val="600"/>
+              </a:spcAft>
+              <a:buFont typeface="Arial" panose="020B0604020202020204" pitchFamily="34" charset="0"/>
+              <a:buChar char="•"/>
+            </a:pPr>
+            <a:r>
+              <a:rPr lang="en-US" sz="1100" dirty="0"/>
+              <a:t>Street</a:t>
+            </a:r>
+          </a:p>
+          <a:p>
+            <a:pPr marL="285750" indent="-228600">
+              <a:spcBef>
+                <a:spcPts val="0"/>
+              </a:spcBef>
+              <a:spcAft>
+                <a:spcPts val="600"/>
+              </a:spcAft>
+              <a:buFont typeface="Arial" panose="020B0604020202020204" pitchFamily="34" charset="0"/>
+              <a:buChar char="•"/>
+            </a:pPr>
+            <a:r>
+              <a:rPr lang="en-US" sz="1100" dirty="0"/>
+              <a:t>Alley</a:t>
+            </a:r>
+          </a:p>
+          <a:p>
+            <a:pPr marL="285750" indent="-228600">
+              <a:spcBef>
+                <a:spcPts val="0"/>
+              </a:spcBef>
+              <a:spcAft>
+                <a:spcPts val="600"/>
+              </a:spcAft>
+              <a:buFont typeface="Arial" panose="020B0604020202020204" pitchFamily="34" charset="0"/>
+              <a:buChar char="•"/>
+            </a:pPr>
+            <a:r>
+              <a:rPr lang="en-US" sz="1100" dirty="0"/>
+              <a:t>Utilities</a:t>
+            </a:r>
+          </a:p>
+          <a:p>
+            <a:pPr marL="285750" indent="-228600">
+              <a:spcBef>
+                <a:spcPts val="0"/>
+              </a:spcBef>
+              <a:spcAft>
+                <a:spcPts val="600"/>
+              </a:spcAft>
+              <a:buFont typeface="Arial" panose="020B0604020202020204" pitchFamily="34" charset="0"/>
+              <a:buChar char="•"/>
+            </a:pPr>
+            <a:r>
+              <a:rPr lang="en-US" sz="1100" dirty="0"/>
+              <a:t>Condition2</a:t>
+            </a:r>
+          </a:p>
+          <a:p>
+            <a:pPr marL="285750" indent="-228600">
+              <a:spcBef>
+                <a:spcPts val="0"/>
+              </a:spcBef>
+              <a:spcAft>
+                <a:spcPts val="600"/>
+              </a:spcAft>
+              <a:buFont typeface="Arial" panose="020B0604020202020204" pitchFamily="34" charset="0"/>
+              <a:buChar char="•"/>
+            </a:pPr>
+            <a:r>
+              <a:rPr lang="en-US" sz="1100" dirty="0" err="1"/>
+              <a:t>RoofMatl</a:t>
+            </a:r>
+            <a:endParaRPr lang="en-US" sz="1100" dirty="0"/>
+          </a:p>
+          <a:p>
+            <a:pPr marL="57150">
+              <a:spcBef>
+                <a:spcPts val="0"/>
+              </a:spcBef>
+              <a:spcAft>
+                <a:spcPts val="600"/>
+              </a:spcAft>
+            </a:pPr>
+            <a:endParaRPr lang="en-US" sz="1100" dirty="0"/>
+          </a:p>
+        </p:txBody>
+      </p:sp>
+      <p:sp>
+        <p:nvSpPr>
+          <p:cNvPr id="22" name="Rectangle 21">
+            <a:extLst>
+              <a:ext uri="{FF2B5EF4-FFF2-40B4-BE49-F238E27FC236}">
+                <a16:creationId xmlns:a16="http://schemas.microsoft.com/office/drawing/2014/main" id="{C13237C8-E62C-4F0D-A318-BD6FB6C2D138}"/>
+              </a:ext>
+              <a:ext uri="{C183D7F6-B498-43B3-948B-1728B52AA6E4}">
+                <adec:decorative xmlns:adec="http://schemas.microsoft.com/office/drawing/2017/decorative" val="1"/>
+              </a:ext>
+            </a:extLst>
+          </p:cNvPr>
+          <p:cNvSpPr>
+            <a:spLocks noGrp="1" noRot="1" noChangeAspect="1" noMove="1" noResize="1" noEditPoints="1" noAdjustHandles="1" noChangeArrowheads="1" noChangeShapeType="1" noTextEdit="1"/>
+          </p:cNvSpPr>
+          <p:nvPr>
+            <p:extLst>
+              <p:ext uri="{386F3935-93C4-4BCD-93E2-E3B085C9AB24}">
+                <p16:designElem xmlns:p16="http://schemas.microsoft.com/office/powerpoint/2015/main" val="1"/>
+              </p:ext>
+            </p:extLst>
+          </p:nvPr>
+        </p:nvSpPr>
+        <p:spPr>
+          <a:xfrm flipH="1">
+            <a:off x="10697670" y="0"/>
+            <a:ext cx="1494330" cy="6858000"/>
+          </a:xfrm>
+          <a:prstGeom prst="rect">
+            <a:avLst/>
+          </a:prstGeom>
+          <a:solidFill>
+            <a:schemeClr val="accent4"/>
+          </a:solidFill>
+          <a:ln>
+            <a:noFill/>
+          </a:ln>
+        </p:spPr>
+        <p:style>
+          <a:lnRef idx="2">
+            <a:schemeClr val="accent1">
+              <a:shade val="50000"/>
+            </a:schemeClr>
+          </a:lnRef>
+          <a:fillRef idx="1">
+            <a:schemeClr val="accent1"/>
+          </a:fillRef>
+          <a:effectRef idx="0">
+            <a:schemeClr val="accent1"/>
+          </a:effectRef>
+          <a:fontRef idx="minor">
+            <a:schemeClr val="lt1"/>
+          </a:fontRef>
+        </p:style>
+        <p:txBody>
+          <a:bodyPr rtlCol="0" anchor="ctr"/>
+          <a:lstStyle/>
+          <a:p>
+            <a:pPr algn="ctr"/>
+            <a:endParaRPr lang="en-US"/>
+          </a:p>
+        </p:txBody>
+      </p:sp>
+      <p:sp>
+        <p:nvSpPr>
+          <p:cNvPr id="24" name="Rectangle 23">
+            <a:extLst>
+              <a:ext uri="{FF2B5EF4-FFF2-40B4-BE49-F238E27FC236}">
+                <a16:creationId xmlns:a16="http://schemas.microsoft.com/office/drawing/2014/main" id="{19C9EAEA-39D0-4B0E-A0EB-51E7B26740B1}"/>
+              </a:ext>
+              <a:ext uri="{C183D7F6-B498-43B3-948B-1728B52AA6E4}">
+                <adec:decorative xmlns:adec="http://schemas.microsoft.com/office/drawing/2017/decorative" val="1"/>
+              </a:ext>
+            </a:extLst>
+          </p:cNvPr>
+          <p:cNvSpPr>
+            <a:spLocks noGrp="1" noRot="1" noChangeAspect="1" noMove="1" noResize="1" noEditPoints="1" noAdjustHandles="1" noChangeArrowheads="1" noChangeShapeType="1" noTextEdit="1"/>
+          </p:cNvSpPr>
+          <p:nvPr>
+            <p:extLst>
+              <p:ext uri="{386F3935-93C4-4BCD-93E2-E3B085C9AB24}">
+                <p16:designElem xmlns:p16="http://schemas.microsoft.com/office/powerpoint/2015/main" val="1"/>
+              </p:ext>
+            </p:extLst>
+          </p:nvPr>
+        </p:nvSpPr>
+        <p:spPr>
+          <a:xfrm>
+            <a:off x="6849687" y="357447"/>
+            <a:ext cx="4845488" cy="2923587"/>
+          </a:xfrm>
+          <a:prstGeom prst="rect">
+            <a:avLst/>
+          </a:prstGeom>
+          <a:solidFill>
+            <a:schemeClr val="bg1"/>
+          </a:solidFill>
+          <a:ln>
+            <a:noFill/>
+          </a:ln>
+          <a:effectLst>
+            <a:outerShdw blurRad="139700" dist="127000" dir="5400000" algn="t" rotWithShape="0">
+              <a:prstClr val="black">
+                <a:alpha val="15000"/>
+              </a:prstClr>
+            </a:outerShdw>
+          </a:effectLst>
+        </p:spPr>
+        <p:style>
+          <a:lnRef idx="2">
+            <a:schemeClr val="accent1">
+              <a:shade val="50000"/>
+            </a:schemeClr>
+          </a:lnRef>
+          <a:fillRef idx="1">
+            <a:schemeClr val="accent1"/>
+          </a:fillRef>
+          <a:effectRef idx="0">
+            <a:schemeClr val="accent1"/>
+          </a:effectRef>
+          <a:fontRef idx="minor">
+            <a:schemeClr val="lt1"/>
+          </a:fontRef>
+        </p:style>
+        <p:txBody>
+          <a:bodyPr rtlCol="0" anchor="ctr"/>
+          <a:lstStyle/>
+          <a:p>
+            <a:pPr algn="ctr"/>
+            <a:endParaRPr lang="en-US"/>
           </a:p>
         </p:txBody>
       </p:sp>
@@ -4192,437 +5309,88 @@
             <p:ph idx="1"/>
           </p:nvPr>
         </p:nvPicPr>
-        <p:blipFill>
+        <p:blipFill rotWithShape="1">
           <a:blip r:embed="rId3"/>
-          <a:stretch>
-            <a:fillRect/>
-          </a:stretch>
+          <a:srcRect r="13142" b="-1"/>
+          <a:stretch/>
         </p:blipFill>
         <p:spPr>
           <a:xfrm>
-            <a:off x="4994002" y="517634"/>
-            <a:ext cx="6172200" cy="3076748"/>
-          </a:xfrm>
+            <a:off x="7083423" y="581892"/>
+            <a:ext cx="4397433" cy="2518756"/>
+          </a:xfrm>
+          <a:prstGeom prst="rect">
+            <a:avLst/>
+          </a:prstGeom>
         </p:spPr>
       </p:pic>
       <p:sp>
         <p:nvSpPr>
-          <p:cNvPr id="5" name="Text Placeholder 4">
-            <a:extLst>
-              <a:ext uri="{FF2B5EF4-FFF2-40B4-BE49-F238E27FC236}">
-                <a16:creationId xmlns:a16="http://schemas.microsoft.com/office/drawing/2014/main" id="{2DEA27CA-3025-334E-A55E-66F1F0A2B415}"/>
-              </a:ext>
-            </a:extLst>
-          </p:cNvPr>
-          <p:cNvSpPr>
-            <a:spLocks noGrp="1"/>
-          </p:cNvSpPr>
-          <p:nvPr>
-            <p:ph type="body" sz="half" idx="2"/>
-          </p:nvPr>
-        </p:nvSpPr>
-        <p:spPr/>
-        <p:txBody>
-          <a:bodyPr>
-            <a:noAutofit/>
-          </a:bodyPr>
-          <a:lstStyle/>
-          <a:p>
-            <a:pPr marL="285750" indent="-285750">
-              <a:lnSpc>
-                <a:spcPct val="100000"/>
-              </a:lnSpc>
-              <a:spcBef>
-                <a:spcPts val="0"/>
-              </a:spcBef>
-              <a:buFont typeface="Arial" panose="020B0604020202020204" pitchFamily="34" charset="0"/>
-              <a:buChar char="•"/>
-            </a:pPr>
-            <a:r>
-              <a:rPr lang="en-US" sz="1100" dirty="0" err="1"/>
-              <a:t>GrLivArea</a:t>
-            </a:r>
-            <a:endParaRPr lang="en-US" sz="1100" dirty="0"/>
-          </a:p>
-          <a:p>
-            <a:pPr marL="285750" indent="-285750">
-              <a:lnSpc>
-                <a:spcPct val="100000"/>
-              </a:lnSpc>
-              <a:spcBef>
-                <a:spcPts val="0"/>
-              </a:spcBef>
-              <a:buFont typeface="Arial" panose="020B0604020202020204" pitchFamily="34" charset="0"/>
-              <a:buChar char="•"/>
-            </a:pPr>
-            <a:r>
-              <a:rPr lang="en-US" sz="1100" dirty="0"/>
-              <a:t>1stFlrSf</a:t>
-            </a:r>
-          </a:p>
-          <a:p>
-            <a:pPr marL="285750" indent="-285750">
-              <a:lnSpc>
-                <a:spcPct val="100000"/>
-              </a:lnSpc>
-              <a:spcBef>
-                <a:spcPts val="0"/>
-              </a:spcBef>
-              <a:buFont typeface="Arial" panose="020B0604020202020204" pitchFamily="34" charset="0"/>
-              <a:buChar char="•"/>
-            </a:pPr>
-            <a:r>
-              <a:rPr lang="en-US" sz="1100" dirty="0"/>
-              <a:t>2ndFlrSf</a:t>
-            </a:r>
-          </a:p>
-          <a:p>
-            <a:pPr marL="285750" indent="-285750">
-              <a:lnSpc>
-                <a:spcPct val="100000"/>
-              </a:lnSpc>
-              <a:spcBef>
-                <a:spcPts val="0"/>
-              </a:spcBef>
-              <a:buFont typeface="Arial" panose="020B0604020202020204" pitchFamily="34" charset="0"/>
-              <a:buChar char="•"/>
-            </a:pPr>
-            <a:r>
-              <a:rPr lang="en-US" sz="1100" dirty="0"/>
-              <a:t>BsmfFinSF1</a:t>
-            </a:r>
-          </a:p>
-          <a:p>
-            <a:pPr marL="285750" indent="-285750">
-              <a:lnSpc>
-                <a:spcPct val="100000"/>
-              </a:lnSpc>
-              <a:spcBef>
-                <a:spcPts val="0"/>
-              </a:spcBef>
-              <a:buFont typeface="Arial" panose="020B0604020202020204" pitchFamily="34" charset="0"/>
-              <a:buChar char="•"/>
-            </a:pPr>
-            <a:r>
-              <a:rPr lang="en-US" sz="1100" dirty="0"/>
-              <a:t>BsmtFinSF2</a:t>
-            </a:r>
-          </a:p>
-          <a:p>
-            <a:pPr marL="285750" indent="-285750">
-              <a:lnSpc>
-                <a:spcPct val="100000"/>
-              </a:lnSpc>
-              <a:spcBef>
-                <a:spcPts val="0"/>
-              </a:spcBef>
-              <a:buFont typeface="Arial" panose="020B0604020202020204" pitchFamily="34" charset="0"/>
-              <a:buChar char="•"/>
-            </a:pPr>
-            <a:r>
-              <a:rPr lang="en-US" sz="1100" dirty="0" err="1"/>
-              <a:t>BsmtUnfSF</a:t>
-            </a:r>
-            <a:endParaRPr lang="en-US" sz="1100" dirty="0"/>
-          </a:p>
-          <a:p>
-            <a:pPr marL="285750" indent="-285750">
-              <a:lnSpc>
-                <a:spcPct val="100000"/>
-              </a:lnSpc>
-              <a:spcBef>
-                <a:spcPts val="0"/>
-              </a:spcBef>
-              <a:buFont typeface="Arial" panose="020B0604020202020204" pitchFamily="34" charset="0"/>
-              <a:buChar char="•"/>
-            </a:pPr>
-            <a:r>
-              <a:rPr lang="en-US" sz="1100" dirty="0" err="1"/>
-              <a:t>FullBath</a:t>
-            </a:r>
-            <a:endParaRPr lang="en-US" sz="1100" dirty="0"/>
-          </a:p>
-          <a:p>
-            <a:pPr marL="285750" indent="-285750">
-              <a:lnSpc>
-                <a:spcPct val="100000"/>
-              </a:lnSpc>
-              <a:spcBef>
-                <a:spcPts val="0"/>
-              </a:spcBef>
-              <a:buFont typeface="Arial" panose="020B0604020202020204" pitchFamily="34" charset="0"/>
-              <a:buChar char="•"/>
-            </a:pPr>
-            <a:r>
-              <a:rPr lang="en-US" sz="1100" dirty="0" err="1"/>
-              <a:t>HalfBath</a:t>
-            </a:r>
-            <a:endParaRPr lang="en-US" sz="1100" dirty="0"/>
-          </a:p>
-          <a:p>
-            <a:pPr marL="285750" indent="-285750">
-              <a:lnSpc>
-                <a:spcPct val="100000"/>
-              </a:lnSpc>
-              <a:spcBef>
-                <a:spcPts val="0"/>
-              </a:spcBef>
-              <a:buFont typeface="Arial" panose="020B0604020202020204" pitchFamily="34" charset="0"/>
-              <a:buChar char="•"/>
-            </a:pPr>
-            <a:r>
-              <a:rPr lang="en-US" sz="1100" dirty="0"/>
-              <a:t>Street</a:t>
-            </a:r>
-          </a:p>
-          <a:p>
-            <a:pPr marL="285750" indent="-285750">
-              <a:lnSpc>
-                <a:spcPct val="100000"/>
-              </a:lnSpc>
-              <a:spcBef>
-                <a:spcPts val="0"/>
-              </a:spcBef>
-              <a:buFont typeface="Arial" panose="020B0604020202020204" pitchFamily="34" charset="0"/>
-              <a:buChar char="•"/>
-            </a:pPr>
-            <a:r>
-              <a:rPr lang="en-US" sz="1100" dirty="0"/>
-              <a:t>Alley</a:t>
-            </a:r>
-          </a:p>
-          <a:p>
-            <a:pPr marL="285750" indent="-285750">
-              <a:lnSpc>
-                <a:spcPct val="100000"/>
-              </a:lnSpc>
-              <a:spcBef>
-                <a:spcPts val="0"/>
-              </a:spcBef>
-              <a:buFont typeface="Arial" panose="020B0604020202020204" pitchFamily="34" charset="0"/>
-              <a:buChar char="•"/>
-            </a:pPr>
-            <a:r>
-              <a:rPr lang="en-US" sz="1100" dirty="0"/>
-              <a:t>Utilities</a:t>
-            </a:r>
-          </a:p>
-          <a:p>
-            <a:pPr marL="285750" indent="-285750">
-              <a:lnSpc>
-                <a:spcPct val="100000"/>
-              </a:lnSpc>
-              <a:spcBef>
-                <a:spcPts val="0"/>
-              </a:spcBef>
-              <a:buFont typeface="Arial" panose="020B0604020202020204" pitchFamily="34" charset="0"/>
-              <a:buChar char="•"/>
-            </a:pPr>
-            <a:r>
-              <a:rPr lang="en-US" sz="1100" dirty="0"/>
-              <a:t>Condition2</a:t>
-            </a:r>
-          </a:p>
-          <a:p>
-            <a:pPr marL="285750" indent="-285750">
-              <a:lnSpc>
-                <a:spcPct val="100000"/>
-              </a:lnSpc>
-              <a:spcBef>
-                <a:spcPts val="0"/>
-              </a:spcBef>
-              <a:buFont typeface="Arial" panose="020B0604020202020204" pitchFamily="34" charset="0"/>
-              <a:buChar char="•"/>
-            </a:pPr>
-            <a:r>
-              <a:rPr lang="en-US" sz="1100" dirty="0" err="1"/>
-              <a:t>RoofMatl</a:t>
-            </a:r>
-            <a:endParaRPr lang="en-US" sz="1100" dirty="0"/>
-          </a:p>
-          <a:p>
-            <a:pPr marL="285750" indent="-285750">
-              <a:lnSpc>
-                <a:spcPct val="100000"/>
-              </a:lnSpc>
-              <a:spcBef>
-                <a:spcPts val="0"/>
-              </a:spcBef>
-              <a:buFont typeface="Arial" panose="020B0604020202020204" pitchFamily="34" charset="0"/>
-              <a:buChar char="•"/>
-            </a:pPr>
-            <a:r>
-              <a:rPr lang="en-US" sz="1100" dirty="0"/>
-              <a:t>Heating</a:t>
-            </a:r>
-          </a:p>
-          <a:p>
-            <a:pPr marL="285750" indent="-285750">
-              <a:lnSpc>
-                <a:spcPct val="100000"/>
-              </a:lnSpc>
-              <a:spcBef>
-                <a:spcPts val="0"/>
-              </a:spcBef>
-              <a:buFont typeface="Arial" panose="020B0604020202020204" pitchFamily="34" charset="0"/>
-              <a:buChar char="•"/>
-            </a:pPr>
-            <a:r>
-              <a:rPr lang="en-US" sz="1100" dirty="0"/>
-              <a:t>Electrical</a:t>
-            </a:r>
-          </a:p>
-          <a:p>
-            <a:pPr marL="285750" indent="-285750">
-              <a:lnSpc>
-                <a:spcPct val="100000"/>
-              </a:lnSpc>
-              <a:spcBef>
-                <a:spcPts val="0"/>
-              </a:spcBef>
-              <a:buFont typeface="Arial" panose="020B0604020202020204" pitchFamily="34" charset="0"/>
-              <a:buChar char="•"/>
-            </a:pPr>
-            <a:r>
-              <a:rPr lang="en-US" sz="1100" dirty="0" err="1"/>
-              <a:t>LowQualFinSF</a:t>
-            </a:r>
-            <a:endParaRPr lang="en-US" sz="1100" dirty="0"/>
-          </a:p>
-          <a:p>
-            <a:pPr marL="285750" indent="-285750">
-              <a:lnSpc>
-                <a:spcPct val="100000"/>
-              </a:lnSpc>
-              <a:spcBef>
-                <a:spcPts val="0"/>
-              </a:spcBef>
-              <a:buFont typeface="Arial" panose="020B0604020202020204" pitchFamily="34" charset="0"/>
-              <a:buChar char="•"/>
-            </a:pPr>
-            <a:r>
-              <a:rPr lang="en-US" sz="1100" dirty="0"/>
-              <a:t>Kitchen</a:t>
-            </a:r>
-          </a:p>
-          <a:p>
-            <a:pPr marL="285750" indent="-285750">
-              <a:lnSpc>
-                <a:spcPct val="100000"/>
-              </a:lnSpc>
-              <a:spcBef>
-                <a:spcPts val="0"/>
-              </a:spcBef>
-              <a:buFont typeface="Arial" panose="020B0604020202020204" pitchFamily="34" charset="0"/>
-              <a:buChar char="•"/>
-            </a:pPr>
-            <a:r>
-              <a:rPr lang="en-US" sz="1100" dirty="0" err="1"/>
-              <a:t>GarageCars</a:t>
-            </a:r>
-            <a:endParaRPr lang="en-US" sz="1100" dirty="0"/>
-          </a:p>
-          <a:p>
-            <a:pPr marL="285750" indent="-285750">
-              <a:lnSpc>
-                <a:spcPct val="100000"/>
-              </a:lnSpc>
-              <a:spcBef>
-                <a:spcPts val="0"/>
-              </a:spcBef>
-              <a:buFont typeface="Arial" panose="020B0604020202020204" pitchFamily="34" charset="0"/>
-              <a:buChar char="•"/>
-            </a:pPr>
-            <a:r>
-              <a:rPr lang="en-US" sz="1100" dirty="0" err="1"/>
-              <a:t>GarageCond</a:t>
-            </a:r>
-            <a:endParaRPr lang="en-US" sz="1100" dirty="0"/>
-          </a:p>
-          <a:p>
-            <a:pPr marL="285750" indent="-285750">
-              <a:lnSpc>
-                <a:spcPct val="100000"/>
-              </a:lnSpc>
-              <a:spcBef>
-                <a:spcPts val="0"/>
-              </a:spcBef>
-              <a:buFont typeface="Arial" panose="020B0604020202020204" pitchFamily="34" charset="0"/>
-              <a:buChar char="•"/>
-            </a:pPr>
-            <a:r>
-              <a:rPr lang="en-US" sz="1100" dirty="0" err="1"/>
-              <a:t>PoolArea</a:t>
-            </a:r>
-            <a:endParaRPr lang="en-US" sz="1100" dirty="0"/>
-          </a:p>
-          <a:p>
-            <a:pPr marL="285750" indent="-285750">
-              <a:lnSpc>
-                <a:spcPct val="100000"/>
-              </a:lnSpc>
-              <a:spcBef>
-                <a:spcPts val="0"/>
-              </a:spcBef>
-              <a:buFont typeface="Arial" panose="020B0604020202020204" pitchFamily="34" charset="0"/>
-              <a:buChar char="•"/>
-            </a:pPr>
-            <a:r>
-              <a:rPr lang="en-US" sz="1100" dirty="0" err="1"/>
-              <a:t>PoolQC</a:t>
-            </a:r>
-            <a:endParaRPr lang="en-US" sz="1100" dirty="0"/>
-          </a:p>
-          <a:p>
-            <a:pPr marL="285750" indent="-285750">
-              <a:lnSpc>
-                <a:spcPct val="100000"/>
-              </a:lnSpc>
-              <a:spcBef>
-                <a:spcPts val="0"/>
-              </a:spcBef>
-              <a:buFont typeface="Arial" panose="020B0604020202020204" pitchFamily="34" charset="0"/>
-              <a:buChar char="•"/>
-            </a:pPr>
-            <a:r>
-              <a:rPr lang="en-US" sz="1100" dirty="0" err="1"/>
-              <a:t>MiscFeature</a:t>
-            </a:r>
-            <a:endParaRPr lang="en-US" sz="1100" dirty="0"/>
-          </a:p>
-          <a:p>
-            <a:pPr marL="285750" indent="-285750">
-              <a:lnSpc>
-                <a:spcPct val="100000"/>
-              </a:lnSpc>
-              <a:spcBef>
-                <a:spcPts val="0"/>
-              </a:spcBef>
-              <a:buFont typeface="Arial" panose="020B0604020202020204" pitchFamily="34" charset="0"/>
-              <a:buChar char="•"/>
-            </a:pPr>
-            <a:r>
-              <a:rPr lang="en-US" sz="1100" dirty="0" err="1"/>
-              <a:t>MiscValue</a:t>
-            </a:r>
-            <a:endParaRPr lang="en-US" sz="1100" dirty="0"/>
-          </a:p>
-          <a:p>
-            <a:pPr marL="285750" indent="-285750">
-              <a:lnSpc>
-                <a:spcPct val="100000"/>
-              </a:lnSpc>
-              <a:spcBef>
-                <a:spcPts val="0"/>
-              </a:spcBef>
-              <a:buFont typeface="Arial" panose="020B0604020202020204" pitchFamily="34" charset="0"/>
-              <a:buChar char="•"/>
-            </a:pPr>
-            <a:r>
-              <a:rPr lang="en-US" sz="1100" dirty="0" err="1"/>
-              <a:t>SaleType</a:t>
-            </a:r>
-            <a:endParaRPr lang="en-US" sz="1100" dirty="0"/>
+          <p:cNvPr id="26" name="Rectangle 25">
+            <a:extLst>
+              <a:ext uri="{FF2B5EF4-FFF2-40B4-BE49-F238E27FC236}">
+                <a16:creationId xmlns:a16="http://schemas.microsoft.com/office/drawing/2014/main" id="{8CB5D2D7-DF65-4E86-BFBA-FFB9B5ACEB64}"/>
+              </a:ext>
+              <a:ext uri="{C183D7F6-B498-43B3-948B-1728B52AA6E4}">
+                <adec:decorative xmlns:adec="http://schemas.microsoft.com/office/drawing/2017/decorative" val="1"/>
+              </a:ext>
+            </a:extLst>
+          </p:cNvPr>
+          <p:cNvSpPr>
+            <a:spLocks noGrp="1" noRot="1" noChangeAspect="1" noMove="1" noResize="1" noEditPoints="1" noAdjustHandles="1" noChangeArrowheads="1" noChangeShapeType="1" noTextEdit="1"/>
+          </p:cNvSpPr>
+          <p:nvPr>
+            <p:extLst>
+              <p:ext uri="{386F3935-93C4-4BCD-93E2-E3B085C9AB24}">
+                <p16:designElem xmlns:p16="http://schemas.microsoft.com/office/powerpoint/2015/main" val="1"/>
+              </p:ext>
+            </p:extLst>
+          </p:nvPr>
+        </p:nvSpPr>
+        <p:spPr>
+          <a:xfrm>
+            <a:off x="6849687" y="3505479"/>
+            <a:ext cx="4845488" cy="2923587"/>
+          </a:xfrm>
+          <a:prstGeom prst="rect">
+            <a:avLst/>
+          </a:prstGeom>
+          <a:solidFill>
+            <a:schemeClr val="bg1"/>
+          </a:solidFill>
+          <a:ln>
+            <a:noFill/>
+          </a:ln>
+          <a:effectLst>
+            <a:outerShdw blurRad="139700" dist="127000" dir="5400000" algn="t" rotWithShape="0">
+              <a:prstClr val="black">
+                <a:alpha val="15000"/>
+              </a:prstClr>
+            </a:outerShdw>
+          </a:effectLst>
+        </p:spPr>
+        <p:style>
+          <a:lnRef idx="2">
+            <a:schemeClr val="accent1">
+              <a:shade val="50000"/>
+            </a:schemeClr>
+          </a:lnRef>
+          <a:fillRef idx="1">
+            <a:schemeClr val="accent1"/>
+          </a:fillRef>
+          <a:effectRef idx="0">
+            <a:schemeClr val="accent1"/>
+          </a:effectRef>
+          <a:fontRef idx="minor">
+            <a:schemeClr val="lt1"/>
+          </a:fontRef>
+        </p:style>
+        <p:txBody>
+          <a:bodyPr rtlCol="0" anchor="ctr"/>
+          <a:lstStyle/>
+          <a:p>
+            <a:pPr algn="ctr"/>
+            <a:endParaRPr lang="en-US"/>
           </a:p>
         </p:txBody>
       </p:sp>
@@ -4640,22 +5408,398 @@
           </p:cNvPicPr>
           <p:nvPr/>
         </p:nvPicPr>
-        <p:blipFill>
+        <p:blipFill rotWithShape="1">
           <a:blip r:embed="rId4"/>
-          <a:stretch>
-            <a:fillRect/>
-          </a:stretch>
+          <a:srcRect r="10126"/>
+          <a:stretch/>
         </p:blipFill>
         <p:spPr>
           <a:xfrm>
-            <a:off x="5171417" y="3594382"/>
-            <a:ext cx="5994785" cy="3086239"/>
+            <a:off x="7083423" y="3707894"/>
+            <a:ext cx="4395569" cy="2518756"/>
           </a:xfrm>
           <a:prstGeom prst="rect">
             <a:avLst/>
           </a:prstGeom>
         </p:spPr>
       </p:pic>
+      <p:sp>
+        <p:nvSpPr>
+          <p:cNvPr id="15" name="Text Placeholder 4">
+            <a:extLst>
+              <a:ext uri="{FF2B5EF4-FFF2-40B4-BE49-F238E27FC236}">
+                <a16:creationId xmlns:a16="http://schemas.microsoft.com/office/drawing/2014/main" id="{5DF856FD-1F6B-FB44-B66E-7CDFBDE9C566}"/>
+              </a:ext>
+            </a:extLst>
+          </p:cNvPr>
+          <p:cNvSpPr txBox="1">
+            <a:spLocks/>
+          </p:cNvSpPr>
+          <p:nvPr/>
+        </p:nvSpPr>
+        <p:spPr>
+          <a:xfrm>
+            <a:off x="2884799" y="2676762"/>
+            <a:ext cx="2299965" cy="3979585"/>
+          </a:xfrm>
+          <a:prstGeom prst="rect">
+            <a:avLst/>
+          </a:prstGeom>
+        </p:spPr>
+        <p:txBody>
+          <a:bodyPr vert="horz" lIns="91440" tIns="45720" rIns="91440" bIns="45720" rtlCol="0" anchor="t">
+            <a:noAutofit/>
+          </a:bodyPr>
+          <a:lstStyle>
+            <a:lvl1pPr marL="0" indent="0" algn="l" defTabSz="914400" rtl="0" eaLnBrk="1" latinLnBrk="0" hangingPunct="1">
+              <a:lnSpc>
+                <a:spcPct val="90000"/>
+              </a:lnSpc>
+              <a:spcBef>
+                <a:spcPts val="1000"/>
+              </a:spcBef>
+              <a:buFont typeface="Arial" panose="020B0604020202020204" pitchFamily="34" charset="0"/>
+              <a:buNone/>
+              <a:defRPr sz="1600" kern="1200">
+                <a:solidFill>
+                  <a:schemeClr val="tx1"/>
+                </a:solidFill>
+                <a:latin typeface="+mn-lt"/>
+                <a:ea typeface="+mn-ea"/>
+                <a:cs typeface="+mn-cs"/>
+              </a:defRPr>
+            </a:lvl1pPr>
+            <a:lvl2pPr marL="457200" indent="0" algn="l" defTabSz="914400" rtl="0" eaLnBrk="1" latinLnBrk="0" hangingPunct="1">
+              <a:lnSpc>
+                <a:spcPct val="90000"/>
+              </a:lnSpc>
+              <a:spcBef>
+                <a:spcPts val="500"/>
+              </a:spcBef>
+              <a:buFont typeface="Arial" panose="020B0604020202020204" pitchFamily="34" charset="0"/>
+              <a:buNone/>
+              <a:defRPr sz="1400" kern="1200">
+                <a:solidFill>
+                  <a:schemeClr val="tx1"/>
+                </a:solidFill>
+                <a:latin typeface="+mn-lt"/>
+                <a:ea typeface="+mn-ea"/>
+                <a:cs typeface="+mn-cs"/>
+              </a:defRPr>
+            </a:lvl2pPr>
+            <a:lvl3pPr marL="914400" indent="0" algn="l" defTabSz="914400" rtl="0" eaLnBrk="1" latinLnBrk="0" hangingPunct="1">
+              <a:lnSpc>
+                <a:spcPct val="90000"/>
+              </a:lnSpc>
+              <a:spcBef>
+                <a:spcPts val="500"/>
+              </a:spcBef>
+              <a:buFont typeface="Arial" panose="020B0604020202020204" pitchFamily="34" charset="0"/>
+              <a:buNone/>
+              <a:defRPr sz="1200" kern="1200">
+                <a:solidFill>
+                  <a:schemeClr val="tx1"/>
+                </a:solidFill>
+                <a:latin typeface="+mn-lt"/>
+                <a:ea typeface="+mn-ea"/>
+                <a:cs typeface="+mn-cs"/>
+              </a:defRPr>
+            </a:lvl3pPr>
+            <a:lvl4pPr marL="1371600" indent="0" algn="l" defTabSz="914400" rtl="0" eaLnBrk="1" latinLnBrk="0" hangingPunct="1">
+              <a:lnSpc>
+                <a:spcPct val="90000"/>
+              </a:lnSpc>
+              <a:spcBef>
+                <a:spcPts val="500"/>
+              </a:spcBef>
+              <a:buFont typeface="Arial" panose="020B0604020202020204" pitchFamily="34" charset="0"/>
+              <a:buNone/>
+              <a:defRPr sz="1000" kern="1200">
+                <a:solidFill>
+                  <a:schemeClr val="tx1"/>
+                </a:solidFill>
+                <a:latin typeface="+mn-lt"/>
+                <a:ea typeface="+mn-ea"/>
+                <a:cs typeface="+mn-cs"/>
+              </a:defRPr>
+            </a:lvl4pPr>
+            <a:lvl5pPr marL="1828800" indent="0" algn="l" defTabSz="914400" rtl="0" eaLnBrk="1" latinLnBrk="0" hangingPunct="1">
+              <a:lnSpc>
+                <a:spcPct val="90000"/>
+              </a:lnSpc>
+              <a:spcBef>
+                <a:spcPts val="500"/>
+              </a:spcBef>
+              <a:buFont typeface="Arial" panose="020B0604020202020204" pitchFamily="34" charset="0"/>
+              <a:buNone/>
+              <a:defRPr sz="1000" kern="1200">
+                <a:solidFill>
+                  <a:schemeClr val="tx1"/>
+                </a:solidFill>
+                <a:latin typeface="+mn-lt"/>
+                <a:ea typeface="+mn-ea"/>
+                <a:cs typeface="+mn-cs"/>
+              </a:defRPr>
+            </a:lvl5pPr>
+            <a:lvl6pPr marL="2286000" indent="0" algn="l" defTabSz="914400" rtl="0" eaLnBrk="1" latinLnBrk="0" hangingPunct="1">
+              <a:lnSpc>
+                <a:spcPct val="90000"/>
+              </a:lnSpc>
+              <a:spcBef>
+                <a:spcPts val="500"/>
+              </a:spcBef>
+              <a:buFont typeface="Arial" panose="020B0604020202020204" pitchFamily="34" charset="0"/>
+              <a:buNone/>
+              <a:defRPr sz="1000" kern="1200">
+                <a:solidFill>
+                  <a:schemeClr val="tx1"/>
+                </a:solidFill>
+                <a:latin typeface="+mn-lt"/>
+                <a:ea typeface="+mn-ea"/>
+                <a:cs typeface="+mn-cs"/>
+              </a:defRPr>
+            </a:lvl6pPr>
+            <a:lvl7pPr marL="2743200" indent="0" algn="l" defTabSz="914400" rtl="0" eaLnBrk="1" latinLnBrk="0" hangingPunct="1">
+              <a:lnSpc>
+                <a:spcPct val="90000"/>
+              </a:lnSpc>
+              <a:spcBef>
+                <a:spcPts val="500"/>
+              </a:spcBef>
+              <a:buFont typeface="Arial" panose="020B0604020202020204" pitchFamily="34" charset="0"/>
+              <a:buNone/>
+              <a:defRPr sz="1000" kern="1200">
+                <a:solidFill>
+                  <a:schemeClr val="tx1"/>
+                </a:solidFill>
+                <a:latin typeface="+mn-lt"/>
+                <a:ea typeface="+mn-ea"/>
+                <a:cs typeface="+mn-cs"/>
+              </a:defRPr>
+            </a:lvl7pPr>
+            <a:lvl8pPr marL="3200400" indent="0" algn="l" defTabSz="914400" rtl="0" eaLnBrk="1" latinLnBrk="0" hangingPunct="1">
+              <a:lnSpc>
+                <a:spcPct val="90000"/>
+              </a:lnSpc>
+              <a:spcBef>
+                <a:spcPts val="500"/>
+              </a:spcBef>
+              <a:buFont typeface="Arial" panose="020B0604020202020204" pitchFamily="34" charset="0"/>
+              <a:buNone/>
+              <a:defRPr sz="1000" kern="1200">
+                <a:solidFill>
+                  <a:schemeClr val="tx1"/>
+                </a:solidFill>
+                <a:latin typeface="+mn-lt"/>
+                <a:ea typeface="+mn-ea"/>
+                <a:cs typeface="+mn-cs"/>
+              </a:defRPr>
+            </a:lvl8pPr>
+            <a:lvl9pPr marL="3657600" indent="0" algn="l" defTabSz="914400" rtl="0" eaLnBrk="1" latinLnBrk="0" hangingPunct="1">
+              <a:lnSpc>
+                <a:spcPct val="90000"/>
+              </a:lnSpc>
+              <a:spcBef>
+                <a:spcPts val="500"/>
+              </a:spcBef>
+              <a:buFont typeface="Arial" panose="020B0604020202020204" pitchFamily="34" charset="0"/>
+              <a:buNone/>
+              <a:defRPr sz="1000" kern="1200">
+                <a:solidFill>
+                  <a:schemeClr val="tx1"/>
+                </a:solidFill>
+                <a:latin typeface="+mn-lt"/>
+                <a:ea typeface="+mn-ea"/>
+                <a:cs typeface="+mn-cs"/>
+              </a:defRPr>
+            </a:lvl9pPr>
+          </a:lstStyle>
+          <a:p>
+            <a:pPr marL="285750" indent="-228600">
+              <a:spcBef>
+                <a:spcPts val="0"/>
+              </a:spcBef>
+              <a:spcAft>
+                <a:spcPts val="600"/>
+              </a:spcAft>
+              <a:buFont typeface="Arial" panose="020B0604020202020204" pitchFamily="34" charset="0"/>
+              <a:buChar char="•"/>
+            </a:pPr>
+            <a:r>
+              <a:rPr lang="en-US" sz="1100" dirty="0"/>
+              <a:t>Heating</a:t>
+            </a:r>
+          </a:p>
+          <a:p>
+            <a:pPr marL="285750" indent="-228600">
+              <a:spcBef>
+                <a:spcPts val="0"/>
+              </a:spcBef>
+              <a:spcAft>
+                <a:spcPts val="600"/>
+              </a:spcAft>
+              <a:buFont typeface="Arial" panose="020B0604020202020204" pitchFamily="34" charset="0"/>
+              <a:buChar char="•"/>
+            </a:pPr>
+            <a:r>
+              <a:rPr lang="en-US" sz="1100" dirty="0"/>
+              <a:t>Electrical</a:t>
+            </a:r>
+          </a:p>
+          <a:p>
+            <a:pPr marL="285750" indent="-228600">
+              <a:spcBef>
+                <a:spcPts val="0"/>
+              </a:spcBef>
+              <a:spcAft>
+                <a:spcPts val="600"/>
+              </a:spcAft>
+              <a:buFont typeface="Arial" panose="020B0604020202020204" pitchFamily="34" charset="0"/>
+              <a:buChar char="•"/>
+            </a:pPr>
+            <a:r>
+              <a:rPr lang="en-US" sz="1100" dirty="0" err="1"/>
+              <a:t>LowQualFinSF</a:t>
+            </a:r>
+            <a:endParaRPr lang="en-US" sz="1100" dirty="0"/>
+          </a:p>
+          <a:p>
+            <a:pPr marL="285750" indent="-228600">
+              <a:spcBef>
+                <a:spcPts val="0"/>
+              </a:spcBef>
+              <a:spcAft>
+                <a:spcPts val="600"/>
+              </a:spcAft>
+              <a:buFont typeface="Arial" panose="020B0604020202020204" pitchFamily="34" charset="0"/>
+              <a:buChar char="•"/>
+            </a:pPr>
+            <a:r>
+              <a:rPr lang="en-US" sz="1100" dirty="0"/>
+              <a:t>Kitchen</a:t>
+            </a:r>
+          </a:p>
+          <a:p>
+            <a:pPr marL="285750" indent="-228600">
+              <a:spcBef>
+                <a:spcPts val="0"/>
+              </a:spcBef>
+              <a:spcAft>
+                <a:spcPts val="600"/>
+              </a:spcAft>
+              <a:buFont typeface="Arial" panose="020B0604020202020204" pitchFamily="34" charset="0"/>
+              <a:buChar char="•"/>
+            </a:pPr>
+            <a:r>
+              <a:rPr lang="en-US" sz="1100" dirty="0" err="1"/>
+              <a:t>GarageCars</a:t>
+            </a:r>
+            <a:endParaRPr lang="en-US" sz="1100" dirty="0"/>
+          </a:p>
+          <a:p>
+            <a:pPr marL="285750" indent="-228600">
+              <a:spcBef>
+                <a:spcPts val="0"/>
+              </a:spcBef>
+              <a:spcAft>
+                <a:spcPts val="600"/>
+              </a:spcAft>
+              <a:buFont typeface="Arial" panose="020B0604020202020204" pitchFamily="34" charset="0"/>
+              <a:buChar char="•"/>
+            </a:pPr>
+            <a:r>
+              <a:rPr lang="en-US" sz="1100" dirty="0" err="1"/>
+              <a:t>GarageCond</a:t>
+            </a:r>
+            <a:endParaRPr lang="en-US" sz="1100" dirty="0"/>
+          </a:p>
+          <a:p>
+            <a:pPr marL="285750" indent="-228600">
+              <a:spcBef>
+                <a:spcPts val="0"/>
+              </a:spcBef>
+              <a:spcAft>
+                <a:spcPts val="600"/>
+              </a:spcAft>
+              <a:buFont typeface="Arial" panose="020B0604020202020204" pitchFamily="34" charset="0"/>
+              <a:buChar char="•"/>
+            </a:pPr>
+            <a:r>
+              <a:rPr lang="en-US" sz="1100" dirty="0" err="1"/>
+              <a:t>PoolArea</a:t>
+            </a:r>
+            <a:endParaRPr lang="en-US" sz="1100" dirty="0"/>
+          </a:p>
+          <a:p>
+            <a:pPr marL="285750" indent="-228600">
+              <a:spcBef>
+                <a:spcPts val="0"/>
+              </a:spcBef>
+              <a:spcAft>
+                <a:spcPts val="600"/>
+              </a:spcAft>
+              <a:buFont typeface="Arial" panose="020B0604020202020204" pitchFamily="34" charset="0"/>
+              <a:buChar char="•"/>
+            </a:pPr>
+            <a:r>
+              <a:rPr lang="en-US" sz="1100" dirty="0" err="1"/>
+              <a:t>PoolQC</a:t>
+            </a:r>
+            <a:endParaRPr lang="en-US" sz="1100" dirty="0"/>
+          </a:p>
+          <a:p>
+            <a:pPr marL="285750" indent="-228600">
+              <a:spcBef>
+                <a:spcPts val="0"/>
+              </a:spcBef>
+              <a:spcAft>
+                <a:spcPts val="600"/>
+              </a:spcAft>
+              <a:buFont typeface="Arial" panose="020B0604020202020204" pitchFamily="34" charset="0"/>
+              <a:buChar char="•"/>
+            </a:pPr>
+            <a:r>
+              <a:rPr lang="en-US" sz="1100" dirty="0" err="1"/>
+              <a:t>MiscFeature</a:t>
+            </a:r>
+            <a:endParaRPr lang="en-US" sz="1100" dirty="0"/>
+          </a:p>
+          <a:p>
+            <a:pPr marL="285750" indent="-228600">
+              <a:spcBef>
+                <a:spcPts val="0"/>
+              </a:spcBef>
+              <a:spcAft>
+                <a:spcPts val="600"/>
+              </a:spcAft>
+              <a:buFont typeface="Arial" panose="020B0604020202020204" pitchFamily="34" charset="0"/>
+              <a:buChar char="•"/>
+            </a:pPr>
+            <a:r>
+              <a:rPr lang="en-US" sz="1100" dirty="0" err="1"/>
+              <a:t>MiscValue</a:t>
+            </a:r>
+            <a:endParaRPr lang="en-US" sz="1100" dirty="0"/>
+          </a:p>
+          <a:p>
+            <a:pPr marL="285750" indent="-228600">
+              <a:spcBef>
+                <a:spcPts val="0"/>
+              </a:spcBef>
+              <a:spcAft>
+                <a:spcPts val="600"/>
+              </a:spcAft>
+              <a:buFont typeface="Arial" panose="020B0604020202020204" pitchFamily="34" charset="0"/>
+              <a:buChar char="•"/>
+            </a:pPr>
+            <a:r>
+              <a:rPr lang="en-US" sz="1100" dirty="0" err="1"/>
+              <a:t>SaleType</a:t>
+            </a:r>
+            <a:endParaRPr lang="en-US" sz="1100" dirty="0"/>
+          </a:p>
+        </p:txBody>
+      </p:sp>
     </p:spTree>
     <p:extLst>
       <p:ext uri="{BB962C8B-B14F-4D97-AF65-F5344CB8AC3E}">
@@ -4672,6 +5816,14 @@
 <file path=ppt/slides/slide12.xml><?xml version="1.0" encoding="utf-8"?>
 <p:sld xmlns:a="http://schemas.openxmlformats.org/drawingml/2006/main" xmlns:r="http://schemas.openxmlformats.org/officeDocument/2006/relationships" xmlns:p="http://schemas.openxmlformats.org/presentationml/2006/main">
   <p:cSld>
+    <p:bg>
+      <p:bgPr>
+        <a:solidFill>
+          <a:schemeClr val="bg1"/>
+        </a:solidFill>
+        <a:effectLst/>
+      </p:bgPr>
+    </p:bg>
     <p:spTree>
       <p:nvGrpSpPr>
         <p:cNvPr id="1" name=""/>
@@ -4686,6 +5838,66 @@
           <a:chExt cx="0" cy="0"/>
         </a:xfrm>
       </p:grpSpPr>
+      <p:sp useBgFill="1">
+        <p:nvSpPr>
+          <p:cNvPr id="11" name="Rectangle 10">
+            <a:extLst>
+              <a:ext uri="{FF2B5EF4-FFF2-40B4-BE49-F238E27FC236}">
+                <a16:creationId xmlns:a16="http://schemas.microsoft.com/office/drawing/2014/main" id="{AAAE94E3-A7DB-4868-B1E3-E49703488BBC}"/>
+              </a:ext>
+              <a:ext uri="{C183D7F6-B498-43B3-948B-1728B52AA6E4}">
+                <adec:decorative xmlns:adec="http://schemas.microsoft.com/office/drawing/2017/decorative" val="1"/>
+              </a:ext>
+            </a:extLst>
+          </p:cNvPr>
+          <p:cNvSpPr>
+            <a:spLocks noGrp="1" noRot="1" noChangeAspect="1" noMove="1" noResize="1" noEditPoints="1" noAdjustHandles="1" noChangeArrowheads="1" noChangeShapeType="1" noTextEdit="1"/>
+          </p:cNvSpPr>
+          <p:nvPr>
+            <p:extLst>
+              <p:ext uri="{386F3935-93C4-4BCD-93E2-E3B085C9AB24}">
+                <p16:designElem xmlns:p16="http://schemas.microsoft.com/office/powerpoint/2015/main" val="1"/>
+              </p:ext>
+            </p:extLst>
+          </p:nvPr>
+        </p:nvSpPr>
+        <p:spPr>
+          <a:xfrm>
+            <a:off x="0" y="0"/>
+            <a:ext cx="12191999" cy="6857365"/>
+          </a:xfrm>
+          <a:prstGeom prst="rect">
+            <a:avLst/>
+          </a:prstGeom>
+          <a:ln>
+            <a:noFill/>
+          </a:ln>
+        </p:spPr>
+        <p:style>
+          <a:lnRef idx="2">
+            <a:schemeClr val="accent1">
+              <a:shade val="50000"/>
+            </a:schemeClr>
+          </a:lnRef>
+          <a:fillRef idx="1">
+            <a:schemeClr val="accent1"/>
+          </a:fillRef>
+          <a:effectRef idx="0">
+            <a:schemeClr val="accent1"/>
+          </a:effectRef>
+          <a:fontRef idx="minor">
+            <a:schemeClr val="lt1"/>
+          </a:fontRef>
+        </p:style>
+        <p:txBody>
+          <a:bodyPr rtlCol="0" anchor="ctr"/>
+          <a:lstStyle/>
+          <a:p>
+            <a:pPr algn="ctr"/>
+            <a:endParaRPr lang="en-US"/>
+          </a:p>
+        </p:txBody>
+      </p:sp>
       <p:sp>
         <p:nvSpPr>
           <p:cNvPr id="2" name="Title 1">
@@ -4702,15 +5914,432 @@
             <p:ph type="title"/>
           </p:nvPr>
         </p:nvSpPr>
-        <p:spPr/>
-        <p:txBody>
-          <a:bodyPr/>
-          <a:lstStyle/>
-          <a:p>
-            <a:r>
-              <a:rPr lang="en-US" dirty="0"/>
+        <p:spPr>
+          <a:xfrm>
+            <a:off x="589560" y="856180"/>
+            <a:ext cx="5279408" cy="1128068"/>
+          </a:xfrm>
+        </p:spPr>
+        <p:txBody>
+          <a:bodyPr vert="horz" lIns="91440" tIns="45720" rIns="91440" bIns="45720" rtlCol="0" anchor="ctr">
+            <a:normAutofit/>
+          </a:bodyPr>
+          <a:lstStyle/>
+          <a:p>
+            <a:r>
+              <a:rPr lang="en-US" sz="3700"/>
               <a:t>Revised Feature Categories</a:t>
             </a:r>
+          </a:p>
+        </p:txBody>
+      </p:sp>
+      <p:grpSp>
+        <p:nvGrpSpPr>
+          <p:cNvPr id="13" name="Group 12">
+            <a:extLst>
+              <a:ext uri="{FF2B5EF4-FFF2-40B4-BE49-F238E27FC236}">
+                <a16:creationId xmlns:a16="http://schemas.microsoft.com/office/drawing/2014/main" id="{1DE889C7-FAD6-4397-98E2-05D503484459}"/>
+              </a:ext>
+              <a:ext uri="{C183D7F6-B498-43B3-948B-1728B52AA6E4}">
+                <adec:decorative xmlns:adec="http://schemas.microsoft.com/office/drawing/2017/decorative" val="1"/>
+              </a:ext>
+            </a:extLst>
+          </p:cNvPr>
+          <p:cNvGrpSpPr>
+            <a:grpSpLocks noGrp="1" noUngrp="1" noRot="1" noChangeAspect="1" noMove="1" noResize="1"/>
+          </p:cNvGrpSpPr>
+          <p:nvPr>
+            <p:extLst>
+              <p:ext uri="{386F3935-93C4-4BCD-93E2-E3B085C9AB24}">
+                <p16:designElem xmlns:p16="http://schemas.microsoft.com/office/powerpoint/2015/main" val="1"/>
+              </p:ext>
+            </p:extLst>
+          </p:nvPr>
+        </p:nvGrpSpPr>
+        <p:grpSpPr>
+          <a:xfrm>
+            <a:off x="0" y="1083484"/>
+            <a:ext cx="355196" cy="673460"/>
+            <a:chOff x="0" y="823811"/>
+            <a:chExt cx="355196" cy="673460"/>
+          </a:xfrm>
+        </p:grpSpPr>
+        <p:sp>
+          <p:nvSpPr>
+            <p:cNvPr id="14" name="Rectangle 13">
+              <a:extLst>
+                <a:ext uri="{FF2B5EF4-FFF2-40B4-BE49-F238E27FC236}">
+                  <a16:creationId xmlns:a16="http://schemas.microsoft.com/office/drawing/2014/main" id="{F399A70F-F8CD-4992-9EF5-6CF15472E73F}"/>
+                </a:ext>
+                <a:ext uri="{C183D7F6-B498-43B3-948B-1728B52AA6E4}">
+                  <adec:decorative xmlns:adec="http://schemas.microsoft.com/office/drawing/2017/decorative" val="1"/>
+                </a:ext>
+              </a:extLst>
+            </p:cNvPr>
+            <p:cNvSpPr/>
+            <p:nvPr>
+              <p:extLst>
+                <p:ext uri="{386F3935-93C4-4BCD-93E2-E3B085C9AB24}">
+                  <p16:designElem xmlns:p16="http://schemas.microsoft.com/office/powerpoint/2015/main" val="1"/>
+                </p:ext>
+              </p:extLst>
+            </p:nvPr>
+          </p:nvSpPr>
+          <p:spPr>
+            <a:xfrm>
+              <a:off x="0" y="823811"/>
+              <a:ext cx="87363" cy="673460"/>
+            </a:xfrm>
+            <a:prstGeom prst="rect">
+              <a:avLst/>
+            </a:prstGeom>
+            <a:solidFill>
+              <a:schemeClr val="accent4"/>
+            </a:solidFill>
+            <a:ln>
+              <a:noFill/>
+            </a:ln>
+          </p:spPr>
+          <p:style>
+            <a:lnRef idx="2">
+              <a:schemeClr val="accent1">
+                <a:shade val="50000"/>
+              </a:schemeClr>
+            </a:lnRef>
+            <a:fillRef idx="1">
+              <a:schemeClr val="accent1"/>
+            </a:fillRef>
+            <a:effectRef idx="0">
+              <a:schemeClr val="accent1"/>
+            </a:effectRef>
+            <a:fontRef idx="minor">
+              <a:schemeClr val="lt1"/>
+            </a:fontRef>
+          </p:style>
+          <p:txBody>
+            <a:bodyPr rtlCol="0" anchor="ctr"/>
+            <a:lstStyle/>
+            <a:p>
+              <a:pPr algn="ctr"/>
+              <a:endParaRPr lang="en-US"/>
+            </a:p>
+          </p:txBody>
+        </p:sp>
+        <p:sp>
+          <p:nvSpPr>
+            <p:cNvPr id="15" name="Rectangle 14">
+              <a:extLst>
+                <a:ext uri="{FF2B5EF4-FFF2-40B4-BE49-F238E27FC236}">
+                  <a16:creationId xmlns:a16="http://schemas.microsoft.com/office/drawing/2014/main" id="{48F4FEDC-6D80-458C-A665-075D9B9500FD}"/>
+                </a:ext>
+                <a:ext uri="{C183D7F6-B498-43B3-948B-1728B52AA6E4}">
+                  <adec:decorative xmlns:adec="http://schemas.microsoft.com/office/drawing/2017/decorative" val="1"/>
+                </a:ext>
+              </a:extLst>
+            </p:cNvPr>
+            <p:cNvSpPr/>
+            <p:nvPr>
+              <p:extLst>
+                <p:ext uri="{386F3935-93C4-4BCD-93E2-E3B085C9AB24}">
+                  <p16:designElem xmlns:p16="http://schemas.microsoft.com/office/powerpoint/2015/main" val="1"/>
+                </p:ext>
+              </p:extLst>
+            </p:nvPr>
+          </p:nvSpPr>
+          <p:spPr>
+            <a:xfrm>
+              <a:off x="159341" y="823811"/>
+              <a:ext cx="195855" cy="673460"/>
+            </a:xfrm>
+            <a:prstGeom prst="rect">
+              <a:avLst/>
+            </a:prstGeom>
+            <a:solidFill>
+              <a:schemeClr val="accent4"/>
+            </a:solidFill>
+            <a:ln>
+              <a:noFill/>
+            </a:ln>
+          </p:spPr>
+          <p:style>
+            <a:lnRef idx="2">
+              <a:schemeClr val="accent1">
+                <a:shade val="50000"/>
+              </a:schemeClr>
+            </a:lnRef>
+            <a:fillRef idx="1">
+              <a:schemeClr val="accent1"/>
+            </a:fillRef>
+            <a:effectRef idx="0">
+              <a:schemeClr val="accent1"/>
+            </a:effectRef>
+            <a:fontRef idx="minor">
+              <a:schemeClr val="lt1"/>
+            </a:fontRef>
+          </p:style>
+          <p:txBody>
+            <a:bodyPr rtlCol="0" anchor="ctr"/>
+            <a:lstStyle/>
+            <a:p>
+              <a:pPr algn="ctr"/>
+              <a:endParaRPr lang="en-US"/>
+            </a:p>
+          </p:txBody>
+        </p:sp>
+      </p:grpSp>
+      <p:sp>
+        <p:nvSpPr>
+          <p:cNvPr id="17" name="Rectangle 16">
+            <a:extLst>
+              <a:ext uri="{FF2B5EF4-FFF2-40B4-BE49-F238E27FC236}">
+                <a16:creationId xmlns:a16="http://schemas.microsoft.com/office/drawing/2014/main" id="{3873B707-463F-40B0-8227-E8CC6C67EB25}"/>
+              </a:ext>
+              <a:ext uri="{C183D7F6-B498-43B3-948B-1728B52AA6E4}">
+                <adec:decorative xmlns:adec="http://schemas.microsoft.com/office/drawing/2017/decorative" val="1"/>
+              </a:ext>
+            </a:extLst>
+          </p:cNvPr>
+          <p:cNvSpPr>
+            <a:spLocks noGrp="1" noRot="1" noChangeAspect="1" noMove="1" noResize="1" noEditPoints="1" noAdjustHandles="1" noChangeArrowheads="1" noChangeShapeType="1" noTextEdit="1"/>
+          </p:cNvSpPr>
+          <p:nvPr>
+            <p:extLst>
+              <p:ext uri="{386F3935-93C4-4BCD-93E2-E3B085C9AB24}">
+                <p16:designElem xmlns:p16="http://schemas.microsoft.com/office/powerpoint/2015/main" val="1"/>
+              </p:ext>
+            </p:extLst>
+          </p:nvPr>
+        </p:nvSpPr>
+        <p:spPr>
+          <a:xfrm flipH="1">
+            <a:off x="665085" y="2123821"/>
+            <a:ext cx="4975066" cy="27432"/>
+          </a:xfrm>
+          <a:prstGeom prst="rect">
+            <a:avLst/>
+          </a:prstGeom>
+          <a:solidFill>
+            <a:schemeClr val="accent4"/>
+          </a:solidFill>
+          <a:ln>
+            <a:noFill/>
+          </a:ln>
+        </p:spPr>
+        <p:style>
+          <a:lnRef idx="2">
+            <a:schemeClr val="accent1">
+              <a:shade val="50000"/>
+            </a:schemeClr>
+          </a:lnRef>
+          <a:fillRef idx="1">
+            <a:schemeClr val="accent1"/>
+          </a:fillRef>
+          <a:effectRef idx="0">
+            <a:schemeClr val="accent1"/>
+          </a:effectRef>
+          <a:fontRef idx="minor">
+            <a:schemeClr val="lt1"/>
+          </a:fontRef>
+        </p:style>
+        <p:txBody>
+          <a:bodyPr rtlCol="0" anchor="ctr"/>
+          <a:lstStyle/>
+          <a:p>
+            <a:pPr algn="ctr"/>
+            <a:endParaRPr lang="en-US"/>
+          </a:p>
+        </p:txBody>
+      </p:sp>
+      <p:sp>
+        <p:nvSpPr>
+          <p:cNvPr id="4" name="Text Placeholder 3">
+            <a:extLst>
+              <a:ext uri="{FF2B5EF4-FFF2-40B4-BE49-F238E27FC236}">
+                <a16:creationId xmlns:a16="http://schemas.microsoft.com/office/drawing/2014/main" id="{7D8978F2-1864-F14B-926E-5B8F6F10C016}"/>
+              </a:ext>
+            </a:extLst>
+          </p:cNvPr>
+          <p:cNvSpPr>
+            <a:spLocks noGrp="1"/>
+          </p:cNvSpPr>
+          <p:nvPr>
+            <p:ph type="body" sz="half" idx="2"/>
+          </p:nvPr>
+        </p:nvSpPr>
+        <p:spPr>
+          <a:xfrm>
+            <a:off x="590719" y="2330505"/>
+            <a:ext cx="5278066" cy="3979585"/>
+          </a:xfrm>
+        </p:spPr>
+        <p:txBody>
+          <a:bodyPr vert="horz" lIns="91440" tIns="45720" rIns="91440" bIns="45720" rtlCol="0" anchor="ctr">
+            <a:normAutofit/>
+          </a:bodyPr>
+          <a:lstStyle/>
+          <a:p>
+            <a:pPr marL="342900" indent="-342900">
+              <a:buFont typeface="Arial" panose="020B0604020202020204" pitchFamily="34" charset="0"/>
+              <a:buChar char="•"/>
+            </a:pPr>
+            <a:r>
+              <a:rPr lang="en-US" sz="2000" dirty="0" err="1"/>
+              <a:t>LotShape</a:t>
+            </a:r>
+            <a:r>
+              <a:rPr lang="en-US" sz="2000" dirty="0"/>
+              <a:t> = split into Regular Irregular</a:t>
+            </a:r>
+          </a:p>
+          <a:p>
+            <a:endParaRPr lang="en-US" sz="2000" dirty="0"/>
+          </a:p>
+          <a:p>
+            <a:pPr indent="-228600">
+              <a:buFont typeface="Arial" panose="020B0604020202020204" pitchFamily="34" charset="0"/>
+              <a:buChar char="•"/>
+            </a:pPr>
+            <a:r>
+              <a:rPr lang="en-US" sz="2000" dirty="0" err="1"/>
+              <a:t>RoofStyle</a:t>
+            </a:r>
+            <a:r>
+              <a:rPr lang="en-US" sz="2000" dirty="0"/>
+              <a:t> = Keep Flat/Gable, everything else "other"</a:t>
+            </a:r>
+          </a:p>
+        </p:txBody>
+      </p:sp>
+      <p:sp>
+        <p:nvSpPr>
+          <p:cNvPr id="19" name="Rectangle 18">
+            <a:extLst>
+              <a:ext uri="{FF2B5EF4-FFF2-40B4-BE49-F238E27FC236}">
+                <a16:creationId xmlns:a16="http://schemas.microsoft.com/office/drawing/2014/main" id="{C13237C8-E62C-4F0D-A318-BD6FB6C2D138}"/>
+              </a:ext>
+              <a:ext uri="{C183D7F6-B498-43B3-948B-1728B52AA6E4}">
+                <adec:decorative xmlns:adec="http://schemas.microsoft.com/office/drawing/2017/decorative" val="1"/>
+              </a:ext>
+            </a:extLst>
+          </p:cNvPr>
+          <p:cNvSpPr>
+            <a:spLocks noGrp="1" noRot="1" noChangeAspect="1" noMove="1" noResize="1" noEditPoints="1" noAdjustHandles="1" noChangeArrowheads="1" noChangeShapeType="1" noTextEdit="1"/>
+          </p:cNvSpPr>
+          <p:nvPr>
+            <p:extLst>
+              <p:ext uri="{386F3935-93C4-4BCD-93E2-E3B085C9AB24}">
+                <p16:designElem xmlns:p16="http://schemas.microsoft.com/office/powerpoint/2015/main" val="1"/>
+              </p:ext>
+            </p:extLst>
+          </p:nvPr>
+        </p:nvSpPr>
+        <p:spPr>
+          <a:xfrm flipH="1">
+            <a:off x="10697670" y="0"/>
+            <a:ext cx="1494330" cy="6858000"/>
+          </a:xfrm>
+          <a:prstGeom prst="rect">
+            <a:avLst/>
+          </a:prstGeom>
+          <a:solidFill>
+            <a:schemeClr val="accent4"/>
+          </a:solidFill>
+          <a:ln>
+            <a:noFill/>
+          </a:ln>
+        </p:spPr>
+        <p:style>
+          <a:lnRef idx="2">
+            <a:schemeClr val="accent1">
+              <a:shade val="50000"/>
+            </a:schemeClr>
+          </a:lnRef>
+          <a:fillRef idx="1">
+            <a:schemeClr val="accent1"/>
+          </a:fillRef>
+          <a:effectRef idx="0">
+            <a:schemeClr val="accent1"/>
+          </a:effectRef>
+          <a:fontRef idx="minor">
+            <a:schemeClr val="lt1"/>
+          </a:fontRef>
+        </p:style>
+        <p:txBody>
+          <a:bodyPr rtlCol="0" anchor="ctr"/>
+          <a:lstStyle/>
+          <a:p>
+            <a:pPr algn="ctr"/>
+            <a:endParaRPr lang="en-US"/>
+          </a:p>
+        </p:txBody>
+      </p:sp>
+      <p:sp>
+        <p:nvSpPr>
+          <p:cNvPr id="21" name="Rectangle 20">
+            <a:extLst>
+              <a:ext uri="{FF2B5EF4-FFF2-40B4-BE49-F238E27FC236}">
+                <a16:creationId xmlns:a16="http://schemas.microsoft.com/office/drawing/2014/main" id="{19C9EAEA-39D0-4B0E-A0EB-51E7B26740B1}"/>
+              </a:ext>
+              <a:ext uri="{C183D7F6-B498-43B3-948B-1728B52AA6E4}">
+                <adec:decorative xmlns:adec="http://schemas.microsoft.com/office/drawing/2017/decorative" val="1"/>
+              </a:ext>
+            </a:extLst>
+          </p:cNvPr>
+          <p:cNvSpPr>
+            <a:spLocks noGrp="1" noRot="1" noChangeAspect="1" noMove="1" noResize="1" noEditPoints="1" noAdjustHandles="1" noChangeArrowheads="1" noChangeShapeType="1" noTextEdit="1"/>
+          </p:cNvSpPr>
+          <p:nvPr>
+            <p:extLst>
+              <p:ext uri="{386F3935-93C4-4BCD-93E2-E3B085C9AB24}">
+                <p16:designElem xmlns:p16="http://schemas.microsoft.com/office/powerpoint/2015/main" val="1"/>
+              </p:ext>
+            </p:extLst>
+          </p:nvPr>
+        </p:nvSpPr>
+        <p:spPr>
+          <a:xfrm>
+            <a:off x="6849687" y="357447"/>
+            <a:ext cx="4845488" cy="2923587"/>
+          </a:xfrm>
+          <a:prstGeom prst="rect">
+            <a:avLst/>
+          </a:prstGeom>
+          <a:solidFill>
+            <a:schemeClr val="bg1"/>
+          </a:solidFill>
+          <a:ln>
+            <a:noFill/>
+          </a:ln>
+          <a:effectLst>
+            <a:outerShdw blurRad="139700" dist="127000" dir="5400000" algn="t" rotWithShape="0">
+              <a:prstClr val="black">
+                <a:alpha val="15000"/>
+              </a:prstClr>
+            </a:outerShdw>
+          </a:effectLst>
+        </p:spPr>
+        <p:style>
+          <a:lnRef idx="2">
+            <a:schemeClr val="accent1">
+              <a:shade val="50000"/>
+            </a:schemeClr>
+          </a:lnRef>
+          <a:fillRef idx="1">
+            <a:schemeClr val="accent1"/>
+          </a:fillRef>
+          <a:effectRef idx="0">
+            <a:schemeClr val="accent1"/>
+          </a:effectRef>
+          <a:fontRef idx="minor">
+            <a:schemeClr val="lt1"/>
+          </a:fontRef>
+        </p:style>
+        <p:txBody>
+          <a:bodyPr rtlCol="0" anchor="ctr"/>
+          <a:lstStyle/>
+          <a:p>
+            <a:pPr algn="ctr"/>
+            <a:endParaRPr lang="en-US"/>
           </a:p>
         </p:txBody>
       </p:sp>
@@ -4738,53 +6367,114 @@
         </p:blipFill>
         <p:spPr>
           <a:xfrm>
-            <a:off x="5183188" y="1857152"/>
-            <a:ext cx="6172200" cy="3134170"/>
-          </a:xfrm>
+            <a:off x="7083423" y="725422"/>
+            <a:ext cx="4397433" cy="2231696"/>
+          </a:xfrm>
+          <a:prstGeom prst="rect">
+            <a:avLst/>
+          </a:prstGeom>
         </p:spPr>
       </p:pic>
       <p:sp>
         <p:nvSpPr>
-          <p:cNvPr id="4" name="Text Placeholder 3">
-            <a:extLst>
-              <a:ext uri="{FF2B5EF4-FFF2-40B4-BE49-F238E27FC236}">
-                <a16:creationId xmlns:a16="http://schemas.microsoft.com/office/drawing/2014/main" id="{7D8978F2-1864-F14B-926E-5B8F6F10C016}"/>
-              </a:ext>
-            </a:extLst>
-          </p:cNvPr>
-          <p:cNvSpPr>
-            <a:spLocks noGrp="1"/>
-          </p:cNvSpPr>
-          <p:nvPr>
-            <p:ph type="body" sz="half" idx="2"/>
-          </p:nvPr>
-        </p:nvSpPr>
-        <p:spPr/>
-        <p:txBody>
-          <a:bodyPr/>
-          <a:lstStyle/>
-          <a:p>
-            <a:r>
-              <a:rPr lang="en-US" dirty="0" err="1"/>
-              <a:t>LotShape</a:t>
-            </a:r>
-            <a:r>
-              <a:rPr lang="en-US" dirty="0"/>
-              <a:t> = split into Regular Irregular</a:t>
-            </a:r>
-          </a:p>
-          <a:p>
-            <a:r>
-              <a:rPr lang="en-US" dirty="0" err="1"/>
-              <a:t>RoofStyle</a:t>
-            </a:r>
-            <a:r>
-              <a:rPr lang="en-US" dirty="0"/>
-              <a:t> = Keep Flat/Gable, everything else "other"</a:t>
-            </a:r>
-          </a:p>
-        </p:txBody>
-      </p:sp>
+          <p:cNvPr id="23" name="Rectangle 22">
+            <a:extLst>
+              <a:ext uri="{FF2B5EF4-FFF2-40B4-BE49-F238E27FC236}">
+                <a16:creationId xmlns:a16="http://schemas.microsoft.com/office/drawing/2014/main" id="{8CB5D2D7-DF65-4E86-BFBA-FFB9B5ACEB64}"/>
+              </a:ext>
+              <a:ext uri="{C183D7F6-B498-43B3-948B-1728B52AA6E4}">
+                <adec:decorative xmlns:adec="http://schemas.microsoft.com/office/drawing/2017/decorative" val="1"/>
+              </a:ext>
+            </a:extLst>
+          </p:cNvPr>
+          <p:cNvSpPr>
+            <a:spLocks noGrp="1" noRot="1" noChangeAspect="1" noMove="1" noResize="1" noEditPoints="1" noAdjustHandles="1" noChangeArrowheads="1" noChangeShapeType="1" noTextEdit="1"/>
+          </p:cNvSpPr>
+          <p:nvPr>
+            <p:extLst>
+              <p:ext uri="{386F3935-93C4-4BCD-93E2-E3B085C9AB24}">
+                <p16:designElem xmlns:p16="http://schemas.microsoft.com/office/powerpoint/2015/main" val="1"/>
+              </p:ext>
+            </p:extLst>
+          </p:nvPr>
+        </p:nvSpPr>
+        <p:spPr>
+          <a:xfrm>
+            <a:off x="6849687" y="3505479"/>
+            <a:ext cx="4845488" cy="2923587"/>
+          </a:xfrm>
+          <a:prstGeom prst="rect">
+            <a:avLst/>
+          </a:prstGeom>
+          <a:solidFill>
+            <a:schemeClr val="bg1"/>
+          </a:solidFill>
+          <a:ln>
+            <a:noFill/>
+          </a:ln>
+          <a:effectLst>
+            <a:outerShdw blurRad="139700" dist="127000" dir="5400000" algn="t" rotWithShape="0">
+              <a:prstClr val="black">
+                <a:alpha val="15000"/>
+              </a:prstClr>
+            </a:outerShdw>
+          </a:effectLst>
+        </p:spPr>
+        <p:style>
+          <a:lnRef idx="2">
+            <a:schemeClr val="accent1">
+              <a:shade val="50000"/>
+            </a:schemeClr>
+          </a:lnRef>
+          <a:fillRef idx="1">
+            <a:schemeClr val="accent1"/>
+          </a:fillRef>
+          <a:effectRef idx="0">
+            <a:schemeClr val="accent1"/>
+          </a:effectRef>
+          <a:fontRef idx="minor">
+            <a:schemeClr val="lt1"/>
+          </a:fontRef>
+        </p:style>
+        <p:txBody>
+          <a:bodyPr rtlCol="0" anchor="ctr"/>
+          <a:lstStyle/>
+          <a:p>
+            <a:pPr algn="ctr"/>
+            <a:endParaRPr lang="en-US"/>
+          </a:p>
+        </p:txBody>
+      </p:sp>
+      <p:pic>
+        <p:nvPicPr>
+          <p:cNvPr id="5" name="Picture 4" descr="Chart, bar chart&#10;&#10;Description automatically generated">
+            <a:extLst>
+              <a:ext uri="{FF2B5EF4-FFF2-40B4-BE49-F238E27FC236}">
+                <a16:creationId xmlns:a16="http://schemas.microsoft.com/office/drawing/2014/main" id="{4558A06E-EFCB-614A-B1F2-6035008AA9EA}"/>
+              </a:ext>
+            </a:extLst>
+          </p:cNvPr>
+          <p:cNvPicPr>
+            <a:picLocks noChangeAspect="1"/>
+          </p:cNvPicPr>
+          <p:nvPr/>
+        </p:nvPicPr>
+        <p:blipFill>
+          <a:blip r:embed="rId3"/>
+          <a:stretch>
+            <a:fillRect/>
+          </a:stretch>
+        </p:blipFill>
+        <p:spPr>
+          <a:xfrm>
+            <a:off x="7083423" y="3824424"/>
+            <a:ext cx="4395569" cy="2285695"/>
+          </a:xfrm>
+          <a:prstGeom prst="rect">
+            <a:avLst/>
+          </a:prstGeom>
+        </p:spPr>
+      </p:pic>
     </p:spTree>
     <p:extLst>
       <p:ext uri="{BB962C8B-B14F-4D97-AF65-F5344CB8AC3E}">
@@ -4801,6 +6491,14 @@
 <file path=ppt/slides/slide13.xml><?xml version="1.0" encoding="utf-8"?>
 <p:sld xmlns:a="http://schemas.openxmlformats.org/drawingml/2006/main" xmlns:r="http://schemas.openxmlformats.org/officeDocument/2006/relationships" xmlns:p="http://schemas.openxmlformats.org/presentationml/2006/main">
   <p:cSld>
+    <p:bg>
+      <p:bgPr>
+        <a:solidFill>
+          <a:schemeClr val="bg1"/>
+        </a:solidFill>
+        <a:effectLst/>
+      </p:bgPr>
+    </p:bg>
     <p:spTree>
       <p:nvGrpSpPr>
         <p:cNvPr id="1" name=""/>
@@ -4815,6 +6513,195 @@
           <a:chExt cx="0" cy="0"/>
         </a:xfrm>
       </p:grpSpPr>
+      <p:sp useBgFill="1">
+        <p:nvSpPr>
+          <p:cNvPr id="8" name="Rectangle 7">
+            <a:extLst>
+              <a:ext uri="{FF2B5EF4-FFF2-40B4-BE49-F238E27FC236}">
+                <a16:creationId xmlns:a16="http://schemas.microsoft.com/office/drawing/2014/main" id="{081EA652-8C6A-4E69-BEB9-170809474553}"/>
+              </a:ext>
+              <a:ext uri="{C183D7F6-B498-43B3-948B-1728B52AA6E4}">
+                <adec:decorative xmlns:adec="http://schemas.microsoft.com/office/drawing/2017/decorative" val="1"/>
+              </a:ext>
+            </a:extLst>
+          </p:cNvPr>
+          <p:cNvSpPr>
+            <a:spLocks noGrp="1" noRot="1" noChangeAspect="1" noMove="1" noResize="1" noEditPoints="1" noAdjustHandles="1" noChangeArrowheads="1" noChangeShapeType="1" noTextEdit="1"/>
+          </p:cNvSpPr>
+          <p:nvPr>
+            <p:extLst>
+              <p:ext uri="{386F3935-93C4-4BCD-93E2-E3B085C9AB24}">
+                <p16:designElem xmlns:p16="http://schemas.microsoft.com/office/powerpoint/2015/main" val="1"/>
+              </p:ext>
+            </p:extLst>
+          </p:nvPr>
+        </p:nvSpPr>
+        <p:spPr>
+          <a:xfrm>
+            <a:off x="0" y="0"/>
+            <a:ext cx="12192000" cy="6858000"/>
+          </a:xfrm>
+          <a:prstGeom prst="rect">
+            <a:avLst/>
+          </a:prstGeom>
+          <a:ln>
+            <a:noFill/>
+          </a:ln>
+        </p:spPr>
+        <p:style>
+          <a:lnRef idx="2">
+            <a:schemeClr val="accent1">
+              <a:shade val="50000"/>
+            </a:schemeClr>
+          </a:lnRef>
+          <a:fillRef idx="1">
+            <a:schemeClr val="accent1"/>
+          </a:fillRef>
+          <a:effectRef idx="0">
+            <a:schemeClr val="accent1"/>
+          </a:effectRef>
+          <a:fontRef idx="minor">
+            <a:schemeClr val="lt1"/>
+          </a:fontRef>
+        </p:style>
+        <p:txBody>
+          <a:bodyPr rtlCol="0" anchor="ctr"/>
+          <a:lstStyle/>
+          <a:p>
+            <a:pPr algn="ctr"/>
+            <a:endParaRPr lang="en-US"/>
+          </a:p>
+        </p:txBody>
+      </p:sp>
+      <p:sp>
+        <p:nvSpPr>
+          <p:cNvPr id="10" name="Right Triangle 9">
+            <a:extLst>
+              <a:ext uri="{FF2B5EF4-FFF2-40B4-BE49-F238E27FC236}">
+                <a16:creationId xmlns:a16="http://schemas.microsoft.com/office/drawing/2014/main" id="{5298780A-33B9-4EA2-8F67-DE68AD62841B}"/>
+              </a:ext>
+              <a:ext uri="{C183D7F6-B498-43B3-948B-1728B52AA6E4}">
+                <adec:decorative xmlns:adec="http://schemas.microsoft.com/office/drawing/2017/decorative" val="1"/>
+              </a:ext>
+            </a:extLst>
+          </p:cNvPr>
+          <p:cNvSpPr>
+            <a:spLocks noGrp="1" noRot="1" noChangeAspect="1" noMove="1" noResize="1" noEditPoints="1" noAdjustHandles="1" noChangeArrowheads="1" noChangeShapeType="1" noTextEdit="1"/>
+          </p:cNvSpPr>
+          <p:nvPr>
+            <p:extLst>
+              <p:ext uri="{386F3935-93C4-4BCD-93E2-E3B085C9AB24}">
+                <p16:designElem xmlns:p16="http://schemas.microsoft.com/office/powerpoint/2015/main" val="1"/>
+              </p:ext>
+            </p:extLst>
+          </p:nvPr>
+        </p:nvSpPr>
+        <p:spPr>
+          <a:xfrm flipH="1">
+            <a:off x="8576720" y="3335867"/>
+            <a:ext cx="3291840" cy="3200400"/>
+          </a:xfrm>
+          <a:prstGeom prst="rtTriangle">
+            <a:avLst/>
+          </a:prstGeom>
+          <a:solidFill>
+            <a:schemeClr val="accent4"/>
+          </a:solidFill>
+          <a:ln>
+            <a:noFill/>
+          </a:ln>
+        </p:spPr>
+        <p:style>
+          <a:lnRef idx="2">
+            <a:schemeClr val="accent1">
+              <a:shade val="50000"/>
+            </a:schemeClr>
+          </a:lnRef>
+          <a:fillRef idx="1">
+            <a:schemeClr val="accent1"/>
+          </a:fillRef>
+          <a:effectRef idx="0">
+            <a:schemeClr val="accent1"/>
+          </a:effectRef>
+          <a:fontRef idx="minor">
+            <a:schemeClr val="lt1"/>
+          </a:fontRef>
+        </p:style>
+        <p:txBody>
+          <a:bodyPr rtlCol="0" anchor="ctr"/>
+          <a:lstStyle/>
+          <a:p>
+            <a:pPr algn="ctr"/>
+            <a:endParaRPr lang="en-US" dirty="0"/>
+          </a:p>
+        </p:txBody>
+      </p:sp>
+      <p:sp>
+        <p:nvSpPr>
+          <p:cNvPr id="12" name="Rectangle 11">
+            <a:extLst>
+              <a:ext uri="{FF2B5EF4-FFF2-40B4-BE49-F238E27FC236}">
+                <a16:creationId xmlns:a16="http://schemas.microsoft.com/office/drawing/2014/main" id="{7F488E8B-4E1E-4402-8935-D4E6C02615C7}"/>
+              </a:ext>
+              <a:ext uri="{C183D7F6-B498-43B3-948B-1728B52AA6E4}">
+                <adec:decorative xmlns:adec="http://schemas.microsoft.com/office/drawing/2017/decorative" val="1"/>
+              </a:ext>
+            </a:extLst>
+          </p:cNvPr>
+          <p:cNvSpPr>
+            <a:spLocks noGrp="1" noRot="1" noChangeAspect="1" noMove="1" noResize="1" noEditPoints="1" noAdjustHandles="1" noChangeArrowheads="1" noChangeShapeType="1" noTextEdit="1"/>
+          </p:cNvSpPr>
+          <p:nvPr>
+            <p:extLst>
+              <p:ext uri="{386F3935-93C4-4BCD-93E2-E3B085C9AB24}">
+                <p16:designElem xmlns:p16="http://schemas.microsoft.com/office/powerpoint/2015/main" val="1"/>
+              </p:ext>
+            </p:extLst>
+          </p:nvPr>
+        </p:nvSpPr>
+        <p:spPr>
+          <a:xfrm>
+            <a:off x="641774" y="623275"/>
+            <a:ext cx="10905053" cy="5607882"/>
+          </a:xfrm>
+          <a:prstGeom prst="rect">
+            <a:avLst/>
+          </a:prstGeom>
+          <a:noFill/>
+          <a:ln w="19050">
+            <a:solidFill>
+              <a:schemeClr val="tx1">
+                <a:lumMod val="75000"/>
+                <a:lumOff val="25000"/>
+              </a:schemeClr>
+            </a:solidFill>
+          </a:ln>
+        </p:spPr>
+        <p:style>
+          <a:lnRef idx="2">
+            <a:schemeClr val="accent1">
+              <a:shade val="50000"/>
+            </a:schemeClr>
+          </a:lnRef>
+          <a:fillRef idx="1">
+            <a:schemeClr val="accent1"/>
+          </a:fillRef>
+          <a:effectRef idx="0">
+            <a:schemeClr val="accent1"/>
+          </a:effectRef>
+          <a:fontRef idx="minor">
+            <a:schemeClr val="lt1"/>
+          </a:fontRef>
+        </p:style>
+        <p:txBody>
+          <a:bodyPr rtlCol="0" anchor="ctr"/>
+          <a:lstStyle/>
+          <a:p>
+            <a:pPr algn="ctr"/>
+            <a:endParaRPr lang="en-US"/>
+          </a:p>
+        </p:txBody>
+      </p:sp>
       <p:sp>
         <p:nvSpPr>
           <p:cNvPr id="2" name="Title 1">
@@ -4831,81 +6718,85 @@
             <p:ph type="title"/>
           </p:nvPr>
         </p:nvSpPr>
-        <p:spPr/>
-        <p:txBody>
-          <a:bodyPr/>
-          <a:lstStyle/>
-          <a:p>
-            <a:r>
-              <a:rPr lang="en-US" dirty="0"/>
-              <a:t>Data Cleaning</a:t>
-            </a:r>
-          </a:p>
-        </p:txBody>
-      </p:sp>
-      <p:sp>
-        <p:nvSpPr>
-          <p:cNvPr id="3" name="Content Placeholder 2">
-            <a:extLst>
-              <a:ext uri="{FF2B5EF4-FFF2-40B4-BE49-F238E27FC236}">
-                <a16:creationId xmlns:a16="http://schemas.microsoft.com/office/drawing/2014/main" id="{4FE01583-772A-C04E-810B-91048F4D6339}"/>
-              </a:ext>
-            </a:extLst>
-          </p:cNvPr>
-          <p:cNvSpPr>
-            <a:spLocks noGrp="1"/>
-          </p:cNvSpPr>
-          <p:nvPr>
-            <p:ph idx="1"/>
-          </p:nvPr>
-        </p:nvSpPr>
-        <p:spPr/>
-        <p:txBody>
-          <a:bodyPr>
+        <p:spPr>
+          <a:xfrm>
+            <a:off x="1285240" y="1050595"/>
+            <a:ext cx="8074815" cy="1618489"/>
+          </a:xfrm>
+        </p:spPr>
+        <p:txBody>
+          <a:bodyPr anchor="ctr">
             <a:normAutofit/>
           </a:bodyPr>
           <a:lstStyle/>
           <a:p>
             <a:r>
-              <a:rPr lang="en-US" dirty="0"/>
+              <a:rPr lang="en-US" sz="6100"/>
+              <a:t>Data Cleaning continued</a:t>
+            </a:r>
+          </a:p>
+        </p:txBody>
+      </p:sp>
+      <p:sp>
+        <p:nvSpPr>
+          <p:cNvPr id="3" name="Content Placeholder 2">
+            <a:extLst>
+              <a:ext uri="{FF2B5EF4-FFF2-40B4-BE49-F238E27FC236}">
+                <a16:creationId xmlns:a16="http://schemas.microsoft.com/office/drawing/2014/main" id="{4FE01583-772A-C04E-810B-91048F4D6339}"/>
+              </a:ext>
+            </a:extLst>
+          </p:cNvPr>
+          <p:cNvSpPr>
+            <a:spLocks noGrp="1"/>
+          </p:cNvSpPr>
+          <p:nvPr>
+            <p:ph idx="1"/>
+          </p:nvPr>
+        </p:nvSpPr>
+        <p:spPr>
+          <a:xfrm>
+            <a:off x="1285240" y="2969469"/>
+            <a:ext cx="8074815" cy="2800395"/>
+          </a:xfrm>
+        </p:spPr>
+        <p:txBody>
+          <a:bodyPr anchor="t">
+            <a:normAutofit/>
+          </a:bodyPr>
+          <a:lstStyle/>
+          <a:p>
+            <a:r>
+              <a:rPr lang="en-US" sz="2400"/>
               <a:t>Cook’s Distance to remove 4 observation with P-values &gt; 0.05</a:t>
             </a:r>
           </a:p>
           <a:p>
             <a:r>
-              <a:rPr lang="en-US" dirty="0" err="1"/>
-              <a:t>MinMax</a:t>
-            </a:r>
-            <a:r>
-              <a:rPr lang="en-US" dirty="0"/>
-              <a:t> Scaler for numeric values (non-normal distribution)</a:t>
-            </a:r>
-          </a:p>
-          <a:p>
-            <a:r>
-              <a:rPr lang="en-US" dirty="0" err="1"/>
-              <a:t>Dummify</a:t>
-            </a:r>
-            <a:r>
-              <a:rPr lang="en-US" dirty="0"/>
-              <a:t> for Linear Models/Label Encoding Category</a:t>
-            </a:r>
-          </a:p>
-          <a:p>
-            <a:r>
-              <a:rPr lang="en-US" dirty="0"/>
+              <a:rPr lang="en-US" sz="2400"/>
+              <a:t>MinMax Scaler for numeric values (non-normal distribution)</a:t>
+            </a:r>
+          </a:p>
+          <a:p>
+            <a:r>
+              <a:rPr lang="en-US" sz="2400"/>
+              <a:t>Dummify for Linear Models/Label Encoding Category</a:t>
+            </a:r>
+          </a:p>
+          <a:p>
+            <a:r>
+              <a:rPr lang="en-US" sz="2400"/>
               <a:t>Log Price for Linear Models</a:t>
             </a:r>
           </a:p>
           <a:p>
             <a:r>
-              <a:rPr lang="en-US" dirty="0"/>
+              <a:rPr lang="en-US" sz="2400"/>
               <a:t>Train Test Split with Random State</a:t>
             </a:r>
           </a:p>
           <a:p>
             <a:r>
-              <a:rPr lang="en-US" dirty="0"/>
+              <a:rPr lang="en-US" sz="2400"/>
               <a:t>Shared Data Preprocessing Function</a:t>
             </a:r>
           </a:p>
@@ -4927,6 +6818,14 @@
 <file path=ppt/slides/slide14.xml><?xml version="1.0" encoding="utf-8"?>
 <p:sld xmlns:a="http://schemas.openxmlformats.org/drawingml/2006/main" xmlns:r="http://schemas.openxmlformats.org/officeDocument/2006/relationships" xmlns:p="http://schemas.openxmlformats.org/presentationml/2006/main">
   <p:cSld>
+    <p:bg>
+      <p:bgPr>
+        <a:solidFill>
+          <a:schemeClr val="bg1"/>
+        </a:solidFill>
+        <a:effectLst/>
+      </p:bgPr>
+    </p:bg>
     <p:spTree>
       <p:nvGrpSpPr>
         <p:cNvPr id="1" name=""/>
@@ -4941,6 +6840,66 @@
           <a:chExt cx="0" cy="0"/>
         </a:xfrm>
       </p:grpSpPr>
+      <p:sp useBgFill="1">
+        <p:nvSpPr>
+          <p:cNvPr id="17" name="Rectangle 16">
+            <a:extLst>
+              <a:ext uri="{FF2B5EF4-FFF2-40B4-BE49-F238E27FC236}">
+                <a16:creationId xmlns:a16="http://schemas.microsoft.com/office/drawing/2014/main" id="{DBF61EA3-B236-439E-9C0B-340980D56BEE}"/>
+              </a:ext>
+              <a:ext uri="{C183D7F6-B498-43B3-948B-1728B52AA6E4}">
+                <adec:decorative xmlns:adec="http://schemas.microsoft.com/office/drawing/2017/decorative" val="1"/>
+              </a:ext>
+            </a:extLst>
+          </p:cNvPr>
+          <p:cNvSpPr>
+            <a:spLocks noGrp="1" noRot="1" noChangeAspect="1" noMove="1" noResize="1" noEditPoints="1" noAdjustHandles="1" noChangeArrowheads="1" noChangeShapeType="1" noTextEdit="1"/>
+          </p:cNvSpPr>
+          <p:nvPr>
+            <p:extLst>
+              <p:ext uri="{386F3935-93C4-4BCD-93E2-E3B085C9AB24}">
+                <p16:designElem xmlns:p16="http://schemas.microsoft.com/office/powerpoint/2015/main" val="1"/>
+              </p:ext>
+            </p:extLst>
+          </p:nvPr>
+        </p:nvSpPr>
+        <p:spPr>
+          <a:xfrm>
+            <a:off x="0" y="0"/>
+            <a:ext cx="12191999" cy="6857365"/>
+          </a:xfrm>
+          <a:prstGeom prst="rect">
+            <a:avLst/>
+          </a:prstGeom>
+          <a:ln>
+            <a:noFill/>
+          </a:ln>
+        </p:spPr>
+        <p:style>
+          <a:lnRef idx="2">
+            <a:schemeClr val="accent1">
+              <a:shade val="50000"/>
+            </a:schemeClr>
+          </a:lnRef>
+          <a:fillRef idx="1">
+            <a:schemeClr val="accent1"/>
+          </a:fillRef>
+          <a:effectRef idx="0">
+            <a:schemeClr val="accent1"/>
+          </a:effectRef>
+          <a:fontRef idx="minor">
+            <a:schemeClr val="lt1"/>
+          </a:fontRef>
+        </p:style>
+        <p:txBody>
+          <a:bodyPr rtlCol="0" anchor="ctr"/>
+          <a:lstStyle/>
+          <a:p>
+            <a:pPr algn="ctr"/>
+            <a:endParaRPr lang="en-US"/>
+          </a:p>
+        </p:txBody>
+      </p:sp>
       <p:sp>
         <p:nvSpPr>
           <p:cNvPr id="2" name="Title 1">
@@ -4957,15 +6916,246 @@
             <p:ph type="title"/>
           </p:nvPr>
         </p:nvSpPr>
-        <p:spPr/>
-        <p:txBody>
-          <a:bodyPr/>
-          <a:lstStyle/>
-          <a:p>
-            <a:r>
-              <a:rPr lang="en-US" dirty="0"/>
-              <a:t>Linear Model’s</a:t>
-            </a:r>
+        <p:spPr>
+          <a:xfrm>
+            <a:off x="808638" y="386930"/>
+            <a:ext cx="9236700" cy="1188950"/>
+          </a:xfrm>
+        </p:spPr>
+        <p:txBody>
+          <a:bodyPr anchor="b">
+            <a:normAutofit/>
+          </a:bodyPr>
+          <a:lstStyle/>
+          <a:p>
+            <a:r>
+              <a:rPr lang="en-US" sz="4600"/>
+              <a:t>Penalized Linear Regression Model’s</a:t>
+            </a:r>
+          </a:p>
+        </p:txBody>
+      </p:sp>
+      <p:grpSp>
+        <p:nvGrpSpPr>
+          <p:cNvPr id="19" name="Group 18">
+            <a:extLst>
+              <a:ext uri="{FF2B5EF4-FFF2-40B4-BE49-F238E27FC236}">
+                <a16:creationId xmlns:a16="http://schemas.microsoft.com/office/drawing/2014/main" id="{28FAF094-D087-493F-8DF9-A486C2D6BBAA}"/>
+              </a:ext>
+              <a:ext uri="{C183D7F6-B498-43B3-948B-1728B52AA6E4}">
+                <adec:decorative xmlns:adec="http://schemas.microsoft.com/office/drawing/2017/decorative" val="1"/>
+              </a:ext>
+            </a:extLst>
+          </p:cNvPr>
+          <p:cNvGrpSpPr>
+            <a:grpSpLocks noGrp="1" noUngrp="1" noRot="1" noChangeAspect="1" noMove="1" noResize="1"/>
+          </p:cNvGrpSpPr>
+          <p:nvPr>
+            <p:extLst>
+              <p:ext uri="{386F3935-93C4-4BCD-93E2-E3B085C9AB24}">
+                <p16:designElem xmlns:p16="http://schemas.microsoft.com/office/powerpoint/2015/main" val="1"/>
+              </p:ext>
+            </p:extLst>
+          </p:nvPr>
+        </p:nvGrpSpPr>
+        <p:grpSpPr>
+          <a:xfrm>
+            <a:off x="-2" y="1998368"/>
+            <a:ext cx="11695083" cy="782176"/>
+            <a:chOff x="-2" y="1998368"/>
+            <a:chExt cx="11695083" cy="782176"/>
+          </a:xfrm>
+        </p:grpSpPr>
+        <p:sp>
+          <p:nvSpPr>
+            <p:cNvPr id="20" name="Rectangle 19">
+              <a:extLst>
+                <a:ext uri="{FF2B5EF4-FFF2-40B4-BE49-F238E27FC236}">
+                  <a16:creationId xmlns:a16="http://schemas.microsoft.com/office/drawing/2014/main" id="{8D7C88D8-5509-4514-925A-9CE148E5CBD6}"/>
+                </a:ext>
+                <a:ext uri="{C183D7F6-B498-43B3-948B-1728B52AA6E4}">
+                  <adec:decorative xmlns:adec="http://schemas.microsoft.com/office/drawing/2017/decorative" val="1"/>
+                </a:ext>
+              </a:extLst>
+            </p:cNvPr>
+            <p:cNvSpPr/>
+            <p:nvPr>
+              <p:extLst>
+                <p:ext uri="{386F3935-93C4-4BCD-93E2-E3B085C9AB24}">
+                  <p16:designElem xmlns:p16="http://schemas.microsoft.com/office/powerpoint/2015/main" val="1"/>
+                </p:ext>
+              </p:extLst>
+            </p:nvPr>
+          </p:nvSpPr>
+          <p:spPr>
+            <a:xfrm rot="5400000">
+              <a:off x="11228040" y="2313027"/>
+              <a:ext cx="781700" cy="152382"/>
+            </a:xfrm>
+            <a:prstGeom prst="rect">
+              <a:avLst/>
+            </a:prstGeom>
+            <a:solidFill>
+              <a:schemeClr val="accent4"/>
+            </a:solidFill>
+            <a:ln>
+              <a:noFill/>
+            </a:ln>
+          </p:spPr>
+          <p:style>
+            <a:lnRef idx="2">
+              <a:schemeClr val="accent1">
+                <a:shade val="50000"/>
+              </a:schemeClr>
+            </a:lnRef>
+            <a:fillRef idx="1">
+              <a:schemeClr val="accent1"/>
+            </a:fillRef>
+            <a:effectRef idx="0">
+              <a:schemeClr val="accent1"/>
+            </a:effectRef>
+            <a:fontRef idx="minor">
+              <a:schemeClr val="lt1"/>
+            </a:fontRef>
+          </p:style>
+          <p:txBody>
+            <a:bodyPr rtlCol="0" anchor="ctr"/>
+            <a:lstStyle/>
+            <a:p>
+              <a:pPr algn="ctr"/>
+              <a:endParaRPr lang="en-US"/>
+            </a:p>
+          </p:txBody>
+        </p:sp>
+        <p:sp>
+          <p:nvSpPr>
+            <p:cNvPr id="21" name="Rectangle 20">
+              <a:extLst>
+                <a:ext uri="{FF2B5EF4-FFF2-40B4-BE49-F238E27FC236}">
+                  <a16:creationId xmlns:a16="http://schemas.microsoft.com/office/drawing/2014/main" id="{7275593D-F75E-4426-AE3E-2CDEFD228D25}"/>
+                </a:ext>
+                <a:ext uri="{C183D7F6-B498-43B3-948B-1728B52AA6E4}">
+                  <adec:decorative xmlns:adec="http://schemas.microsoft.com/office/drawing/2017/decorative" val="1"/>
+                </a:ext>
+              </a:extLst>
+            </p:cNvPr>
+            <p:cNvSpPr/>
+            <p:nvPr>
+              <p:extLst>
+                <p:ext uri="{386F3935-93C4-4BCD-93E2-E3B085C9AB24}">
+                  <p16:designElem xmlns:p16="http://schemas.microsoft.com/office/powerpoint/2015/main" val="1"/>
+                </p:ext>
+              </p:extLst>
+            </p:nvPr>
+          </p:nvSpPr>
+          <p:spPr>
+            <a:xfrm flipH="1" flipV="1">
+              <a:off x="-2" y="1998845"/>
+              <a:ext cx="11454595" cy="781699"/>
+            </a:xfrm>
+            <a:prstGeom prst="rect">
+              <a:avLst/>
+            </a:prstGeom>
+            <a:solidFill>
+              <a:schemeClr val="accent4"/>
+            </a:solidFill>
+            <a:ln>
+              <a:noFill/>
+            </a:ln>
+          </p:spPr>
+          <p:style>
+            <a:lnRef idx="2">
+              <a:schemeClr val="accent1">
+                <a:shade val="50000"/>
+              </a:schemeClr>
+            </a:lnRef>
+            <a:fillRef idx="1">
+              <a:schemeClr val="accent1"/>
+            </a:fillRef>
+            <a:effectRef idx="0">
+              <a:schemeClr val="accent1"/>
+            </a:effectRef>
+            <a:fontRef idx="minor">
+              <a:schemeClr val="lt1"/>
+            </a:fontRef>
+          </p:style>
+          <p:txBody>
+            <a:bodyPr rtlCol="0" anchor="ctr"/>
+            <a:lstStyle/>
+            <a:p>
+              <a:pPr algn="ctr"/>
+              <a:endParaRPr lang="en-US"/>
+            </a:p>
+          </p:txBody>
+        </p:sp>
+      </p:grpSp>
+      <p:sp>
+        <p:nvSpPr>
+          <p:cNvPr id="23" name="Rectangle 22">
+            <a:extLst>
+              <a:ext uri="{FF2B5EF4-FFF2-40B4-BE49-F238E27FC236}">
+                <a16:creationId xmlns:a16="http://schemas.microsoft.com/office/drawing/2014/main" id="{E659831F-0D9A-4C63-9EBB-8435B85A440F}"/>
+              </a:ext>
+              <a:ext uri="{C183D7F6-B498-43B3-948B-1728B52AA6E4}">
+                <adec:decorative xmlns:adec="http://schemas.microsoft.com/office/drawing/2017/decorative" val="1"/>
+              </a:ext>
+            </a:extLst>
+          </p:cNvPr>
+          <p:cNvSpPr>
+            <a:spLocks noGrp="1" noRot="1" noChangeAspect="1" noMove="1" noResize="1" noEditPoints="1" noAdjustHandles="1" noChangeArrowheads="1" noChangeShapeType="1" noTextEdit="1"/>
+          </p:cNvSpPr>
+          <p:nvPr>
+            <p:extLst>
+              <p:ext uri="{386F3935-93C4-4BCD-93E2-E3B085C9AB24}">
+                <p16:designElem xmlns:p16="http://schemas.microsoft.com/office/powerpoint/2015/main" val="1"/>
+              </p:ext>
+            </p:extLst>
+          </p:nvPr>
+        </p:nvSpPr>
+        <p:spPr>
+          <a:xfrm>
+            <a:off x="0" y="2203079"/>
+            <a:ext cx="11383362" cy="4147845"/>
+          </a:xfrm>
+          <a:prstGeom prst="rect">
+            <a:avLst/>
+          </a:prstGeom>
+          <a:solidFill>
+            <a:schemeClr val="bg1"/>
+          </a:solidFill>
+          <a:ln>
+            <a:noFill/>
+          </a:ln>
+          <a:effectLst>
+            <a:outerShdw blurRad="139700" dist="127000" dir="5400000" algn="t" rotWithShape="0">
+              <a:prstClr val="black">
+                <a:alpha val="15000"/>
+              </a:prstClr>
+            </a:outerShdw>
+          </a:effectLst>
+        </p:spPr>
+        <p:style>
+          <a:lnRef idx="2">
+            <a:schemeClr val="accent1">
+              <a:shade val="50000"/>
+            </a:schemeClr>
+          </a:lnRef>
+          <a:fillRef idx="1">
+            <a:schemeClr val="accent1"/>
+          </a:fillRef>
+          <a:effectRef idx="0">
+            <a:schemeClr val="accent1"/>
+          </a:effectRef>
+          <a:fontRef idx="minor">
+            <a:schemeClr val="lt1"/>
+          </a:fontRef>
+        </p:style>
+        <p:txBody>
+          <a:bodyPr rtlCol="0" anchor="ctr"/>
+          <a:lstStyle/>
+          <a:p>
+            <a:pPr algn="ctr"/>
+            <a:endParaRPr lang="en-US"/>
           </a:p>
         </p:txBody>
       </p:sp>
@@ -4985,73 +7175,80 @@
             <p:ph idx="1"/>
           </p:nvPr>
         </p:nvSpPr>
-        <p:spPr/>
-        <p:txBody>
-          <a:bodyPr/>
-          <a:lstStyle/>
-          <a:p>
-            <a:r>
-              <a:rPr lang="en-US" dirty="0"/>
-              <a:t>Ridge – Best Score </a:t>
+        <p:spPr>
+          <a:xfrm>
+            <a:off x="793660" y="2599509"/>
+            <a:ext cx="10143668" cy="3435531"/>
+          </a:xfrm>
+        </p:spPr>
+        <p:txBody>
+          <a:bodyPr anchor="ctr">
+            <a:normAutofit/>
+          </a:bodyPr>
+          <a:lstStyle/>
+          <a:p>
+            <a:r>
+              <a:rPr lang="en-US" sz="2000"/>
+              <a:t>Ridge – Best Score – R2 = 93.33</a:t>
             </a:r>
           </a:p>
           <a:p>
             <a:pPr lvl="1"/>
             <a:r>
-              <a:rPr lang="en-US" dirty="0"/>
+              <a:rPr lang="en-US" sz="2000"/>
+              <a:t>Params: alpha = 1.0, max_iter= 10,000</a:t>
+            </a:r>
+          </a:p>
+          <a:p>
+            <a:pPr lvl="1"/>
+            <a:r>
+              <a:rPr lang="en-US" sz="2000"/>
               <a:t>Most Important Features</a:t>
             </a:r>
           </a:p>
           <a:p>
+            <a:r>
+              <a:rPr lang="en-US" sz="2000"/>
+              <a:t>Lasso – Best Score – R2 = 93.33</a:t>
+            </a:r>
+          </a:p>
+          <a:p>
             <a:pPr lvl="1"/>
             <a:r>
-              <a:rPr lang="en-US" dirty="0"/>
-              <a:t>Least Important Features</a:t>
-            </a:r>
-          </a:p>
-          <a:p>
-            <a:r>
-              <a:rPr lang="en-US" dirty="0"/>
-              <a:t>Lasso – Best Score</a:t>
+              <a:rPr lang="en-US" sz="2000"/>
+              <a:t>Params: alpha = .0009, max_iter = 10,000</a:t>
             </a:r>
           </a:p>
           <a:p>
             <a:pPr lvl="1"/>
             <a:r>
-              <a:rPr lang="en-US" dirty="0"/>
-              <a:t>Features Removes</a:t>
+              <a:rPr lang="en-US" sz="2000"/>
+              <a:t>Most Important Features</a:t>
+            </a:r>
+          </a:p>
+          <a:p>
+            <a:r>
+              <a:rPr lang="en-US" sz="2000"/>
+              <a:t>Elastic Net – Best Score – R2 = 93.35</a:t>
             </a:r>
           </a:p>
           <a:p>
             <a:pPr lvl="1"/>
             <a:r>
-              <a:rPr lang="en-US" dirty="0"/>
+              <a:rPr lang="en-US" sz="2000"/>
+              <a:t>Params: alpha = .0002, rho=0.3, max_iter = 10,000</a:t>
+            </a:r>
+          </a:p>
+          <a:p>
+            <a:pPr lvl="1"/>
+            <a:r>
+              <a:rPr lang="en-US" sz="2000"/>
               <a:t>Most Important Features</a:t>
             </a:r>
           </a:p>
           <a:p>
-            <a:r>
-              <a:rPr lang="en-US" dirty="0"/>
-              <a:t>Elastic Net – Best Score</a:t>
-            </a:r>
-          </a:p>
-          <a:p>
             <a:pPr lvl="1"/>
-            <a:r>
-              <a:rPr lang="en-US" dirty="0"/>
-              <a:t>Most Important Features</a:t>
-            </a:r>
-          </a:p>
-          <a:p>
-            <a:pPr lvl="1"/>
-            <a:r>
-              <a:rPr lang="en-US" dirty="0"/>
-              <a:t>Least Important Features</a:t>
-            </a:r>
-          </a:p>
-          <a:p>
-            <a:pPr lvl="1"/>
-            <a:endParaRPr lang="en-US" dirty="0"/>
+            <a:endParaRPr lang="en-US" sz="2000"/>
           </a:p>
         </p:txBody>
       </p:sp>
@@ -5071,6 +7268,14 @@
 <file path=ppt/slides/slide15.xml><?xml version="1.0" encoding="utf-8"?>
 <p:sld xmlns:a="http://schemas.openxmlformats.org/drawingml/2006/main" xmlns:r="http://schemas.openxmlformats.org/officeDocument/2006/relationships" xmlns:p="http://schemas.openxmlformats.org/presentationml/2006/main">
   <p:cSld>
+    <p:bg>
+      <p:bgPr>
+        <a:solidFill>
+          <a:schemeClr val="bg1"/>
+        </a:solidFill>
+        <a:effectLst/>
+      </p:bgPr>
+    </p:bg>
     <p:spTree>
       <p:nvGrpSpPr>
         <p:cNvPr id="1" name=""/>
@@ -5085,6 +7290,66 @@
           <a:chExt cx="0" cy="0"/>
         </a:xfrm>
       </p:grpSpPr>
+      <p:sp useBgFill="1">
+        <p:nvSpPr>
+          <p:cNvPr id="23" name="Rectangle 22">
+            <a:extLst>
+              <a:ext uri="{FF2B5EF4-FFF2-40B4-BE49-F238E27FC236}">
+                <a16:creationId xmlns:a16="http://schemas.microsoft.com/office/drawing/2014/main" id="{FFB60E8C-7224-44A4-87A0-46A1711DD2ED}"/>
+              </a:ext>
+              <a:ext uri="{C183D7F6-B498-43B3-948B-1728B52AA6E4}">
+                <adec:decorative xmlns:adec="http://schemas.microsoft.com/office/drawing/2017/decorative" val="1"/>
+              </a:ext>
+            </a:extLst>
+          </p:cNvPr>
+          <p:cNvSpPr>
+            <a:spLocks noGrp="1" noRot="1" noChangeAspect="1" noMove="1" noResize="1" noEditPoints="1" noAdjustHandles="1" noChangeArrowheads="1" noChangeShapeType="1" noTextEdit="1"/>
+          </p:cNvSpPr>
+          <p:nvPr>
+            <p:extLst>
+              <p:ext uri="{386F3935-93C4-4BCD-93E2-E3B085C9AB24}">
+                <p16:designElem xmlns:p16="http://schemas.microsoft.com/office/powerpoint/2015/main" val="1"/>
+              </p:ext>
+            </p:extLst>
+          </p:nvPr>
+        </p:nvSpPr>
+        <p:spPr>
+          <a:xfrm>
+            <a:off x="0" y="0"/>
+            <a:ext cx="12191999" cy="6857365"/>
+          </a:xfrm>
+          <a:prstGeom prst="rect">
+            <a:avLst/>
+          </a:prstGeom>
+          <a:ln>
+            <a:noFill/>
+          </a:ln>
+        </p:spPr>
+        <p:style>
+          <a:lnRef idx="2">
+            <a:schemeClr val="accent1">
+              <a:shade val="50000"/>
+            </a:schemeClr>
+          </a:lnRef>
+          <a:fillRef idx="1">
+            <a:schemeClr val="accent1"/>
+          </a:fillRef>
+          <a:effectRef idx="0">
+            <a:schemeClr val="accent1"/>
+          </a:effectRef>
+          <a:fontRef idx="minor">
+            <a:schemeClr val="lt1"/>
+          </a:fontRef>
+        </p:style>
+        <p:txBody>
+          <a:bodyPr rtlCol="0" anchor="ctr"/>
+          <a:lstStyle/>
+          <a:p>
+            <a:pPr algn="ctr"/>
+            <a:endParaRPr lang="en-US"/>
+          </a:p>
+        </p:txBody>
+      </p:sp>
       <p:sp>
         <p:nvSpPr>
           <p:cNvPr id="2" name="Title 1">
@@ -5101,13 +7366,20 @@
             <p:ph type="title"/>
           </p:nvPr>
         </p:nvSpPr>
-        <p:spPr/>
-        <p:txBody>
-          <a:bodyPr/>
-          <a:lstStyle/>
-          <a:p>
-            <a:r>
-              <a:rPr lang="en-US" dirty="0"/>
+        <p:spPr>
+          <a:xfrm>
+            <a:off x="795528" y="386930"/>
+            <a:ext cx="10141799" cy="1300554"/>
+          </a:xfrm>
+        </p:spPr>
+        <p:txBody>
+          <a:bodyPr anchor="b">
+            <a:normAutofit/>
+          </a:bodyPr>
+          <a:lstStyle/>
+          <a:p>
+            <a:r>
+              <a:rPr lang="en-US" sz="4800"/>
               <a:t>Tree Based Models</a:t>
             </a:r>
           </a:p>
@@ -5115,6 +7387,168 @@
       </p:sp>
       <p:sp>
         <p:nvSpPr>
+          <p:cNvPr id="25" name="Rectangle 24">
+            <a:extLst>
+              <a:ext uri="{FF2B5EF4-FFF2-40B4-BE49-F238E27FC236}">
+                <a16:creationId xmlns:a16="http://schemas.microsoft.com/office/drawing/2014/main" id="{5DA32751-37A2-45C0-BE94-63D375E27003}"/>
+              </a:ext>
+              <a:ext uri="{C183D7F6-B498-43B3-948B-1728B52AA6E4}">
+                <adec:decorative xmlns:adec="http://schemas.microsoft.com/office/drawing/2017/decorative" val="1"/>
+              </a:ext>
+            </a:extLst>
+          </p:cNvPr>
+          <p:cNvSpPr>
+            <a:spLocks noGrp="1" noRot="1" noChangeAspect="1" noMove="1" noResize="1" noEditPoints="1" noAdjustHandles="1" noChangeArrowheads="1" noChangeShapeType="1" noTextEdit="1"/>
+          </p:cNvSpPr>
+          <p:nvPr>
+            <p:extLst>
+              <p:ext uri="{386F3935-93C4-4BCD-93E2-E3B085C9AB24}">
+                <p16:designElem xmlns:p16="http://schemas.microsoft.com/office/powerpoint/2015/main" val="1"/>
+              </p:ext>
+            </p:extLst>
+          </p:nvPr>
+        </p:nvSpPr>
+        <p:spPr>
+          <a:xfrm flipH="1" flipV="1">
+            <a:off x="-2" y="1998845"/>
+            <a:ext cx="11454595" cy="781699"/>
+          </a:xfrm>
+          <a:prstGeom prst="rect">
+            <a:avLst/>
+          </a:prstGeom>
+          <a:solidFill>
+            <a:schemeClr val="accent4"/>
+          </a:solidFill>
+          <a:ln>
+            <a:noFill/>
+          </a:ln>
+        </p:spPr>
+        <p:style>
+          <a:lnRef idx="2">
+            <a:schemeClr val="accent1">
+              <a:shade val="50000"/>
+            </a:schemeClr>
+          </a:lnRef>
+          <a:fillRef idx="1">
+            <a:schemeClr val="accent1"/>
+          </a:fillRef>
+          <a:effectRef idx="0">
+            <a:schemeClr val="accent1"/>
+          </a:effectRef>
+          <a:fontRef idx="minor">
+            <a:schemeClr val="lt1"/>
+          </a:fontRef>
+        </p:style>
+        <p:txBody>
+          <a:bodyPr rtlCol="0" anchor="ctr"/>
+          <a:lstStyle/>
+          <a:p>
+            <a:pPr algn="ctr"/>
+            <a:endParaRPr lang="en-US"/>
+          </a:p>
+        </p:txBody>
+      </p:sp>
+      <p:sp>
+        <p:nvSpPr>
+          <p:cNvPr id="27" name="Rectangle 26">
+            <a:extLst>
+              <a:ext uri="{FF2B5EF4-FFF2-40B4-BE49-F238E27FC236}">
+                <a16:creationId xmlns:a16="http://schemas.microsoft.com/office/drawing/2014/main" id="{E659831F-0D9A-4C63-9EBB-8435B85A440F}"/>
+              </a:ext>
+              <a:ext uri="{C183D7F6-B498-43B3-948B-1728B52AA6E4}">
+                <adec:decorative xmlns:adec="http://schemas.microsoft.com/office/drawing/2017/decorative" val="1"/>
+              </a:ext>
+            </a:extLst>
+          </p:cNvPr>
+          <p:cNvSpPr>
+            <a:spLocks noGrp="1" noRot="1" noChangeAspect="1" noMove="1" noResize="1" noEditPoints="1" noAdjustHandles="1" noChangeArrowheads="1" noChangeShapeType="1" noTextEdit="1"/>
+          </p:cNvSpPr>
+          <p:nvPr>
+            <p:extLst>
+              <p:ext uri="{386F3935-93C4-4BCD-93E2-E3B085C9AB24}">
+                <p16:designElem xmlns:p16="http://schemas.microsoft.com/office/powerpoint/2015/main" val="1"/>
+              </p:ext>
+            </p:extLst>
+          </p:nvPr>
+        </p:nvSpPr>
+        <p:spPr>
+          <a:xfrm>
+            <a:off x="0" y="2203079"/>
+            <a:ext cx="11383362" cy="4267991"/>
+          </a:xfrm>
+          <a:prstGeom prst="rect">
+            <a:avLst/>
+          </a:prstGeom>
+          <a:solidFill>
+            <a:schemeClr val="bg1"/>
+          </a:solidFill>
+          <a:ln>
+            <a:noFill/>
+          </a:ln>
+          <a:effectLst>
+            <a:outerShdw blurRad="139700" dist="127000" dir="5400000" algn="t" rotWithShape="0">
+              <a:prstClr val="black">
+                <a:alpha val="15000"/>
+              </a:prstClr>
+            </a:outerShdw>
+          </a:effectLst>
+        </p:spPr>
+        <p:style>
+          <a:lnRef idx="2">
+            <a:schemeClr val="accent1">
+              <a:shade val="50000"/>
+            </a:schemeClr>
+          </a:lnRef>
+          <a:fillRef idx="1">
+            <a:schemeClr val="accent1"/>
+          </a:fillRef>
+          <a:effectRef idx="0">
+            <a:schemeClr val="accent1"/>
+          </a:effectRef>
+          <a:fontRef idx="minor">
+            <a:schemeClr val="lt1"/>
+          </a:fontRef>
+        </p:style>
+        <p:txBody>
+          <a:bodyPr rtlCol="0" anchor="ctr"/>
+          <a:lstStyle/>
+          <a:p>
+            <a:pPr algn="ctr"/>
+            <a:endParaRPr lang="en-US"/>
+          </a:p>
+        </p:txBody>
+      </p:sp>
+      <p:pic>
+        <p:nvPicPr>
+          <p:cNvPr id="5" name="Picture 4" descr="Chart&#10;&#10;Description automatically generated">
+            <a:extLst>
+              <a:ext uri="{FF2B5EF4-FFF2-40B4-BE49-F238E27FC236}">
+                <a16:creationId xmlns:a16="http://schemas.microsoft.com/office/drawing/2014/main" id="{2C2B81CD-312B-4C48-81D4-5C12A628035A}"/>
+              </a:ext>
+            </a:extLst>
+          </p:cNvPr>
+          <p:cNvPicPr>
+            <a:picLocks noChangeAspect="1"/>
+          </p:cNvPicPr>
+          <p:nvPr/>
+        </p:nvPicPr>
+        <p:blipFill rotWithShape="1">
+          <a:blip r:embed="rId2"/>
+          <a:srcRect l="5138" r="28474" b="-2"/>
+          <a:stretch/>
+        </p:blipFill>
+        <p:spPr>
+          <a:xfrm>
+            <a:off x="804810" y="2524715"/>
+            <a:ext cx="4811247" cy="3714244"/>
+          </a:xfrm>
+          <a:prstGeom prst="rect">
+            <a:avLst/>
+          </a:prstGeom>
+        </p:spPr>
+      </p:pic>
+      <p:sp>
+        <p:nvSpPr>
           <p:cNvPr id="3" name="Content Placeholder 2">
             <a:extLst>
               <a:ext uri="{FF2B5EF4-FFF2-40B4-BE49-F238E27FC236}">
@@ -5129,67 +7563,99 @@
             <p:ph idx="1"/>
           </p:nvPr>
         </p:nvSpPr>
-        <p:spPr/>
-        <p:txBody>
-          <a:bodyPr/>
-          <a:lstStyle/>
-          <a:p>
-            <a:r>
-              <a:rPr lang="en-US" dirty="0"/>
-              <a:t>Decision Tree Best Score</a:t>
+        <p:spPr>
+          <a:xfrm>
+            <a:off x="6406429" y="2599509"/>
+            <a:ext cx="4530898" cy="3639450"/>
+          </a:xfrm>
+        </p:spPr>
+        <p:txBody>
+          <a:bodyPr anchor="ctr">
+            <a:normAutofit/>
+          </a:bodyPr>
+          <a:lstStyle/>
+          <a:p>
+            <a:r>
+              <a:rPr lang="en-US" sz="2000"/>
+              <a:t>Random Forest - Best Score - R2 = 91.13</a:t>
             </a:r>
           </a:p>
           <a:p>
             <a:pPr lvl="1"/>
             <a:r>
-              <a:rPr lang="en-US" dirty="0"/>
-              <a:t>Params</a:t>
-            </a:r>
-          </a:p>
-          <a:p>
-            <a:r>
-              <a:rPr lang="en-US" dirty="0"/>
-              <a:t>Random Forest Best Score</a:t>
+              <a:rPr lang="en-US" sz="2000"/>
+              <a:t>Params: max_depth = None, max_features=25, min_samples_leaf = 5, n_estimators = 1000</a:t>
             </a:r>
           </a:p>
           <a:p>
             <a:pPr lvl="1"/>
             <a:r>
-              <a:rPr lang="en-US" dirty="0"/>
-              <a:t>Params</a:t>
-            </a:r>
-          </a:p>
-          <a:p>
-            <a:r>
-              <a:rPr lang="en-US" dirty="0"/>
-              <a:t>Gradient Boost Score</a:t>
-            </a:r>
-          </a:p>
-          <a:p>
-            <a:pPr lvl="1"/>
-            <a:r>
-              <a:rPr lang="en-US" dirty="0"/>
-              <a:t>Params</a:t>
-            </a:r>
-          </a:p>
-          <a:p>
-            <a:r>
-              <a:rPr lang="en-US" dirty="0"/>
-              <a:t>AdaBoost Score</a:t>
-            </a:r>
-          </a:p>
-          <a:p>
-            <a:pPr lvl="1"/>
-            <a:r>
-              <a:rPr lang="en-US" dirty="0"/>
-              <a:t>Params</a:t>
-            </a:r>
-          </a:p>
-          <a:p>
-            <a:r>
-              <a:rPr lang="en-US" dirty="0"/>
-              <a:t>Discuss Feature Importance</a:t>
-            </a:r>
+              <a:rPr lang="en-US" sz="2000"/>
+              <a:t>Important Features: TotalLivArea, OverallQual, YearBuilt, ExterQual, KitchQual, GarageArea</a:t>
+            </a:r>
+          </a:p>
+        </p:txBody>
+      </p:sp>
+      <p:sp>
+        <p:nvSpPr>
+          <p:cNvPr id="29" name="Rectangle 28">
+            <a:extLst>
+              <a:ext uri="{FF2B5EF4-FFF2-40B4-BE49-F238E27FC236}">
+                <a16:creationId xmlns:a16="http://schemas.microsoft.com/office/drawing/2014/main" id="{5A55FBCD-CD42-40F5-8A1B-3203F9CAEEAA}"/>
+              </a:ext>
+              <a:ext uri="{C183D7F6-B498-43B3-948B-1728B52AA6E4}">
+                <adec:decorative xmlns:adec="http://schemas.microsoft.com/office/drawing/2017/decorative" val="1"/>
+              </a:ext>
+            </a:extLst>
+          </p:cNvPr>
+          <p:cNvSpPr>
+            <a:spLocks noGrp="1" noRot="1" noChangeAspect="1" noMove="1" noResize="1" noEditPoints="1" noAdjustHandles="1" noChangeArrowheads="1" noChangeShapeType="1" noTextEdit="1"/>
+          </p:cNvSpPr>
+          <p:nvPr>
+            <p:extLst>
+              <p:ext uri="{386F3935-93C4-4BCD-93E2-E3B085C9AB24}">
+                <p16:designElem xmlns:p16="http://schemas.microsoft.com/office/powerpoint/2015/main" val="1"/>
+              </p:ext>
+            </p:extLst>
+          </p:nvPr>
+        </p:nvSpPr>
+        <p:spPr>
+          <a:xfrm rot="5400000">
+            <a:off x="11228040" y="2313027"/>
+            <a:ext cx="781700" cy="152382"/>
+          </a:xfrm>
+          <a:prstGeom prst="rect">
+            <a:avLst/>
+          </a:prstGeom>
+          <a:solidFill>
+            <a:schemeClr val="accent4"/>
+          </a:solidFill>
+          <a:ln>
+            <a:noFill/>
+          </a:ln>
+        </p:spPr>
+        <p:style>
+          <a:lnRef idx="2">
+            <a:schemeClr val="accent1">
+              <a:shade val="50000"/>
+            </a:schemeClr>
+          </a:lnRef>
+          <a:fillRef idx="1">
+            <a:schemeClr val="accent1"/>
+          </a:fillRef>
+          <a:effectRef idx="0">
+            <a:schemeClr val="accent1"/>
+          </a:effectRef>
+          <a:fontRef idx="minor">
+            <a:schemeClr val="lt1"/>
+          </a:fontRef>
+        </p:style>
+        <p:txBody>
+          <a:bodyPr rtlCol="0" anchor="ctr"/>
+          <a:lstStyle/>
+          <a:p>
+            <a:pPr algn="ctr"/>
+            <a:endParaRPr lang="en-US"/>
           </a:p>
         </p:txBody>
       </p:sp>
@@ -5209,6 +7675,14 @@
 <file path=ppt/slides/slide16.xml><?xml version="1.0" encoding="utf-8"?>
 <p:sld xmlns:a="http://schemas.openxmlformats.org/drawingml/2006/main" xmlns:r="http://schemas.openxmlformats.org/officeDocument/2006/relationships" xmlns:p="http://schemas.openxmlformats.org/presentationml/2006/main">
   <p:cSld>
+    <p:bg>
+      <p:bgPr>
+        <a:solidFill>
+          <a:schemeClr val="bg1"/>
+        </a:solidFill>
+        <a:effectLst/>
+      </p:bgPr>
+    </p:bg>
     <p:spTree>
       <p:nvGrpSpPr>
         <p:cNvPr id="1" name=""/>
@@ -5223,12 +7697,72 @@
           <a:chExt cx="0" cy="0"/>
         </a:xfrm>
       </p:grpSpPr>
+      <p:sp useBgFill="1">
+        <p:nvSpPr>
+          <p:cNvPr id="8" name="Rectangle 7">
+            <a:extLst>
+              <a:ext uri="{FF2B5EF4-FFF2-40B4-BE49-F238E27FC236}">
+                <a16:creationId xmlns:a16="http://schemas.microsoft.com/office/drawing/2014/main" id="{DBF61EA3-B236-439E-9C0B-340980D56BEE}"/>
+              </a:ext>
+              <a:ext uri="{C183D7F6-B498-43B3-948B-1728B52AA6E4}">
+                <adec:decorative xmlns:adec="http://schemas.microsoft.com/office/drawing/2017/decorative" val="1"/>
+              </a:ext>
+            </a:extLst>
+          </p:cNvPr>
+          <p:cNvSpPr>
+            <a:spLocks noGrp="1" noRot="1" noChangeAspect="1" noMove="1" noResize="1" noEditPoints="1" noAdjustHandles="1" noChangeArrowheads="1" noChangeShapeType="1" noTextEdit="1"/>
+          </p:cNvSpPr>
+          <p:nvPr>
+            <p:extLst>
+              <p:ext uri="{386F3935-93C4-4BCD-93E2-E3B085C9AB24}">
+                <p16:designElem xmlns:p16="http://schemas.microsoft.com/office/powerpoint/2015/main" val="1"/>
+              </p:ext>
+            </p:extLst>
+          </p:nvPr>
+        </p:nvSpPr>
+        <p:spPr>
+          <a:xfrm>
+            <a:off x="0" y="0"/>
+            <a:ext cx="12191999" cy="6857365"/>
+          </a:xfrm>
+          <a:prstGeom prst="rect">
+            <a:avLst/>
+          </a:prstGeom>
+          <a:ln>
+            <a:noFill/>
+          </a:ln>
+        </p:spPr>
+        <p:style>
+          <a:lnRef idx="2">
+            <a:schemeClr val="accent1">
+              <a:shade val="50000"/>
+            </a:schemeClr>
+          </a:lnRef>
+          <a:fillRef idx="1">
+            <a:schemeClr val="accent1"/>
+          </a:fillRef>
+          <a:effectRef idx="0">
+            <a:schemeClr val="accent1"/>
+          </a:effectRef>
+          <a:fontRef idx="minor">
+            <a:schemeClr val="lt1"/>
+          </a:fontRef>
+        </p:style>
+        <p:txBody>
+          <a:bodyPr rtlCol="0" anchor="ctr"/>
+          <a:lstStyle/>
+          <a:p>
+            <a:pPr algn="ctr"/>
+            <a:endParaRPr lang="en-US"/>
+          </a:p>
+        </p:txBody>
+      </p:sp>
       <p:sp>
         <p:nvSpPr>
           <p:cNvPr id="2" name="Title 1">
             <a:extLst>
               <a:ext uri="{FF2B5EF4-FFF2-40B4-BE49-F238E27FC236}">
-                <a16:creationId xmlns:a16="http://schemas.microsoft.com/office/drawing/2014/main" id="{BC5EA46F-2E49-164F-BCBD-4CD495BE20C0}"/>
+                <a16:creationId xmlns:a16="http://schemas.microsoft.com/office/drawing/2014/main" id="{0A874AEC-8348-AE41-863D-95D9E1E7AEBA}"/>
               </a:ext>
             </a:extLst>
           </p:cNvPr>
@@ -5239,74 +7773,364 @@
             <p:ph type="title"/>
           </p:nvPr>
         </p:nvSpPr>
-        <p:spPr/>
-        <p:txBody>
-          <a:bodyPr/>
-          <a:lstStyle/>
-          <a:p>
+        <p:spPr>
+          <a:xfrm>
+            <a:off x="808638" y="386930"/>
+            <a:ext cx="9236700" cy="1188950"/>
+          </a:xfrm>
+        </p:spPr>
+        <p:txBody>
+          <a:bodyPr anchor="b">
+            <a:normAutofit/>
+          </a:bodyPr>
+          <a:lstStyle/>
+          <a:p>
+            <a:r>
+              <a:rPr lang="en-US" sz="5400"/>
+              <a:t>Tree Based Boosting Models</a:t>
+            </a:r>
+          </a:p>
+        </p:txBody>
+      </p:sp>
+      <p:grpSp>
+        <p:nvGrpSpPr>
+          <p:cNvPr id="10" name="Group 9">
+            <a:extLst>
+              <a:ext uri="{FF2B5EF4-FFF2-40B4-BE49-F238E27FC236}">
+                <a16:creationId xmlns:a16="http://schemas.microsoft.com/office/drawing/2014/main" id="{28FAF094-D087-493F-8DF9-A486C2D6BBAA}"/>
+              </a:ext>
+              <a:ext uri="{C183D7F6-B498-43B3-948B-1728B52AA6E4}">
+                <adec:decorative xmlns:adec="http://schemas.microsoft.com/office/drawing/2017/decorative" val="1"/>
+              </a:ext>
+            </a:extLst>
+          </p:cNvPr>
+          <p:cNvGrpSpPr>
+            <a:grpSpLocks noGrp="1" noUngrp="1" noRot="1" noChangeAspect="1" noMove="1" noResize="1"/>
+          </p:cNvGrpSpPr>
+          <p:nvPr>
+            <p:extLst>
+              <p:ext uri="{386F3935-93C4-4BCD-93E2-E3B085C9AB24}">
+                <p16:designElem xmlns:p16="http://schemas.microsoft.com/office/powerpoint/2015/main" val="1"/>
+              </p:ext>
+            </p:extLst>
+          </p:nvPr>
+        </p:nvGrpSpPr>
+        <p:grpSpPr>
+          <a:xfrm>
+            <a:off x="-2" y="1998368"/>
+            <a:ext cx="11695083" cy="782176"/>
+            <a:chOff x="-2" y="1998368"/>
+            <a:chExt cx="11695083" cy="782176"/>
+          </a:xfrm>
+        </p:grpSpPr>
+        <p:sp>
+          <p:nvSpPr>
+            <p:cNvPr id="11" name="Rectangle 10">
+              <a:extLst>
+                <a:ext uri="{FF2B5EF4-FFF2-40B4-BE49-F238E27FC236}">
+                  <a16:creationId xmlns:a16="http://schemas.microsoft.com/office/drawing/2014/main" id="{8D7C88D8-5509-4514-925A-9CE148E5CBD6}"/>
+                </a:ext>
+                <a:ext uri="{C183D7F6-B498-43B3-948B-1728B52AA6E4}">
+                  <adec:decorative xmlns:adec="http://schemas.microsoft.com/office/drawing/2017/decorative" val="1"/>
+                </a:ext>
+              </a:extLst>
+            </p:cNvPr>
+            <p:cNvSpPr/>
+            <p:nvPr>
+              <p:extLst>
+                <p:ext uri="{386F3935-93C4-4BCD-93E2-E3B085C9AB24}">
+                  <p16:designElem xmlns:p16="http://schemas.microsoft.com/office/powerpoint/2015/main" val="1"/>
+                </p:ext>
+              </p:extLst>
+            </p:nvPr>
+          </p:nvSpPr>
+          <p:spPr>
+            <a:xfrm rot="5400000">
+              <a:off x="11228040" y="2313027"/>
+              <a:ext cx="781700" cy="152382"/>
+            </a:xfrm>
+            <a:prstGeom prst="rect">
+              <a:avLst/>
+            </a:prstGeom>
+            <a:solidFill>
+              <a:schemeClr val="accent4"/>
+            </a:solidFill>
+            <a:ln>
+              <a:noFill/>
+            </a:ln>
+          </p:spPr>
+          <p:style>
+            <a:lnRef idx="2">
+              <a:schemeClr val="accent1">
+                <a:shade val="50000"/>
+              </a:schemeClr>
+            </a:lnRef>
+            <a:fillRef idx="1">
+              <a:schemeClr val="accent1"/>
+            </a:fillRef>
+            <a:effectRef idx="0">
+              <a:schemeClr val="accent1"/>
+            </a:effectRef>
+            <a:fontRef idx="minor">
+              <a:schemeClr val="lt1"/>
+            </a:fontRef>
+          </p:style>
+          <p:txBody>
+            <a:bodyPr rtlCol="0" anchor="ctr"/>
+            <a:lstStyle/>
+            <a:p>
+              <a:pPr algn="ctr"/>
+              <a:endParaRPr lang="en-US"/>
+            </a:p>
+          </p:txBody>
+        </p:sp>
+        <p:sp>
+          <p:nvSpPr>
+            <p:cNvPr id="12" name="Rectangle 11">
+              <a:extLst>
+                <a:ext uri="{FF2B5EF4-FFF2-40B4-BE49-F238E27FC236}">
+                  <a16:creationId xmlns:a16="http://schemas.microsoft.com/office/drawing/2014/main" id="{7275593D-F75E-4426-AE3E-2CDEFD228D25}"/>
+                </a:ext>
+                <a:ext uri="{C183D7F6-B498-43B3-948B-1728B52AA6E4}">
+                  <adec:decorative xmlns:adec="http://schemas.microsoft.com/office/drawing/2017/decorative" val="1"/>
+                </a:ext>
+              </a:extLst>
+            </p:cNvPr>
+            <p:cNvSpPr/>
+            <p:nvPr>
+              <p:extLst>
+                <p:ext uri="{386F3935-93C4-4BCD-93E2-E3B085C9AB24}">
+                  <p16:designElem xmlns:p16="http://schemas.microsoft.com/office/powerpoint/2015/main" val="1"/>
+                </p:ext>
+              </p:extLst>
+            </p:nvPr>
+          </p:nvSpPr>
+          <p:spPr>
+            <a:xfrm flipH="1" flipV="1">
+              <a:off x="-2" y="1998845"/>
+              <a:ext cx="11454595" cy="781699"/>
+            </a:xfrm>
+            <a:prstGeom prst="rect">
+              <a:avLst/>
+            </a:prstGeom>
+            <a:solidFill>
+              <a:schemeClr val="accent4"/>
+            </a:solidFill>
+            <a:ln>
+              <a:noFill/>
+            </a:ln>
+          </p:spPr>
+          <p:style>
+            <a:lnRef idx="2">
+              <a:schemeClr val="accent1">
+                <a:shade val="50000"/>
+              </a:schemeClr>
+            </a:lnRef>
+            <a:fillRef idx="1">
+              <a:schemeClr val="accent1"/>
+            </a:fillRef>
+            <a:effectRef idx="0">
+              <a:schemeClr val="accent1"/>
+            </a:effectRef>
+            <a:fontRef idx="minor">
+              <a:schemeClr val="lt1"/>
+            </a:fontRef>
+          </p:style>
+          <p:txBody>
+            <a:bodyPr rtlCol="0" anchor="ctr"/>
+            <a:lstStyle/>
+            <a:p>
+              <a:pPr algn="ctr"/>
+              <a:endParaRPr lang="en-US"/>
+            </a:p>
+          </p:txBody>
+        </p:sp>
+      </p:grpSp>
+      <p:sp>
+        <p:nvSpPr>
+          <p:cNvPr id="14" name="Rectangle 13">
+            <a:extLst>
+              <a:ext uri="{FF2B5EF4-FFF2-40B4-BE49-F238E27FC236}">
+                <a16:creationId xmlns:a16="http://schemas.microsoft.com/office/drawing/2014/main" id="{E659831F-0D9A-4C63-9EBB-8435B85A440F}"/>
+              </a:ext>
+              <a:ext uri="{C183D7F6-B498-43B3-948B-1728B52AA6E4}">
+                <adec:decorative xmlns:adec="http://schemas.microsoft.com/office/drawing/2017/decorative" val="1"/>
+              </a:ext>
+            </a:extLst>
+          </p:cNvPr>
+          <p:cNvSpPr>
+            <a:spLocks noGrp="1" noRot="1" noChangeAspect="1" noMove="1" noResize="1" noEditPoints="1" noAdjustHandles="1" noChangeArrowheads="1" noChangeShapeType="1" noTextEdit="1"/>
+          </p:cNvSpPr>
+          <p:nvPr>
+            <p:extLst>
+              <p:ext uri="{386F3935-93C4-4BCD-93E2-E3B085C9AB24}">
+                <p16:designElem xmlns:p16="http://schemas.microsoft.com/office/powerpoint/2015/main" val="1"/>
+              </p:ext>
+            </p:extLst>
+          </p:nvPr>
+        </p:nvSpPr>
+        <p:spPr>
+          <a:xfrm>
+            <a:off x="0" y="2203079"/>
+            <a:ext cx="11383362" cy="4147845"/>
+          </a:xfrm>
+          <a:prstGeom prst="rect">
+            <a:avLst/>
+          </a:prstGeom>
+          <a:solidFill>
+            <a:schemeClr val="bg1"/>
+          </a:solidFill>
+          <a:ln>
+            <a:noFill/>
+          </a:ln>
+          <a:effectLst>
+            <a:outerShdw blurRad="139700" dist="127000" dir="5400000" algn="t" rotWithShape="0">
+              <a:prstClr val="black">
+                <a:alpha val="15000"/>
+              </a:prstClr>
+            </a:outerShdw>
+          </a:effectLst>
+        </p:spPr>
+        <p:style>
+          <a:lnRef idx="2">
+            <a:schemeClr val="accent1">
+              <a:shade val="50000"/>
+            </a:schemeClr>
+          </a:lnRef>
+          <a:fillRef idx="1">
+            <a:schemeClr val="accent1"/>
+          </a:fillRef>
+          <a:effectRef idx="0">
+            <a:schemeClr val="accent1"/>
+          </a:effectRef>
+          <a:fontRef idx="minor">
+            <a:schemeClr val="lt1"/>
+          </a:fontRef>
+        </p:style>
+        <p:txBody>
+          <a:bodyPr rtlCol="0" anchor="ctr"/>
+          <a:lstStyle/>
+          <a:p>
+            <a:pPr algn="ctr"/>
+            <a:endParaRPr lang="en-US"/>
+          </a:p>
+        </p:txBody>
+      </p:sp>
+      <p:sp>
+        <p:nvSpPr>
+          <p:cNvPr id="3" name="Content Placeholder 2">
+            <a:extLst>
+              <a:ext uri="{FF2B5EF4-FFF2-40B4-BE49-F238E27FC236}">
+                <a16:creationId xmlns:a16="http://schemas.microsoft.com/office/drawing/2014/main" id="{23F900F7-EA46-2045-B2FD-272BFD45C8B1}"/>
+              </a:ext>
+            </a:extLst>
+          </p:cNvPr>
+          <p:cNvSpPr>
+            <a:spLocks noGrp="1"/>
+          </p:cNvSpPr>
+          <p:nvPr>
+            <p:ph idx="1"/>
+          </p:nvPr>
+        </p:nvSpPr>
+        <p:spPr>
+          <a:xfrm>
+            <a:off x="793660" y="2599509"/>
+            <a:ext cx="10143668" cy="3435531"/>
+          </a:xfrm>
+        </p:spPr>
+        <p:txBody>
+          <a:bodyPr anchor="ctr">
+            <a:normAutofit/>
+          </a:bodyPr>
+          <a:lstStyle/>
+          <a:p>
+            <a:r>
+              <a:rPr lang="en-US" sz="2400"/>
+              <a:t>Gradient Boost – Best Score – R2 = 93.86</a:t>
+            </a:r>
+          </a:p>
+          <a:p>
+            <a:pPr lvl="1"/>
             <a:r>
               <a:rPr lang="en-US" dirty="0"/>
-              <a:t>Support Vector Machines</a:t>
-            </a:r>
-          </a:p>
-        </p:txBody>
-      </p:sp>
-      <p:sp>
-        <p:nvSpPr>
-          <p:cNvPr id="3" name="Content Placeholder 2">
-            <a:extLst>
-              <a:ext uri="{FF2B5EF4-FFF2-40B4-BE49-F238E27FC236}">
-                <a16:creationId xmlns:a16="http://schemas.microsoft.com/office/drawing/2014/main" id="{E9548468-F768-2446-96E6-E067584969B6}"/>
-              </a:ext>
-            </a:extLst>
-          </p:cNvPr>
-          <p:cNvSpPr>
-            <a:spLocks noGrp="1"/>
-          </p:cNvSpPr>
-          <p:nvPr>
-            <p:ph idx="1"/>
-          </p:nvPr>
-        </p:nvSpPr>
-        <p:spPr/>
-        <p:txBody>
-          <a:bodyPr/>
-          <a:lstStyle/>
-          <a:p>
+              <a:t>Params: </a:t>
+            </a:r>
+            <a:r>
+              <a:rPr lang="en-US"/>
+              <a:t>n_estimators</a:t>
+            </a:r>
             <a:r>
               <a:rPr lang="en-US" dirty="0"/>
-              <a:t>Linear Best Score</a:t>
+              <a:t> = 1000, </a:t>
+            </a:r>
+            <a:r>
+              <a:rPr lang="en-US"/>
+              <a:t>max_depth</a:t>
+            </a:r>
+            <a:r>
+              <a:rPr lang="en-US" dirty="0"/>
+              <a:t> = 2, </a:t>
+            </a:r>
+            <a:r>
+              <a:rPr lang="en-US"/>
+              <a:t>learning_rate</a:t>
+            </a:r>
+            <a:r>
+              <a:rPr lang="en-US" dirty="0"/>
+              <a:t> = 0.1</a:t>
+            </a:r>
+          </a:p>
+          <a:p>
+            <a:r>
+              <a:rPr lang="en-US" sz="2400"/>
+              <a:t>AdaBoost Score – Best Score – R2 = 84.54 </a:t>
             </a:r>
           </a:p>
           <a:p>
             <a:pPr lvl="1"/>
             <a:r>
               <a:rPr lang="en-US" dirty="0"/>
-              <a:t>Params</a:t>
-            </a:r>
-          </a:p>
-          <a:p>
-            <a:r>
-              <a:rPr lang="en-US" dirty="0" err="1"/>
-              <a:t>Rbf</a:t>
+              <a:t>Params: </a:t>
+            </a:r>
+            <a:r>
+              <a:rPr lang="en-US"/>
+              <a:t>n_estimators</a:t>
             </a:r>
             <a:r>
               <a:rPr lang="en-US" dirty="0"/>
-              <a:t> Best Score</a:t>
+              <a:t> = 41</a:t>
+            </a:r>
+          </a:p>
+          <a:p>
+            <a:r>
+              <a:rPr lang="en-US" sz="2400"/>
+              <a:t>CatBoost Score – Best Score – R2 = 94.21</a:t>
             </a:r>
           </a:p>
           <a:p>
             <a:pPr lvl="1"/>
             <a:r>
               <a:rPr lang="en-US" dirty="0"/>
-              <a:t>Params</a:t>
-            </a:r>
+              <a:t>Params: depth = 4, iteration = 700, l2_leaf_reg = 0.2, </a:t>
+            </a:r>
+            <a:r>
+              <a:rPr lang="en-US"/>
+              <a:t>learning_rate</a:t>
+            </a:r>
+            <a:r>
+              <a:rPr lang="en-US" dirty="0"/>
+              <a:t> = 0.05</a:t>
+            </a:r>
+          </a:p>
+          <a:p>
+            <a:endParaRPr lang="en-US" sz="2400"/>
           </a:p>
         </p:txBody>
       </p:sp>
     </p:spTree>
     <p:extLst>
       <p:ext uri="{BB962C8B-B14F-4D97-AF65-F5344CB8AC3E}">
-        <p14:creationId xmlns:p14="http://schemas.microsoft.com/office/powerpoint/2010/main" val="773842789"/>
+        <p14:creationId xmlns:p14="http://schemas.microsoft.com/office/powerpoint/2010/main" val="2415435416"/>
       </p:ext>
     </p:extLst>
   </p:cSld>
@@ -5319,6 +8143,14 @@
 <file path=ppt/slides/slide17.xml><?xml version="1.0" encoding="utf-8"?>
 <p:sld xmlns:a="http://schemas.openxmlformats.org/drawingml/2006/main" xmlns:r="http://schemas.openxmlformats.org/officeDocument/2006/relationships" xmlns:p="http://schemas.openxmlformats.org/presentationml/2006/main">
   <p:cSld>
+    <p:bg>
+      <p:bgPr>
+        <a:solidFill>
+          <a:schemeClr val="bg1"/>
+        </a:solidFill>
+        <a:effectLst/>
+      </p:bgPr>
+    </p:bg>
     <p:spTree>
       <p:nvGrpSpPr>
         <p:cNvPr id="1" name=""/>
@@ -5333,12 +8165,72 @@
           <a:chExt cx="0" cy="0"/>
         </a:xfrm>
       </p:grpSpPr>
+      <p:sp useBgFill="1">
+        <p:nvSpPr>
+          <p:cNvPr id="8" name="Rectangle 7">
+            <a:extLst>
+              <a:ext uri="{FF2B5EF4-FFF2-40B4-BE49-F238E27FC236}">
+                <a16:creationId xmlns:a16="http://schemas.microsoft.com/office/drawing/2014/main" id="{DBF61EA3-B236-439E-9C0B-340980D56BEE}"/>
+              </a:ext>
+              <a:ext uri="{C183D7F6-B498-43B3-948B-1728B52AA6E4}">
+                <adec:decorative xmlns:adec="http://schemas.microsoft.com/office/drawing/2017/decorative" val="1"/>
+              </a:ext>
+            </a:extLst>
+          </p:cNvPr>
+          <p:cNvSpPr>
+            <a:spLocks noGrp="1" noRot="1" noChangeAspect="1" noMove="1" noResize="1" noEditPoints="1" noAdjustHandles="1" noChangeArrowheads="1" noChangeShapeType="1" noTextEdit="1"/>
+          </p:cNvSpPr>
+          <p:nvPr>
+            <p:extLst>
+              <p:ext uri="{386F3935-93C4-4BCD-93E2-E3B085C9AB24}">
+                <p16:designElem xmlns:p16="http://schemas.microsoft.com/office/powerpoint/2015/main" val="1"/>
+              </p:ext>
+            </p:extLst>
+          </p:nvPr>
+        </p:nvSpPr>
+        <p:spPr>
+          <a:xfrm>
+            <a:off x="0" y="0"/>
+            <a:ext cx="12191999" cy="6857365"/>
+          </a:xfrm>
+          <a:prstGeom prst="rect">
+            <a:avLst/>
+          </a:prstGeom>
+          <a:ln>
+            <a:noFill/>
+          </a:ln>
+        </p:spPr>
+        <p:style>
+          <a:lnRef idx="2">
+            <a:schemeClr val="accent1">
+              <a:shade val="50000"/>
+            </a:schemeClr>
+          </a:lnRef>
+          <a:fillRef idx="1">
+            <a:schemeClr val="accent1"/>
+          </a:fillRef>
+          <a:effectRef idx="0">
+            <a:schemeClr val="accent1"/>
+          </a:effectRef>
+          <a:fontRef idx="minor">
+            <a:schemeClr val="lt1"/>
+          </a:fontRef>
+        </p:style>
+        <p:txBody>
+          <a:bodyPr rtlCol="0" anchor="ctr"/>
+          <a:lstStyle/>
+          <a:p>
+            <a:pPr algn="ctr"/>
+            <a:endParaRPr lang="en-US"/>
+          </a:p>
+        </p:txBody>
+      </p:sp>
       <p:sp>
         <p:nvSpPr>
           <p:cNvPr id="2" name="Title 1">
             <a:extLst>
               <a:ext uri="{FF2B5EF4-FFF2-40B4-BE49-F238E27FC236}">
-                <a16:creationId xmlns:a16="http://schemas.microsoft.com/office/drawing/2014/main" id="{53EFA03A-1DF9-1B44-9598-40ACA22AB0D8}"/>
+                <a16:creationId xmlns:a16="http://schemas.microsoft.com/office/drawing/2014/main" id="{BC5EA46F-2E49-164F-BCBD-4CD495BE20C0}"/>
               </a:ext>
             </a:extLst>
           </p:cNvPr>
@@ -5349,48 +8241,287 @@
             <p:ph type="title"/>
           </p:nvPr>
         </p:nvSpPr>
-        <p:spPr/>
-        <p:txBody>
-          <a:bodyPr/>
-          <a:lstStyle/>
-          <a:p>
+        <p:spPr>
+          <a:xfrm>
+            <a:off x="808638" y="386930"/>
+            <a:ext cx="9236700" cy="1188950"/>
+          </a:xfrm>
+        </p:spPr>
+        <p:txBody>
+          <a:bodyPr anchor="b">
+            <a:normAutofit/>
+          </a:bodyPr>
+          <a:lstStyle/>
+          <a:p>
+            <a:r>
+              <a:rPr lang="en-US" sz="5400"/>
+              <a:t>Support Vector Machines</a:t>
+            </a:r>
+          </a:p>
+        </p:txBody>
+      </p:sp>
+      <p:grpSp>
+        <p:nvGrpSpPr>
+          <p:cNvPr id="10" name="Group 9">
+            <a:extLst>
+              <a:ext uri="{FF2B5EF4-FFF2-40B4-BE49-F238E27FC236}">
+                <a16:creationId xmlns:a16="http://schemas.microsoft.com/office/drawing/2014/main" id="{28FAF094-D087-493F-8DF9-A486C2D6BBAA}"/>
+              </a:ext>
+              <a:ext uri="{C183D7F6-B498-43B3-948B-1728B52AA6E4}">
+                <adec:decorative xmlns:adec="http://schemas.microsoft.com/office/drawing/2017/decorative" val="1"/>
+              </a:ext>
+            </a:extLst>
+          </p:cNvPr>
+          <p:cNvGrpSpPr>
+            <a:grpSpLocks noGrp="1" noUngrp="1" noRot="1" noChangeAspect="1" noMove="1" noResize="1"/>
+          </p:cNvGrpSpPr>
+          <p:nvPr>
+            <p:extLst>
+              <p:ext uri="{386F3935-93C4-4BCD-93E2-E3B085C9AB24}">
+                <p16:designElem xmlns:p16="http://schemas.microsoft.com/office/powerpoint/2015/main" val="1"/>
+              </p:ext>
+            </p:extLst>
+          </p:nvPr>
+        </p:nvGrpSpPr>
+        <p:grpSpPr>
+          <a:xfrm>
+            <a:off x="-2" y="1998368"/>
+            <a:ext cx="11695083" cy="782176"/>
+            <a:chOff x="-2" y="1998368"/>
+            <a:chExt cx="11695083" cy="782176"/>
+          </a:xfrm>
+        </p:grpSpPr>
+        <p:sp>
+          <p:nvSpPr>
+            <p:cNvPr id="11" name="Rectangle 10">
+              <a:extLst>
+                <a:ext uri="{FF2B5EF4-FFF2-40B4-BE49-F238E27FC236}">
+                  <a16:creationId xmlns:a16="http://schemas.microsoft.com/office/drawing/2014/main" id="{8D7C88D8-5509-4514-925A-9CE148E5CBD6}"/>
+                </a:ext>
+                <a:ext uri="{C183D7F6-B498-43B3-948B-1728B52AA6E4}">
+                  <adec:decorative xmlns:adec="http://schemas.microsoft.com/office/drawing/2017/decorative" val="1"/>
+                </a:ext>
+              </a:extLst>
+            </p:cNvPr>
+            <p:cNvSpPr/>
+            <p:nvPr>
+              <p:extLst>
+                <p:ext uri="{386F3935-93C4-4BCD-93E2-E3B085C9AB24}">
+                  <p16:designElem xmlns:p16="http://schemas.microsoft.com/office/powerpoint/2015/main" val="1"/>
+                </p:ext>
+              </p:extLst>
+            </p:nvPr>
+          </p:nvSpPr>
+          <p:spPr>
+            <a:xfrm rot="5400000">
+              <a:off x="11228040" y="2313027"/>
+              <a:ext cx="781700" cy="152382"/>
+            </a:xfrm>
+            <a:prstGeom prst="rect">
+              <a:avLst/>
+            </a:prstGeom>
+            <a:solidFill>
+              <a:schemeClr val="accent4"/>
+            </a:solidFill>
+            <a:ln>
+              <a:noFill/>
+            </a:ln>
+          </p:spPr>
+          <p:style>
+            <a:lnRef idx="2">
+              <a:schemeClr val="accent1">
+                <a:shade val="50000"/>
+              </a:schemeClr>
+            </a:lnRef>
+            <a:fillRef idx="1">
+              <a:schemeClr val="accent1"/>
+            </a:fillRef>
+            <a:effectRef idx="0">
+              <a:schemeClr val="accent1"/>
+            </a:effectRef>
+            <a:fontRef idx="minor">
+              <a:schemeClr val="lt1"/>
+            </a:fontRef>
+          </p:style>
+          <p:txBody>
+            <a:bodyPr rtlCol="0" anchor="ctr"/>
+            <a:lstStyle/>
+            <a:p>
+              <a:pPr algn="ctr"/>
+              <a:endParaRPr lang="en-US"/>
+            </a:p>
+          </p:txBody>
+        </p:sp>
+        <p:sp>
+          <p:nvSpPr>
+            <p:cNvPr id="12" name="Rectangle 11">
+              <a:extLst>
+                <a:ext uri="{FF2B5EF4-FFF2-40B4-BE49-F238E27FC236}">
+                  <a16:creationId xmlns:a16="http://schemas.microsoft.com/office/drawing/2014/main" id="{7275593D-F75E-4426-AE3E-2CDEFD228D25}"/>
+                </a:ext>
+                <a:ext uri="{C183D7F6-B498-43B3-948B-1728B52AA6E4}">
+                  <adec:decorative xmlns:adec="http://schemas.microsoft.com/office/drawing/2017/decorative" val="1"/>
+                </a:ext>
+              </a:extLst>
+            </p:cNvPr>
+            <p:cNvSpPr/>
+            <p:nvPr>
+              <p:extLst>
+                <p:ext uri="{386F3935-93C4-4BCD-93E2-E3B085C9AB24}">
+                  <p16:designElem xmlns:p16="http://schemas.microsoft.com/office/powerpoint/2015/main" val="1"/>
+                </p:ext>
+              </p:extLst>
+            </p:nvPr>
+          </p:nvSpPr>
+          <p:spPr>
+            <a:xfrm flipH="1" flipV="1">
+              <a:off x="-2" y="1998845"/>
+              <a:ext cx="11454595" cy="781699"/>
+            </a:xfrm>
+            <a:prstGeom prst="rect">
+              <a:avLst/>
+            </a:prstGeom>
+            <a:solidFill>
+              <a:schemeClr val="accent4"/>
+            </a:solidFill>
+            <a:ln>
+              <a:noFill/>
+            </a:ln>
+          </p:spPr>
+          <p:style>
+            <a:lnRef idx="2">
+              <a:schemeClr val="accent1">
+                <a:shade val="50000"/>
+              </a:schemeClr>
+            </a:lnRef>
+            <a:fillRef idx="1">
+              <a:schemeClr val="accent1"/>
+            </a:fillRef>
+            <a:effectRef idx="0">
+              <a:schemeClr val="accent1"/>
+            </a:effectRef>
+            <a:fontRef idx="minor">
+              <a:schemeClr val="lt1"/>
+            </a:fontRef>
+          </p:style>
+          <p:txBody>
+            <a:bodyPr rtlCol="0" anchor="ctr"/>
+            <a:lstStyle/>
+            <a:p>
+              <a:pPr algn="ctr"/>
+              <a:endParaRPr lang="en-US"/>
+            </a:p>
+          </p:txBody>
+        </p:sp>
+      </p:grpSp>
+      <p:sp>
+        <p:nvSpPr>
+          <p:cNvPr id="14" name="Rectangle 13">
+            <a:extLst>
+              <a:ext uri="{FF2B5EF4-FFF2-40B4-BE49-F238E27FC236}">
+                <a16:creationId xmlns:a16="http://schemas.microsoft.com/office/drawing/2014/main" id="{E659831F-0D9A-4C63-9EBB-8435B85A440F}"/>
+              </a:ext>
+              <a:ext uri="{C183D7F6-B498-43B3-948B-1728B52AA6E4}">
+                <adec:decorative xmlns:adec="http://schemas.microsoft.com/office/drawing/2017/decorative" val="1"/>
+              </a:ext>
+            </a:extLst>
+          </p:cNvPr>
+          <p:cNvSpPr>
+            <a:spLocks noGrp="1" noRot="1" noChangeAspect="1" noMove="1" noResize="1" noEditPoints="1" noAdjustHandles="1" noChangeArrowheads="1" noChangeShapeType="1" noTextEdit="1"/>
+          </p:cNvSpPr>
+          <p:nvPr>
+            <p:extLst>
+              <p:ext uri="{386F3935-93C4-4BCD-93E2-E3B085C9AB24}">
+                <p16:designElem xmlns:p16="http://schemas.microsoft.com/office/powerpoint/2015/main" val="1"/>
+              </p:ext>
+            </p:extLst>
+          </p:nvPr>
+        </p:nvSpPr>
+        <p:spPr>
+          <a:xfrm>
+            <a:off x="0" y="2203079"/>
+            <a:ext cx="11383362" cy="4147845"/>
+          </a:xfrm>
+          <a:prstGeom prst="rect">
+            <a:avLst/>
+          </a:prstGeom>
+          <a:solidFill>
+            <a:schemeClr val="bg1"/>
+          </a:solidFill>
+          <a:ln>
+            <a:noFill/>
+          </a:ln>
+          <a:effectLst>
+            <a:outerShdw blurRad="139700" dist="127000" dir="5400000" algn="t" rotWithShape="0">
+              <a:prstClr val="black">
+                <a:alpha val="15000"/>
+              </a:prstClr>
+            </a:outerShdw>
+          </a:effectLst>
+        </p:spPr>
+        <p:style>
+          <a:lnRef idx="2">
+            <a:schemeClr val="accent1">
+              <a:shade val="50000"/>
+            </a:schemeClr>
+          </a:lnRef>
+          <a:fillRef idx="1">
+            <a:schemeClr val="accent1"/>
+          </a:fillRef>
+          <a:effectRef idx="0">
+            <a:schemeClr val="accent1"/>
+          </a:effectRef>
+          <a:fontRef idx="minor">
+            <a:schemeClr val="lt1"/>
+          </a:fontRef>
+        </p:style>
+        <p:txBody>
+          <a:bodyPr rtlCol="0" anchor="ctr"/>
+          <a:lstStyle/>
+          <a:p>
+            <a:pPr algn="ctr"/>
+            <a:endParaRPr lang="en-US"/>
+          </a:p>
+        </p:txBody>
+      </p:sp>
+      <p:sp>
+        <p:nvSpPr>
+          <p:cNvPr id="3" name="Content Placeholder 2">
+            <a:extLst>
+              <a:ext uri="{FF2B5EF4-FFF2-40B4-BE49-F238E27FC236}">
+                <a16:creationId xmlns:a16="http://schemas.microsoft.com/office/drawing/2014/main" id="{E9548468-F768-2446-96E6-E067584969B6}"/>
+              </a:ext>
+            </a:extLst>
+          </p:cNvPr>
+          <p:cNvSpPr>
+            <a:spLocks noGrp="1"/>
+          </p:cNvSpPr>
+          <p:nvPr>
+            <p:ph idx="1"/>
+          </p:nvPr>
+        </p:nvSpPr>
+        <p:spPr>
+          <a:xfrm>
+            <a:off x="793660" y="2599509"/>
+            <a:ext cx="10143668" cy="3435531"/>
+          </a:xfrm>
+        </p:spPr>
+        <p:txBody>
+          <a:bodyPr anchor="ctr">
+            <a:normAutofit/>
+          </a:bodyPr>
+          <a:lstStyle/>
+          <a:p>
+            <a:r>
+              <a:rPr lang="en-US" sz="2400"/>
+              <a:t>Linear Best Score – Best Score – R2 = 94.91</a:t>
+            </a:r>
+          </a:p>
+          <a:p>
+            <a:pPr lvl="1"/>
             <a:r>
               <a:rPr lang="en-US" dirty="0"/>
-              <a:t>Ensemble Attempt</a:t>
-            </a:r>
-          </a:p>
-        </p:txBody>
-      </p:sp>
-      <p:sp>
-        <p:nvSpPr>
-          <p:cNvPr id="3" name="Content Placeholder 2">
-            <a:extLst>
-              <a:ext uri="{FF2B5EF4-FFF2-40B4-BE49-F238E27FC236}">
-                <a16:creationId xmlns:a16="http://schemas.microsoft.com/office/drawing/2014/main" id="{AFACF8A1-5CF7-6644-847F-ED6BCD6835E2}"/>
-              </a:ext>
-            </a:extLst>
-          </p:cNvPr>
-          <p:cNvSpPr>
-            <a:spLocks noGrp="1"/>
-          </p:cNvSpPr>
-          <p:nvPr>
-            <p:ph idx="1"/>
-          </p:nvPr>
-        </p:nvSpPr>
-        <p:spPr/>
-        <p:txBody>
-          <a:bodyPr/>
-          <a:lstStyle/>
-          <a:p>
-            <a:r>
-              <a:rPr lang="en-US" dirty="0"/>
-              <a:t>Majority Vote</a:t>
-            </a:r>
-          </a:p>
-          <a:p>
-            <a:r>
-              <a:rPr lang="en-US" dirty="0"/>
-              <a:t>Stacking</a:t>
+              <a:t>Params: gamma = 0.1, C = 1.125, epsilon = 0.04, kernel = ‘poly’, degree = 1</a:t>
             </a:r>
           </a:p>
         </p:txBody>
@@ -5398,7 +8529,7 @@
     </p:spTree>
     <p:extLst>
       <p:ext uri="{BB962C8B-B14F-4D97-AF65-F5344CB8AC3E}">
-        <p14:creationId xmlns:p14="http://schemas.microsoft.com/office/powerpoint/2010/main" val="1464888592"/>
+        <p14:creationId xmlns:p14="http://schemas.microsoft.com/office/powerpoint/2010/main" val="773842789"/>
       </p:ext>
     </p:extLst>
   </p:cSld>
@@ -5411,6 +8542,14 @@
 <file path=ppt/slides/slide18.xml><?xml version="1.0" encoding="utf-8"?>
 <p:sld xmlns:a="http://schemas.openxmlformats.org/drawingml/2006/main" xmlns:r="http://schemas.openxmlformats.org/officeDocument/2006/relationships" xmlns:p="http://schemas.openxmlformats.org/presentationml/2006/main">
   <p:cSld>
+    <p:bg>
+      <p:bgPr>
+        <a:solidFill>
+          <a:schemeClr val="bg1"/>
+        </a:solidFill>
+        <a:effectLst/>
+      </p:bgPr>
+    </p:bg>
     <p:spTree>
       <p:nvGrpSpPr>
         <p:cNvPr id="1" name=""/>
@@ -5425,11 +8564,625 @@
           <a:chExt cx="0" cy="0"/>
         </a:xfrm>
       </p:grpSpPr>
+      <p:sp useBgFill="1">
+        <p:nvSpPr>
+          <p:cNvPr id="8" name="Rectangle 7">
+            <a:extLst>
+              <a:ext uri="{FF2B5EF4-FFF2-40B4-BE49-F238E27FC236}">
+                <a16:creationId xmlns:a16="http://schemas.microsoft.com/office/drawing/2014/main" id="{DBF61EA3-B236-439E-9C0B-340980D56BEE}"/>
+              </a:ext>
+              <a:ext uri="{C183D7F6-B498-43B3-948B-1728B52AA6E4}">
+                <adec:decorative xmlns:adec="http://schemas.microsoft.com/office/drawing/2017/decorative" val="1"/>
+              </a:ext>
+            </a:extLst>
+          </p:cNvPr>
+          <p:cNvSpPr>
+            <a:spLocks noGrp="1" noRot="1" noChangeAspect="1" noMove="1" noResize="1" noEditPoints="1" noAdjustHandles="1" noChangeArrowheads="1" noChangeShapeType="1" noTextEdit="1"/>
+          </p:cNvSpPr>
+          <p:nvPr>
+            <p:extLst>
+              <p:ext uri="{386F3935-93C4-4BCD-93E2-E3B085C9AB24}">
+                <p16:designElem xmlns:p16="http://schemas.microsoft.com/office/powerpoint/2015/main" val="1"/>
+              </p:ext>
+            </p:extLst>
+          </p:nvPr>
+        </p:nvSpPr>
+        <p:spPr>
+          <a:xfrm>
+            <a:off x="0" y="0"/>
+            <a:ext cx="12191999" cy="6857365"/>
+          </a:xfrm>
+          <a:prstGeom prst="rect">
+            <a:avLst/>
+          </a:prstGeom>
+          <a:ln>
+            <a:noFill/>
+          </a:ln>
+        </p:spPr>
+        <p:style>
+          <a:lnRef idx="2">
+            <a:schemeClr val="accent1">
+              <a:shade val="50000"/>
+            </a:schemeClr>
+          </a:lnRef>
+          <a:fillRef idx="1">
+            <a:schemeClr val="accent1"/>
+          </a:fillRef>
+          <a:effectRef idx="0">
+            <a:schemeClr val="accent1"/>
+          </a:effectRef>
+          <a:fontRef idx="minor">
+            <a:schemeClr val="lt1"/>
+          </a:fontRef>
+        </p:style>
+        <p:txBody>
+          <a:bodyPr rtlCol="0" anchor="ctr"/>
+          <a:lstStyle/>
+          <a:p>
+            <a:pPr algn="ctr"/>
+            <a:endParaRPr lang="en-US"/>
+          </a:p>
+        </p:txBody>
+      </p:sp>
       <p:sp>
         <p:nvSpPr>
           <p:cNvPr id="2" name="Title 1">
             <a:extLst>
               <a:ext uri="{FF2B5EF4-FFF2-40B4-BE49-F238E27FC236}">
+                <a16:creationId xmlns:a16="http://schemas.microsoft.com/office/drawing/2014/main" id="{53EFA03A-1DF9-1B44-9598-40ACA22AB0D8}"/>
+              </a:ext>
+            </a:extLst>
+          </p:cNvPr>
+          <p:cNvSpPr>
+            <a:spLocks noGrp="1"/>
+          </p:cNvSpPr>
+          <p:nvPr>
+            <p:ph type="title"/>
+          </p:nvPr>
+        </p:nvSpPr>
+        <p:spPr>
+          <a:xfrm>
+            <a:off x="808638" y="386930"/>
+            <a:ext cx="9236700" cy="1188950"/>
+          </a:xfrm>
+        </p:spPr>
+        <p:txBody>
+          <a:bodyPr anchor="b">
+            <a:normAutofit/>
+          </a:bodyPr>
+          <a:lstStyle/>
+          <a:p>
+            <a:r>
+              <a:rPr lang="en-US" sz="5400"/>
+              <a:t>Ensemble</a:t>
+            </a:r>
+          </a:p>
+        </p:txBody>
+      </p:sp>
+      <p:grpSp>
+        <p:nvGrpSpPr>
+          <p:cNvPr id="10" name="Group 9">
+            <a:extLst>
+              <a:ext uri="{FF2B5EF4-FFF2-40B4-BE49-F238E27FC236}">
+                <a16:creationId xmlns:a16="http://schemas.microsoft.com/office/drawing/2014/main" id="{28FAF094-D087-493F-8DF9-A486C2D6BBAA}"/>
+              </a:ext>
+              <a:ext uri="{C183D7F6-B498-43B3-948B-1728B52AA6E4}">
+                <adec:decorative xmlns:adec="http://schemas.microsoft.com/office/drawing/2017/decorative" val="1"/>
+              </a:ext>
+            </a:extLst>
+          </p:cNvPr>
+          <p:cNvGrpSpPr>
+            <a:grpSpLocks noGrp="1" noUngrp="1" noRot="1" noChangeAspect="1" noMove="1" noResize="1"/>
+          </p:cNvGrpSpPr>
+          <p:nvPr>
+            <p:extLst>
+              <p:ext uri="{386F3935-93C4-4BCD-93E2-E3B085C9AB24}">
+                <p16:designElem xmlns:p16="http://schemas.microsoft.com/office/powerpoint/2015/main" val="1"/>
+              </p:ext>
+            </p:extLst>
+          </p:nvPr>
+        </p:nvGrpSpPr>
+        <p:grpSpPr>
+          <a:xfrm>
+            <a:off x="-2" y="1998368"/>
+            <a:ext cx="11695083" cy="782176"/>
+            <a:chOff x="-2" y="1998368"/>
+            <a:chExt cx="11695083" cy="782176"/>
+          </a:xfrm>
+        </p:grpSpPr>
+        <p:sp>
+          <p:nvSpPr>
+            <p:cNvPr id="11" name="Rectangle 10">
+              <a:extLst>
+                <a:ext uri="{FF2B5EF4-FFF2-40B4-BE49-F238E27FC236}">
+                  <a16:creationId xmlns:a16="http://schemas.microsoft.com/office/drawing/2014/main" id="{8D7C88D8-5509-4514-925A-9CE148E5CBD6}"/>
+                </a:ext>
+                <a:ext uri="{C183D7F6-B498-43B3-948B-1728B52AA6E4}">
+                  <adec:decorative xmlns:adec="http://schemas.microsoft.com/office/drawing/2017/decorative" val="1"/>
+                </a:ext>
+              </a:extLst>
+            </p:cNvPr>
+            <p:cNvSpPr/>
+            <p:nvPr>
+              <p:extLst>
+                <p:ext uri="{386F3935-93C4-4BCD-93E2-E3B085C9AB24}">
+                  <p16:designElem xmlns:p16="http://schemas.microsoft.com/office/powerpoint/2015/main" val="1"/>
+                </p:ext>
+              </p:extLst>
+            </p:nvPr>
+          </p:nvSpPr>
+          <p:spPr>
+            <a:xfrm rot="5400000">
+              <a:off x="11228040" y="2313027"/>
+              <a:ext cx="781700" cy="152382"/>
+            </a:xfrm>
+            <a:prstGeom prst="rect">
+              <a:avLst/>
+            </a:prstGeom>
+            <a:solidFill>
+              <a:schemeClr val="accent4"/>
+            </a:solidFill>
+            <a:ln>
+              <a:noFill/>
+            </a:ln>
+          </p:spPr>
+          <p:style>
+            <a:lnRef idx="2">
+              <a:schemeClr val="accent1">
+                <a:shade val="50000"/>
+              </a:schemeClr>
+            </a:lnRef>
+            <a:fillRef idx="1">
+              <a:schemeClr val="accent1"/>
+            </a:fillRef>
+            <a:effectRef idx="0">
+              <a:schemeClr val="accent1"/>
+            </a:effectRef>
+            <a:fontRef idx="minor">
+              <a:schemeClr val="lt1"/>
+            </a:fontRef>
+          </p:style>
+          <p:txBody>
+            <a:bodyPr rtlCol="0" anchor="ctr"/>
+            <a:lstStyle/>
+            <a:p>
+              <a:pPr algn="ctr"/>
+              <a:endParaRPr lang="en-US"/>
+            </a:p>
+          </p:txBody>
+        </p:sp>
+        <p:sp>
+          <p:nvSpPr>
+            <p:cNvPr id="12" name="Rectangle 11">
+              <a:extLst>
+                <a:ext uri="{FF2B5EF4-FFF2-40B4-BE49-F238E27FC236}">
+                  <a16:creationId xmlns:a16="http://schemas.microsoft.com/office/drawing/2014/main" id="{7275593D-F75E-4426-AE3E-2CDEFD228D25}"/>
+                </a:ext>
+                <a:ext uri="{C183D7F6-B498-43B3-948B-1728B52AA6E4}">
+                  <adec:decorative xmlns:adec="http://schemas.microsoft.com/office/drawing/2017/decorative" val="1"/>
+                </a:ext>
+              </a:extLst>
+            </p:cNvPr>
+            <p:cNvSpPr/>
+            <p:nvPr>
+              <p:extLst>
+                <p:ext uri="{386F3935-93C4-4BCD-93E2-E3B085C9AB24}">
+                  <p16:designElem xmlns:p16="http://schemas.microsoft.com/office/powerpoint/2015/main" val="1"/>
+                </p:ext>
+              </p:extLst>
+            </p:nvPr>
+          </p:nvSpPr>
+          <p:spPr>
+            <a:xfrm flipH="1" flipV="1">
+              <a:off x="-2" y="1998845"/>
+              <a:ext cx="11454595" cy="781699"/>
+            </a:xfrm>
+            <a:prstGeom prst="rect">
+              <a:avLst/>
+            </a:prstGeom>
+            <a:solidFill>
+              <a:schemeClr val="accent4"/>
+            </a:solidFill>
+            <a:ln>
+              <a:noFill/>
+            </a:ln>
+          </p:spPr>
+          <p:style>
+            <a:lnRef idx="2">
+              <a:schemeClr val="accent1">
+                <a:shade val="50000"/>
+              </a:schemeClr>
+            </a:lnRef>
+            <a:fillRef idx="1">
+              <a:schemeClr val="accent1"/>
+            </a:fillRef>
+            <a:effectRef idx="0">
+              <a:schemeClr val="accent1"/>
+            </a:effectRef>
+            <a:fontRef idx="minor">
+              <a:schemeClr val="lt1"/>
+            </a:fontRef>
+          </p:style>
+          <p:txBody>
+            <a:bodyPr rtlCol="0" anchor="ctr"/>
+            <a:lstStyle/>
+            <a:p>
+              <a:pPr algn="ctr"/>
+              <a:endParaRPr lang="en-US"/>
+            </a:p>
+          </p:txBody>
+        </p:sp>
+      </p:grpSp>
+      <p:sp>
+        <p:nvSpPr>
+          <p:cNvPr id="14" name="Rectangle 13">
+            <a:extLst>
+              <a:ext uri="{FF2B5EF4-FFF2-40B4-BE49-F238E27FC236}">
+                <a16:creationId xmlns:a16="http://schemas.microsoft.com/office/drawing/2014/main" id="{E659831F-0D9A-4C63-9EBB-8435B85A440F}"/>
+              </a:ext>
+              <a:ext uri="{C183D7F6-B498-43B3-948B-1728B52AA6E4}">
+                <adec:decorative xmlns:adec="http://schemas.microsoft.com/office/drawing/2017/decorative" val="1"/>
+              </a:ext>
+            </a:extLst>
+          </p:cNvPr>
+          <p:cNvSpPr>
+            <a:spLocks noGrp="1" noRot="1" noChangeAspect="1" noMove="1" noResize="1" noEditPoints="1" noAdjustHandles="1" noChangeArrowheads="1" noChangeShapeType="1" noTextEdit="1"/>
+          </p:cNvSpPr>
+          <p:nvPr>
+            <p:extLst>
+              <p:ext uri="{386F3935-93C4-4BCD-93E2-E3B085C9AB24}">
+                <p16:designElem xmlns:p16="http://schemas.microsoft.com/office/powerpoint/2015/main" val="1"/>
+              </p:ext>
+            </p:extLst>
+          </p:nvPr>
+        </p:nvSpPr>
+        <p:spPr>
+          <a:xfrm>
+            <a:off x="0" y="2203079"/>
+            <a:ext cx="11383362" cy="4147845"/>
+          </a:xfrm>
+          <a:prstGeom prst="rect">
+            <a:avLst/>
+          </a:prstGeom>
+          <a:solidFill>
+            <a:schemeClr val="bg1"/>
+          </a:solidFill>
+          <a:ln>
+            <a:noFill/>
+          </a:ln>
+          <a:effectLst>
+            <a:outerShdw blurRad="139700" dist="127000" dir="5400000" algn="t" rotWithShape="0">
+              <a:prstClr val="black">
+                <a:alpha val="15000"/>
+              </a:prstClr>
+            </a:outerShdw>
+          </a:effectLst>
+        </p:spPr>
+        <p:style>
+          <a:lnRef idx="2">
+            <a:schemeClr val="accent1">
+              <a:shade val="50000"/>
+            </a:schemeClr>
+          </a:lnRef>
+          <a:fillRef idx="1">
+            <a:schemeClr val="accent1"/>
+          </a:fillRef>
+          <a:effectRef idx="0">
+            <a:schemeClr val="accent1"/>
+          </a:effectRef>
+          <a:fontRef idx="minor">
+            <a:schemeClr val="lt1"/>
+          </a:fontRef>
+        </p:style>
+        <p:txBody>
+          <a:bodyPr rtlCol="0" anchor="ctr"/>
+          <a:lstStyle/>
+          <a:p>
+            <a:pPr algn="ctr"/>
+            <a:endParaRPr lang="en-US"/>
+          </a:p>
+        </p:txBody>
+      </p:sp>
+      <p:sp>
+        <p:nvSpPr>
+          <p:cNvPr id="3" name="Content Placeholder 2">
+            <a:extLst>
+              <a:ext uri="{FF2B5EF4-FFF2-40B4-BE49-F238E27FC236}">
+                <a16:creationId xmlns:a16="http://schemas.microsoft.com/office/drawing/2014/main" id="{AFACF8A1-5CF7-6644-847F-ED6BCD6835E2}"/>
+              </a:ext>
+            </a:extLst>
+          </p:cNvPr>
+          <p:cNvSpPr>
+            <a:spLocks noGrp="1"/>
+          </p:cNvSpPr>
+          <p:nvPr>
+            <p:ph idx="1"/>
+          </p:nvPr>
+        </p:nvSpPr>
+        <p:spPr>
+          <a:xfrm>
+            <a:off x="793660" y="2599509"/>
+            <a:ext cx="10143668" cy="3435531"/>
+          </a:xfrm>
+        </p:spPr>
+        <p:txBody>
+          <a:bodyPr anchor="ctr">
+            <a:normAutofit/>
+          </a:bodyPr>
+          <a:lstStyle/>
+          <a:p>
+            <a:r>
+              <a:rPr lang="en-US" sz="2400"/>
+              <a:t>Voting Regressor (average) – Best Score – R2 = 95.41</a:t>
+            </a:r>
+          </a:p>
+          <a:p>
+            <a:pPr lvl="1"/>
+            <a:r>
+              <a:rPr lang="en-US" dirty="0"/>
+              <a:t>Models: Lasso, Ridge, </a:t>
+            </a:r>
+            <a:r>
+              <a:rPr lang="en-US"/>
+              <a:t>ElasticNet</a:t>
+            </a:r>
+            <a:r>
+              <a:rPr lang="en-US" dirty="0"/>
+              <a:t>, SVM, Gradient Boost, </a:t>
+            </a:r>
+            <a:r>
+              <a:rPr lang="en-US"/>
+              <a:t>CatBoost</a:t>
+            </a:r>
+            <a:endParaRPr lang="en-US" dirty="0"/>
+          </a:p>
+          <a:p>
+            <a:r>
+              <a:rPr lang="en-US" sz="2400"/>
+              <a:t>Stacking</a:t>
+            </a:r>
+          </a:p>
+          <a:p>
+            <a:pPr lvl="1"/>
+            <a:r>
+              <a:rPr lang="en-US" dirty="0"/>
+              <a:t>Can we do this?</a:t>
+            </a:r>
+          </a:p>
+        </p:txBody>
+      </p:sp>
+    </p:spTree>
+    <p:extLst>
+      <p:ext uri="{BB962C8B-B14F-4D97-AF65-F5344CB8AC3E}">
+        <p14:creationId xmlns:p14="http://schemas.microsoft.com/office/powerpoint/2010/main" val="1464888592"/>
+      </p:ext>
+    </p:extLst>
+  </p:cSld>
+  <p:clrMapOvr>
+    <a:masterClrMapping/>
+  </p:clrMapOvr>
+</p:sld>
+</file>
+
+<file path=ppt/slides/slide19.xml><?xml version="1.0" encoding="utf-8"?>
+<p:sld xmlns:a="http://schemas.openxmlformats.org/drawingml/2006/main" xmlns:r="http://schemas.openxmlformats.org/officeDocument/2006/relationships" xmlns:p="http://schemas.openxmlformats.org/presentationml/2006/main">
+  <p:cSld>
+    <p:bg>
+      <p:bgPr>
+        <a:solidFill>
+          <a:schemeClr val="bg1"/>
+        </a:solidFill>
+        <a:effectLst/>
+      </p:bgPr>
+    </p:bg>
+    <p:spTree>
+      <p:nvGrpSpPr>
+        <p:cNvPr id="1" name=""/>
+        <p:cNvGrpSpPr/>
+        <p:nvPr/>
+      </p:nvGrpSpPr>
+      <p:grpSpPr>
+        <a:xfrm>
+          <a:off x="0" y="0"/>
+          <a:ext cx="0" cy="0"/>
+          <a:chOff x="0" y="0"/>
+          <a:chExt cx="0" cy="0"/>
+        </a:xfrm>
+      </p:grpSpPr>
+      <p:sp useBgFill="1">
+        <p:nvSpPr>
+          <p:cNvPr id="29" name="Rectangle 28">
+            <a:extLst>
+              <a:ext uri="{FF2B5EF4-FFF2-40B4-BE49-F238E27FC236}">
+                <a16:creationId xmlns:a16="http://schemas.microsoft.com/office/drawing/2014/main" id="{879EECFE-814E-4B68-96A7-86A795BD22F7}"/>
+              </a:ext>
+              <a:ext uri="{C183D7F6-B498-43B3-948B-1728B52AA6E4}">
+                <adec:decorative xmlns:adec="http://schemas.microsoft.com/office/drawing/2017/decorative" val="1"/>
+              </a:ext>
+            </a:extLst>
+          </p:cNvPr>
+          <p:cNvSpPr>
+            <a:spLocks noGrp="1" noRot="1" noChangeAspect="1" noMove="1" noResize="1" noEditPoints="1" noAdjustHandles="1" noChangeArrowheads="1" noChangeShapeType="1" noTextEdit="1"/>
+          </p:cNvSpPr>
+          <p:nvPr>
+            <p:extLst>
+              <p:ext uri="{386F3935-93C4-4BCD-93E2-E3B085C9AB24}">
+                <p16:designElem xmlns:p16="http://schemas.microsoft.com/office/powerpoint/2015/main" val="1"/>
+              </p:ext>
+            </p:extLst>
+          </p:nvPr>
+        </p:nvSpPr>
+        <p:spPr>
+          <a:xfrm>
+            <a:off x="0" y="0"/>
+            <a:ext cx="12192000" cy="6858000"/>
+          </a:xfrm>
+          <a:prstGeom prst="rect">
+            <a:avLst/>
+          </a:prstGeom>
+          <a:ln>
+            <a:noFill/>
+          </a:ln>
+        </p:spPr>
+        <p:style>
+          <a:lnRef idx="2">
+            <a:schemeClr val="accent1">
+              <a:shade val="50000"/>
+            </a:schemeClr>
+          </a:lnRef>
+          <a:fillRef idx="1">
+            <a:schemeClr val="accent1"/>
+          </a:fillRef>
+          <a:effectRef idx="0">
+            <a:schemeClr val="accent1"/>
+          </a:effectRef>
+          <a:fontRef idx="minor">
+            <a:schemeClr val="lt1"/>
+          </a:fontRef>
+        </p:style>
+        <p:txBody>
+          <a:bodyPr rtlCol="0" anchor="ctr"/>
+          <a:lstStyle/>
+          <a:p>
+            <a:pPr algn="ctr"/>
+            <a:endParaRPr lang="en-US"/>
+          </a:p>
+        </p:txBody>
+      </p:sp>
+      <p:sp>
+        <p:nvSpPr>
+          <p:cNvPr id="31" name="Right Triangle 30">
+            <a:extLst>
+              <a:ext uri="{FF2B5EF4-FFF2-40B4-BE49-F238E27FC236}">
+                <a16:creationId xmlns:a16="http://schemas.microsoft.com/office/drawing/2014/main" id="{AF180F00-B4B2-4196-BB1C-ECD21B03F0A9}"/>
+              </a:ext>
+              <a:ext uri="{C183D7F6-B498-43B3-948B-1728B52AA6E4}">
+                <adec:decorative xmlns:adec="http://schemas.microsoft.com/office/drawing/2017/decorative" val="1"/>
+              </a:ext>
+            </a:extLst>
+          </p:cNvPr>
+          <p:cNvSpPr>
+            <a:spLocks noGrp="1" noRot="1" noChangeAspect="1" noMove="1" noResize="1" noEditPoints="1" noAdjustHandles="1" noChangeArrowheads="1" noChangeShapeType="1" noTextEdit="1"/>
+          </p:cNvSpPr>
+          <p:nvPr>
+            <p:extLst>
+              <p:ext uri="{386F3935-93C4-4BCD-93E2-E3B085C9AB24}">
+                <p16:designElem xmlns:p16="http://schemas.microsoft.com/office/powerpoint/2015/main" val="1"/>
+              </p:ext>
+            </p:extLst>
+          </p:nvPr>
+        </p:nvSpPr>
+        <p:spPr>
+          <a:xfrm flipH="1">
+            <a:off x="8576720" y="3335867"/>
+            <a:ext cx="3291840" cy="3200400"/>
+          </a:xfrm>
+          <a:prstGeom prst="rtTriangle">
+            <a:avLst/>
+          </a:prstGeom>
+          <a:solidFill>
+            <a:schemeClr val="accent4"/>
+          </a:solidFill>
+          <a:ln>
+            <a:noFill/>
+          </a:ln>
+        </p:spPr>
+        <p:style>
+          <a:lnRef idx="2">
+            <a:schemeClr val="accent1">
+              <a:shade val="50000"/>
+            </a:schemeClr>
+          </a:lnRef>
+          <a:fillRef idx="1">
+            <a:schemeClr val="accent1"/>
+          </a:fillRef>
+          <a:effectRef idx="0">
+            <a:schemeClr val="accent1"/>
+          </a:effectRef>
+          <a:fontRef idx="minor">
+            <a:schemeClr val="lt1"/>
+          </a:fontRef>
+        </p:style>
+        <p:txBody>
+          <a:bodyPr rtlCol="0" anchor="ctr"/>
+          <a:lstStyle/>
+          <a:p>
+            <a:pPr algn="ctr"/>
+            <a:endParaRPr lang="en-US" dirty="0"/>
+          </a:p>
+        </p:txBody>
+      </p:sp>
+      <p:sp>
+        <p:nvSpPr>
+          <p:cNvPr id="33" name="Rectangle 32">
+            <a:extLst>
+              <a:ext uri="{FF2B5EF4-FFF2-40B4-BE49-F238E27FC236}">
+                <a16:creationId xmlns:a16="http://schemas.microsoft.com/office/drawing/2014/main" id="{EE04B5EB-F158-4507-90DD-BD23620C7CC9}"/>
+              </a:ext>
+              <a:ext uri="{C183D7F6-B498-43B3-948B-1728B52AA6E4}">
+                <adec:decorative xmlns:adec="http://schemas.microsoft.com/office/drawing/2017/decorative" val="1"/>
+              </a:ext>
+            </a:extLst>
+          </p:cNvPr>
+          <p:cNvSpPr>
+            <a:spLocks noGrp="1" noRot="1" noChangeAspect="1" noMove="1" noResize="1" noEditPoints="1" noAdjustHandles="1" noChangeArrowheads="1" noChangeShapeType="1" noTextEdit="1"/>
+          </p:cNvSpPr>
+          <p:nvPr>
+            <p:extLst>
+              <p:ext uri="{386F3935-93C4-4BCD-93E2-E3B085C9AB24}">
+                <p16:designElem xmlns:p16="http://schemas.microsoft.com/office/powerpoint/2015/main" val="1"/>
+              </p:ext>
+            </p:extLst>
+          </p:nvPr>
+        </p:nvSpPr>
+        <p:spPr>
+          <a:xfrm>
+            <a:off x="641774" y="623275"/>
+            <a:ext cx="10905053" cy="5607882"/>
+          </a:xfrm>
+          <a:prstGeom prst="rect">
+            <a:avLst/>
+          </a:prstGeom>
+          <a:noFill/>
+          <a:ln w="19050">
+            <a:solidFill>
+              <a:schemeClr val="tx1">
+                <a:lumMod val="75000"/>
+                <a:lumOff val="25000"/>
+              </a:schemeClr>
+            </a:solidFill>
+          </a:ln>
+        </p:spPr>
+        <p:style>
+          <a:lnRef idx="2">
+            <a:schemeClr val="accent1">
+              <a:shade val="50000"/>
+            </a:schemeClr>
+          </a:lnRef>
+          <a:fillRef idx="1">
+            <a:schemeClr val="accent1"/>
+          </a:fillRef>
+          <a:effectRef idx="0">
+            <a:schemeClr val="accent1"/>
+          </a:effectRef>
+          <a:fontRef idx="minor">
+            <a:schemeClr val="lt1"/>
+          </a:fontRef>
+        </p:style>
+        <p:txBody>
+          <a:bodyPr rtlCol="0" anchor="ctr"/>
+          <a:lstStyle/>
+          <a:p>
+            <a:pPr algn="ctr"/>
+            <a:endParaRPr lang="en-US"/>
+          </a:p>
+        </p:txBody>
+      </p:sp>
+      <p:sp>
+        <p:nvSpPr>
+          <p:cNvPr id="2" name="Title 1">
+            <a:extLst>
+              <a:ext uri="{FF2B5EF4-FFF2-40B4-BE49-F238E27FC236}">
                 <a16:creationId xmlns:a16="http://schemas.microsoft.com/office/drawing/2014/main" id="{F23EA34C-D02E-9245-84B9-D1910954E078}"/>
               </a:ext>
             </a:extLst>
@@ -5441,18 +9194,87 @@
             <p:ph type="title"/>
           </p:nvPr>
         </p:nvSpPr>
-        <p:spPr/>
-        <p:txBody>
-          <a:bodyPr/>
-          <a:lstStyle/>
-          <a:p>
-            <a:r>
-              <a:rPr lang="en-US" dirty="0"/>
+        <p:spPr>
+          <a:xfrm>
+            <a:off x="4544742" y="1581326"/>
+            <a:ext cx="6705067" cy="3779568"/>
+          </a:xfrm>
+        </p:spPr>
+        <p:txBody>
+          <a:bodyPr vert="horz" lIns="91440" tIns="45720" rIns="91440" bIns="45720" rtlCol="0" anchor="ctr">
+            <a:normAutofit/>
+          </a:bodyPr>
+          <a:lstStyle/>
+          <a:p>
+            <a:r>
+              <a:rPr lang="en-US" sz="9600" kern="1200">
+                <a:solidFill>
+                  <a:schemeClr val="tx1"/>
+                </a:solidFill>
+                <a:latin typeface="+mj-lt"/>
+                <a:ea typeface="+mj-ea"/>
+                <a:cs typeface="+mj-cs"/>
+              </a:rPr>
               <a:t>App Demo</a:t>
             </a:r>
           </a:p>
         </p:txBody>
       </p:sp>
+      <p:cxnSp>
+        <p:nvCxnSpPr>
+          <p:cNvPr id="35" name="Straight Connector 34">
+            <a:extLst>
+              <a:ext uri="{FF2B5EF4-FFF2-40B4-BE49-F238E27FC236}">
+                <a16:creationId xmlns:a16="http://schemas.microsoft.com/office/drawing/2014/main" id="{BDF0D3DE-EC74-4C9F-AFA1-DC5CE5236B1F}"/>
+              </a:ext>
+              <a:ext uri="{C183D7F6-B498-43B3-948B-1728B52AA6E4}">
+                <adec:decorative xmlns:adec="http://schemas.microsoft.com/office/drawing/2017/decorative" val="1"/>
+              </a:ext>
+            </a:extLst>
+          </p:cNvPr>
+          <p:cNvCxnSpPr>
+            <a:cxnSpLocks noGrp="1" noRot="1" noChangeAspect="1" noMove="1" noResize="1" noEditPoints="1" noAdjustHandles="1" noChangeArrowheads="1" noChangeShapeType="1"/>
+          </p:cNvCxnSpPr>
+          <p:nvPr>
+            <p:extLst>
+              <p:ext uri="{386F3935-93C4-4BCD-93E2-E3B085C9AB24}">
+                <p16:designElem xmlns:p16="http://schemas.microsoft.com/office/powerpoint/2015/main" val="1"/>
+              </p:ext>
+            </p:extLst>
+          </p:nvPr>
+        </p:nvCxnSpPr>
+        <p:spPr>
+          <a:xfrm>
+            <a:off x="4056347" y="1852863"/>
+            <a:ext cx="0" cy="3236495"/>
+          </a:xfrm>
+          <a:prstGeom prst="line">
+            <a:avLst/>
+          </a:prstGeom>
+          <a:ln w="19050" cap="sq">
+            <a:solidFill>
+              <a:schemeClr val="tx1">
+                <a:lumMod val="75000"/>
+                <a:lumOff val="25000"/>
+              </a:schemeClr>
+            </a:solidFill>
+          </a:ln>
+        </p:spPr>
+        <p:style>
+          <a:lnRef idx="1">
+            <a:schemeClr val="accent1"/>
+          </a:lnRef>
+          <a:fillRef idx="0">
+            <a:schemeClr val="accent1"/>
+          </a:fillRef>
+          <a:effectRef idx="0">
+            <a:schemeClr val="accent1"/>
+          </a:effectRef>
+          <a:fontRef idx="minor">
+            <a:schemeClr val="tx1"/>
+          </a:fontRef>
+        </p:style>
+      </p:cxnSp>
     </p:spTree>
     <p:extLst>
       <p:ext uri="{BB962C8B-B14F-4D97-AF65-F5344CB8AC3E}">
@@ -5469,6 +9291,14 @@
 <file path=ppt/slides/slide2.xml><?xml version="1.0" encoding="utf-8"?>
 <p:sld xmlns:a="http://schemas.openxmlformats.org/drawingml/2006/main" xmlns:r="http://schemas.openxmlformats.org/officeDocument/2006/relationships" xmlns:p="http://schemas.openxmlformats.org/presentationml/2006/main">
   <p:cSld>
+    <p:bg>
+      <p:bgPr>
+        <a:solidFill>
+          <a:schemeClr val="bg1"/>
+        </a:solidFill>
+        <a:effectLst/>
+      </p:bgPr>
+    </p:bg>
     <p:spTree>
       <p:nvGrpSpPr>
         <p:cNvPr id="1" name=""/>
@@ -5483,6 +9313,195 @@
           <a:chExt cx="0" cy="0"/>
         </a:xfrm>
       </p:grpSpPr>
+      <p:sp useBgFill="1">
+        <p:nvSpPr>
+          <p:cNvPr id="8" name="Rectangle 7">
+            <a:extLst>
+              <a:ext uri="{FF2B5EF4-FFF2-40B4-BE49-F238E27FC236}">
+                <a16:creationId xmlns:a16="http://schemas.microsoft.com/office/drawing/2014/main" id="{081EA652-8C6A-4E69-BEB9-170809474553}"/>
+              </a:ext>
+              <a:ext uri="{C183D7F6-B498-43B3-948B-1728B52AA6E4}">
+                <adec:decorative xmlns:adec="http://schemas.microsoft.com/office/drawing/2017/decorative" val="1"/>
+              </a:ext>
+            </a:extLst>
+          </p:cNvPr>
+          <p:cNvSpPr>
+            <a:spLocks noGrp="1" noRot="1" noChangeAspect="1" noMove="1" noResize="1" noEditPoints="1" noAdjustHandles="1" noChangeArrowheads="1" noChangeShapeType="1" noTextEdit="1"/>
+          </p:cNvSpPr>
+          <p:nvPr>
+            <p:extLst>
+              <p:ext uri="{386F3935-93C4-4BCD-93E2-E3B085C9AB24}">
+                <p16:designElem xmlns:p16="http://schemas.microsoft.com/office/powerpoint/2015/main" val="1"/>
+              </p:ext>
+            </p:extLst>
+          </p:nvPr>
+        </p:nvSpPr>
+        <p:spPr>
+          <a:xfrm>
+            <a:off x="0" y="0"/>
+            <a:ext cx="12192000" cy="6858000"/>
+          </a:xfrm>
+          <a:prstGeom prst="rect">
+            <a:avLst/>
+          </a:prstGeom>
+          <a:ln>
+            <a:noFill/>
+          </a:ln>
+        </p:spPr>
+        <p:style>
+          <a:lnRef idx="2">
+            <a:schemeClr val="accent1">
+              <a:shade val="50000"/>
+            </a:schemeClr>
+          </a:lnRef>
+          <a:fillRef idx="1">
+            <a:schemeClr val="accent1"/>
+          </a:fillRef>
+          <a:effectRef idx="0">
+            <a:schemeClr val="accent1"/>
+          </a:effectRef>
+          <a:fontRef idx="minor">
+            <a:schemeClr val="lt1"/>
+          </a:fontRef>
+        </p:style>
+        <p:txBody>
+          <a:bodyPr rtlCol="0" anchor="ctr"/>
+          <a:lstStyle/>
+          <a:p>
+            <a:pPr algn="ctr"/>
+            <a:endParaRPr lang="en-US"/>
+          </a:p>
+        </p:txBody>
+      </p:sp>
+      <p:sp>
+        <p:nvSpPr>
+          <p:cNvPr id="10" name="Right Triangle 9">
+            <a:extLst>
+              <a:ext uri="{FF2B5EF4-FFF2-40B4-BE49-F238E27FC236}">
+                <a16:creationId xmlns:a16="http://schemas.microsoft.com/office/drawing/2014/main" id="{5298780A-33B9-4EA2-8F67-DE68AD62841B}"/>
+              </a:ext>
+              <a:ext uri="{C183D7F6-B498-43B3-948B-1728B52AA6E4}">
+                <adec:decorative xmlns:adec="http://schemas.microsoft.com/office/drawing/2017/decorative" val="1"/>
+              </a:ext>
+            </a:extLst>
+          </p:cNvPr>
+          <p:cNvSpPr>
+            <a:spLocks noGrp="1" noRot="1" noChangeAspect="1" noMove="1" noResize="1" noEditPoints="1" noAdjustHandles="1" noChangeArrowheads="1" noChangeShapeType="1" noTextEdit="1"/>
+          </p:cNvSpPr>
+          <p:nvPr>
+            <p:extLst>
+              <p:ext uri="{386F3935-93C4-4BCD-93E2-E3B085C9AB24}">
+                <p16:designElem xmlns:p16="http://schemas.microsoft.com/office/powerpoint/2015/main" val="1"/>
+              </p:ext>
+            </p:extLst>
+          </p:nvPr>
+        </p:nvSpPr>
+        <p:spPr>
+          <a:xfrm flipH="1">
+            <a:off x="8576720" y="3335867"/>
+            <a:ext cx="3291840" cy="3200400"/>
+          </a:xfrm>
+          <a:prstGeom prst="rtTriangle">
+            <a:avLst/>
+          </a:prstGeom>
+          <a:solidFill>
+            <a:schemeClr val="accent4"/>
+          </a:solidFill>
+          <a:ln>
+            <a:noFill/>
+          </a:ln>
+        </p:spPr>
+        <p:style>
+          <a:lnRef idx="2">
+            <a:schemeClr val="accent1">
+              <a:shade val="50000"/>
+            </a:schemeClr>
+          </a:lnRef>
+          <a:fillRef idx="1">
+            <a:schemeClr val="accent1"/>
+          </a:fillRef>
+          <a:effectRef idx="0">
+            <a:schemeClr val="accent1"/>
+          </a:effectRef>
+          <a:fontRef idx="minor">
+            <a:schemeClr val="lt1"/>
+          </a:fontRef>
+        </p:style>
+        <p:txBody>
+          <a:bodyPr rtlCol="0" anchor="ctr"/>
+          <a:lstStyle/>
+          <a:p>
+            <a:pPr algn="ctr"/>
+            <a:endParaRPr lang="en-US" dirty="0"/>
+          </a:p>
+        </p:txBody>
+      </p:sp>
+      <p:sp>
+        <p:nvSpPr>
+          <p:cNvPr id="12" name="Rectangle 11">
+            <a:extLst>
+              <a:ext uri="{FF2B5EF4-FFF2-40B4-BE49-F238E27FC236}">
+                <a16:creationId xmlns:a16="http://schemas.microsoft.com/office/drawing/2014/main" id="{7F488E8B-4E1E-4402-8935-D4E6C02615C7}"/>
+              </a:ext>
+              <a:ext uri="{C183D7F6-B498-43B3-948B-1728B52AA6E4}">
+                <adec:decorative xmlns:adec="http://schemas.microsoft.com/office/drawing/2017/decorative" val="1"/>
+              </a:ext>
+            </a:extLst>
+          </p:cNvPr>
+          <p:cNvSpPr>
+            <a:spLocks noGrp="1" noRot="1" noChangeAspect="1" noMove="1" noResize="1" noEditPoints="1" noAdjustHandles="1" noChangeArrowheads="1" noChangeShapeType="1" noTextEdit="1"/>
+          </p:cNvSpPr>
+          <p:nvPr>
+            <p:extLst>
+              <p:ext uri="{386F3935-93C4-4BCD-93E2-E3B085C9AB24}">
+                <p16:designElem xmlns:p16="http://schemas.microsoft.com/office/powerpoint/2015/main" val="1"/>
+              </p:ext>
+            </p:extLst>
+          </p:nvPr>
+        </p:nvSpPr>
+        <p:spPr>
+          <a:xfrm>
+            <a:off x="641774" y="623275"/>
+            <a:ext cx="10905053" cy="5607882"/>
+          </a:xfrm>
+          <a:prstGeom prst="rect">
+            <a:avLst/>
+          </a:prstGeom>
+          <a:noFill/>
+          <a:ln w="19050">
+            <a:solidFill>
+              <a:schemeClr val="tx1">
+                <a:lumMod val="75000"/>
+                <a:lumOff val="25000"/>
+              </a:schemeClr>
+            </a:solidFill>
+          </a:ln>
+        </p:spPr>
+        <p:style>
+          <a:lnRef idx="2">
+            <a:schemeClr val="accent1">
+              <a:shade val="50000"/>
+            </a:schemeClr>
+          </a:lnRef>
+          <a:fillRef idx="1">
+            <a:schemeClr val="accent1"/>
+          </a:fillRef>
+          <a:effectRef idx="0">
+            <a:schemeClr val="accent1"/>
+          </a:effectRef>
+          <a:fontRef idx="minor">
+            <a:schemeClr val="lt1"/>
+          </a:fontRef>
+        </p:style>
+        <p:txBody>
+          <a:bodyPr rtlCol="0" anchor="ctr"/>
+          <a:lstStyle/>
+          <a:p>
+            <a:pPr algn="ctr"/>
+            <a:endParaRPr lang="en-US"/>
+          </a:p>
+        </p:txBody>
+      </p:sp>
       <p:sp>
         <p:nvSpPr>
           <p:cNvPr id="2" name="Title 1">
@@ -5499,80 +9518,92 @@
             <p:ph type="title"/>
           </p:nvPr>
         </p:nvSpPr>
-        <p:spPr/>
-        <p:txBody>
-          <a:bodyPr/>
-          <a:lstStyle/>
-          <a:p>
-            <a:r>
-              <a:rPr lang="en-US" dirty="0"/>
-              <a:t>Overview of Data Set</a:t>
-            </a:r>
-          </a:p>
-        </p:txBody>
-      </p:sp>
-      <p:sp>
-        <p:nvSpPr>
-          <p:cNvPr id="3" name="Content Placeholder 2">
-            <a:extLst>
-              <a:ext uri="{FF2B5EF4-FFF2-40B4-BE49-F238E27FC236}">
-                <a16:creationId xmlns:a16="http://schemas.microsoft.com/office/drawing/2014/main" id="{4AB3EF9B-EE6B-1946-8A94-BDA42E64CA2B}"/>
-              </a:ext>
-            </a:extLst>
-          </p:cNvPr>
-          <p:cNvSpPr>
-            <a:spLocks noGrp="1"/>
-          </p:cNvSpPr>
-          <p:nvPr>
-            <p:ph idx="1"/>
-          </p:nvPr>
-        </p:nvSpPr>
-        <p:spPr/>
-        <p:txBody>
-          <a:bodyPr>
+        <p:spPr>
+          <a:xfrm>
+            <a:off x="1285240" y="1050595"/>
+            <a:ext cx="8074815" cy="1618489"/>
+          </a:xfrm>
+        </p:spPr>
+        <p:txBody>
+          <a:bodyPr anchor="ctr">
             <a:normAutofit/>
           </a:bodyPr>
           <a:lstStyle/>
           <a:p>
             <a:r>
-              <a:rPr lang="en-US" dirty="0"/>
+              <a:rPr lang="en-US" sz="7200"/>
+              <a:t>Overview of Data Set</a:t>
+            </a:r>
+          </a:p>
+        </p:txBody>
+      </p:sp>
+      <p:sp>
+        <p:nvSpPr>
+          <p:cNvPr id="3" name="Content Placeholder 2">
+            <a:extLst>
+              <a:ext uri="{FF2B5EF4-FFF2-40B4-BE49-F238E27FC236}">
+                <a16:creationId xmlns:a16="http://schemas.microsoft.com/office/drawing/2014/main" id="{4AB3EF9B-EE6B-1946-8A94-BDA42E64CA2B}"/>
+              </a:ext>
+            </a:extLst>
+          </p:cNvPr>
+          <p:cNvSpPr>
+            <a:spLocks noGrp="1"/>
+          </p:cNvSpPr>
+          <p:nvPr>
+            <p:ph idx="1"/>
+          </p:nvPr>
+        </p:nvSpPr>
+        <p:spPr>
+          <a:xfrm>
+            <a:off x="1285240" y="2969469"/>
+            <a:ext cx="8074815" cy="2800395"/>
+          </a:xfrm>
+        </p:spPr>
+        <p:txBody>
+          <a:bodyPr anchor="t">
+            <a:normAutofit/>
+          </a:bodyPr>
+          <a:lstStyle/>
+          <a:p>
+            <a:r>
+              <a:rPr lang="en-US" sz="1900"/>
               <a:t>80 Features</a:t>
             </a:r>
           </a:p>
           <a:p>
             <a:r>
-              <a:rPr lang="en-US" dirty="0"/>
+              <a:rPr lang="en-US" sz="1900"/>
               <a:t>Sale price is target variable</a:t>
             </a:r>
           </a:p>
           <a:p>
             <a:r>
-              <a:rPr lang="en-US" dirty="0"/>
+              <a:rPr lang="en-US" sz="1900"/>
               <a:t>2,580 Observations</a:t>
             </a:r>
           </a:p>
           <a:p>
             <a:r>
-              <a:rPr lang="en-US" dirty="0"/>
+              <a:rPr lang="en-US" sz="1900"/>
               <a:t>Real Estate Data Set used for Addresses to generate mapping</a:t>
             </a:r>
           </a:p>
           <a:p>
             <a:r>
-              <a:rPr lang="en-US" dirty="0"/>
+              <a:rPr lang="en-US" sz="1900"/>
               <a:t>Data from January 2006 – March 2010</a:t>
             </a:r>
           </a:p>
           <a:p>
             <a:pPr lvl="1"/>
             <a:r>
-              <a:rPr lang="en-US" dirty="0"/>
+              <a:rPr lang="en-US" sz="1900"/>
               <a:t>RE address data up to 2020</a:t>
             </a:r>
           </a:p>
           <a:p>
             <a:r>
-              <a:rPr lang="en-US" dirty="0"/>
+              <a:rPr lang="en-US" sz="1900"/>
               <a:t>37 numeric data type features and 43 categorical string data type features</a:t>
             </a:r>
           </a:p>
@@ -5591,9 +9622,17 @@
 </p:sld>
 </file>
 
-<file path=ppt/slides/slide3.xml><?xml version="1.0" encoding="utf-8"?>
+<file path=ppt/slides/slide20.xml><?xml version="1.0" encoding="utf-8"?>
 <p:sld xmlns:a="http://schemas.openxmlformats.org/drawingml/2006/main" xmlns:r="http://schemas.openxmlformats.org/officeDocument/2006/relationships" xmlns:p="http://schemas.openxmlformats.org/presentationml/2006/main">
   <p:cSld>
+    <p:bg>
+      <p:bgPr>
+        <a:solidFill>
+          <a:schemeClr val="bg1"/>
+        </a:solidFill>
+        <a:effectLst/>
+      </p:bgPr>
+    </p:bg>
     <p:spTree>
       <p:nvGrpSpPr>
         <p:cNvPr id="1" name=""/>
@@ -5608,12 +9647,201 @@
           <a:chExt cx="0" cy="0"/>
         </a:xfrm>
       </p:grpSpPr>
+      <p:sp useBgFill="1">
+        <p:nvSpPr>
+          <p:cNvPr id="7" name="Rectangle 6">
+            <a:extLst>
+              <a:ext uri="{FF2B5EF4-FFF2-40B4-BE49-F238E27FC236}">
+                <a16:creationId xmlns:a16="http://schemas.microsoft.com/office/drawing/2014/main" id="{934F1179-B481-4F9E-BCA3-AFB972070F83}"/>
+              </a:ext>
+              <a:ext uri="{C183D7F6-B498-43B3-948B-1728B52AA6E4}">
+                <adec:decorative xmlns:adec="http://schemas.microsoft.com/office/drawing/2017/decorative" val="1"/>
+              </a:ext>
+            </a:extLst>
+          </p:cNvPr>
+          <p:cNvSpPr>
+            <a:spLocks noGrp="1" noRot="1" noChangeAspect="1" noMove="1" noResize="1" noEditPoints="1" noAdjustHandles="1" noChangeArrowheads="1" noChangeShapeType="1" noTextEdit="1"/>
+          </p:cNvSpPr>
+          <p:nvPr>
+            <p:extLst>
+              <p:ext uri="{386F3935-93C4-4BCD-93E2-E3B085C9AB24}">
+                <p16:designElem xmlns:p16="http://schemas.microsoft.com/office/powerpoint/2015/main" val="1"/>
+              </p:ext>
+            </p:extLst>
+          </p:nvPr>
+        </p:nvSpPr>
+        <p:spPr>
+          <a:xfrm>
+            <a:off x="0" y="0"/>
+            <a:ext cx="12192000" cy="6858000"/>
+          </a:xfrm>
+          <a:prstGeom prst="rect">
+            <a:avLst/>
+          </a:prstGeom>
+          <a:ln>
+            <a:noFill/>
+          </a:ln>
+        </p:spPr>
+        <p:style>
+          <a:lnRef idx="2">
+            <a:schemeClr val="accent1">
+              <a:shade val="50000"/>
+            </a:schemeClr>
+          </a:lnRef>
+          <a:fillRef idx="1">
+            <a:schemeClr val="accent1"/>
+          </a:fillRef>
+          <a:effectRef idx="0">
+            <a:schemeClr val="accent1"/>
+          </a:effectRef>
+          <a:fontRef idx="minor">
+            <a:schemeClr val="lt1"/>
+          </a:fontRef>
+        </p:style>
+        <p:txBody>
+          <a:bodyPr rtlCol="0" anchor="ctr"/>
+          <a:lstStyle/>
+          <a:p>
+            <a:pPr algn="ctr"/>
+            <a:endParaRPr lang="en-US"/>
+          </a:p>
+        </p:txBody>
+      </p:sp>
+      <p:sp>
+        <p:nvSpPr>
+          <p:cNvPr id="9" name="Right Triangle 8">
+            <a:extLst>
+              <a:ext uri="{FF2B5EF4-FFF2-40B4-BE49-F238E27FC236}">
+                <a16:creationId xmlns:a16="http://schemas.microsoft.com/office/drawing/2014/main" id="{827DC2C4-B485-428A-BF4A-472D2967F47F}"/>
+              </a:ext>
+              <a:ext uri="{C183D7F6-B498-43B3-948B-1728B52AA6E4}">
+                <adec:decorative xmlns:adec="http://schemas.microsoft.com/office/drawing/2017/decorative" val="1"/>
+              </a:ext>
+            </a:extLst>
+          </p:cNvPr>
+          <p:cNvSpPr>
+            <a:spLocks noGrp="1" noRot="1" noChangeAspect="1" noMove="1" noResize="1" noEditPoints="1" noAdjustHandles="1" noChangeArrowheads="1" noChangeShapeType="1" noTextEdit="1"/>
+          </p:cNvSpPr>
+          <p:nvPr>
+            <p:extLst>
+              <p:ext uri="{386F3935-93C4-4BCD-93E2-E3B085C9AB24}">
+                <p16:designElem xmlns:p16="http://schemas.microsoft.com/office/powerpoint/2015/main" val="1"/>
+              </p:ext>
+            </p:extLst>
+          </p:nvPr>
+        </p:nvSpPr>
+        <p:spPr>
+          <a:xfrm flipH="1">
+            <a:off x="8576720" y="3335867"/>
+            <a:ext cx="3291840" cy="3200400"/>
+          </a:xfrm>
+          <a:prstGeom prst="rtTriangle">
+            <a:avLst/>
+          </a:prstGeom>
+          <a:solidFill>
+            <a:schemeClr val="accent4"/>
+          </a:solidFill>
+          <a:ln>
+            <a:noFill/>
+          </a:ln>
+        </p:spPr>
+        <p:style>
+          <a:lnRef idx="2">
+            <a:schemeClr val="accent1">
+              <a:shade val="50000"/>
+            </a:schemeClr>
+          </a:lnRef>
+          <a:fillRef idx="1">
+            <a:schemeClr val="accent1"/>
+          </a:fillRef>
+          <a:effectRef idx="0">
+            <a:schemeClr val="accent1"/>
+          </a:effectRef>
+          <a:fontRef idx="minor">
+            <a:schemeClr val="lt1"/>
+          </a:fontRef>
+        </p:style>
+        <p:txBody>
+          <a:bodyPr rtlCol="0" anchor="ctr"/>
+          <a:lstStyle/>
+          <a:p>
+            <a:pPr algn="ctr"/>
+            <a:endParaRPr lang="en-US" dirty="0"/>
+          </a:p>
+        </p:txBody>
+      </p:sp>
+      <p:sp>
+        <p:nvSpPr>
+          <p:cNvPr id="11" name="Rectangle 10">
+            <a:extLst>
+              <a:ext uri="{FF2B5EF4-FFF2-40B4-BE49-F238E27FC236}">
+                <a16:creationId xmlns:a16="http://schemas.microsoft.com/office/drawing/2014/main" id="{EE04B5EB-F158-4507-90DD-BD23620C7CC9}"/>
+              </a:ext>
+              <a:ext uri="{C183D7F6-B498-43B3-948B-1728B52AA6E4}">
+                <adec:decorative xmlns:adec="http://schemas.microsoft.com/office/drawing/2017/decorative" val="1"/>
+              </a:ext>
+            </a:extLst>
+          </p:cNvPr>
+          <p:cNvSpPr>
+            <a:spLocks noGrp="1" noRot="1" noChangeAspect="1" noMove="1" noResize="1" noEditPoints="1" noAdjustHandles="1" noChangeArrowheads="1" noChangeShapeType="1" noTextEdit="1"/>
+          </p:cNvSpPr>
+          <p:nvPr>
+            <p:extLst>
+              <p:ext uri="{386F3935-93C4-4BCD-93E2-E3B085C9AB24}">
+                <p16:designElem xmlns:p16="http://schemas.microsoft.com/office/powerpoint/2015/main" val="1"/>
+              </p:ext>
+            </p:extLst>
+          </p:nvPr>
+        </p:nvSpPr>
+        <p:spPr>
+          <a:xfrm>
+            <a:off x="641774" y="623275"/>
+            <a:ext cx="10905053" cy="5607882"/>
+          </a:xfrm>
+          <a:prstGeom prst="rect">
+            <a:avLst/>
+          </a:prstGeom>
+          <a:noFill/>
+          <a:ln w="19050">
+            <a:solidFill>
+              <a:schemeClr val="tx1">
+                <a:lumMod val="75000"/>
+                <a:lumOff val="25000"/>
+              </a:schemeClr>
+            </a:solidFill>
+          </a:ln>
+        </p:spPr>
+        <p:style>
+          <a:lnRef idx="2">
+            <a:schemeClr val="accent1">
+              <a:shade val="50000"/>
+            </a:schemeClr>
+          </a:lnRef>
+          <a:fillRef idx="1">
+            <a:schemeClr val="accent1"/>
+          </a:fillRef>
+          <a:effectRef idx="0">
+            <a:schemeClr val="accent1"/>
+          </a:effectRef>
+          <a:fontRef idx="minor">
+            <a:schemeClr val="lt1"/>
+          </a:fontRef>
+        </p:style>
+        <p:txBody>
+          <a:bodyPr rtlCol="0" anchor="ctr"/>
+          <a:lstStyle/>
+          <a:p>
+            <a:pPr algn="ctr"/>
+            <a:endParaRPr lang="en-US"/>
+          </a:p>
+        </p:txBody>
+      </p:sp>
       <p:sp>
         <p:nvSpPr>
           <p:cNvPr id="2" name="Title 1">
             <a:extLst>
               <a:ext uri="{FF2B5EF4-FFF2-40B4-BE49-F238E27FC236}">
-                <a16:creationId xmlns:a16="http://schemas.microsoft.com/office/drawing/2014/main" id="{A0A7E282-BC60-C546-BD0A-A750F179E74F}"/>
+                <a16:creationId xmlns:a16="http://schemas.microsoft.com/office/drawing/2014/main" id="{E04A622D-7366-7D46-982F-47F1256CFB03}"/>
               </a:ext>
             </a:extLst>
           </p:cNvPr>
@@ -5624,15 +9852,159 @@
             <p:ph type="title"/>
           </p:nvPr>
         </p:nvSpPr>
-        <p:spPr/>
-        <p:txBody>
-          <a:bodyPr/>
-          <a:lstStyle/>
-          <a:p>
-            <a:r>
-              <a:rPr lang="en-US" dirty="0"/>
-              <a:t>EDA - Histograms of Sale price</a:t>
-            </a:r>
+        <p:spPr>
+          <a:xfrm>
+            <a:off x="1285241" y="1008993"/>
+            <a:ext cx="9231410" cy="3542045"/>
+          </a:xfrm>
+        </p:spPr>
+        <p:txBody>
+          <a:bodyPr vert="horz" lIns="91440" tIns="45720" rIns="91440" bIns="45720" rtlCol="0" anchor="b">
+            <a:normAutofit/>
+          </a:bodyPr>
+          <a:lstStyle/>
+          <a:p>
+            <a:r>
+              <a:rPr lang="en-US" sz="8900" kern="1200">
+                <a:solidFill>
+                  <a:schemeClr val="tx1"/>
+                </a:solidFill>
+                <a:latin typeface="+mj-lt"/>
+                <a:ea typeface="+mj-ea"/>
+                <a:cs typeface="+mj-cs"/>
+              </a:rPr>
+              <a:t>Next Steps/Lessons Learned</a:t>
+            </a:r>
+          </a:p>
+        </p:txBody>
+      </p:sp>
+    </p:spTree>
+    <p:extLst>
+      <p:ext uri="{BB962C8B-B14F-4D97-AF65-F5344CB8AC3E}">
+        <p14:creationId xmlns:p14="http://schemas.microsoft.com/office/powerpoint/2010/main" val="4201149332"/>
+      </p:ext>
+    </p:extLst>
+  </p:cSld>
+  <p:clrMapOvr>
+    <a:masterClrMapping/>
+  </p:clrMapOvr>
+</p:sld>
+</file>
+
+<file path=ppt/slides/slide3.xml><?xml version="1.0" encoding="utf-8"?>
+<p:sld xmlns:a="http://schemas.openxmlformats.org/drawingml/2006/main" xmlns:r="http://schemas.openxmlformats.org/officeDocument/2006/relationships" xmlns:p="http://schemas.openxmlformats.org/presentationml/2006/main">
+  <p:cSld>
+    <p:bg>
+      <p:bgPr>
+        <a:solidFill>
+          <a:schemeClr val="bg1"/>
+        </a:solidFill>
+        <a:effectLst/>
+      </p:bgPr>
+    </p:bg>
+    <p:spTree>
+      <p:nvGrpSpPr>
+        <p:cNvPr id="1" name=""/>
+        <p:cNvGrpSpPr/>
+        <p:nvPr/>
+      </p:nvGrpSpPr>
+      <p:grpSpPr>
+        <a:xfrm>
+          <a:off x="0" y="0"/>
+          <a:ext cx="0" cy="0"/>
+          <a:chOff x="0" y="0"/>
+          <a:chExt cx="0" cy="0"/>
+        </a:xfrm>
+      </p:grpSpPr>
+      <p:sp>
+        <p:nvSpPr>
+          <p:cNvPr id="13" name="Rectangle 12">
+            <a:extLst>
+              <a:ext uri="{FF2B5EF4-FFF2-40B4-BE49-F238E27FC236}">
+                <a16:creationId xmlns:a16="http://schemas.microsoft.com/office/drawing/2014/main" id="{96918796-2918-40D6-BE3A-4600C47FCD42}"/>
+              </a:ext>
+              <a:ext uri="{C183D7F6-B498-43B3-948B-1728B52AA6E4}">
+                <adec:decorative xmlns:adec="http://schemas.microsoft.com/office/drawing/2017/decorative" val="1"/>
+              </a:ext>
+            </a:extLst>
+          </p:cNvPr>
+          <p:cNvSpPr>
+            <a:spLocks noGrp="1" noRot="1" noChangeAspect="1" noMove="1" noResize="1" noEditPoints="1" noAdjustHandles="1" noChangeArrowheads="1" noChangeShapeType="1" noTextEdit="1"/>
+          </p:cNvSpPr>
+          <p:nvPr>
+            <p:extLst>
+              <p:ext uri="{386F3935-93C4-4BCD-93E2-E3B085C9AB24}">
+                <p16:designElem xmlns:p16="http://schemas.microsoft.com/office/powerpoint/2015/main" val="1"/>
+              </p:ext>
+            </p:extLst>
+          </p:nvPr>
+        </p:nvSpPr>
+        <p:spPr>
+          <a:xfrm>
+            <a:off x="0" y="651752"/>
+            <a:ext cx="12192000" cy="736551"/>
+          </a:xfrm>
+          <a:prstGeom prst="rect">
+            <a:avLst/>
+          </a:prstGeom>
+          <a:solidFill>
+            <a:schemeClr val="tx1"/>
+          </a:solidFill>
+          <a:ln>
+            <a:noFill/>
+          </a:ln>
+        </p:spPr>
+        <p:style>
+          <a:lnRef idx="2">
+            <a:schemeClr val="accent1">
+              <a:shade val="50000"/>
+            </a:schemeClr>
+          </a:lnRef>
+          <a:fillRef idx="1">
+            <a:schemeClr val="accent1"/>
+          </a:fillRef>
+          <a:effectRef idx="0">
+            <a:schemeClr val="accent1"/>
+          </a:effectRef>
+          <a:fontRef idx="minor">
+            <a:schemeClr val="lt1"/>
+          </a:fontRef>
+        </p:style>
+        <p:txBody>
+          <a:bodyPr rtlCol="0" anchor="ctr"/>
+          <a:lstStyle/>
+          <a:p>
+            <a:pPr marL="0" marR="0" lvl="0" indent="0" algn="ctr" defTabSz="457200" rtl="0" eaLnBrk="1" fontAlgn="auto" latinLnBrk="0" hangingPunct="1">
+              <a:lnSpc>
+                <a:spcPct val="100000"/>
+              </a:lnSpc>
+              <a:spcBef>
+                <a:spcPts val="0"/>
+              </a:spcBef>
+              <a:spcAft>
+                <a:spcPts val="0"/>
+              </a:spcAft>
+              <a:buClrTx/>
+              <a:buSzTx/>
+              <a:buFontTx/>
+              <a:buNone/>
+              <a:tabLst/>
+              <a:defRPr/>
+            </a:pPr>
+            <a:endParaRPr kumimoji="0" lang="en-US" sz="1800" b="0" i="0" u="none" strike="noStrike" kern="1200" cap="none" spc="0" normalizeH="0" baseline="0" noProof="0">
+              <a:ln>
+                <a:noFill/>
+              </a:ln>
+              <a:solidFill>
+                <a:prstClr val="white"/>
+              </a:solidFill>
+              <a:effectLst/>
+              <a:uLnTx/>
+              <a:uFillTx/>
+              <a:latin typeface="Calibri" panose="020F0502020204030204"/>
+              <a:ea typeface="+mn-ea"/>
+              <a:cs typeface="+mn-cs"/>
+            </a:endParaRPr>
           </a:p>
         </p:txBody>
       </p:sp>
@@ -5658,14 +10030,65 @@
         </p:blipFill>
         <p:spPr>
           <a:xfrm>
-            <a:off x="672735" y="2129659"/>
-            <a:ext cx="5143500" cy="3327400"/>
+            <a:off x="838200" y="2239963"/>
+            <a:ext cx="5160963" cy="3313113"/>
           </a:xfrm>
           <a:prstGeom prst="rect">
             <a:avLst/>
           </a:prstGeom>
         </p:spPr>
       </p:pic>
+      <p:sp>
+        <p:nvSpPr>
+          <p:cNvPr id="7" name="TextBox 6">
+            <a:extLst>
+              <a:ext uri="{FF2B5EF4-FFF2-40B4-BE49-F238E27FC236}">
+                <a16:creationId xmlns:a16="http://schemas.microsoft.com/office/drawing/2014/main" id="{EE12E226-4EB7-2F42-B4EF-00495C7C7579}"/>
+              </a:ext>
+            </a:extLst>
+          </p:cNvPr>
+          <p:cNvSpPr txBox="1"/>
+          <p:nvPr/>
+        </p:nvSpPr>
+        <p:spPr>
+          <a:xfrm>
+            <a:off x="838200" y="4889500"/>
+            <a:ext cx="5160963" cy="663575"/>
+          </a:xfrm>
+          <a:prstGeom prst="rect">
+            <a:avLst/>
+          </a:prstGeom>
+          <a:solidFill>
+            <a:srgbClr val="000000">
+              <a:alpha val="50000"/>
+            </a:srgbClr>
+          </a:solidFill>
+          <a:ln>
+            <a:noFill/>
+          </a:ln>
+        </p:spPr>
+        <p:txBody>
+          <a:bodyPr wrap="square" rtlCol="0" anchor="ctr">
+            <a:noAutofit/>
+          </a:bodyPr>
+          <a:lstStyle/>
+          <a:p>
+            <a:pPr algn="ctr">
+              <a:spcAft>
+                <a:spcPts val="600"/>
+              </a:spcAft>
+            </a:pPr>
+            <a:r>
+              <a:rPr lang="en-US" sz="1300">
+                <a:solidFill>
+                  <a:srgbClr val="FFFFFF"/>
+                </a:solidFill>
+              </a:rPr>
+              <a:t>($) Sale price all observations</a:t>
+            </a:r>
+          </a:p>
+        </p:txBody>
+      </p:sp>
       <p:pic>
         <p:nvPicPr>
           <p:cNvPr id="6" name="Picture 5" descr="Chart, histogram&#10;&#10;Description automatically generated">
@@ -5688,8 +10111,8 @@
         </p:blipFill>
         <p:spPr>
           <a:xfrm>
-            <a:off x="6096000" y="2129659"/>
-            <a:ext cx="5143500" cy="3251200"/>
+            <a:off x="6070600" y="2239963"/>
+            <a:ext cx="5283200" cy="3313113"/>
           </a:xfrm>
           <a:prstGeom prst="rect">
             <a:avLst/>
@@ -5698,10 +10121,10 @@
       </p:pic>
       <p:sp>
         <p:nvSpPr>
-          <p:cNvPr id="7" name="TextBox 6">
-            <a:extLst>
-              <a:ext uri="{FF2B5EF4-FFF2-40B4-BE49-F238E27FC236}">
-                <a16:creationId xmlns:a16="http://schemas.microsoft.com/office/drawing/2014/main" id="{EE12E226-4EB7-2F42-B4EF-00495C7C7579}"/>
+          <p:cNvPr id="8" name="TextBox 7">
+            <a:extLst>
+              <a:ext uri="{FF2B5EF4-FFF2-40B4-BE49-F238E27FC236}">
+                <a16:creationId xmlns:a16="http://schemas.microsoft.com/office/drawing/2014/main" id="{A0792D12-CBEB-044F-A4AD-7140259E3AEC}"/>
               </a:ext>
             </a:extLst>
           </p:cNvPr>
@@ -5710,58 +10133,82 @@
         </p:nvSpPr>
         <p:spPr>
           <a:xfrm>
-            <a:off x="1828800" y="5457059"/>
-            <a:ext cx="3058510" cy="369332"/>
+            <a:off x="6070600" y="4889500"/>
+            <a:ext cx="5283200" cy="663575"/>
           </a:xfrm>
           <a:prstGeom prst="rect">
             <a:avLst/>
           </a:prstGeom>
-          <a:noFill/>
-        </p:spPr>
-        <p:txBody>
-          <a:bodyPr wrap="square" rtlCol="0">
-            <a:spAutoFit/>
+          <a:solidFill>
+            <a:srgbClr val="000000">
+              <a:alpha val="50000"/>
+            </a:srgbClr>
+          </a:solidFill>
+          <a:ln>
+            <a:noFill/>
+          </a:ln>
+        </p:spPr>
+        <p:txBody>
+          <a:bodyPr wrap="square" rtlCol="0" anchor="ctr">
+            <a:noAutofit/>
           </a:bodyPr>
           <a:lstStyle/>
           <a:p>
-            <a:r>
-              <a:rPr lang="en-US" dirty="0"/>
-              <a:t>($) Sale price all observations</a:t>
-            </a:r>
-          </a:p>
-        </p:txBody>
-      </p:sp>
-      <p:sp>
-        <p:nvSpPr>
-          <p:cNvPr id="8" name="TextBox 7">
-            <a:extLst>
-              <a:ext uri="{FF2B5EF4-FFF2-40B4-BE49-F238E27FC236}">
-                <a16:creationId xmlns:a16="http://schemas.microsoft.com/office/drawing/2014/main" id="{A0792D12-CBEB-044F-A4AD-7140259E3AEC}"/>
-              </a:ext>
-            </a:extLst>
-          </p:cNvPr>
-          <p:cNvSpPr txBox="1"/>
-          <p:nvPr/>
+            <a:pPr algn="ctr">
+              <a:spcAft>
+                <a:spcPts val="600"/>
+              </a:spcAft>
+            </a:pPr>
+            <a:r>
+              <a:rPr lang="en-US" sz="1300">
+                <a:solidFill>
+                  <a:srgbClr val="FFFFFF"/>
+                </a:solidFill>
+              </a:rPr>
+              <a:t>($) Sale price all observations &lt;$300,000</a:t>
+            </a:r>
+          </a:p>
+        </p:txBody>
+      </p:sp>
+      <p:sp>
+        <p:nvSpPr>
+          <p:cNvPr id="2" name="Title 1">
+            <a:extLst>
+              <a:ext uri="{FF2B5EF4-FFF2-40B4-BE49-F238E27FC236}">
+                <a16:creationId xmlns:a16="http://schemas.microsoft.com/office/drawing/2014/main" id="{A0A7E282-BC60-C546-BD0A-A750F179E74F}"/>
+              </a:ext>
+            </a:extLst>
+          </p:cNvPr>
+          <p:cNvSpPr>
+            <a:spLocks noGrp="1"/>
+          </p:cNvSpPr>
+          <p:nvPr>
+            <p:ph type="title"/>
+          </p:nvPr>
         </p:nvSpPr>
         <p:spPr>
           <a:xfrm>
-            <a:off x="6858000" y="5482029"/>
-            <a:ext cx="4022834" cy="369332"/>
-          </a:xfrm>
-          <a:prstGeom prst="rect">
-            <a:avLst/>
-          </a:prstGeom>
-          <a:noFill/>
-        </p:spPr>
-        <p:txBody>
-          <a:bodyPr wrap="square" rtlCol="0">
-            <a:spAutoFit/>
+            <a:off x="838200" y="672747"/>
+            <a:ext cx="10515600" cy="715556"/>
+          </a:xfrm>
+        </p:spPr>
+        <p:txBody>
+          <a:bodyPr vert="horz" lIns="91440" tIns="45720" rIns="91440" bIns="45720" rtlCol="0" anchor="ctr">
+            <a:normAutofit/>
           </a:bodyPr>
           <a:lstStyle/>
           <a:p>
-            <a:r>
-              <a:rPr lang="en-US" dirty="0"/>
-              <a:t>($) Sale price all observations &lt;$300,000</a:t>
+            <a:pPr algn="ctr"/>
+            <a:r>
+              <a:rPr lang="en-US" sz="3200" kern="1200">
+                <a:solidFill>
+                  <a:schemeClr val="bg1"/>
+                </a:solidFill>
+                <a:latin typeface="+mj-lt"/>
+                <a:ea typeface="+mj-ea"/>
+                <a:cs typeface="+mj-cs"/>
+              </a:rPr>
+              <a:t>EDA - Histograms of Sale price</a:t>
             </a:r>
           </a:p>
         </p:txBody>
@@ -5782,6 +10229,14 @@
 <file path=ppt/slides/slide4.xml><?xml version="1.0" encoding="utf-8"?>
 <p:sld xmlns:a="http://schemas.openxmlformats.org/drawingml/2006/main" xmlns:r="http://schemas.openxmlformats.org/officeDocument/2006/relationships" xmlns:p="http://schemas.openxmlformats.org/presentationml/2006/main">
   <p:cSld>
+    <p:bg>
+      <p:bgPr>
+        <a:solidFill>
+          <a:schemeClr val="bg1"/>
+        </a:solidFill>
+        <a:effectLst/>
+      </p:bgPr>
+    </p:bg>
     <p:spTree>
       <p:nvGrpSpPr>
         <p:cNvPr id="1" name=""/>
@@ -5798,6 +10253,69 @@
       </p:grpSpPr>
       <p:sp>
         <p:nvSpPr>
+          <p:cNvPr id="9" name="Rectangle 8">
+            <a:extLst>
+              <a:ext uri="{FF2B5EF4-FFF2-40B4-BE49-F238E27FC236}">
+                <a16:creationId xmlns:a16="http://schemas.microsoft.com/office/drawing/2014/main" id="{A4AC5506-6312-4701-8D3C-40187889A947}"/>
+              </a:ext>
+              <a:ext uri="{C183D7F6-B498-43B3-948B-1728B52AA6E4}">
+                <adec:decorative xmlns:adec="http://schemas.microsoft.com/office/drawing/2017/decorative" val="1"/>
+              </a:ext>
+            </a:extLst>
+          </p:cNvPr>
+          <p:cNvSpPr>
+            <a:spLocks noGrp="1" noRot="1" noChangeAspect="1" noMove="1" noResize="1" noEditPoints="1" noAdjustHandles="1" noChangeArrowheads="1" noChangeShapeType="1" noTextEdit="1"/>
+          </p:cNvSpPr>
+          <p:nvPr>
+            <p:extLst>
+              <p:ext uri="{386F3935-93C4-4BCD-93E2-E3B085C9AB24}">
+                <p16:designElem xmlns:p16="http://schemas.microsoft.com/office/powerpoint/2015/main" val="1"/>
+              </p:ext>
+            </p:extLst>
+          </p:nvPr>
+        </p:nvSpPr>
+        <p:spPr>
+          <a:xfrm>
+            <a:off x="0" y="651752"/>
+            <a:ext cx="12192000" cy="736551"/>
+          </a:xfrm>
+          <a:prstGeom prst="rect">
+            <a:avLst/>
+          </a:prstGeom>
+          <a:solidFill>
+            <a:schemeClr val="tx1"/>
+          </a:solidFill>
+          <a:ln>
+            <a:noFill/>
+          </a:ln>
+        </p:spPr>
+        <p:style>
+          <a:lnRef idx="2">
+            <a:schemeClr val="accent1">
+              <a:shade val="50000"/>
+            </a:schemeClr>
+          </a:lnRef>
+          <a:fillRef idx="1">
+            <a:schemeClr val="accent1"/>
+          </a:fillRef>
+          <a:effectRef idx="0">
+            <a:schemeClr val="accent1"/>
+          </a:effectRef>
+          <a:fontRef idx="minor">
+            <a:schemeClr val="lt1"/>
+          </a:fontRef>
+        </p:style>
+        <p:txBody>
+          <a:bodyPr rtlCol="0" anchor="ctr"/>
+          <a:lstStyle/>
+          <a:p>
+            <a:pPr algn="ctr"/>
+            <a:endParaRPr lang="en-US"/>
+          </a:p>
+        </p:txBody>
+      </p:sp>
+      <p:sp>
+        <p:nvSpPr>
           <p:cNvPr id="2" name="Title 1">
             <a:extLst>
               <a:ext uri="{FF2B5EF4-FFF2-40B4-BE49-F238E27FC236}">
@@ -5812,13 +10330,25 @@
             <p:ph type="title"/>
           </p:nvPr>
         </p:nvSpPr>
-        <p:spPr/>
-        <p:txBody>
-          <a:bodyPr/>
-          <a:lstStyle/>
-          <a:p>
-            <a:r>
-              <a:rPr lang="en-US" dirty="0"/>
+        <p:spPr>
+          <a:xfrm>
+            <a:off x="556532" y="643467"/>
+            <a:ext cx="11210925" cy="744836"/>
+          </a:xfrm>
+        </p:spPr>
+        <p:txBody>
+          <a:bodyPr>
+            <a:normAutofit/>
+          </a:bodyPr>
+          <a:lstStyle/>
+          <a:p>
+            <a:pPr algn="ctr"/>
+            <a:r>
+              <a:rPr lang="en-US" sz="3200">
+                <a:solidFill>
+                  <a:schemeClr val="bg1"/>
+                </a:solidFill>
+              </a:rPr>
               <a:t>EDA – correlation heat map of numeric features</a:t>
             </a:r>
           </a:p>
@@ -5846,8 +10376,8 @@
         </p:blipFill>
         <p:spPr>
           <a:xfrm>
-            <a:off x="2119772" y="1569159"/>
-            <a:ext cx="7952456" cy="5131185"/>
+            <a:off x="2689643" y="1675227"/>
+            <a:ext cx="6812713" cy="4394199"/>
           </a:xfrm>
           <a:prstGeom prst="rect">
             <a:avLst/>
@@ -5870,6 +10400,14 @@
 <file path=ppt/slides/slide5.xml><?xml version="1.0" encoding="utf-8"?>
 <p:sld xmlns:a="http://schemas.openxmlformats.org/drawingml/2006/main" xmlns:r="http://schemas.openxmlformats.org/officeDocument/2006/relationships" xmlns:p="http://schemas.openxmlformats.org/presentationml/2006/main">
   <p:cSld>
+    <p:bg>
+      <p:bgPr>
+        <a:solidFill>
+          <a:schemeClr val="bg1"/>
+        </a:solidFill>
+        <a:effectLst/>
+      </p:bgPr>
+    </p:bg>
     <p:spTree>
       <p:nvGrpSpPr>
         <p:cNvPr id="1" name=""/>
@@ -5886,6 +10424,69 @@
       </p:grpSpPr>
       <p:sp>
         <p:nvSpPr>
+          <p:cNvPr id="9" name="Rectangle 8">
+            <a:extLst>
+              <a:ext uri="{FF2B5EF4-FFF2-40B4-BE49-F238E27FC236}">
+                <a16:creationId xmlns:a16="http://schemas.microsoft.com/office/drawing/2014/main" id="{A4AC5506-6312-4701-8D3C-40187889A947}"/>
+              </a:ext>
+              <a:ext uri="{C183D7F6-B498-43B3-948B-1728B52AA6E4}">
+                <adec:decorative xmlns:adec="http://schemas.microsoft.com/office/drawing/2017/decorative" val="1"/>
+              </a:ext>
+            </a:extLst>
+          </p:cNvPr>
+          <p:cNvSpPr>
+            <a:spLocks noGrp="1" noRot="1" noChangeAspect="1" noMove="1" noResize="1" noEditPoints="1" noAdjustHandles="1" noChangeArrowheads="1" noChangeShapeType="1" noTextEdit="1"/>
+          </p:cNvSpPr>
+          <p:nvPr>
+            <p:extLst>
+              <p:ext uri="{386F3935-93C4-4BCD-93E2-E3B085C9AB24}">
+                <p16:designElem xmlns:p16="http://schemas.microsoft.com/office/powerpoint/2015/main" val="1"/>
+              </p:ext>
+            </p:extLst>
+          </p:nvPr>
+        </p:nvSpPr>
+        <p:spPr>
+          <a:xfrm>
+            <a:off x="0" y="651752"/>
+            <a:ext cx="12192000" cy="736551"/>
+          </a:xfrm>
+          <a:prstGeom prst="rect">
+            <a:avLst/>
+          </a:prstGeom>
+          <a:solidFill>
+            <a:schemeClr val="tx1"/>
+          </a:solidFill>
+          <a:ln>
+            <a:noFill/>
+          </a:ln>
+        </p:spPr>
+        <p:style>
+          <a:lnRef idx="2">
+            <a:schemeClr val="accent1">
+              <a:shade val="50000"/>
+            </a:schemeClr>
+          </a:lnRef>
+          <a:fillRef idx="1">
+            <a:schemeClr val="accent1"/>
+          </a:fillRef>
+          <a:effectRef idx="0">
+            <a:schemeClr val="accent1"/>
+          </a:effectRef>
+          <a:fontRef idx="minor">
+            <a:schemeClr val="lt1"/>
+          </a:fontRef>
+        </p:style>
+        <p:txBody>
+          <a:bodyPr rtlCol="0" anchor="ctr"/>
+          <a:lstStyle/>
+          <a:p>
+            <a:pPr algn="ctr"/>
+            <a:endParaRPr lang="en-US"/>
+          </a:p>
+        </p:txBody>
+      </p:sp>
+      <p:sp>
+        <p:nvSpPr>
           <p:cNvPr id="2" name="Title 1">
             <a:extLst>
               <a:ext uri="{FF2B5EF4-FFF2-40B4-BE49-F238E27FC236}">
@@ -5900,13 +10501,25 @@
             <p:ph type="title"/>
           </p:nvPr>
         </p:nvSpPr>
-        <p:spPr/>
-        <p:txBody>
-          <a:bodyPr/>
-          <a:lstStyle/>
-          <a:p>
-            <a:r>
-              <a:rPr lang="en-US" dirty="0"/>
+        <p:spPr>
+          <a:xfrm>
+            <a:off x="556532" y="643467"/>
+            <a:ext cx="11210925" cy="744836"/>
+          </a:xfrm>
+        </p:spPr>
+        <p:txBody>
+          <a:bodyPr>
+            <a:normAutofit/>
+          </a:bodyPr>
+          <a:lstStyle/>
+          <a:p>
+            <a:pPr algn="ctr"/>
+            <a:r>
+              <a:rPr lang="en-US" sz="3200">
+                <a:solidFill>
+                  <a:schemeClr val="bg1"/>
+                </a:solidFill>
+              </a:rPr>
               <a:t>EDA – Average sale price by year</a:t>
             </a:r>
           </a:p>
@@ -5934,8 +10547,8 @@
         </p:blipFill>
         <p:spPr>
           <a:xfrm>
-            <a:off x="1713186" y="1356405"/>
-            <a:ext cx="8188951" cy="5136470"/>
+            <a:off x="2594646" y="1675227"/>
+            <a:ext cx="7002708" cy="4394199"/>
           </a:xfrm>
           <a:prstGeom prst="rect">
             <a:avLst/>
@@ -5958,6 +10571,14 @@
 <file path=ppt/slides/slide6.xml><?xml version="1.0" encoding="utf-8"?>
 <p:sld xmlns:a="http://schemas.openxmlformats.org/drawingml/2006/main" xmlns:r="http://schemas.openxmlformats.org/officeDocument/2006/relationships" xmlns:p="http://schemas.openxmlformats.org/presentationml/2006/main">
   <p:cSld>
+    <p:bg>
+      <p:bgPr>
+        <a:solidFill>
+          <a:schemeClr val="bg1"/>
+        </a:solidFill>
+        <a:effectLst/>
+      </p:bgPr>
+    </p:bg>
     <p:spTree>
       <p:nvGrpSpPr>
         <p:cNvPr id="1" name=""/>
@@ -5974,6 +10595,69 @@
       </p:grpSpPr>
       <p:sp>
         <p:nvSpPr>
+          <p:cNvPr id="9" name="Rectangle 8">
+            <a:extLst>
+              <a:ext uri="{FF2B5EF4-FFF2-40B4-BE49-F238E27FC236}">
+                <a16:creationId xmlns:a16="http://schemas.microsoft.com/office/drawing/2014/main" id="{A4AC5506-6312-4701-8D3C-40187889A947}"/>
+              </a:ext>
+              <a:ext uri="{C183D7F6-B498-43B3-948B-1728B52AA6E4}">
+                <adec:decorative xmlns:adec="http://schemas.microsoft.com/office/drawing/2017/decorative" val="1"/>
+              </a:ext>
+            </a:extLst>
+          </p:cNvPr>
+          <p:cNvSpPr>
+            <a:spLocks noGrp="1" noRot="1" noChangeAspect="1" noMove="1" noResize="1" noEditPoints="1" noAdjustHandles="1" noChangeArrowheads="1" noChangeShapeType="1" noTextEdit="1"/>
+          </p:cNvSpPr>
+          <p:nvPr>
+            <p:extLst>
+              <p:ext uri="{386F3935-93C4-4BCD-93E2-E3B085C9AB24}">
+                <p16:designElem xmlns:p16="http://schemas.microsoft.com/office/powerpoint/2015/main" val="1"/>
+              </p:ext>
+            </p:extLst>
+          </p:nvPr>
+        </p:nvSpPr>
+        <p:spPr>
+          <a:xfrm>
+            <a:off x="0" y="651752"/>
+            <a:ext cx="12192000" cy="736551"/>
+          </a:xfrm>
+          <a:prstGeom prst="rect">
+            <a:avLst/>
+          </a:prstGeom>
+          <a:solidFill>
+            <a:schemeClr val="tx1"/>
+          </a:solidFill>
+          <a:ln>
+            <a:noFill/>
+          </a:ln>
+        </p:spPr>
+        <p:style>
+          <a:lnRef idx="2">
+            <a:schemeClr val="accent1">
+              <a:shade val="50000"/>
+            </a:schemeClr>
+          </a:lnRef>
+          <a:fillRef idx="1">
+            <a:schemeClr val="accent1"/>
+          </a:fillRef>
+          <a:effectRef idx="0">
+            <a:schemeClr val="accent1"/>
+          </a:effectRef>
+          <a:fontRef idx="minor">
+            <a:schemeClr val="lt1"/>
+          </a:fontRef>
+        </p:style>
+        <p:txBody>
+          <a:bodyPr rtlCol="0" anchor="ctr"/>
+          <a:lstStyle/>
+          <a:p>
+            <a:pPr algn="ctr"/>
+            <a:endParaRPr lang="en-US"/>
+          </a:p>
+        </p:txBody>
+      </p:sp>
+      <p:sp>
+        <p:nvSpPr>
           <p:cNvPr id="2" name="Title 1">
             <a:extLst>
               <a:ext uri="{FF2B5EF4-FFF2-40B4-BE49-F238E27FC236}">
@@ -5988,13 +10672,25 @@
             <p:ph type="title"/>
           </p:nvPr>
         </p:nvSpPr>
-        <p:spPr/>
-        <p:txBody>
-          <a:bodyPr/>
-          <a:lstStyle/>
-          <a:p>
-            <a:r>
-              <a:rPr lang="en-US" dirty="0"/>
+        <p:spPr>
+          <a:xfrm>
+            <a:off x="556532" y="643467"/>
+            <a:ext cx="11210925" cy="744836"/>
+          </a:xfrm>
+        </p:spPr>
+        <p:txBody>
+          <a:bodyPr>
+            <a:normAutofit/>
+          </a:bodyPr>
+          <a:lstStyle/>
+          <a:p>
+            <a:pPr algn="ctr"/>
+            <a:r>
+              <a:rPr lang="en-US" sz="3200">
+                <a:solidFill>
+                  <a:schemeClr val="bg1"/>
+                </a:solidFill>
+              </a:rPr>
               <a:t>EDA – Seasonal trend in sale price</a:t>
             </a:r>
           </a:p>
@@ -6022,8 +10718,8 @@
         </p:blipFill>
         <p:spPr>
           <a:xfrm>
-            <a:off x="1980384" y="1373759"/>
-            <a:ext cx="8231231" cy="5305565"/>
+            <a:off x="2689643" y="1675227"/>
+            <a:ext cx="6812713" cy="4394199"/>
           </a:xfrm>
           <a:prstGeom prst="rect">
             <a:avLst/>
@@ -6046,6 +10742,14 @@
 <file path=ppt/slides/slide7.xml><?xml version="1.0" encoding="utf-8"?>
 <p:sld xmlns:a="http://schemas.openxmlformats.org/drawingml/2006/main" xmlns:r="http://schemas.openxmlformats.org/officeDocument/2006/relationships" xmlns:p="http://schemas.openxmlformats.org/presentationml/2006/main">
   <p:cSld>
+    <p:bg>
+      <p:bgPr>
+        <a:solidFill>
+          <a:schemeClr val="bg1"/>
+        </a:solidFill>
+        <a:effectLst/>
+      </p:bgPr>
+    </p:bg>
     <p:spTree>
       <p:nvGrpSpPr>
         <p:cNvPr id="1" name=""/>
@@ -6062,6 +10766,69 @@
       </p:grpSpPr>
       <p:sp>
         <p:nvSpPr>
+          <p:cNvPr id="9" name="Rectangle 8">
+            <a:extLst>
+              <a:ext uri="{FF2B5EF4-FFF2-40B4-BE49-F238E27FC236}">
+                <a16:creationId xmlns:a16="http://schemas.microsoft.com/office/drawing/2014/main" id="{A4AC5506-6312-4701-8D3C-40187889A947}"/>
+              </a:ext>
+              <a:ext uri="{C183D7F6-B498-43B3-948B-1728B52AA6E4}">
+                <adec:decorative xmlns:adec="http://schemas.microsoft.com/office/drawing/2017/decorative" val="1"/>
+              </a:ext>
+            </a:extLst>
+          </p:cNvPr>
+          <p:cNvSpPr>
+            <a:spLocks noGrp="1" noRot="1" noChangeAspect="1" noMove="1" noResize="1" noEditPoints="1" noAdjustHandles="1" noChangeArrowheads="1" noChangeShapeType="1" noTextEdit="1"/>
+          </p:cNvSpPr>
+          <p:nvPr>
+            <p:extLst>
+              <p:ext uri="{386F3935-93C4-4BCD-93E2-E3B085C9AB24}">
+                <p16:designElem xmlns:p16="http://schemas.microsoft.com/office/powerpoint/2015/main" val="1"/>
+              </p:ext>
+            </p:extLst>
+          </p:nvPr>
+        </p:nvSpPr>
+        <p:spPr>
+          <a:xfrm>
+            <a:off x="0" y="651752"/>
+            <a:ext cx="12192000" cy="736551"/>
+          </a:xfrm>
+          <a:prstGeom prst="rect">
+            <a:avLst/>
+          </a:prstGeom>
+          <a:solidFill>
+            <a:schemeClr val="tx1"/>
+          </a:solidFill>
+          <a:ln>
+            <a:noFill/>
+          </a:ln>
+        </p:spPr>
+        <p:style>
+          <a:lnRef idx="2">
+            <a:schemeClr val="accent1">
+              <a:shade val="50000"/>
+            </a:schemeClr>
+          </a:lnRef>
+          <a:fillRef idx="1">
+            <a:schemeClr val="accent1"/>
+          </a:fillRef>
+          <a:effectRef idx="0">
+            <a:schemeClr val="accent1"/>
+          </a:effectRef>
+          <a:fontRef idx="minor">
+            <a:schemeClr val="lt1"/>
+          </a:fontRef>
+        </p:style>
+        <p:txBody>
+          <a:bodyPr rtlCol="0" anchor="ctr"/>
+          <a:lstStyle/>
+          <a:p>
+            <a:pPr algn="ctr"/>
+            <a:endParaRPr lang="en-US"/>
+          </a:p>
+        </p:txBody>
+      </p:sp>
+      <p:sp>
+        <p:nvSpPr>
           <p:cNvPr id="2" name="Title 1">
             <a:extLst>
               <a:ext uri="{FF2B5EF4-FFF2-40B4-BE49-F238E27FC236}">
@@ -6076,13 +10843,25 @@
             <p:ph type="title"/>
           </p:nvPr>
         </p:nvSpPr>
-        <p:spPr/>
-        <p:txBody>
-          <a:bodyPr/>
-          <a:lstStyle/>
-          <a:p>
-            <a:r>
-              <a:rPr lang="en-US" dirty="0"/>
+        <p:spPr>
+          <a:xfrm>
+            <a:off x="556532" y="643467"/>
+            <a:ext cx="11210925" cy="744836"/>
+          </a:xfrm>
+        </p:spPr>
+        <p:txBody>
+          <a:bodyPr>
+            <a:normAutofit/>
+          </a:bodyPr>
+          <a:lstStyle/>
+          <a:p>
+            <a:pPr algn="ctr"/>
+            <a:r>
+              <a:rPr lang="en-US" sz="3200">
+                <a:solidFill>
+                  <a:schemeClr val="bg1"/>
+                </a:solidFill>
+              </a:rPr>
               <a:t>EDA – Seasonal trend # houses sold</a:t>
             </a:r>
           </a:p>
@@ -6110,8 +10889,8 @@
         </p:blipFill>
         <p:spPr>
           <a:xfrm>
-            <a:off x="2157790" y="1470464"/>
-            <a:ext cx="7876420" cy="5135287"/>
+            <a:off x="2728797" y="1675227"/>
+            <a:ext cx="6734406" cy="4394199"/>
           </a:xfrm>
           <a:prstGeom prst="rect">
             <a:avLst/>
@@ -6134,6 +10913,14 @@
 <file path=ppt/slides/slide8.xml><?xml version="1.0" encoding="utf-8"?>
 <p:sld xmlns:a="http://schemas.openxmlformats.org/drawingml/2006/main" xmlns:r="http://schemas.openxmlformats.org/officeDocument/2006/relationships" xmlns:p="http://schemas.openxmlformats.org/presentationml/2006/main">
   <p:cSld>
+    <p:bg>
+      <p:bgPr>
+        <a:solidFill>
+          <a:schemeClr val="bg1"/>
+        </a:solidFill>
+        <a:effectLst/>
+      </p:bgPr>
+    </p:bg>
     <p:spTree>
       <p:nvGrpSpPr>
         <p:cNvPr id="1" name=""/>
@@ -6150,6 +10937,69 @@
       </p:grpSpPr>
       <p:sp>
         <p:nvSpPr>
+          <p:cNvPr id="9" name="Rectangle 8">
+            <a:extLst>
+              <a:ext uri="{FF2B5EF4-FFF2-40B4-BE49-F238E27FC236}">
+                <a16:creationId xmlns:a16="http://schemas.microsoft.com/office/drawing/2014/main" id="{A4AC5506-6312-4701-8D3C-40187889A947}"/>
+              </a:ext>
+              <a:ext uri="{C183D7F6-B498-43B3-948B-1728B52AA6E4}">
+                <adec:decorative xmlns:adec="http://schemas.microsoft.com/office/drawing/2017/decorative" val="1"/>
+              </a:ext>
+            </a:extLst>
+          </p:cNvPr>
+          <p:cNvSpPr>
+            <a:spLocks noGrp="1" noRot="1" noChangeAspect="1" noMove="1" noResize="1" noEditPoints="1" noAdjustHandles="1" noChangeArrowheads="1" noChangeShapeType="1" noTextEdit="1"/>
+          </p:cNvSpPr>
+          <p:nvPr>
+            <p:extLst>
+              <p:ext uri="{386F3935-93C4-4BCD-93E2-E3B085C9AB24}">
+                <p16:designElem xmlns:p16="http://schemas.microsoft.com/office/powerpoint/2015/main" val="1"/>
+              </p:ext>
+            </p:extLst>
+          </p:nvPr>
+        </p:nvSpPr>
+        <p:spPr>
+          <a:xfrm>
+            <a:off x="0" y="651752"/>
+            <a:ext cx="12192000" cy="736551"/>
+          </a:xfrm>
+          <a:prstGeom prst="rect">
+            <a:avLst/>
+          </a:prstGeom>
+          <a:solidFill>
+            <a:schemeClr val="tx1"/>
+          </a:solidFill>
+          <a:ln>
+            <a:noFill/>
+          </a:ln>
+        </p:spPr>
+        <p:style>
+          <a:lnRef idx="2">
+            <a:schemeClr val="accent1">
+              <a:shade val="50000"/>
+            </a:schemeClr>
+          </a:lnRef>
+          <a:fillRef idx="1">
+            <a:schemeClr val="accent1"/>
+          </a:fillRef>
+          <a:effectRef idx="0">
+            <a:schemeClr val="accent1"/>
+          </a:effectRef>
+          <a:fontRef idx="minor">
+            <a:schemeClr val="lt1"/>
+          </a:fontRef>
+        </p:style>
+        <p:txBody>
+          <a:bodyPr rtlCol="0" anchor="ctr"/>
+          <a:lstStyle/>
+          <a:p>
+            <a:pPr algn="ctr"/>
+            <a:endParaRPr lang="en-US"/>
+          </a:p>
+        </p:txBody>
+      </p:sp>
+      <p:sp>
+        <p:nvSpPr>
           <p:cNvPr id="2" name="Title 1">
             <a:extLst>
               <a:ext uri="{FF2B5EF4-FFF2-40B4-BE49-F238E27FC236}">
@@ -6164,13 +11014,25 @@
             <p:ph type="title"/>
           </p:nvPr>
         </p:nvSpPr>
-        <p:spPr/>
-        <p:txBody>
-          <a:bodyPr/>
-          <a:lstStyle/>
-          <a:p>
-            <a:r>
-              <a:rPr lang="en-US" dirty="0"/>
+        <p:spPr>
+          <a:xfrm>
+            <a:off x="556532" y="643467"/>
+            <a:ext cx="11210925" cy="744836"/>
+          </a:xfrm>
+        </p:spPr>
+        <p:txBody>
+          <a:bodyPr>
+            <a:normAutofit/>
+          </a:bodyPr>
+          <a:lstStyle/>
+          <a:p>
+            <a:pPr algn="ctr"/>
+            <a:r>
+              <a:rPr lang="en-US" sz="3200">
+                <a:solidFill>
+                  <a:schemeClr val="bg1"/>
+                </a:solidFill>
+              </a:rPr>
               <a:t>EDA – Distribution of features</a:t>
             </a:r>
           </a:p>
@@ -6198,8 +11060,8 @@
         </p:blipFill>
         <p:spPr>
           <a:xfrm>
-            <a:off x="2238703" y="1358755"/>
-            <a:ext cx="8014747" cy="5352100"/>
+            <a:off x="2804464" y="1675227"/>
+            <a:ext cx="6583071" cy="4394199"/>
           </a:xfrm>
           <a:prstGeom prst="rect">
             <a:avLst/>
@@ -6222,6 +11084,14 @@
 <file path=ppt/slides/slide9.xml><?xml version="1.0" encoding="utf-8"?>
 <p:sld xmlns:a="http://schemas.openxmlformats.org/drawingml/2006/main" xmlns:r="http://schemas.openxmlformats.org/officeDocument/2006/relationships" xmlns:p="http://schemas.openxmlformats.org/presentationml/2006/main">
   <p:cSld>
+    <p:bg>
+      <p:bgPr>
+        <a:solidFill>
+          <a:schemeClr val="bg1"/>
+        </a:solidFill>
+        <a:effectLst/>
+      </p:bgPr>
+    </p:bg>
     <p:spTree>
       <p:nvGrpSpPr>
         <p:cNvPr id="1" name=""/>
@@ -6236,6 +11106,195 @@
           <a:chExt cx="0" cy="0"/>
         </a:xfrm>
       </p:grpSpPr>
+      <p:sp useBgFill="1">
+        <p:nvSpPr>
+          <p:cNvPr id="8" name="Rectangle 7">
+            <a:extLst>
+              <a:ext uri="{FF2B5EF4-FFF2-40B4-BE49-F238E27FC236}">
+                <a16:creationId xmlns:a16="http://schemas.microsoft.com/office/drawing/2014/main" id="{081EA652-8C6A-4E69-BEB9-170809474553}"/>
+              </a:ext>
+              <a:ext uri="{C183D7F6-B498-43B3-948B-1728B52AA6E4}">
+                <adec:decorative xmlns:adec="http://schemas.microsoft.com/office/drawing/2017/decorative" val="1"/>
+              </a:ext>
+            </a:extLst>
+          </p:cNvPr>
+          <p:cNvSpPr>
+            <a:spLocks noGrp="1" noRot="1" noChangeAspect="1" noMove="1" noResize="1" noEditPoints="1" noAdjustHandles="1" noChangeArrowheads="1" noChangeShapeType="1" noTextEdit="1"/>
+          </p:cNvSpPr>
+          <p:nvPr>
+            <p:extLst>
+              <p:ext uri="{386F3935-93C4-4BCD-93E2-E3B085C9AB24}">
+                <p16:designElem xmlns:p16="http://schemas.microsoft.com/office/powerpoint/2015/main" val="1"/>
+              </p:ext>
+            </p:extLst>
+          </p:nvPr>
+        </p:nvSpPr>
+        <p:spPr>
+          <a:xfrm>
+            <a:off x="0" y="0"/>
+            <a:ext cx="12192000" cy="6858000"/>
+          </a:xfrm>
+          <a:prstGeom prst="rect">
+            <a:avLst/>
+          </a:prstGeom>
+          <a:ln>
+            <a:noFill/>
+          </a:ln>
+        </p:spPr>
+        <p:style>
+          <a:lnRef idx="2">
+            <a:schemeClr val="accent1">
+              <a:shade val="50000"/>
+            </a:schemeClr>
+          </a:lnRef>
+          <a:fillRef idx="1">
+            <a:schemeClr val="accent1"/>
+          </a:fillRef>
+          <a:effectRef idx="0">
+            <a:schemeClr val="accent1"/>
+          </a:effectRef>
+          <a:fontRef idx="minor">
+            <a:schemeClr val="lt1"/>
+          </a:fontRef>
+        </p:style>
+        <p:txBody>
+          <a:bodyPr rtlCol="0" anchor="ctr"/>
+          <a:lstStyle/>
+          <a:p>
+            <a:pPr algn="ctr"/>
+            <a:endParaRPr lang="en-US"/>
+          </a:p>
+        </p:txBody>
+      </p:sp>
+      <p:sp>
+        <p:nvSpPr>
+          <p:cNvPr id="10" name="Right Triangle 9">
+            <a:extLst>
+              <a:ext uri="{FF2B5EF4-FFF2-40B4-BE49-F238E27FC236}">
+                <a16:creationId xmlns:a16="http://schemas.microsoft.com/office/drawing/2014/main" id="{5298780A-33B9-4EA2-8F67-DE68AD62841B}"/>
+              </a:ext>
+              <a:ext uri="{C183D7F6-B498-43B3-948B-1728B52AA6E4}">
+                <adec:decorative xmlns:adec="http://schemas.microsoft.com/office/drawing/2017/decorative" val="1"/>
+              </a:ext>
+            </a:extLst>
+          </p:cNvPr>
+          <p:cNvSpPr>
+            <a:spLocks noGrp="1" noRot="1" noChangeAspect="1" noMove="1" noResize="1" noEditPoints="1" noAdjustHandles="1" noChangeArrowheads="1" noChangeShapeType="1" noTextEdit="1"/>
+          </p:cNvSpPr>
+          <p:nvPr>
+            <p:extLst>
+              <p:ext uri="{386F3935-93C4-4BCD-93E2-E3B085C9AB24}">
+                <p16:designElem xmlns:p16="http://schemas.microsoft.com/office/powerpoint/2015/main" val="1"/>
+              </p:ext>
+            </p:extLst>
+          </p:nvPr>
+        </p:nvSpPr>
+        <p:spPr>
+          <a:xfrm flipH="1">
+            <a:off x="8576720" y="3335867"/>
+            <a:ext cx="3291840" cy="3200400"/>
+          </a:xfrm>
+          <a:prstGeom prst="rtTriangle">
+            <a:avLst/>
+          </a:prstGeom>
+          <a:solidFill>
+            <a:schemeClr val="accent4"/>
+          </a:solidFill>
+          <a:ln>
+            <a:noFill/>
+          </a:ln>
+        </p:spPr>
+        <p:style>
+          <a:lnRef idx="2">
+            <a:schemeClr val="accent1">
+              <a:shade val="50000"/>
+            </a:schemeClr>
+          </a:lnRef>
+          <a:fillRef idx="1">
+            <a:schemeClr val="accent1"/>
+          </a:fillRef>
+          <a:effectRef idx="0">
+            <a:schemeClr val="accent1"/>
+          </a:effectRef>
+          <a:fontRef idx="minor">
+            <a:schemeClr val="lt1"/>
+          </a:fontRef>
+        </p:style>
+        <p:txBody>
+          <a:bodyPr rtlCol="0" anchor="ctr"/>
+          <a:lstStyle/>
+          <a:p>
+            <a:pPr algn="ctr"/>
+            <a:endParaRPr lang="en-US" dirty="0"/>
+          </a:p>
+        </p:txBody>
+      </p:sp>
+      <p:sp>
+        <p:nvSpPr>
+          <p:cNvPr id="12" name="Rectangle 11">
+            <a:extLst>
+              <a:ext uri="{FF2B5EF4-FFF2-40B4-BE49-F238E27FC236}">
+                <a16:creationId xmlns:a16="http://schemas.microsoft.com/office/drawing/2014/main" id="{7F488E8B-4E1E-4402-8935-D4E6C02615C7}"/>
+              </a:ext>
+              <a:ext uri="{C183D7F6-B498-43B3-948B-1728B52AA6E4}">
+                <adec:decorative xmlns:adec="http://schemas.microsoft.com/office/drawing/2017/decorative" val="1"/>
+              </a:ext>
+            </a:extLst>
+          </p:cNvPr>
+          <p:cNvSpPr>
+            <a:spLocks noGrp="1" noRot="1" noChangeAspect="1" noMove="1" noResize="1" noEditPoints="1" noAdjustHandles="1" noChangeArrowheads="1" noChangeShapeType="1" noTextEdit="1"/>
+          </p:cNvSpPr>
+          <p:nvPr>
+            <p:extLst>
+              <p:ext uri="{386F3935-93C4-4BCD-93E2-E3B085C9AB24}">
+                <p16:designElem xmlns:p16="http://schemas.microsoft.com/office/powerpoint/2015/main" val="1"/>
+              </p:ext>
+            </p:extLst>
+          </p:nvPr>
+        </p:nvSpPr>
+        <p:spPr>
+          <a:xfrm>
+            <a:off x="641774" y="623275"/>
+            <a:ext cx="10905053" cy="5607882"/>
+          </a:xfrm>
+          <a:prstGeom prst="rect">
+            <a:avLst/>
+          </a:prstGeom>
+          <a:noFill/>
+          <a:ln w="19050">
+            <a:solidFill>
+              <a:schemeClr val="tx1">
+                <a:lumMod val="75000"/>
+                <a:lumOff val="25000"/>
+              </a:schemeClr>
+            </a:solidFill>
+          </a:ln>
+        </p:spPr>
+        <p:style>
+          <a:lnRef idx="2">
+            <a:schemeClr val="accent1">
+              <a:shade val="50000"/>
+            </a:schemeClr>
+          </a:lnRef>
+          <a:fillRef idx="1">
+            <a:schemeClr val="accent1"/>
+          </a:fillRef>
+          <a:effectRef idx="0">
+            <a:schemeClr val="accent1"/>
+          </a:effectRef>
+          <a:fontRef idx="minor">
+            <a:schemeClr val="lt1"/>
+          </a:fontRef>
+        </p:style>
+        <p:txBody>
+          <a:bodyPr rtlCol="0" anchor="ctr"/>
+          <a:lstStyle/>
+          <a:p>
+            <a:pPr algn="ctr"/>
+            <a:endParaRPr lang="en-US"/>
+          </a:p>
+        </p:txBody>
+      </p:sp>
       <p:sp>
         <p:nvSpPr>
           <p:cNvPr id="2" name="Title 1">
@@ -6252,13 +11311,20 @@
             <p:ph type="title"/>
           </p:nvPr>
         </p:nvSpPr>
-        <p:spPr/>
-        <p:txBody>
-          <a:bodyPr/>
-          <a:lstStyle/>
-          <a:p>
-            <a:r>
-              <a:rPr lang="en-US" dirty="0"/>
+        <p:spPr>
+          <a:xfrm>
+            <a:off x="1285240" y="1050595"/>
+            <a:ext cx="8074815" cy="1618489"/>
+          </a:xfrm>
+        </p:spPr>
+        <p:txBody>
+          <a:bodyPr anchor="ctr">
+            <a:normAutofit/>
+          </a:bodyPr>
+          <a:lstStyle/>
+          <a:p>
+            <a:r>
+              <a:rPr lang="en-US" sz="7200"/>
               <a:t>Data Cleaning</a:t>
             </a:r>
           </a:p>
@@ -6280,125 +11346,76 @@
             <p:ph idx="1"/>
           </p:nvPr>
         </p:nvSpPr>
-        <p:spPr/>
-        <p:txBody>
-          <a:bodyPr/>
-          <a:lstStyle/>
-          <a:p>
-            <a:r>
-              <a:rPr lang="en-US" dirty="0"/>
+        <p:spPr>
+          <a:xfrm>
+            <a:off x="1285240" y="2969469"/>
+            <a:ext cx="8074815" cy="2800395"/>
+          </a:xfrm>
+        </p:spPr>
+        <p:txBody>
+          <a:bodyPr anchor="t">
+            <a:normAutofit/>
+          </a:bodyPr>
+          <a:lstStyle/>
+          <a:p>
+            <a:r>
+              <a:rPr lang="en-US" sz="1700"/>
               <a:t>Assumption – Predicting for 2011 (no inflation adjustment), residential houses can be in commercial zone </a:t>
             </a:r>
           </a:p>
           <a:p>
             <a:r>
-              <a:rPr lang="en-US" dirty="0"/>
+              <a:rPr lang="en-US" sz="1700"/>
               <a:t>Filter out non-normal sale-types</a:t>
             </a:r>
           </a:p>
           <a:p>
             <a:r>
-              <a:rPr lang="en-US" dirty="0"/>
+              <a:rPr lang="en-US" sz="1700"/>
               <a:t>Remove duplicate PID’s</a:t>
             </a:r>
           </a:p>
           <a:p>
             <a:r>
-              <a:rPr lang="en-US" dirty="0"/>
+              <a:rPr lang="en-US" sz="1700"/>
               <a:t>Fill NA’s – Mean vs 0s</a:t>
             </a:r>
           </a:p>
           <a:p>
             <a:pPr lvl="1"/>
             <a:r>
-              <a:rPr lang="en-US" dirty="0"/>
+              <a:rPr lang="en-US" sz="1700"/>
               <a:t>Mean : </a:t>
             </a:r>
             <a:r>
-              <a:rPr lang="en-US" i="1" dirty="0"/>
-              <a:t>Lot Frontage, </a:t>
-            </a:r>
-            <a:r>
-              <a:rPr lang="en-US" i="1" dirty="0" err="1"/>
-              <a:t>GarageYrBlt</a:t>
-            </a:r>
-            <a:r>
-              <a:rPr lang="en-US" i="1" dirty="0"/>
+              <a:rPr lang="en-US" sz="1700" i="1"/>
+              <a:t>Lot Frontage, GarageYrBlt </a:t>
+            </a:r>
+          </a:p>
+          <a:p>
+            <a:pPr lvl="1"/>
+            <a:r>
+              <a:rPr lang="en-US" sz="1700"/>
+              <a:t>0: </a:t>
+            </a:r>
+            <a:r>
+              <a:rPr lang="en-US" sz="1700" i="1"/>
+              <a:t>BsmtFinSF1, BsmtFinSF2, BsmtUnfSF1, MasVnrArea, BsmtFullBath, BsmtHalfBath, GarageCars, GarageArea,</a:t>
+            </a:r>
+            <a:r>
+              <a:rPr lang="en-US" sz="1700"/>
               <a:t> </a:t>
             </a:r>
           </a:p>
           <a:p>
             <a:pPr lvl="1"/>
             <a:r>
-              <a:rPr lang="en-US" dirty="0"/>
-              <a:t>0: </a:t>
-            </a:r>
-            <a:r>
-              <a:rPr lang="en-US" i="1" dirty="0"/>
-              <a:t>BsmtFinSF1, BsmtFinSF2, BsmtUnfSF1, </a:t>
-            </a:r>
-            <a:r>
-              <a:rPr lang="en-US" i="1" dirty="0" err="1"/>
-              <a:t>MasVnrArea</a:t>
-            </a:r>
-            <a:r>
-              <a:rPr lang="en-US" i="1" dirty="0"/>
-              <a:t>, </a:t>
-            </a:r>
-            <a:r>
-              <a:rPr lang="en-US" i="1" dirty="0" err="1"/>
-              <a:t>BsmtFullBath</a:t>
-            </a:r>
-            <a:r>
-              <a:rPr lang="en-US" i="1" dirty="0"/>
-              <a:t>, </a:t>
-            </a:r>
-            <a:r>
-              <a:rPr lang="en-US" i="1" dirty="0" err="1"/>
-              <a:t>BsmtHalfBath</a:t>
-            </a:r>
-            <a:r>
-              <a:rPr lang="en-US" i="1" dirty="0"/>
-              <a:t>, </a:t>
-            </a:r>
-            <a:r>
-              <a:rPr lang="en-US" i="1" dirty="0" err="1"/>
-              <a:t>GarageCars</a:t>
-            </a:r>
-            <a:r>
-              <a:rPr lang="en-US" i="1" dirty="0"/>
-              <a:t>, </a:t>
-            </a:r>
-            <a:r>
-              <a:rPr lang="en-US" i="1" dirty="0" err="1"/>
-              <a:t>GarageArea</a:t>
-            </a:r>
-            <a:r>
-              <a:rPr lang="en-US" i="1" dirty="0"/>
-              <a:t>,</a:t>
-            </a:r>
-            <a:r>
-              <a:rPr lang="en-US" dirty="0"/>
-              <a:t> </a:t>
-            </a:r>
-          </a:p>
-          <a:p>
-            <a:pPr lvl="1"/>
-            <a:r>
-              <a:rPr lang="en-US" dirty="0"/>
+              <a:rPr lang="en-US" sz="1700"/>
               <a:t>Categorical: </a:t>
             </a:r>
             <a:r>
-              <a:rPr lang="en-US" i="1" dirty="0"/>
-              <a:t>Fill with ”</a:t>
-            </a:r>
-            <a:r>
-              <a:rPr lang="en-US" i="1" dirty="0" err="1"/>
-              <a:t>No_InsertFeature</a:t>
-            </a:r>
-            <a:r>
-              <a:rPr lang="en-US" i="1" dirty="0"/>
-              <a:t>”</a:t>
+              <a:rPr lang="en-US" sz="1700" i="1"/>
+              <a:t>Fill with ”No_(InsertFeature)”</a:t>
             </a:r>
           </a:p>
         </p:txBody>

--- a/Draft_Presentation.pptx
+++ b/Draft_Presentation.pptx
@@ -6842,10 +6842,10 @@
       </p:grpSpPr>
       <p:sp useBgFill="1">
         <p:nvSpPr>
-          <p:cNvPr id="17" name="Rectangle 16">
-            <a:extLst>
-              <a:ext uri="{FF2B5EF4-FFF2-40B4-BE49-F238E27FC236}">
-                <a16:creationId xmlns:a16="http://schemas.microsoft.com/office/drawing/2014/main" id="{DBF61EA3-B236-439E-9C0B-340980D56BEE}"/>
+          <p:cNvPr id="32" name="Rectangle 27">
+            <a:extLst>
+              <a:ext uri="{FF2B5EF4-FFF2-40B4-BE49-F238E27FC236}">
+                <a16:creationId xmlns:a16="http://schemas.microsoft.com/office/drawing/2014/main" id="{743AA782-23D1-4521-8CAD-47662984AA08}"/>
               </a:ext>
               <a:ext uri="{C183D7F6-B498-43B3-948B-1728B52AA6E4}">
                 <adec:decorative xmlns:adec="http://schemas.microsoft.com/office/drawing/2017/decorative" val="1"/>
@@ -6866,7 +6866,7 @@
         <p:spPr>
           <a:xfrm>
             <a:off x="0" y="0"/>
-            <a:ext cx="12191999" cy="6857365"/>
+            <a:ext cx="12192000" cy="6858000"/>
           </a:xfrm>
           <a:prstGeom prst="rect">
             <a:avLst/>
@@ -6918,8 +6918,8 @@
         </p:nvSpPr>
         <p:spPr>
           <a:xfrm>
-            <a:off x="808638" y="386930"/>
-            <a:ext cx="9236700" cy="1188950"/>
+            <a:off x="630936" y="640080"/>
+            <a:ext cx="4818888" cy="1481328"/>
           </a:xfrm>
         </p:spPr>
         <p:txBody>
@@ -6929,27 +6929,27 @@
           <a:lstStyle/>
           <a:p>
             <a:r>
-              <a:rPr lang="en-US" sz="4600"/>
+              <a:rPr lang="en-US" sz="4600" dirty="0"/>
               <a:t>Penalized Linear Regression Model’s</a:t>
             </a:r>
           </a:p>
         </p:txBody>
       </p:sp>
-      <p:grpSp>
-        <p:nvGrpSpPr>
-          <p:cNvPr id="19" name="Group 18">
-            <a:extLst>
-              <a:ext uri="{FF2B5EF4-FFF2-40B4-BE49-F238E27FC236}">
-                <a16:creationId xmlns:a16="http://schemas.microsoft.com/office/drawing/2014/main" id="{28FAF094-D087-493F-8DF9-A486C2D6BBAA}"/>
+      <p:sp>
+        <p:nvSpPr>
+          <p:cNvPr id="33" name="sketch line">
+            <a:extLst>
+              <a:ext uri="{FF2B5EF4-FFF2-40B4-BE49-F238E27FC236}">
+                <a16:creationId xmlns:a16="http://schemas.microsoft.com/office/drawing/2014/main" id="{71877DBC-BB60-40F0-AC93-2ACDBAAE60CE}"/>
               </a:ext>
               <a:ext uri="{C183D7F6-B498-43B3-948B-1728B52AA6E4}">
                 <adec:decorative xmlns:adec="http://schemas.microsoft.com/office/drawing/2017/decorative" val="1"/>
               </a:ext>
             </a:extLst>
           </p:cNvPr>
-          <p:cNvGrpSpPr>
-            <a:grpSpLocks noGrp="1" noUngrp="1" noRot="1" noChangeAspect="1" noMove="1" noResize="1"/>
-          </p:cNvGrpSpPr>
+          <p:cNvSpPr>
+            <a:spLocks noGrp="1" noRot="1" noChangeAspect="1" noMove="1" noResize="1" noEditPoints="1" noAdjustHandles="1" noChangeArrowheads="1" noChangeShapeType="1" noTextEdit="1"/>
+          </p:cNvSpPr>
           <p:nvPr>
             <p:extLst>
               <p:ext uri="{386F3935-93C4-4BCD-93E2-E3B085C9AB24}">
@@ -6957,182 +6957,231 @@
               </p:ext>
             </p:extLst>
           </p:nvPr>
-        </p:nvGrpSpPr>
-        <p:grpSpPr>
+        </p:nvSpPr>
+        <p:spPr>
           <a:xfrm>
-            <a:off x="-2" y="1998368"/>
-            <a:ext cx="11695083" cy="782176"/>
-            <a:chOff x="-2" y="1998368"/>
-            <a:chExt cx="11695083" cy="782176"/>
-          </a:xfrm>
-        </p:grpSpPr>
-        <p:sp>
-          <p:nvSpPr>
-            <p:cNvPr id="20" name="Rectangle 19">
-              <a:extLst>
-                <a:ext uri="{FF2B5EF4-FFF2-40B4-BE49-F238E27FC236}">
-                  <a16:creationId xmlns:a16="http://schemas.microsoft.com/office/drawing/2014/main" id="{8D7C88D8-5509-4514-925A-9CE148E5CBD6}"/>
-                </a:ext>
-                <a:ext uri="{C183D7F6-B498-43B3-948B-1728B52AA6E4}">
-                  <adec:decorative xmlns:adec="http://schemas.microsoft.com/office/drawing/2017/decorative" val="1"/>
-                </a:ext>
-              </a:extLst>
-            </p:cNvPr>
-            <p:cNvSpPr/>
-            <p:nvPr>
-              <p:extLst>
-                <p:ext uri="{386F3935-93C4-4BCD-93E2-E3B085C9AB24}">
-                  <p16:designElem xmlns:p16="http://schemas.microsoft.com/office/powerpoint/2015/main" val="1"/>
-                </p:ext>
-              </p:extLst>
-            </p:nvPr>
-          </p:nvSpPr>
-          <p:spPr>
-            <a:xfrm rot="5400000">
-              <a:off x="11228040" y="2313027"/>
-              <a:ext cx="781700" cy="152382"/>
-            </a:xfrm>
-            <a:prstGeom prst="rect">
-              <a:avLst/>
-            </a:prstGeom>
+            <a:off x="643278" y="2372868"/>
+            <a:ext cx="3255095" cy="18288"/>
+          </a:xfrm>
+          <a:custGeom>
+            <a:avLst/>
+            <a:gdLst>
+              <a:gd name="connsiteX0" fmla="*/ 0 w 3255095"/>
+              <a:gd name="connsiteY0" fmla="*/ 0 h 18288"/>
+              <a:gd name="connsiteX1" fmla="*/ 618468 w 3255095"/>
+              <a:gd name="connsiteY1" fmla="*/ 0 h 18288"/>
+              <a:gd name="connsiteX2" fmla="*/ 1269487 w 3255095"/>
+              <a:gd name="connsiteY2" fmla="*/ 0 h 18288"/>
+              <a:gd name="connsiteX3" fmla="*/ 1953057 w 3255095"/>
+              <a:gd name="connsiteY3" fmla="*/ 0 h 18288"/>
+              <a:gd name="connsiteX4" fmla="*/ 2636627 w 3255095"/>
+              <a:gd name="connsiteY4" fmla="*/ 0 h 18288"/>
+              <a:gd name="connsiteX5" fmla="*/ 3255095 w 3255095"/>
+              <a:gd name="connsiteY5" fmla="*/ 0 h 18288"/>
+              <a:gd name="connsiteX6" fmla="*/ 3255095 w 3255095"/>
+              <a:gd name="connsiteY6" fmla="*/ 18288 h 18288"/>
+              <a:gd name="connsiteX7" fmla="*/ 2538974 w 3255095"/>
+              <a:gd name="connsiteY7" fmla="*/ 18288 h 18288"/>
+              <a:gd name="connsiteX8" fmla="*/ 1822853 w 3255095"/>
+              <a:gd name="connsiteY8" fmla="*/ 18288 h 18288"/>
+              <a:gd name="connsiteX9" fmla="*/ 1171834 w 3255095"/>
+              <a:gd name="connsiteY9" fmla="*/ 18288 h 18288"/>
+              <a:gd name="connsiteX10" fmla="*/ 0 w 3255095"/>
+              <a:gd name="connsiteY10" fmla="*/ 18288 h 18288"/>
+              <a:gd name="connsiteX11" fmla="*/ 0 w 3255095"/>
+              <a:gd name="connsiteY11" fmla="*/ 0 h 18288"/>
+            </a:gdLst>
+            <a:ahLst/>
+            <a:cxnLst>
+              <a:cxn ang="0">
+                <a:pos x="connsiteX0" y="connsiteY0"/>
+              </a:cxn>
+              <a:cxn ang="0">
+                <a:pos x="connsiteX1" y="connsiteY1"/>
+              </a:cxn>
+              <a:cxn ang="0">
+                <a:pos x="connsiteX2" y="connsiteY2"/>
+              </a:cxn>
+              <a:cxn ang="0">
+                <a:pos x="connsiteX3" y="connsiteY3"/>
+              </a:cxn>
+              <a:cxn ang="0">
+                <a:pos x="connsiteX4" y="connsiteY4"/>
+              </a:cxn>
+              <a:cxn ang="0">
+                <a:pos x="connsiteX5" y="connsiteY5"/>
+              </a:cxn>
+              <a:cxn ang="0">
+                <a:pos x="connsiteX6" y="connsiteY6"/>
+              </a:cxn>
+              <a:cxn ang="0">
+                <a:pos x="connsiteX7" y="connsiteY7"/>
+              </a:cxn>
+              <a:cxn ang="0">
+                <a:pos x="connsiteX8" y="connsiteY8"/>
+              </a:cxn>
+              <a:cxn ang="0">
+                <a:pos x="connsiteX9" y="connsiteY9"/>
+              </a:cxn>
+              <a:cxn ang="0">
+                <a:pos x="connsiteX10" y="connsiteY10"/>
+              </a:cxn>
+              <a:cxn ang="0">
+                <a:pos x="connsiteX11" y="connsiteY11"/>
+              </a:cxn>
+            </a:cxnLst>
+            <a:rect l="l" t="t" r="r" b="b"/>
+            <a:pathLst>
+              <a:path w="3255095" h="18288" fill="none" extrusionOk="0">
+                <a:moveTo>
+                  <a:pt x="0" y="0"/>
+                </a:moveTo>
+                <a:cubicBezTo>
+                  <a:pt x="240201" y="-22123"/>
+                  <a:pt x="462021" y="-19623"/>
+                  <a:pt x="618468" y="0"/>
+                </a:cubicBezTo>
+                <a:cubicBezTo>
+                  <a:pt x="774915" y="19623"/>
+                  <a:pt x="974734" y="2035"/>
+                  <a:pt x="1269487" y="0"/>
+                </a:cubicBezTo>
+                <a:cubicBezTo>
+                  <a:pt x="1564240" y="-2035"/>
+                  <a:pt x="1733579" y="10639"/>
+                  <a:pt x="1953057" y="0"/>
+                </a:cubicBezTo>
+                <a:cubicBezTo>
+                  <a:pt x="2172535" y="-10639"/>
+                  <a:pt x="2453962" y="14018"/>
+                  <a:pt x="2636627" y="0"/>
+                </a:cubicBezTo>
+                <a:cubicBezTo>
+                  <a:pt x="2819292" y="-14018"/>
+                  <a:pt x="3121375" y="5399"/>
+                  <a:pt x="3255095" y="0"/>
+                </a:cubicBezTo>
+                <a:cubicBezTo>
+                  <a:pt x="3254386" y="8157"/>
+                  <a:pt x="3254682" y="12125"/>
+                  <a:pt x="3255095" y="18288"/>
+                </a:cubicBezTo>
+                <a:cubicBezTo>
+                  <a:pt x="3088545" y="23203"/>
+                  <a:pt x="2687475" y="7419"/>
+                  <a:pt x="2538974" y="18288"/>
+                </a:cubicBezTo>
+                <a:cubicBezTo>
+                  <a:pt x="2390473" y="29157"/>
+                  <a:pt x="2137381" y="-8959"/>
+                  <a:pt x="1822853" y="18288"/>
+                </a:cubicBezTo>
+                <a:cubicBezTo>
+                  <a:pt x="1508325" y="45535"/>
+                  <a:pt x="1466437" y="20385"/>
+                  <a:pt x="1171834" y="18288"/>
+                </a:cubicBezTo>
+                <a:cubicBezTo>
+                  <a:pt x="877231" y="16191"/>
+                  <a:pt x="561097" y="37643"/>
+                  <a:pt x="0" y="18288"/>
+                </a:cubicBezTo>
+                <a:cubicBezTo>
+                  <a:pt x="-46" y="12483"/>
+                  <a:pt x="-203" y="6491"/>
+                  <a:pt x="0" y="0"/>
+                </a:cubicBezTo>
+                <a:close/>
+              </a:path>
+              <a:path w="3255095" h="18288" stroke="0" extrusionOk="0">
+                <a:moveTo>
+                  <a:pt x="0" y="0"/>
+                </a:moveTo>
+                <a:cubicBezTo>
+                  <a:pt x="291965" y="19429"/>
+                  <a:pt x="363155" y="8568"/>
+                  <a:pt x="618468" y="0"/>
+                </a:cubicBezTo>
+                <a:cubicBezTo>
+                  <a:pt x="873781" y="-8568"/>
+                  <a:pt x="904459" y="-19505"/>
+                  <a:pt x="1171834" y="0"/>
+                </a:cubicBezTo>
+                <a:cubicBezTo>
+                  <a:pt x="1439209" y="19505"/>
+                  <a:pt x="1744369" y="9790"/>
+                  <a:pt x="1887955" y="0"/>
+                </a:cubicBezTo>
+                <a:cubicBezTo>
+                  <a:pt x="2031541" y="-9790"/>
+                  <a:pt x="2346378" y="21240"/>
+                  <a:pt x="2506423" y="0"/>
+                </a:cubicBezTo>
+                <a:cubicBezTo>
+                  <a:pt x="2666468" y="-21240"/>
+                  <a:pt x="2990257" y="30414"/>
+                  <a:pt x="3255095" y="0"/>
+                </a:cubicBezTo>
+                <a:cubicBezTo>
+                  <a:pt x="3254831" y="4493"/>
+                  <a:pt x="3255479" y="9472"/>
+                  <a:pt x="3255095" y="18288"/>
+                </a:cubicBezTo>
+                <a:cubicBezTo>
+                  <a:pt x="3120743" y="16690"/>
+                  <a:pt x="2759628" y="42462"/>
+                  <a:pt x="2604076" y="18288"/>
+                </a:cubicBezTo>
+                <a:cubicBezTo>
+                  <a:pt x="2448524" y="-5886"/>
+                  <a:pt x="2184336" y="19599"/>
+                  <a:pt x="1887955" y="18288"/>
+                </a:cubicBezTo>
+                <a:cubicBezTo>
+                  <a:pt x="1591574" y="16977"/>
+                  <a:pt x="1548845" y="6870"/>
+                  <a:pt x="1334589" y="18288"/>
+                </a:cubicBezTo>
+                <a:cubicBezTo>
+                  <a:pt x="1120333" y="29706"/>
+                  <a:pt x="996014" y="9662"/>
+                  <a:pt x="683570" y="18288"/>
+                </a:cubicBezTo>
+                <a:cubicBezTo>
+                  <a:pt x="371126" y="26914"/>
+                  <a:pt x="198687" y="16167"/>
+                  <a:pt x="0" y="18288"/>
+                </a:cubicBezTo>
+                <a:cubicBezTo>
+                  <a:pt x="843" y="9577"/>
+                  <a:pt x="371" y="6900"/>
+                  <a:pt x="0" y="0"/>
+                </a:cubicBezTo>
+                <a:close/>
+              </a:path>
+            </a:pathLst>
+          </a:custGeom>
+          <a:solidFill>
+            <a:schemeClr val="accent2"/>
+          </a:solidFill>
+          <a:ln w="38100" cap="rnd">
             <a:solidFill>
-              <a:schemeClr val="accent4"/>
+              <a:schemeClr val="accent2"/>
             </a:solidFill>
-            <a:ln>
-              <a:noFill/>
-            </a:ln>
-          </p:spPr>
-          <p:style>
-            <a:lnRef idx="2">
-              <a:schemeClr val="accent1">
-                <a:shade val="50000"/>
-              </a:schemeClr>
-            </a:lnRef>
-            <a:fillRef idx="1">
-              <a:schemeClr val="accent1"/>
-            </a:fillRef>
-            <a:effectRef idx="0">
-              <a:schemeClr val="accent1"/>
-            </a:effectRef>
-            <a:fontRef idx="minor">
-              <a:schemeClr val="lt1"/>
-            </a:fontRef>
-          </p:style>
-          <p:txBody>
-            <a:bodyPr rtlCol="0" anchor="ctr"/>
-            <a:lstStyle/>
-            <a:p>
-              <a:pPr algn="ctr"/>
-              <a:endParaRPr lang="en-US"/>
-            </a:p>
-          </p:txBody>
-        </p:sp>
-        <p:sp>
-          <p:nvSpPr>
-            <p:cNvPr id="21" name="Rectangle 20">
-              <a:extLst>
-                <a:ext uri="{FF2B5EF4-FFF2-40B4-BE49-F238E27FC236}">
-                  <a16:creationId xmlns:a16="http://schemas.microsoft.com/office/drawing/2014/main" id="{7275593D-F75E-4426-AE3E-2CDEFD228D25}"/>
-                </a:ext>
-                <a:ext uri="{C183D7F6-B498-43B3-948B-1728B52AA6E4}">
-                  <adec:decorative xmlns:adec="http://schemas.microsoft.com/office/drawing/2017/decorative" val="1"/>
-                </a:ext>
-              </a:extLst>
-            </p:cNvPr>
-            <p:cNvSpPr/>
-            <p:nvPr>
-              <p:extLst>
-                <p:ext uri="{386F3935-93C4-4BCD-93E2-E3B085C9AB24}">
-                  <p16:designElem xmlns:p16="http://schemas.microsoft.com/office/powerpoint/2015/main" val="1"/>
-                </p:ext>
-              </p:extLst>
-            </p:nvPr>
-          </p:nvSpPr>
-          <p:spPr>
-            <a:xfrm flipH="1" flipV="1">
-              <a:off x="-2" y="1998845"/>
-              <a:ext cx="11454595" cy="781699"/>
-            </a:xfrm>
-            <a:prstGeom prst="rect">
-              <a:avLst/>
-            </a:prstGeom>
-            <a:solidFill>
-              <a:schemeClr val="accent4"/>
-            </a:solidFill>
-            <a:ln>
-              <a:noFill/>
-            </a:ln>
-          </p:spPr>
-          <p:style>
-            <a:lnRef idx="2">
-              <a:schemeClr val="accent1">
-                <a:shade val="50000"/>
-              </a:schemeClr>
-            </a:lnRef>
-            <a:fillRef idx="1">
-              <a:schemeClr val="accent1"/>
-            </a:fillRef>
-            <a:effectRef idx="0">
-              <a:schemeClr val="accent1"/>
-            </a:effectRef>
-            <a:fontRef idx="minor">
-              <a:schemeClr val="lt1"/>
-            </a:fontRef>
-          </p:style>
-          <p:txBody>
-            <a:bodyPr rtlCol="0" anchor="ctr"/>
-            <a:lstStyle/>
-            <a:p>
-              <a:pPr algn="ctr"/>
-              <a:endParaRPr lang="en-US"/>
-            </a:p>
-          </p:txBody>
-        </p:sp>
-      </p:grpSp>
-      <p:sp>
-        <p:nvSpPr>
-          <p:cNvPr id="23" name="Rectangle 22">
-            <a:extLst>
-              <a:ext uri="{FF2B5EF4-FFF2-40B4-BE49-F238E27FC236}">
-                <a16:creationId xmlns:a16="http://schemas.microsoft.com/office/drawing/2014/main" id="{E659831F-0D9A-4C63-9EBB-8435B85A440F}"/>
-              </a:ext>
-              <a:ext uri="{C183D7F6-B498-43B3-948B-1728B52AA6E4}">
-                <adec:decorative xmlns:adec="http://schemas.microsoft.com/office/drawing/2017/decorative" val="1"/>
-              </a:ext>
-            </a:extLst>
-          </p:cNvPr>
-          <p:cNvSpPr>
-            <a:spLocks noGrp="1" noRot="1" noChangeAspect="1" noMove="1" noResize="1" noEditPoints="1" noAdjustHandles="1" noChangeArrowheads="1" noChangeShapeType="1" noTextEdit="1"/>
-          </p:cNvSpPr>
-          <p:nvPr>
-            <p:extLst>
-              <p:ext uri="{386F3935-93C4-4BCD-93E2-E3B085C9AB24}">
-                <p16:designElem xmlns:p16="http://schemas.microsoft.com/office/powerpoint/2015/main" val="1"/>
-              </p:ext>
-            </p:extLst>
-          </p:nvPr>
-        </p:nvSpPr>
-        <p:spPr>
-          <a:xfrm>
-            <a:off x="0" y="2203079"/>
-            <a:ext cx="11383362" cy="4147845"/>
-          </a:xfrm>
-          <a:prstGeom prst="rect">
-            <a:avLst/>
-          </a:prstGeom>
-          <a:solidFill>
-            <a:schemeClr val="bg1"/>
-          </a:solidFill>
-          <a:ln>
-            <a:noFill/>
+            <a:round/>
+            <a:extLst>
+              <a:ext uri="{C807C97D-BFC1-408E-A445-0C87EB9F89A2}">
+                <ask:lineSketchStyleProps xmlns:ask="http://schemas.microsoft.com/office/drawing/2018/sketchyshapes" sd="1219033472">
+                  <a:prstGeom prst="rect">
+                    <a:avLst/>
+                  </a:prstGeom>
+                  <ask:type>
+                    <ask:lineSketchFreehand/>
+                  </ask:type>
+                </ask:lineSketchStyleProps>
+              </a:ext>
+            </a:extLst>
           </a:ln>
-          <a:effectLst>
-            <a:outerShdw blurRad="139700" dist="127000" dir="5400000" algn="t" rotWithShape="0">
-              <a:prstClr val="black">
-                <a:alpha val="15000"/>
-              </a:prstClr>
-            </a:outerShdw>
-          </a:effectLst>
         </p:spPr>
         <p:style>
           <a:lnRef idx="2">
@@ -7177,81 +7226,128 @@
         </p:nvSpPr>
         <p:spPr>
           <a:xfrm>
-            <a:off x="793660" y="2599509"/>
-            <a:ext cx="10143668" cy="3435531"/>
-          </a:xfrm>
-        </p:spPr>
-        <p:txBody>
-          <a:bodyPr anchor="ctr">
+            <a:off x="630936" y="2660904"/>
+            <a:ext cx="4818888" cy="3547872"/>
+          </a:xfrm>
+        </p:spPr>
+        <p:txBody>
+          <a:bodyPr anchor="t">
             <a:normAutofit/>
           </a:bodyPr>
           <a:lstStyle/>
           <a:p>
             <a:r>
-              <a:rPr lang="en-US" sz="2000"/>
+              <a:rPr lang="en-US" sz="2000" b="1" dirty="0"/>
               <a:t>Ridge – Best Score – R2 = 93.33</a:t>
             </a:r>
           </a:p>
           <a:p>
             <a:pPr lvl="1"/>
             <a:r>
-              <a:rPr lang="en-US" sz="2000"/>
-              <a:t>Params: alpha = 1.0, max_iter= 10,000</a:t>
+              <a:rPr lang="en-US" sz="1700" dirty="0"/>
+              <a:t>Params: alpha = 1.0, </a:t>
+            </a:r>
+            <a:r>
+              <a:rPr lang="en-US" sz="1700" dirty="0" err="1"/>
+              <a:t>max_iter</a:t>
+            </a:r>
+            <a:r>
+              <a:rPr lang="en-US" sz="1700" dirty="0"/>
+              <a:t>= 10,000</a:t>
+            </a:r>
+          </a:p>
+          <a:p>
+            <a:pPr marL="457200" lvl="1" indent="0">
+              <a:buNone/>
+            </a:pPr>
+            <a:endParaRPr lang="en-US" sz="1700" dirty="0"/>
+          </a:p>
+          <a:p>
+            <a:r>
+              <a:rPr lang="en-US" sz="2000" b="1" dirty="0"/>
+              <a:t>Lasso – Best Score – R2 = 93.33</a:t>
             </a:r>
           </a:p>
           <a:p>
             <a:pPr lvl="1"/>
             <a:r>
-              <a:rPr lang="en-US" sz="2000"/>
-              <a:t>Most Important Features</a:t>
-            </a:r>
-          </a:p>
-          <a:p>
-            <a:r>
-              <a:rPr lang="en-US" sz="2000"/>
-              <a:t>Lasso – Best Score – R2 = 93.33</a:t>
+              <a:rPr lang="en-US" sz="1700" dirty="0"/>
+              <a:t>Params: alpha = .0009, </a:t>
+            </a:r>
+            <a:r>
+              <a:rPr lang="en-US" sz="1700" dirty="0" err="1"/>
+              <a:t>max_iter</a:t>
+            </a:r>
+            <a:r>
+              <a:rPr lang="en-US" sz="1700" dirty="0"/>
+              <a:t> = 10,000</a:t>
+            </a:r>
+          </a:p>
+          <a:p>
+            <a:pPr marL="457200" lvl="1" indent="0">
+              <a:buNone/>
+            </a:pPr>
+            <a:endParaRPr lang="en-US" sz="1700" dirty="0"/>
+          </a:p>
+          <a:p>
+            <a:r>
+              <a:rPr lang="en-US" sz="2000" b="1" dirty="0"/>
+              <a:t>Elastic Net – Best Score – R2 = 93.35</a:t>
             </a:r>
           </a:p>
           <a:p>
             <a:pPr lvl="1"/>
             <a:r>
-              <a:rPr lang="en-US" sz="2000"/>
-              <a:t>Params: alpha = .0009, max_iter = 10,000</a:t>
-            </a:r>
-          </a:p>
-          <a:p>
-            <a:pPr lvl="1"/>
-            <a:r>
-              <a:rPr lang="en-US" sz="2000"/>
-              <a:t>Most Important Features</a:t>
-            </a:r>
-          </a:p>
-          <a:p>
-            <a:r>
-              <a:rPr lang="en-US" sz="2000"/>
-              <a:t>Elastic Net – Best Score – R2 = 93.35</a:t>
-            </a:r>
-          </a:p>
-          <a:p>
-            <a:pPr lvl="1"/>
-            <a:r>
-              <a:rPr lang="en-US" sz="2000"/>
-              <a:t>Params: alpha = .0002, rho=0.3, max_iter = 10,000</a:t>
-            </a:r>
-          </a:p>
-          <a:p>
-            <a:pPr lvl="1"/>
-            <a:r>
-              <a:rPr lang="en-US" sz="2000"/>
-              <a:t>Most Important Features</a:t>
-            </a:r>
-          </a:p>
-          <a:p>
-            <a:pPr lvl="1"/>
-            <a:endParaRPr lang="en-US" sz="2000"/>
-          </a:p>
-        </p:txBody>
-      </p:sp>
+              <a:rPr lang="en-US" sz="1700" dirty="0"/>
+              <a:t>Params: alpha = .0002, rho=0.3, </a:t>
+            </a:r>
+            <a:r>
+              <a:rPr lang="en-US" sz="1700" dirty="0" err="1"/>
+              <a:t>max_iter</a:t>
+            </a:r>
+            <a:r>
+              <a:rPr lang="en-US" sz="1700" dirty="0"/>
+              <a:t> = 10,000</a:t>
+            </a:r>
+          </a:p>
+          <a:p>
+            <a:pPr marL="457200" lvl="1" indent="0">
+              <a:buNone/>
+            </a:pPr>
+            <a:endParaRPr lang="en-US" sz="1700" dirty="0"/>
+          </a:p>
+        </p:txBody>
+      </p:sp>
+      <p:pic>
+        <p:nvPicPr>
+          <p:cNvPr id="5" name="Picture 4">
+            <a:extLst>
+              <a:ext uri="{FF2B5EF4-FFF2-40B4-BE49-F238E27FC236}">
+                <a16:creationId xmlns:a16="http://schemas.microsoft.com/office/drawing/2014/main" id="{71B855AC-D1D7-C149-9D94-FDD599CFD2EC}"/>
+              </a:ext>
+            </a:extLst>
+          </p:cNvPr>
+          <p:cNvPicPr>
+            <a:picLocks noChangeAspect="1"/>
+          </p:cNvPicPr>
+          <p:nvPr/>
+        </p:nvPicPr>
+        <p:blipFill>
+          <a:blip r:embed="rId2"/>
+          <a:stretch>
+            <a:fillRect/>
+          </a:stretch>
+        </p:blipFill>
+        <p:spPr>
+          <a:xfrm>
+            <a:off x="6099048" y="736203"/>
+            <a:ext cx="5458968" cy="5385594"/>
+          </a:xfrm>
+          <a:prstGeom prst="rect">
+            <a:avLst/>
+          </a:prstGeom>
+        </p:spPr>
+      </p:pic>
     </p:spTree>
     <p:extLst>
       <p:ext uri="{BB962C8B-B14F-4D97-AF65-F5344CB8AC3E}">
@@ -7565,8 +7661,8 @@
         </p:nvSpPr>
         <p:spPr>
           <a:xfrm>
-            <a:off x="6406429" y="2599509"/>
-            <a:ext cx="4530898" cy="3639450"/>
+            <a:off x="6096000" y="2599509"/>
+            <a:ext cx="5287362" cy="3639450"/>
           </a:xfrm>
         </p:spPr>
         <p:txBody>
@@ -7576,23 +7672,100 @@
           <a:lstStyle/>
           <a:p>
             <a:r>
-              <a:rPr lang="en-US" sz="2000"/>
+              <a:rPr lang="en-US" sz="2300" b="1" dirty="0"/>
               <a:t>Random Forest - Best Score - R2 = 91.13</a:t>
             </a:r>
           </a:p>
           <a:p>
             <a:pPr lvl="1"/>
             <a:r>
-              <a:rPr lang="en-US" sz="2000"/>
-              <a:t>Params: max_depth = None, max_features=25, min_samples_leaf = 5, n_estimators = 1000</a:t>
+              <a:rPr lang="en-US" sz="2000" dirty="0"/>
+              <a:t>Params: </a:t>
+            </a:r>
+            <a:r>
+              <a:rPr lang="en-US" sz="2000" dirty="0" err="1"/>
+              <a:t>max_depth</a:t>
+            </a:r>
+            <a:r>
+              <a:rPr lang="en-US" sz="2000" dirty="0"/>
+              <a:t> = None, </a:t>
+            </a:r>
+            <a:r>
+              <a:rPr lang="en-US" sz="2000" dirty="0" err="1"/>
+              <a:t>max_features</a:t>
+            </a:r>
+            <a:r>
+              <a:rPr lang="en-US" sz="2000" dirty="0"/>
+              <a:t>=25, </a:t>
+            </a:r>
+            <a:r>
+              <a:rPr lang="en-US" sz="2000" dirty="0" err="1"/>
+              <a:t>min_samples_leaf</a:t>
+            </a:r>
+            <a:r>
+              <a:rPr lang="en-US" sz="2000" dirty="0"/>
+              <a:t> = 5, </a:t>
+            </a:r>
+            <a:r>
+              <a:rPr lang="en-US" sz="2000" dirty="0" err="1"/>
+              <a:t>n_estimators</a:t>
+            </a:r>
+            <a:r>
+              <a:rPr lang="en-US" sz="2000" dirty="0"/>
+              <a:t> = 1000</a:t>
             </a:r>
           </a:p>
           <a:p>
             <a:pPr lvl="1"/>
             <a:r>
-              <a:rPr lang="en-US" sz="2000"/>
-              <a:t>Important Features: TotalLivArea, OverallQual, YearBuilt, ExterQual, KitchQual, GarageArea</a:t>
-            </a:r>
+              <a:rPr lang="en-US" sz="2000" dirty="0"/>
+              <a:t>Important Features: </a:t>
+            </a:r>
+            <a:r>
+              <a:rPr lang="en-US" sz="2000" dirty="0" err="1"/>
+              <a:t>TotalLivArea</a:t>
+            </a:r>
+            <a:r>
+              <a:rPr lang="en-US" sz="2000" dirty="0"/>
+              <a:t>, </a:t>
+            </a:r>
+            <a:r>
+              <a:rPr lang="en-US" sz="2000" dirty="0" err="1"/>
+              <a:t>OverallQual</a:t>
+            </a:r>
+            <a:r>
+              <a:rPr lang="en-US" sz="2000" dirty="0"/>
+              <a:t>, </a:t>
+            </a:r>
+            <a:r>
+              <a:rPr lang="en-US" sz="2000" dirty="0" err="1"/>
+              <a:t>YearBuilt</a:t>
+            </a:r>
+            <a:r>
+              <a:rPr lang="en-US" sz="2000" dirty="0"/>
+              <a:t>, </a:t>
+            </a:r>
+            <a:r>
+              <a:rPr lang="en-US" sz="2000" dirty="0" err="1"/>
+              <a:t>ExterQual</a:t>
+            </a:r>
+            <a:r>
+              <a:rPr lang="en-US" sz="2000" dirty="0"/>
+              <a:t>, </a:t>
+            </a:r>
+            <a:r>
+              <a:rPr lang="en-US" sz="2000" dirty="0" err="1"/>
+              <a:t>KitchQual</a:t>
+            </a:r>
+            <a:r>
+              <a:rPr lang="en-US" sz="2000" dirty="0"/>
+              <a:t>, </a:t>
+            </a:r>
+            <a:r>
+              <a:rPr lang="en-US" sz="2000" dirty="0" err="1"/>
+              <a:t>GarageArea</a:t>
+            </a:r>
+            <a:endParaRPr lang="en-US" sz="2000" dirty="0"/>
           </a:p>
         </p:txBody>
       </p:sp>
@@ -8045,7 +8218,7 @@
           <a:lstStyle/>
           <a:p>
             <a:r>
-              <a:rPr lang="en-US" sz="2400"/>
+              <a:rPr lang="en-US" b="1" dirty="0"/>
               <a:t>Gradient Boost – Best Score – R2 = 93.86</a:t>
             </a:r>
           </a:p>
@@ -8056,7 +8229,7 @@
               <a:t>Params: </a:t>
             </a:r>
             <a:r>
-              <a:rPr lang="en-US"/>
+              <a:rPr lang="en-US" dirty="0" err="1"/>
               <a:t>n_estimators</a:t>
             </a:r>
             <a:r>
@@ -8064,7 +8237,7 @@
               <a:t> = 1000, </a:t>
             </a:r>
             <a:r>
-              <a:rPr lang="en-US"/>
+              <a:rPr lang="en-US" dirty="0" err="1"/>
               <a:t>max_depth</a:t>
             </a:r>
             <a:r>
@@ -8072,7 +8245,7 @@
               <a:t> = 2, </a:t>
             </a:r>
             <a:r>
-              <a:rPr lang="en-US"/>
+              <a:rPr lang="en-US" dirty="0" err="1"/>
               <a:t>learning_rate</a:t>
             </a:r>
             <a:r>
@@ -8082,7 +8255,7 @@
           </a:p>
           <a:p>
             <a:r>
-              <a:rPr lang="en-US" sz="2400"/>
+              <a:rPr lang="en-US" b="1" dirty="0"/>
               <a:t>AdaBoost Score – Best Score – R2 = 84.54 </a:t>
             </a:r>
           </a:p>
@@ -8093,7 +8266,7 @@
               <a:t>Params: </a:t>
             </a:r>
             <a:r>
-              <a:rPr lang="en-US"/>
+              <a:rPr lang="en-US" dirty="0" err="1"/>
               <a:t>n_estimators</a:t>
             </a:r>
             <a:r>
@@ -8103,8 +8276,12 @@
           </a:p>
           <a:p>
             <a:r>
-              <a:rPr lang="en-US" sz="2400"/>
-              <a:t>CatBoost Score – Best Score – R2 = 94.21</a:t>
+              <a:rPr lang="en-US" b="1" dirty="0" err="1"/>
+              <a:t>CatBoost</a:t>
+            </a:r>
+            <a:r>
+              <a:rPr lang="en-US" b="1" dirty="0"/>
+              <a:t> Score – Best Score – R2 = 94.21</a:t>
             </a:r>
           </a:p>
           <a:p>
@@ -8114,7 +8291,7 @@
               <a:t>Params: depth = 4, iteration = 700, l2_leaf_reg = 0.2, </a:t>
             </a:r>
             <a:r>
-              <a:rPr lang="en-US"/>
+              <a:rPr lang="en-US" dirty="0" err="1"/>
               <a:t>learning_rate</a:t>
             </a:r>
             <a:r>
@@ -8123,7 +8300,7 @@
             </a:r>
           </a:p>
           <a:p>
-            <a:endParaRPr lang="en-US" sz="2400"/>
+            <a:endParaRPr lang="en-US" sz="2400" dirty="0"/>
           </a:p>
         </p:txBody>
       </p:sp>
@@ -8502,7 +8679,7 @@
         </p:nvSpPr>
         <p:spPr>
           <a:xfrm>
-            <a:off x="793660" y="2599509"/>
+            <a:off x="808638" y="2271775"/>
             <a:ext cx="10143668" cy="3435531"/>
           </a:xfrm>
         </p:spPr>
@@ -8513,15 +8690,49 @@
           <a:lstStyle/>
           <a:p>
             <a:r>
-              <a:rPr lang="en-US" sz="2400"/>
+              <a:rPr lang="en-US" b="1" dirty="0"/>
               <a:t>Linear Best Score – Best Score – R2 = 94.91</a:t>
             </a:r>
           </a:p>
           <a:p>
+            <a:r>
+              <a:rPr lang="en-US" dirty="0"/>
+              <a:t>Params: </a:t>
+            </a:r>
+          </a:p>
+          <a:p>
             <a:pPr lvl="1"/>
             <a:r>
               <a:rPr lang="en-US" dirty="0"/>
-              <a:t>Params: gamma = 0.1, C = 1.125, epsilon = 0.04, kernel = ‘poly’, degree = 1</a:t>
+              <a:t>gamma = 0.1, </a:t>
+            </a:r>
+          </a:p>
+          <a:p>
+            <a:pPr lvl="1"/>
+            <a:r>
+              <a:rPr lang="en-US" dirty="0"/>
+              <a:t>C = 1.125, </a:t>
+            </a:r>
+          </a:p>
+          <a:p>
+            <a:pPr lvl="1"/>
+            <a:r>
+              <a:rPr lang="en-US" dirty="0"/>
+              <a:t>epsilon = 0.04, </a:t>
+            </a:r>
+          </a:p>
+          <a:p>
+            <a:pPr lvl="1"/>
+            <a:r>
+              <a:rPr lang="en-US" dirty="0"/>
+              <a:t>kernel = ‘poly’, </a:t>
+            </a:r>
+          </a:p>
+          <a:p>
+            <a:pPr lvl="1"/>
+            <a:r>
+              <a:rPr lang="en-US" dirty="0"/>
+              <a:t>degree = 1</a:t>
             </a:r>
           </a:p>
         </p:txBody>
@@ -8901,8 +9112,8 @@
         </p:nvSpPr>
         <p:spPr>
           <a:xfrm>
-            <a:off x="793660" y="2599509"/>
-            <a:ext cx="10143668" cy="3435531"/>
+            <a:off x="496919" y="1419997"/>
+            <a:ext cx="11383362" cy="3435531"/>
           </a:xfrm>
         </p:spPr>
         <p:txBody>
@@ -8912,45 +9123,69 @@
           <a:lstStyle/>
           <a:p>
             <a:r>
-              <a:rPr lang="en-US" sz="2400"/>
-              <a:t>Voting Regressor (average) – Best Score – R2 = 95.41</a:t>
+              <a:rPr lang="en-US" b="1" dirty="0"/>
+              <a:t>Stacking (average) – Best Score – R2 = 95.61</a:t>
             </a:r>
           </a:p>
           <a:p>
             <a:pPr lvl="1"/>
             <a:r>
-              <a:rPr lang="en-US" dirty="0"/>
+              <a:rPr lang="en-US" sz="2100" dirty="0"/>
               <a:t>Models: Lasso, Ridge, </a:t>
             </a:r>
             <a:r>
-              <a:rPr lang="en-US"/>
+              <a:rPr lang="en-US" sz="2100" dirty="0" err="1"/>
               <a:t>ElasticNet</a:t>
             </a:r>
             <a:r>
-              <a:rPr lang="en-US" dirty="0"/>
+              <a:rPr lang="en-US" sz="2100" dirty="0"/>
               <a:t>, SVM, Gradient Boost, </a:t>
             </a:r>
             <a:r>
-              <a:rPr lang="en-US"/>
+              <a:rPr lang="en-US" sz="2100" dirty="0" err="1"/>
               <a:t>CatBoost</a:t>
             </a:r>
-            <a:endParaRPr lang="en-US" dirty="0"/>
-          </a:p>
-          <a:p>
-            <a:r>
-              <a:rPr lang="en-US" sz="2400"/>
-              <a:t>Stacking</a:t>
-            </a:r>
+            <a:endParaRPr lang="en-US" sz="2100" dirty="0"/>
           </a:p>
           <a:p>
             <a:pPr lvl="1"/>
             <a:r>
-              <a:rPr lang="en-US" dirty="0"/>
-              <a:t>Can we do this?</a:t>
-            </a:r>
-          </a:p>
-        </p:txBody>
-      </p:sp>
+              <a:rPr lang="en-US" sz="2100" dirty="0"/>
+              <a:t>Took the average of the predicted values of each individual model and the average prediction resulted in better predictions than each model.</a:t>
+            </a:r>
+          </a:p>
+        </p:txBody>
+      </p:sp>
+      <p:pic>
+        <p:nvPicPr>
+          <p:cNvPr id="6" name="Picture 5">
+            <a:extLst>
+              <a:ext uri="{FF2B5EF4-FFF2-40B4-BE49-F238E27FC236}">
+                <a16:creationId xmlns:a16="http://schemas.microsoft.com/office/drawing/2014/main" id="{5A749B84-54B5-AA43-BDC4-8970691CEF5F}"/>
+              </a:ext>
+            </a:extLst>
+          </p:cNvPr>
+          <p:cNvPicPr>
+            <a:picLocks noChangeAspect="1"/>
+          </p:cNvPicPr>
+          <p:nvPr/>
+        </p:nvPicPr>
+        <p:blipFill>
+          <a:blip r:embed="rId2"/>
+          <a:stretch>
+            <a:fillRect/>
+          </a:stretch>
+        </p:blipFill>
+        <p:spPr>
+          <a:xfrm>
+            <a:off x="1682345" y="4205425"/>
+            <a:ext cx="8089900" cy="2070100"/>
+          </a:xfrm>
+          <a:prstGeom prst="rect">
+            <a:avLst/>
+          </a:prstGeom>
+        </p:spPr>
+      </p:pic>
     </p:spTree>
     <p:extLst>
       <p:ext uri="{BB962C8B-B14F-4D97-AF65-F5344CB8AC3E}">
@@ -9854,8 +10089,8 @@
         </p:nvSpPr>
         <p:spPr>
           <a:xfrm>
-            <a:off x="1285241" y="1008993"/>
-            <a:ext cx="9231410" cy="3542045"/>
+            <a:off x="736601" y="760800"/>
+            <a:ext cx="9231410" cy="715304"/>
           </a:xfrm>
         </p:spPr>
         <p:txBody>
@@ -9865,7 +10100,7 @@
           <a:lstStyle/>
           <a:p>
             <a:r>
-              <a:rPr lang="en-US" sz="8900" kern="1200">
+              <a:rPr lang="en-US" sz="4000" kern="1200" dirty="0">
                 <a:solidFill>
                   <a:schemeClr val="tx1"/>
                 </a:solidFill>
@@ -9875,6 +10110,116 @@
               </a:rPr>
               <a:t>Next Steps/Lessons Learned</a:t>
             </a:r>
+          </a:p>
+        </p:txBody>
+      </p:sp>
+      <p:sp>
+        <p:nvSpPr>
+          <p:cNvPr id="3" name="TextBox 2">
+            <a:extLst>
+              <a:ext uri="{FF2B5EF4-FFF2-40B4-BE49-F238E27FC236}">
+                <a16:creationId xmlns:a16="http://schemas.microsoft.com/office/drawing/2014/main" id="{82D66A93-2068-384C-A121-22329A5647C2}"/>
+              </a:ext>
+            </a:extLst>
+          </p:cNvPr>
+          <p:cNvSpPr txBox="1"/>
+          <p:nvPr/>
+        </p:nvSpPr>
+        <p:spPr>
+          <a:xfrm>
+            <a:off x="953589" y="1665217"/>
+            <a:ext cx="9940834" cy="4431983"/>
+          </a:xfrm>
+          <a:prstGeom prst="rect">
+            <a:avLst/>
+          </a:prstGeom>
+          <a:noFill/>
+        </p:spPr>
+        <p:txBody>
+          <a:bodyPr wrap="square" rtlCol="0">
+            <a:spAutoFit/>
+          </a:bodyPr>
+          <a:lstStyle/>
+          <a:p>
+            <a:pPr marL="285750" indent="-285750">
+              <a:lnSpc>
+                <a:spcPct val="200000"/>
+              </a:lnSpc>
+              <a:buFont typeface="Arial" panose="020B0604020202020204" pitchFamily="34" charset="0"/>
+              <a:buChar char="•"/>
+            </a:pPr>
+            <a:r>
+              <a:rPr lang="en-US" sz="2200" dirty="0"/>
+              <a:t>Create ensemble model with weighting </a:t>
+            </a:r>
+          </a:p>
+          <a:p>
+            <a:pPr marL="285750" indent="-285750">
+              <a:lnSpc>
+                <a:spcPct val="200000"/>
+              </a:lnSpc>
+              <a:buFont typeface="Arial" panose="020B0604020202020204" pitchFamily="34" charset="0"/>
+              <a:buChar char="•"/>
+            </a:pPr>
+            <a:r>
+              <a:rPr lang="en-US" sz="2200" dirty="0"/>
+              <a:t>Explore more advanced models such as neural network</a:t>
+            </a:r>
+          </a:p>
+          <a:p>
+            <a:pPr marL="285750" indent="-285750">
+              <a:lnSpc>
+                <a:spcPct val="200000"/>
+              </a:lnSpc>
+              <a:buFont typeface="Arial" panose="020B0604020202020204" pitchFamily="34" charset="0"/>
+              <a:buChar char="•"/>
+            </a:pPr>
+            <a:r>
+              <a:rPr lang="en-US" sz="2200" dirty="0"/>
+              <a:t>Increase predictive capability within the app </a:t>
+            </a:r>
+          </a:p>
+          <a:p>
+            <a:pPr marL="285750" indent="-285750">
+              <a:lnSpc>
+                <a:spcPct val="200000"/>
+              </a:lnSpc>
+              <a:buFont typeface="Arial" panose="020B0604020202020204" pitchFamily="34" charset="0"/>
+              <a:buChar char="•"/>
+            </a:pPr>
+            <a:r>
+              <a:rPr lang="en-US" sz="2200" dirty="0"/>
+              <a:t>Getting business feedback from stakeholders</a:t>
+            </a:r>
+          </a:p>
+          <a:p>
+            <a:pPr marL="285750" indent="-285750">
+              <a:lnSpc>
+                <a:spcPct val="200000"/>
+              </a:lnSpc>
+              <a:buFont typeface="Arial" panose="020B0604020202020204" pitchFamily="34" charset="0"/>
+              <a:buChar char="•"/>
+            </a:pPr>
+            <a:r>
+              <a:rPr lang="en-US" sz="2200" dirty="0"/>
+              <a:t>Make predictions relevant to present day</a:t>
+            </a:r>
+          </a:p>
+          <a:p>
+            <a:pPr marL="285750" indent="-285750">
+              <a:lnSpc>
+                <a:spcPct val="200000"/>
+              </a:lnSpc>
+              <a:buFont typeface="Arial" panose="020B0604020202020204" pitchFamily="34" charset="0"/>
+              <a:buChar char="•"/>
+            </a:pPr>
+            <a:r>
+              <a:rPr lang="en-US" sz="2200" dirty="0"/>
+              <a:t>inflation, market trends, &amp; other economic factors</a:t>
+            </a:r>
+          </a:p>
+          <a:p>
+            <a:endParaRPr lang="en-US" dirty="0"/>
           </a:p>
         </p:txBody>
       </p:sp>
